--- a/7.Slide/KLTN_Slide.pptx
+++ b/7.Slide/KLTN_Slide.pptx
@@ -5,7 +5,7 @@
     <p:sldMasterId id="2147483648" r:id="rId1"/>
   </p:sldMasterIdLst>
   <p:notesMasterIdLst>
-    <p:notesMasterId r:id="rId33"/>
+    <p:notesMasterId r:id="rId39"/>
   </p:notesMasterIdLst>
   <p:sldIdLst>
     <p:sldId id="256" r:id="rId2"/>
@@ -39,6 +39,12 @@
     <p:sldId id="284" r:id="rId30"/>
     <p:sldId id="285" r:id="rId31"/>
     <p:sldId id="286" r:id="rId32"/>
+    <p:sldId id="287" r:id="rId33"/>
+    <p:sldId id="288" r:id="rId34"/>
+    <p:sldId id="289" r:id="rId35"/>
+    <p:sldId id="290" r:id="rId36"/>
+    <p:sldId id="292" r:id="rId37"/>
+    <p:sldId id="291" r:id="rId38"/>
   </p:sldIdLst>
   <p:sldSz cx="9144000" cy="6858000" type="screen4x3"/>
   <p:notesSz cx="6858000" cy="9144000"/>
@@ -9863,8 +9869,8 @@
     <dgm:cxn modelId="{22D206AE-1588-4574-955B-0A088DEF516D}" type="presOf" srcId="{12844161-CF06-4017-8FD2-ACD8BE51C613}" destId="{8D4E7A76-3B2D-4B2D-B920-DEB1E999BFA1}" srcOrd="0" destOrd="0" presId="urn:microsoft.com/office/officeart/2005/8/layout/chevron2"/>
     <dgm:cxn modelId="{DC049055-5B7E-4E39-ADB6-9FF9BE828688}" type="presOf" srcId="{5B9A3D10-50CF-4186-B7DA-213693A101F2}" destId="{321DA0E9-3B85-483C-8462-01040C69153B}" srcOrd="0" destOrd="0" presId="urn:microsoft.com/office/officeart/2005/8/layout/chevron2"/>
     <dgm:cxn modelId="{861A20C2-03C2-4198-B0A5-4F1924FC6571}" type="presOf" srcId="{6DEB8F58-B38E-4CAD-BA9D-07202DC9FAC0}" destId="{AE7C6710-F2A4-4745-8315-48F7CF055047}" srcOrd="0" destOrd="0" presId="urn:microsoft.com/office/officeart/2005/8/layout/chevron2"/>
+    <dgm:cxn modelId="{FDE6C090-75EC-47D3-BDA8-2DFFD6FF1F9A}" type="presOf" srcId="{9FCA7F40-E9B8-4F57-B6B1-6EE84A19FAE9}" destId="{D03A7E14-C68F-49E3-B459-8514579CF091}" srcOrd="0" destOrd="0" presId="urn:microsoft.com/office/officeart/2005/8/layout/chevron2"/>
     <dgm:cxn modelId="{61279F40-E75C-491A-9646-953F99B2D929}" srcId="{F96FD2CB-132B-443E-8D63-E114E9B6CA9F}" destId="{6DEB8F58-B38E-4CAD-BA9D-07202DC9FAC0}" srcOrd="0" destOrd="0" parTransId="{FE557A90-B257-4408-B252-45C4398F9A15}" sibTransId="{9D3BBBDB-3D9A-4DE3-A4EA-57D68EE8295D}"/>
-    <dgm:cxn modelId="{FDE6C090-75EC-47D3-BDA8-2DFFD6FF1F9A}" type="presOf" srcId="{9FCA7F40-E9B8-4F57-B6B1-6EE84A19FAE9}" destId="{D03A7E14-C68F-49E3-B459-8514579CF091}" srcOrd="0" destOrd="0" presId="urn:microsoft.com/office/officeart/2005/8/layout/chevron2"/>
     <dgm:cxn modelId="{336E32B0-FE46-4A79-AD9D-4D39011AC076}" srcId="{FCA5203D-7D96-45D9-A47C-B1AB4200A79B}" destId="{93337A5E-9476-46FC-8DDC-E7F8A1E0989B}" srcOrd="0" destOrd="0" parTransId="{530C4DD6-7648-47FF-9A74-F0CB4D33BB68}" sibTransId="{15E9ADFA-9FAF-4ACD-BA55-DD5954225716}"/>
     <dgm:cxn modelId="{884B5EAE-11B1-4043-B619-8D6C32A3A941}" type="presOf" srcId="{C05C549C-604B-4C57-8632-9E1414014404}" destId="{64AE8AFF-8826-4934-B243-A53B650FD967}" srcOrd="0" destOrd="0" presId="urn:microsoft.com/office/officeart/2005/8/layout/chevron2"/>
     <dgm:cxn modelId="{ABC792E6-0E52-4E51-B2A1-753D3AB6AACF}" srcId="{09AB8FDF-E2A9-4494-ACC0-47952A5CF9FE}" destId="{F96FD2CB-132B-443E-8D63-E114E9B6CA9F}" srcOrd="2" destOrd="0" parTransId="{D1167B82-5231-456A-B5CD-193727D84FD5}" sibTransId="{A084D5B3-1755-45FB-9F27-C0EA14A74B2C}"/>
@@ -10619,8 +10625,8 @@
     <dgm:cxn modelId="{44E243E4-984C-4CB5-B61C-E09223BE20DE}" type="presOf" srcId="{4753CF23-4F40-42B2-BEDC-C5D3DF5E1772}" destId="{56819505-43D0-4BA7-87F0-454B1EC20CD6}" srcOrd="0" destOrd="0" presId="urn:microsoft.com/office/officeart/2005/8/layout/chevron2"/>
     <dgm:cxn modelId="{2528A158-DAA3-48B4-8EFD-5F5D75F06A62}" type="presOf" srcId="{FCA5203D-7D96-45D9-A47C-B1AB4200A79B}" destId="{71D4DEAE-B8E0-450F-A02D-E864E18D39DB}" srcOrd="0" destOrd="0" presId="urn:microsoft.com/office/officeart/2005/8/layout/chevron2"/>
     <dgm:cxn modelId="{E95B0B4D-0232-4CF6-9356-1665D89281B1}" type="presOf" srcId="{12844161-CF06-4017-8FD2-ACD8BE51C613}" destId="{8D4E7A76-3B2D-4B2D-B920-DEB1E999BFA1}" srcOrd="0" destOrd="0" presId="urn:microsoft.com/office/officeart/2005/8/layout/chevron2"/>
+    <dgm:cxn modelId="{D631EA6A-6E79-4B5C-BDB6-0B951AA02710}" type="presOf" srcId="{09AB8FDF-E2A9-4494-ACC0-47952A5CF9FE}" destId="{A8AEAFF7-41C7-49EE-A8A8-DE75CBCB9E33}" srcOrd="0" destOrd="0" presId="urn:microsoft.com/office/officeart/2005/8/layout/chevron2"/>
     <dgm:cxn modelId="{62B3D764-52F0-441C-AC3F-953EDB2AEFDE}" srcId="{09AB8FDF-E2A9-4494-ACC0-47952A5CF9FE}" destId="{FCA5203D-7D96-45D9-A47C-B1AB4200A79B}" srcOrd="4" destOrd="0" parTransId="{754FD437-D3C1-4D6D-890B-F0AA63DF7669}" sibTransId="{4BCBFBE9-EE18-4621-ACB9-F0FE2DF7D1A8}"/>
-    <dgm:cxn modelId="{D631EA6A-6E79-4B5C-BDB6-0B951AA02710}" type="presOf" srcId="{09AB8FDF-E2A9-4494-ACC0-47952A5CF9FE}" destId="{A8AEAFF7-41C7-49EE-A8A8-DE75CBCB9E33}" srcOrd="0" destOrd="0" presId="urn:microsoft.com/office/officeart/2005/8/layout/chevron2"/>
     <dgm:cxn modelId="{EC6882F4-C23F-47C4-B2DC-4604A85C7AF5}" type="presOf" srcId="{F96FD2CB-132B-443E-8D63-E114E9B6CA9F}" destId="{BBE95D01-2B0E-48A3-8000-0B90989D9E13}" srcOrd="0" destOrd="0" presId="urn:microsoft.com/office/officeart/2005/8/layout/chevron2"/>
     <dgm:cxn modelId="{E72D91B2-7642-4FDE-B146-D7CEE932B96F}" type="presOf" srcId="{C05C549C-604B-4C57-8632-9E1414014404}" destId="{64AE8AFF-8826-4934-B243-A53B650FD967}" srcOrd="0" destOrd="0" presId="urn:microsoft.com/office/officeart/2005/8/layout/chevron2"/>
     <dgm:cxn modelId="{EF1F84D9-4E97-40E3-9E49-11743B02DBC6}" srcId="{4753CF23-4F40-42B2-BEDC-C5D3DF5E1772}" destId="{3C5349AB-052E-450E-B0E5-3329580E79A5}" srcOrd="0" destOrd="0" parTransId="{793BB6EF-5738-4D6C-B7E2-9CF9907B27D6}" sibTransId="{F84806C0-EDAE-424C-9241-4855E856A60F}"/>
@@ -25284,6 +25290,30 @@
               </a:rPr>
               <a:t> khác không là thấp nhất có thể. Phải hiểu trọng số Hamming của hệ số là trọng số Hamming của biểu diễn nhị phân của hệ số đó.</a:t>
             </a:r>
+          </a:p>
+          <a:p>
+            <a:r>
+              <a:rPr lang="fr-FR" sz="1200" kern="1200" smtClean="0">
+                <a:solidFill>
+                  <a:schemeClr val="tx1"/>
+                </a:solidFill>
+                <a:latin typeface="+mn-lt"/>
+                <a:ea typeface="+mn-ea"/>
+                <a:cs typeface="+mn-cs"/>
+              </a:rPr>
+              <a:t>- Trong số</a:t>
+            </a:r>
+            <a:r>
+              <a:rPr lang="fr-FR" sz="1200" kern="1200" baseline="0" smtClean="0">
+                <a:solidFill>
+                  <a:schemeClr val="tx1"/>
+                </a:solidFill>
+                <a:latin typeface="+mn-lt"/>
+                <a:ea typeface="+mn-ea"/>
+                <a:cs typeface="+mn-cs"/>
+              </a:rPr>
+              <a:t> Hamming là số phần tử khác 0 của dãy.</a:t>
+            </a:r>
             <a:endParaRPr lang="en-US"/>
           </a:p>
         </p:txBody>
@@ -26014,29 +26044,7 @@
                 <a:ea typeface="+mn-ea"/>
                 <a:cs typeface="+mn-cs"/>
               </a:rPr>
-              <a:t> Linear </a:t>
-            </a:r>
-            <a:r>
-              <a:rPr lang="fr-FR" sz="1200" b="0" kern="1200" smtClean="0">
-                <a:solidFill>
-                  <a:schemeClr val="tx1"/>
-                </a:solidFill>
-                <a:latin typeface="+mn-lt"/>
-                <a:ea typeface="+mn-ea"/>
-                <a:cs typeface="+mn-cs"/>
-              </a:rPr>
-              <a:t>Feedback Shift Register – </a:t>
-            </a:r>
-            <a:r>
-              <a:rPr lang="fr-FR" sz="1200" b="0" kern="1200" smtClean="0">
-                <a:solidFill>
-                  <a:schemeClr val="tx1"/>
-                </a:solidFill>
-                <a:latin typeface="+mn-lt"/>
-                <a:ea typeface="+mn-ea"/>
-                <a:cs typeface="+mn-cs"/>
-              </a:rPr>
-              <a:t>LFSR</a:t>
+              <a:t> Linear Feedback Shift Register – LFSR</a:t>
             </a:r>
           </a:p>
           <a:p>
@@ -29643,43 +29651,29 @@
             <a:pPr lvl="1"/>
             <a:r>
               <a:rPr lang="en-US" smtClean="0"/>
-              <a:t>Mã dòng đồng bộ không cộng</a:t>
-            </a:r>
-            <a:r>
-              <a:rPr lang="en-US" smtClean="0"/>
-              <a:t>.	</a:t>
+              <a:t>Mã dòng đồng bộ không cộng.	</a:t>
             </a:r>
             <a:r>
               <a:rPr lang="en-US" b="1" smtClean="0"/>
               <a:t>(1)</a:t>
             </a:r>
-            <a:endParaRPr lang="en-US" b="1" smtClean="0"/>
           </a:p>
           <a:p>
             <a:pPr lvl="1"/>
             <a:r>
               <a:rPr lang="en-US" smtClean="0"/>
-              <a:t>Phương pháp mã dòng sử dụng mã khối</a:t>
-            </a:r>
-            <a:r>
-              <a:rPr lang="en-US" smtClean="0"/>
-              <a:t>.	</a:t>
+              <a:t>Phương pháp mã dòng sử dụng mã khối.	</a:t>
             </a:r>
             <a:r>
               <a:rPr lang="en-US" b="1" smtClean="0"/>
               <a:t>(2)</a:t>
             </a:r>
-            <a:endParaRPr lang="en-US" b="1" smtClean="0"/>
           </a:p>
           <a:p>
             <a:pPr lvl="1"/>
             <a:r>
               <a:rPr lang="en-US" smtClean="0"/>
-              <a:t>Mã phân phối hợp tác</a:t>
-            </a:r>
-            <a:r>
-              <a:rPr lang="en-US" smtClean="0"/>
-              <a:t>.	</a:t>
+              <a:t>Mã phân phối hợp tác.	</a:t>
             </a:r>
             <a:r>
               <a:rPr lang="en-US" b="1" smtClean="0"/>
@@ -29855,29 +29849,13 @@
           <a:p>
             <a:r>
               <a:rPr lang="en-US" smtClean="0"/>
-              <a:t>Mã dòng đồng bộ </a:t>
-            </a:r>
-            <a:r>
-              <a:rPr lang="en-US" smtClean="0"/>
-              <a:t>(Synchronous </a:t>
-            </a:r>
-            <a:r>
-              <a:rPr lang="en-US" smtClean="0"/>
-              <a:t>cipher).</a:t>
+              <a:t>Mã dòng đồng bộ (Synchronous cipher).</a:t>
             </a:r>
           </a:p>
           <a:p>
             <a:r>
               <a:rPr lang="en-US" smtClean="0"/>
-              <a:t>Mã dòng tự đồng bộ </a:t>
-            </a:r>
-            <a:r>
-              <a:rPr lang="en-US" smtClean="0"/>
-              <a:t>(Self-synchronous </a:t>
-            </a:r>
-            <a:r>
-              <a:rPr lang="en-US" smtClean="0"/>
-              <a:t>cipher).</a:t>
+              <a:t>Mã dòng tự đồng bộ (Self-synchronous cipher).</a:t>
             </a:r>
           </a:p>
         </p:txBody>
@@ -32974,11 +32952,7 @@
             </a:r>
             <a:r>
               <a:rPr lang="en-US" smtClean="0"/>
-              <a:t>, 1, 1, 0, 1, 1, 1, 0, 0, 0, 1, 1, 0, 1, 1, 1, 0, 0, 0, 1, 1, 0, 1, 1, 1, 0, 0, 0, 1, 1, 0, 1, 1, 1, 0, 0, 0, 1, 1, 0, 1, 1, 1, 0, 0, 0, 1, 1, 0, 1, 1, 1, 0, 0, 0, 1, 1, 0, 1, 1, 1, 0, 0, 0, 1, 1, 0, 1, 1, 1, 0, 0, 0, 1, 1, 0, 1, 1, 1, 0, 0, 0, 1, 1, 0, 1, 1, 1, 0, 0, 0, 1, 1, 0, 1, 1, 1, 0, 0, 0, 1, 1, 0, 1, 1, 1, 0, 0, 0, 1, 1, 0, 1, 1, 1, 0, 0, 0, 1, 1, 0, 1, 1, 1, 0, 0, 0, 1, 1, 0, 1, 1, 1, 0, 0, 0, 1, 1, 0, 1, 1, 1, 0, 0, 0, 1, 1, 0, 1, 1, 1, 0, 0, 0, 1, 1, 0, 1, 1, 1, 0, 0, 0, 1, 1, 0, 1, 1, 1, 0, 0, 0, 1, 1, 0, 1, 1, 1, 0</a:t>
-            </a:r>
-            <a:r>
-              <a:rPr lang="en-US" smtClean="0"/>
-              <a:t>. (trên </a:t>
+              <a:t>, 1, 1, 0, 1, 1, 1, 0, 0, 0, 1, 1, 0, 1, 1, 1, 0, 0, 0, 1, 1, 0, 1, 1, 1, 0, 0, 0, 1, 1, 0, 1, 1, 1, 0, 0, 0, 1, 1, 0, 1, 1, 1, 0, 0, 0, 1, 1, 0, 1, 1, 1, 0, 0, 0, 1, 1, 0, 1, 1, 1, 0, 0, 0, 1, 1, 0, 1, 1, 1, 0, 0, 0, 1, 1, 0, 1, 1, 1, 0, 0, 0, 1, 1, 0, 1, 1, 1, 0, 0, 0, 1, 1, 0, 1, 1, 1, 0, 0, 0, 1, 1, 0, 1, 1, 1, 0, 0, 0, 1, 1, 0, 1, 1, 1, 0, 0, 0, 1, 1, 0, 1, 1, 1, 0, 0, 0, 1, 1, 0, 1, 1, 1, 0, 0, 0, 1, 1, 0, 1, 1, 1, 0, 0, 0, 1, 1, 0, 1, 1, 1, 0, 0, 0, 1, 1, 0, 1, 1, 1, 0, 0, 0, 1, 1, 0, 1, 1, 1, 0, 0, 0, 1, 1, 0, 1, 1, 1, 0. (trên </a:t>
             </a:r>
             <a:r>
               <a:rPr lang="en-US" b="1" i="1" smtClean="0">
@@ -33252,13 +33226,7 @@
               <a:rPr lang="en-US" smtClean="0">
                 <a:sym typeface="Wingdings" pitchFamily="2" charset="2"/>
               </a:rPr>
-              <a:t> và                   </a:t>
-            </a:r>
-            <a:r>
-              <a:rPr lang="en-US" smtClean="0">
-                <a:sym typeface="Wingdings" pitchFamily="2" charset="2"/>
-              </a:rPr>
-              <a:t> trên </a:t>
+              <a:t> và                    trên </a:t>
             </a:r>
             <a:r>
               <a:rPr lang="en-US" i="1" smtClean="0">
@@ -33646,23 +33614,7 @@
                   <a:srgbClr val="FF0000"/>
                 </a:solidFill>
               </a:rPr>
-              <a:t>Y</a:t>
-            </a:r>
-            <a:r>
-              <a:rPr lang="en-US" sz="2400" b="1" i="1" smtClean="0">
-                <a:solidFill>
-                  <a:srgbClr val="FF0000"/>
-                </a:solidFill>
-              </a:rPr>
-              <a:t>ếu</a:t>
-            </a:r>
-            <a:r>
-              <a:rPr lang="en-US" sz="2400" b="1" i="1" smtClean="0">
-                <a:solidFill>
-                  <a:srgbClr val="FF0000"/>
-                </a:solidFill>
-              </a:rPr>
-              <a:t>!</a:t>
+              <a:t>Yếu!</a:t>
             </a:r>
             <a:endParaRPr lang="en-US" sz="2400" b="1" i="1">
               <a:solidFill>
@@ -33940,7 +33892,17 @@
                   <a:srgbClr val="0000FF"/>
                 </a:solidFill>
               </a:rPr>
-              <a:t>các khía cạnh mật mã của </a:t>
+              <a:t>các khía cạnh mật mã của dòng khóa</a:t>
+            </a:r>
+            <a:r>
+              <a:rPr lang="en-US" smtClean="0"/>
+              <a:t>.</a:t>
+            </a:r>
+          </a:p>
+          <a:p>
+            <a:r>
+              <a:rPr lang="en-US" smtClean="0"/>
+              <a:t>Tính an toàn dựa trên </a:t>
             </a:r>
             <a:r>
               <a:rPr lang="en-US" b="1" smtClean="0">
@@ -33948,49 +33910,7 @@
                   <a:srgbClr val="0000FF"/>
                 </a:solidFill>
               </a:rPr>
-              <a:t>dòng </a:t>
-            </a:r>
-            <a:r>
-              <a:rPr lang="en-US" b="1" smtClean="0">
-                <a:solidFill>
-                  <a:srgbClr val="0000FF"/>
-                </a:solidFill>
-              </a:rPr>
-              <a:t>khóa</a:t>
-            </a:r>
-            <a:r>
-              <a:rPr lang="en-US" smtClean="0"/>
-              <a:t>.</a:t>
-            </a:r>
-          </a:p>
-          <a:p>
-            <a:r>
-              <a:rPr lang="en-US" smtClean="0"/>
-              <a:t>Tính an toàn dựa trên </a:t>
-            </a:r>
-            <a:r>
-              <a:rPr lang="en-US" b="1" smtClean="0">
-                <a:solidFill>
-                  <a:srgbClr val="0000FF"/>
-                </a:solidFill>
-              </a:rPr>
-              <a:t>kiến </a:t>
-            </a:r>
-            <a:r>
-              <a:rPr lang="en-US" b="1" smtClean="0">
-                <a:solidFill>
-                  <a:srgbClr val="0000FF"/>
-                </a:solidFill>
-              </a:rPr>
-              <a:t>trúc </a:t>
-            </a:r>
-            <a:r>
-              <a:rPr lang="en-US" b="1" smtClean="0">
-                <a:solidFill>
-                  <a:srgbClr val="0000FF"/>
-                </a:solidFill>
-              </a:rPr>
-              <a:t>của bộ sinh</a:t>
+              <a:t>kiến trúc của bộ sinh</a:t>
             </a:r>
             <a:r>
               <a:rPr lang="en-US" smtClean="0"/>
@@ -34600,11 +34520,7 @@
             </a:r>
             <a:r>
               <a:rPr lang="fr-FR" b="1" i="1" smtClean="0"/>
-              <a:t>Trọng </a:t>
-            </a:r>
-            <a:r>
-              <a:rPr lang="fr-FR" b="1" i="1" smtClean="0"/>
-              <a:t>số Hamming</a:t>
+              <a:t>Trọng số Hamming</a:t>
             </a:r>
             <a:r>
               <a:rPr lang="fr-FR" smtClean="0"/>
@@ -34616,15 +34532,7 @@
             </a:r>
             <a:r>
               <a:rPr lang="fr-FR" smtClean="0"/>
-              <a:t> khác không là thấp nhất có </a:t>
-            </a:r>
-            <a:r>
-              <a:rPr lang="fr-FR" smtClean="0"/>
-              <a:t>thể</a:t>
-            </a:r>
-            <a:r>
-              <a:rPr lang="fr-FR" smtClean="0"/>
-              <a:t>.</a:t>
+              <a:t> khác không là thấp nhất có thể.</a:t>
             </a:r>
           </a:p>
           <a:p>
@@ -34638,11 +34546,7 @@
             </a:r>
             <a:r>
               <a:rPr lang="fr-FR" smtClean="0"/>
-              <a:t> Tổng </a:t>
-            </a:r>
-            <a:r>
-              <a:rPr lang="fr-FR" smtClean="0"/>
-              <a:t>các trọng số Hamming của các </a:t>
+              <a:t> Tổng các trọng số Hamming của các </a:t>
             </a:r>
             <a:r>
               <a:rPr lang="fr-FR" b="1" smtClean="0"/>
@@ -34662,15 +34566,7 @@
             </a:r>
             <a:r>
               <a:rPr lang="fr-FR" smtClean="0"/>
-              <a:t>) là một số </a:t>
-            </a:r>
-            <a:r>
-              <a:rPr lang="fr-FR" smtClean="0"/>
-              <a:t>chẵn</a:t>
-            </a:r>
-            <a:r>
-              <a:rPr lang="fr-FR" smtClean="0"/>
-              <a:t>.</a:t>
+              <a:t>) là một số chẵn.</a:t>
             </a:r>
           </a:p>
           <a:p>
@@ -34688,11 +34584,7 @@
             </a:r>
             <a:r>
               <a:rPr lang="fr-FR" b="1" smtClean="0"/>
-              <a:t>Hệ </a:t>
-            </a:r>
-            <a:r>
-              <a:rPr lang="fr-FR" b="1" smtClean="0"/>
-              <a:t>số</a:t>
+              <a:t>Hệ số</a:t>
             </a:r>
             <a:r>
               <a:rPr lang="fr-FR" smtClean="0"/>
@@ -34704,15 +34596,7 @@
             </a:r>
             <a:r>
               <a:rPr lang="fr-FR" smtClean="0"/>
-              <a:t> với bậc cao thứ hai phải khác </a:t>
-            </a:r>
-            <a:r>
-              <a:rPr lang="fr-FR" smtClean="0"/>
-              <a:t>không</a:t>
-            </a:r>
-            <a:r>
-              <a:rPr lang="fr-FR" smtClean="0"/>
-              <a:t>.</a:t>
+              <a:t> với bậc cao thứ hai phải khác không.</a:t>
             </a:r>
           </a:p>
           <a:p>
@@ -34726,11 +34610,7 @@
             </a:r>
             <a:r>
               <a:rPr lang="fr-FR" smtClean="0"/>
-              <a:t> Các </a:t>
-            </a:r>
-            <a:r>
-              <a:rPr lang="fr-FR" smtClean="0"/>
-              <a:t>bậc của </a:t>
+              <a:t> Các bậc của </a:t>
             </a:r>
             <a:r>
               <a:rPr lang="fr-FR" b="1" smtClean="0"/>
@@ -34758,15 +34638,7 @@
             </a:r>
             <a:r>
               <a:rPr lang="fr-FR" smtClean="0"/>
-              <a:t>) phải khác nhau từng đôi </a:t>
-            </a:r>
-            <a:r>
-              <a:rPr lang="fr-FR" smtClean="0"/>
-              <a:t>một</a:t>
-            </a:r>
-            <a:r>
-              <a:rPr lang="fr-FR" smtClean="0"/>
-              <a:t>.</a:t>
+              <a:t>) phải khác nhau từng đôi một.</a:t>
             </a:r>
           </a:p>
           <a:p>
@@ -34894,15 +34766,7 @@
           <a:p>
             <a:r>
               <a:rPr lang="en-US" smtClean="0"/>
-              <a:t>Chọn đa thức hồi quy </a:t>
-            </a:r>
-            <a:r>
-              <a:rPr lang="en-US" smtClean="0"/>
-              <a:t>của </a:t>
-            </a:r>
-            <a:r>
-              <a:rPr lang="en-US" smtClean="0"/>
-              <a:t>lớp LFSR</a:t>
+              <a:t>Chọn đa thức hồi quy của lớp LFSR</a:t>
             </a:r>
             <a:endParaRPr lang="en-US"/>
           </a:p>
@@ -34957,31 +34821,11 @@
             </a:r>
             <a:r>
               <a:rPr lang="fr-FR" b="1" i="1" smtClean="0"/>
-              <a:t>biểu </a:t>
-            </a:r>
-            <a:r>
-              <a:rPr lang="fr-FR" b="1" i="1" smtClean="0"/>
-              <a:t>diễn </a:t>
-            </a:r>
-            <a:r>
-              <a:rPr lang="fr-FR" b="1" i="1" smtClean="0"/>
-              <a:t>nhị phân</a:t>
+              <a:t>biểu diễn nhị phân</a:t>
             </a:r>
             <a:r>
               <a:rPr lang="fr-FR" smtClean="0"/>
-              <a:t> </a:t>
-            </a:r>
-            <a:r>
-              <a:rPr lang="fr-FR" smtClean="0"/>
-              <a:t>của chúng phải khác nhau từng đôi </a:t>
-            </a:r>
-            <a:r>
-              <a:rPr lang="fr-FR" smtClean="0"/>
-              <a:t>một</a:t>
-            </a:r>
-            <a:r>
-              <a:rPr lang="fr-FR" smtClean="0"/>
-              <a:t>.</a:t>
+              <a:t> của chúng phải khác nhau từng đôi một.</a:t>
             </a:r>
           </a:p>
           <a:p>
@@ -34997,11 +34841,7 @@
             </a:r>
             <a:r>
               <a:rPr lang="fr-FR" i="1" smtClean="0"/>
-              <a:t> </a:t>
-            </a:r>
-            <a:r>
-              <a:rPr lang="fr-FR" i="1" smtClean="0"/>
-              <a:t>     </a:t>
+              <a:t>      </a:t>
             </a:r>
             <a:r>
               <a:rPr lang="fr-FR" smtClean="0"/>
@@ -35063,15 +34903,7 @@
             </a:r>
             <a:r>
               <a:rPr lang="fr-FR" smtClean="0"/>
-              <a:t> – </a:t>
-            </a:r>
-            <a:r>
-              <a:rPr lang="fr-FR" smtClean="0"/>
-              <a:t>1</a:t>
-            </a:r>
-            <a:r>
-              <a:rPr lang="fr-FR" smtClean="0"/>
-              <a:t>) </a:t>
+              <a:t> – 1) </a:t>
             </a:r>
             <a:r>
               <a:rPr lang="fr-FR" smtClean="0">
@@ -35437,15 +35269,7 @@
             </a:r>
             <a:r>
               <a:rPr lang="fr-FR" smtClean="0"/>
-              <a:t> </a:t>
-            </a:r>
-            <a:r>
-              <a:rPr lang="fr-FR" smtClean="0"/>
-              <a:t>=        </a:t>
-            </a:r>
-            <a:r>
-              <a:rPr lang="fr-FR" smtClean="0"/>
-              <a:t> </a:t>
+              <a:t> =         </a:t>
             </a:r>
             <a:r>
               <a:rPr lang="fr-FR" b="1" smtClean="0"/>
@@ -35476,11 +35300,7 @@
             </a:r>
             <a:r>
               <a:rPr lang="fr-FR" smtClean="0"/>
-              <a:t> + 1 </a:t>
-            </a:r>
-            <a:r>
-              <a:rPr lang="fr-FR" smtClean="0"/>
-              <a:t>=                            </a:t>
+              <a:t> + 1 =                            </a:t>
             </a:r>
             <a:r>
               <a:rPr lang="fr-FR" b="1" smtClean="0"/>
@@ -35800,11 +35620,7 @@
             </a:r>
             <a:r>
               <a:rPr lang="fr-FR" smtClean="0"/>
-              <a:t> Phù </a:t>
-            </a:r>
-            <a:r>
-              <a:rPr lang="fr-FR" smtClean="0"/>
-              <a:t>hợp cho cài đặt phần mềm.</a:t>
+              <a:t> Phù hợp cho cài đặt phần mềm.</a:t>
             </a:r>
             <a:endParaRPr lang="en-US" smtClean="0"/>
           </a:p>
@@ -35820,11 +35636,7 @@
             </a:r>
             <a:r>
               <a:rPr lang="fr-FR" smtClean="0"/>
-              <a:t> Bốn </a:t>
-            </a:r>
-            <a:r>
-              <a:rPr lang="fr-FR" smtClean="0"/>
-              <a:t>32-</a:t>
+              <a:t> Bốn 32-</a:t>
             </a:r>
             <a:r>
               <a:rPr lang="fr-FR" i="1" smtClean="0"/>
@@ -35847,11 +35659,7 @@
             </a:r>
             <a:r>
               <a:rPr lang="fr-FR" smtClean="0"/>
-              <a:t> Số </a:t>
-            </a:r>
-            <a:r>
-              <a:rPr lang="fr-FR" smtClean="0"/>
-              <a:t>các bit phủ nhau của bốn 32-bit word trong các thời điểm liên tiếp nhỏ.</a:t>
+              <a:t> Số các bit phủ nhau của bốn 32-bit word trong các thời điểm liên tiếp nhỏ.</a:t>
             </a:r>
             <a:endParaRPr lang="en-US"/>
           </a:p>
@@ -36250,15 +36058,7 @@
             </a:r>
             <a:r>
               <a:rPr lang="en-US" smtClean="0"/>
-              <a:t> (</a:t>
-            </a:r>
-            <a:r>
-              <a:rPr lang="en-US" smtClean="0"/>
-              <a:t>B</a:t>
-            </a:r>
-            <a:r>
-              <a:rPr lang="en-US" smtClean="0"/>
-              <a:t>alance).</a:t>
+              <a:t> (Balance).</a:t>
             </a:r>
           </a:p>
           <a:p>
@@ -36268,19 +36068,7 @@
             </a:r>
             <a:r>
               <a:rPr lang="en-US" smtClean="0"/>
-              <a:t> (</a:t>
-            </a:r>
-            <a:r>
-              <a:rPr lang="en-US" smtClean="0"/>
-              <a:t>Strict Avalanche </a:t>
-            </a:r>
-            <a:r>
-              <a:rPr lang="en-US" smtClean="0"/>
-              <a:t>Criterion</a:t>
-            </a:r>
-            <a:r>
-              <a:rPr lang="en-US" smtClean="0"/>
-              <a:t>).</a:t>
+              <a:t> (Strict Avalanche Criterion).</a:t>
             </a:r>
           </a:p>
           <a:p>
@@ -36307,11 +36095,7 @@
             </a:r>
             <a:r>
               <a:rPr lang="fr-FR" smtClean="0"/>
-              <a:t>Algebraic </a:t>
-            </a:r>
-            <a:r>
-              <a:rPr lang="fr-FR" smtClean="0"/>
-              <a:t>degree</a:t>
+              <a:t>Algebraic degree</a:t>
             </a:r>
             <a:r>
               <a:rPr lang="en-US" smtClean="0"/>
@@ -36322,15 +36106,7 @@
             <a:pPr lvl="1"/>
             <a:r>
               <a:rPr lang="en-US" smtClean="0"/>
-              <a:t>Độ miễn đại số (Algebraic </a:t>
-            </a:r>
-            <a:r>
-              <a:rPr lang="en-US" smtClean="0"/>
-              <a:t>immunity</a:t>
-            </a:r>
-            <a:r>
-              <a:rPr lang="en-US" smtClean="0"/>
-              <a:t>).</a:t>
+              <a:t>Độ miễn đại số (Algebraic immunity).</a:t>
             </a:r>
           </a:p>
         </p:txBody>
@@ -36401,6 +36177,2840 @@
               <a:rPr lang="en-US" smtClean="0"/>
               <a:pPr/>
               <a:t>31</a:t>
+            </a:fld>
+            <a:endParaRPr lang="en-US"/>
+          </a:p>
+        </p:txBody>
+      </p:sp>
+    </p:spTree>
+  </p:cSld>
+  <p:clrMapOvr>
+    <a:masterClrMapping/>
+  </p:clrMapOvr>
+  <p:timing>
+    <p:tnLst>
+      <p:par>
+        <p:cTn id="1" dur="indefinite" restart="never" nodeType="tmRoot"/>
+      </p:par>
+    </p:tnLst>
+  </p:timing>
+</p:sld>
+</file>
+
+<file path=ppt/slides/slide32.xml><?xml version="1.0" encoding="utf-8"?>
+<p:sld xmlns:a="http://schemas.openxmlformats.org/drawingml/2006/main" xmlns:r="http://schemas.openxmlformats.org/officeDocument/2006/relationships" xmlns:p="http://schemas.openxmlformats.org/presentationml/2006/main">
+  <p:cSld>
+    <p:spTree>
+      <p:nvGrpSpPr>
+        <p:cNvPr id="1" name=""/>
+        <p:cNvGrpSpPr/>
+        <p:nvPr/>
+      </p:nvGrpSpPr>
+      <p:grpSpPr>
+        <a:xfrm>
+          <a:off x="0" y="0"/>
+          <a:ext cx="0" cy="0"/>
+          <a:chOff x="0" y="0"/>
+          <a:chExt cx="0" cy="0"/>
+        </a:xfrm>
+      </p:grpSpPr>
+      <p:sp>
+        <p:nvSpPr>
+          <p:cNvPr id="2" name="Title 1"/>
+          <p:cNvSpPr>
+            <a:spLocks noGrp="1"/>
+          </p:cNvSpPr>
+          <p:nvPr>
+            <p:ph type="title"/>
+          </p:nvPr>
+        </p:nvSpPr>
+        <p:spPr/>
+        <p:txBody>
+          <a:bodyPr/>
+          <a:lstStyle/>
+          <a:p>
+            <a:r>
+              <a:rPr lang="en-US" smtClean="0"/>
+              <a:t>Tính phi tuyến</a:t>
+            </a:r>
+            <a:endParaRPr lang="en-US"/>
+          </a:p>
+        </p:txBody>
+      </p:sp>
+      <p:sp>
+        <p:nvSpPr>
+          <p:cNvPr id="3" name="Content Placeholder 2"/>
+          <p:cNvSpPr>
+            <a:spLocks noGrp="1"/>
+          </p:cNvSpPr>
+          <p:nvPr>
+            <p:ph idx="1"/>
+          </p:nvPr>
+        </p:nvSpPr>
+        <p:spPr/>
+        <p:txBody>
+          <a:bodyPr/>
+          <a:lstStyle/>
+          <a:p>
+            <a:r>
+              <a:rPr lang="en-US" b="1" smtClean="0"/>
+              <a:t>Hàm Boolean:</a:t>
+            </a:r>
+            <a:r>
+              <a:rPr lang="en-US" smtClean="0"/>
+              <a:t> Hàm Boolean là hàm </a:t>
+            </a:r>
+            <a:r>
+              <a:rPr lang="en-US" i="1" smtClean="0"/>
+              <a:t>f</a:t>
+            </a:r>
+            <a:r>
+              <a:rPr lang="en-US" smtClean="0"/>
+              <a:t> ánh xạ </a:t>
+            </a:r>
+            <a:r>
+              <a:rPr lang="en-US" i="1" smtClean="0"/>
+              <a:t>GF</a:t>
+            </a:r>
+            <a:r>
+              <a:rPr lang="en-US" smtClean="0"/>
+              <a:t>(2)</a:t>
+            </a:r>
+            <a:r>
+              <a:rPr lang="en-US" i="1" baseline="30000" smtClean="0"/>
+              <a:t>n</a:t>
+            </a:r>
+            <a:r>
+              <a:rPr lang="en-US" smtClean="0"/>
+              <a:t> thành </a:t>
+            </a:r>
+            <a:r>
+              <a:rPr lang="en-US" i="1" smtClean="0"/>
+              <a:t>GF</a:t>
+            </a:r>
+            <a:r>
+              <a:rPr lang="en-US" smtClean="0"/>
+              <a:t>(2). Còn gọi đơn giản </a:t>
+            </a:r>
+            <a:r>
+              <a:rPr lang="en-US" i="1" smtClean="0"/>
+              <a:t>f</a:t>
+            </a:r>
+            <a:r>
+              <a:rPr lang="en-US" smtClean="0"/>
+              <a:t> là hàm trên </a:t>
+            </a:r>
+            <a:r>
+              <a:rPr lang="en-US" i="1" smtClean="0"/>
+              <a:t>GF</a:t>
+            </a:r>
+            <a:r>
+              <a:rPr lang="en-US" smtClean="0"/>
+              <a:t>(2)</a:t>
+            </a:r>
+            <a:r>
+              <a:rPr lang="en-US" i="1" baseline="30000" smtClean="0"/>
+              <a:t>n</a:t>
+            </a:r>
+            <a:r>
+              <a:rPr lang="en-US" smtClean="0"/>
+              <a:t>.</a:t>
+            </a:r>
+          </a:p>
+          <a:p>
+            <a:pPr lvl="1"/>
+            <a:r>
+              <a:rPr lang="en-US" b="1" smtClean="0">
+                <a:solidFill>
+                  <a:srgbClr val="0000FF"/>
+                </a:solidFill>
+              </a:rPr>
+              <a:t>Truth table</a:t>
+            </a:r>
+            <a:r>
+              <a:rPr lang="en-US" b="1" smtClean="0"/>
+              <a:t>:</a:t>
+            </a:r>
+            <a:r>
+              <a:rPr lang="en-US" smtClean="0"/>
+              <a:t>                                          . Trong đó,      là vector thuộc </a:t>
+            </a:r>
+            <a:r>
+              <a:rPr lang="en-US" i="1" smtClean="0"/>
+              <a:t>GF</a:t>
+            </a:r>
+            <a:r>
+              <a:rPr lang="en-US" smtClean="0"/>
+              <a:t>(2)</a:t>
+            </a:r>
+            <a:r>
+              <a:rPr lang="en-US" i="1" baseline="30000" smtClean="0"/>
+              <a:t>n</a:t>
+            </a:r>
+            <a:r>
+              <a:rPr lang="en-US" smtClean="0"/>
+              <a:t> biểu diễn giá trị </a:t>
+            </a:r>
+            <a:r>
+              <a:rPr lang="en-US" i="1" smtClean="0"/>
+              <a:t>i</a:t>
+            </a:r>
+            <a:r>
+              <a:rPr lang="en-US" smtClean="0"/>
+              <a:t> theo chuỗi nhị phân.</a:t>
+            </a:r>
+          </a:p>
+          <a:p>
+            <a:pPr lvl="1">
+              <a:buNone/>
+            </a:pPr>
+            <a:r>
+              <a:rPr lang="en-US" smtClean="0">
+                <a:sym typeface="Wingdings" pitchFamily="2" charset="2"/>
+              </a:rPr>
+              <a:t>	 </a:t>
+            </a:r>
+            <a:r>
+              <a:rPr lang="en-US" b="1" smtClean="0">
+                <a:sym typeface="Wingdings" pitchFamily="2" charset="2"/>
+              </a:rPr>
+              <a:t>truth table</a:t>
+            </a:r>
+            <a:r>
+              <a:rPr lang="en-US" smtClean="0">
+                <a:sym typeface="Wingdings" pitchFamily="2" charset="2"/>
+              </a:rPr>
+              <a:t> </a:t>
+            </a:r>
+            <a:r>
+              <a:rPr lang="en-US" b="1" i="1" smtClean="0">
+                <a:sym typeface="Wingdings" pitchFamily="2" charset="2"/>
+              </a:rPr>
+              <a:t>cân bằng</a:t>
+            </a:r>
+            <a:r>
+              <a:rPr lang="en-US" smtClean="0">
+                <a:sym typeface="Wingdings" pitchFamily="2" charset="2"/>
+              </a:rPr>
+              <a:t> khi số bit 1 bằng số bit 0.</a:t>
+            </a:r>
+          </a:p>
+          <a:p>
+            <a:pPr lvl="1"/>
+            <a:r>
+              <a:rPr lang="en-US" b="1" smtClean="0">
+                <a:sym typeface="Wingdings" pitchFamily="2" charset="2"/>
+              </a:rPr>
+              <a:t>Hàm </a:t>
+            </a:r>
+            <a:r>
+              <a:rPr lang="en-US" b="1" i="1" smtClean="0">
+                <a:solidFill>
+                  <a:srgbClr val="FF0000"/>
+                </a:solidFill>
+                <a:sym typeface="Wingdings" pitchFamily="2" charset="2"/>
+              </a:rPr>
+              <a:t>cân bằng</a:t>
+            </a:r>
+            <a:r>
+              <a:rPr lang="en-US" smtClean="0">
+                <a:sym typeface="Wingdings" pitchFamily="2" charset="2"/>
+              </a:rPr>
+              <a:t> khi </a:t>
+            </a:r>
+            <a:r>
+              <a:rPr lang="en-US" b="1" smtClean="0">
+                <a:sym typeface="Wingdings" pitchFamily="2" charset="2"/>
+              </a:rPr>
+              <a:t>truth table</a:t>
+            </a:r>
+            <a:r>
+              <a:rPr lang="en-US" smtClean="0">
+                <a:sym typeface="Wingdings" pitchFamily="2" charset="2"/>
+              </a:rPr>
+              <a:t> của nó cân bằng.</a:t>
+            </a:r>
+          </a:p>
+        </p:txBody>
+      </p:sp>
+      <p:sp>
+        <p:nvSpPr>
+          <p:cNvPr id="4" name="Date Placeholder 3"/>
+          <p:cNvSpPr>
+            <a:spLocks noGrp="1"/>
+          </p:cNvSpPr>
+          <p:nvPr>
+            <p:ph type="dt" sz="half" idx="10"/>
+          </p:nvPr>
+        </p:nvSpPr>
+        <p:spPr/>
+        <p:txBody>
+          <a:bodyPr/>
+          <a:lstStyle/>
+          <a:p>
+            <a:fld id="{7C294124-47EA-4536-AD0A-FC4FCEA2FD23}" type="datetime1">
+              <a:rPr lang="vi-VN" smtClean="0"/>
+              <a:pPr/>
+              <a:t>10/06/2011</a:t>
+            </a:fld>
+            <a:endParaRPr lang="en-US"/>
+          </a:p>
+        </p:txBody>
+      </p:sp>
+      <p:sp>
+        <p:nvSpPr>
+          <p:cNvPr id="5" name="Footer Placeholder 4"/>
+          <p:cNvSpPr>
+            <a:spLocks noGrp="1"/>
+          </p:cNvSpPr>
+          <p:nvPr>
+            <p:ph type="ftr" sz="quarter" idx="11"/>
+          </p:nvPr>
+        </p:nvSpPr>
+        <p:spPr/>
+        <p:txBody>
+          <a:bodyPr/>
+          <a:lstStyle/>
+          <a:p>
+            <a:r>
+              <a:rPr lang="en-US" smtClean="0"/>
+              <a:t>Khảo sát mã dòng và ứng dụng</a:t>
+            </a:r>
+            <a:endParaRPr lang="en-US"/>
+          </a:p>
+        </p:txBody>
+      </p:sp>
+      <p:sp>
+        <p:nvSpPr>
+          <p:cNvPr id="6" name="Slide Number Placeholder 5"/>
+          <p:cNvSpPr>
+            <a:spLocks noGrp="1"/>
+          </p:cNvSpPr>
+          <p:nvPr>
+            <p:ph type="sldNum" sz="quarter" idx="12"/>
+          </p:nvPr>
+        </p:nvSpPr>
+        <p:spPr/>
+        <p:txBody>
+          <a:bodyPr/>
+          <a:lstStyle/>
+          <a:p>
+            <a:fld id="{CA554274-6C47-4D4B-8630-CC803E51C38C}" type="slidenum">
+              <a:rPr lang="en-US" smtClean="0"/>
+              <a:pPr/>
+              <a:t>32</a:t>
+            </a:fld>
+            <a:endParaRPr lang="en-US"/>
+          </a:p>
+        </p:txBody>
+      </p:sp>
+      <p:sp>
+        <p:nvSpPr>
+          <p:cNvPr id="51202" name="Rectangle 2"/>
+          <p:cNvSpPr>
+            <a:spLocks noChangeArrowheads="1"/>
+          </p:cNvSpPr>
+          <p:nvPr/>
+        </p:nvSpPr>
+        <p:spPr bwMode="auto">
+          <a:xfrm>
+            <a:off x="0" y="0"/>
+            <a:ext cx="9144000" cy="0"/>
+          </a:xfrm>
+          <a:prstGeom prst="rect">
+            <a:avLst/>
+          </a:prstGeom>
+          <a:noFill/>
+          <a:ln w="9525">
+            <a:noFill/>
+            <a:miter lim="800000"/>
+            <a:headEnd/>
+            <a:tailEnd/>
+          </a:ln>
+          <a:effectLst/>
+        </p:spPr>
+        <p:txBody>
+          <a:bodyPr vert="horz" wrap="none" lIns="91440" tIns="45720" rIns="91440" bIns="45720" numCol="1" anchor="ctr" anchorCtr="0" compatLnSpc="1">
+            <a:prstTxWarp prst="textNoShape">
+              <a:avLst/>
+            </a:prstTxWarp>
+            <a:spAutoFit/>
+          </a:bodyPr>
+          <a:lstStyle/>
+          <a:p>
+            <a:endParaRPr lang="en-US"/>
+          </a:p>
+        </p:txBody>
+      </p:sp>
+      <p:graphicFrame>
+        <p:nvGraphicFramePr>
+          <p:cNvPr id="51201" name="Object 1"/>
+          <p:cNvGraphicFramePr>
+            <a:graphicFrameLocks noChangeAspect="1"/>
+          </p:cNvGraphicFramePr>
+          <p:nvPr/>
+        </p:nvGraphicFramePr>
+        <p:xfrm>
+          <a:off x="3048000" y="2743199"/>
+          <a:ext cx="3886200" cy="552017"/>
+        </p:xfrm>
+        <a:graphic>
+          <a:graphicData uri="http://schemas.openxmlformats.org/presentationml/2006/ole">
+            <p:oleObj spid="_x0000_s51201" name="Equation" r:id="rId3" imgW="1676400" imgH="241300" progId="Equation.3">
+              <p:embed/>
+            </p:oleObj>
+          </a:graphicData>
+        </a:graphic>
+      </p:graphicFrame>
+      <p:sp>
+        <p:nvSpPr>
+          <p:cNvPr id="51204" name="Rectangle 4"/>
+          <p:cNvSpPr>
+            <a:spLocks noChangeArrowheads="1"/>
+          </p:cNvSpPr>
+          <p:nvPr/>
+        </p:nvSpPr>
+        <p:spPr bwMode="auto">
+          <a:xfrm>
+            <a:off x="0" y="0"/>
+            <a:ext cx="9144000" cy="0"/>
+          </a:xfrm>
+          <a:prstGeom prst="rect">
+            <a:avLst/>
+          </a:prstGeom>
+          <a:noFill/>
+          <a:ln w="9525">
+            <a:noFill/>
+            <a:miter lim="800000"/>
+            <a:headEnd/>
+            <a:tailEnd/>
+          </a:ln>
+          <a:effectLst/>
+        </p:spPr>
+        <p:txBody>
+          <a:bodyPr vert="horz" wrap="none" lIns="91440" tIns="45720" rIns="91440" bIns="45720" numCol="1" anchor="ctr" anchorCtr="0" compatLnSpc="1">
+            <a:prstTxWarp prst="textNoShape">
+              <a:avLst/>
+            </a:prstTxWarp>
+            <a:spAutoFit/>
+          </a:bodyPr>
+          <a:lstStyle/>
+          <a:p>
+            <a:endParaRPr lang="en-US"/>
+          </a:p>
+        </p:txBody>
+      </p:sp>
+      <p:graphicFrame>
+        <p:nvGraphicFramePr>
+          <p:cNvPr id="51203" name="Object 3"/>
+          <p:cNvGraphicFramePr>
+            <a:graphicFrameLocks noChangeAspect="1"/>
+          </p:cNvGraphicFramePr>
+          <p:nvPr/>
+        </p:nvGraphicFramePr>
+        <p:xfrm>
+          <a:off x="8458200" y="2667000"/>
+          <a:ext cx="541867" cy="609600"/>
+        </p:xfrm>
+        <a:graphic>
+          <a:graphicData uri="http://schemas.openxmlformats.org/presentationml/2006/ole">
+            <p:oleObj spid="_x0000_s51203" name="Equation" r:id="rId4" imgW="177646" imgH="228402" progId="Equation.3">
+              <p:embed/>
+            </p:oleObj>
+          </a:graphicData>
+        </a:graphic>
+      </p:graphicFrame>
+    </p:spTree>
+  </p:cSld>
+  <p:clrMapOvr>
+    <a:masterClrMapping/>
+  </p:clrMapOvr>
+  <p:timing>
+    <p:tnLst>
+      <p:par>
+        <p:cTn id="1" dur="indefinite" restart="never" nodeType="tmRoot"/>
+      </p:par>
+    </p:tnLst>
+  </p:timing>
+</p:sld>
+</file>
+
+<file path=ppt/slides/slide33.xml><?xml version="1.0" encoding="utf-8"?>
+<p:sld xmlns:a="http://schemas.openxmlformats.org/drawingml/2006/main" xmlns:r="http://schemas.openxmlformats.org/officeDocument/2006/relationships" xmlns:p="http://schemas.openxmlformats.org/presentationml/2006/main">
+  <p:cSld>
+    <p:spTree>
+      <p:nvGrpSpPr>
+        <p:cNvPr id="1" name=""/>
+        <p:cNvGrpSpPr/>
+        <p:nvPr/>
+      </p:nvGrpSpPr>
+      <p:grpSpPr>
+        <a:xfrm>
+          <a:off x="0" y="0"/>
+          <a:ext cx="0" cy="0"/>
+          <a:chOff x="0" y="0"/>
+          <a:chExt cx="0" cy="0"/>
+        </a:xfrm>
+      </p:grpSpPr>
+      <p:sp>
+        <p:nvSpPr>
+          <p:cNvPr id="2" name="Title 1"/>
+          <p:cNvSpPr>
+            <a:spLocks noGrp="1"/>
+          </p:cNvSpPr>
+          <p:nvPr>
+            <p:ph type="title"/>
+          </p:nvPr>
+        </p:nvSpPr>
+        <p:spPr/>
+        <p:txBody>
+          <a:bodyPr/>
+          <a:lstStyle/>
+          <a:p>
+            <a:r>
+              <a:rPr lang="en-US" smtClean="0"/>
+              <a:t>Tính phi tuyến</a:t>
+            </a:r>
+            <a:endParaRPr lang="en-US"/>
+          </a:p>
+        </p:txBody>
+      </p:sp>
+      <p:sp>
+        <p:nvSpPr>
+          <p:cNvPr id="3" name="Content Placeholder 2"/>
+          <p:cNvSpPr>
+            <a:spLocks noGrp="1"/>
+          </p:cNvSpPr>
+          <p:nvPr>
+            <p:ph idx="1"/>
+          </p:nvPr>
+        </p:nvSpPr>
+        <p:spPr/>
+        <p:txBody>
+          <a:bodyPr/>
+          <a:lstStyle/>
+          <a:p>
+            <a:r>
+              <a:rPr lang="en-US" b="1" smtClean="0"/>
+              <a:t>Độ phi tuyến:</a:t>
+            </a:r>
+            <a:r>
+              <a:rPr lang="en-US" smtClean="0"/>
+              <a:t> </a:t>
+            </a:r>
+          </a:p>
+          <a:p>
+            <a:pPr lvl="1"/>
+            <a:r>
+              <a:rPr lang="en-US" smtClean="0"/>
+              <a:t>Trong </a:t>
+            </a:r>
+            <a:r>
+              <a:rPr lang="en-US" smtClean="0"/>
+              <a:t>đó:                 là </a:t>
+            </a:r>
+            <a:r>
+              <a:rPr lang="en-US" b="1" i="1" smtClean="0"/>
+              <a:t>khoảng cách Hamming</a:t>
+            </a:r>
+            <a:r>
+              <a:rPr lang="en-US" smtClean="0"/>
+              <a:t> giữa     và     . Các hàm     là các </a:t>
+            </a:r>
+            <a:r>
+              <a:rPr lang="en-US" b="1" smtClean="0">
+                <a:solidFill>
+                  <a:srgbClr val="0000FF"/>
+                </a:solidFill>
+              </a:rPr>
+              <a:t>hàm Affine</a:t>
+            </a:r>
+            <a:r>
+              <a:rPr lang="en-US" smtClean="0"/>
+              <a:t> trên </a:t>
+            </a:r>
+            <a:r>
+              <a:rPr lang="en-US" i="1" smtClean="0"/>
+              <a:t>GF</a:t>
+            </a:r>
+            <a:r>
+              <a:rPr lang="en-US" smtClean="0"/>
+              <a:t>(2)</a:t>
+            </a:r>
+            <a:r>
+              <a:rPr lang="en-US" i="1" baseline="30000" smtClean="0"/>
+              <a:t>n</a:t>
+            </a:r>
+            <a:r>
+              <a:rPr lang="en-US" smtClean="0"/>
+              <a:t>.</a:t>
+            </a:r>
+          </a:p>
+          <a:p>
+            <a:pPr lvl="2"/>
+            <a:r>
+              <a:rPr lang="en-US" smtClean="0"/>
+              <a:t>Khoảng cách Hamming giữa hai hàm là khoảng cách Hamming giữa hai truth table của chúng.</a:t>
+            </a:r>
+            <a:endParaRPr lang="en-US" smtClean="0"/>
+          </a:p>
+          <a:p>
+            <a:pPr lvl="1"/>
+            <a:r>
+              <a:rPr lang="en-US" smtClean="0"/>
+              <a:t>Hàm Affine có dạng </a:t>
+            </a:r>
+            <a:endParaRPr lang="en-US" smtClean="0"/>
+          </a:p>
+          <a:p>
+            <a:pPr lvl="1"/>
+            <a:r>
+              <a:rPr lang="en-US" smtClean="0"/>
+              <a:t>Các </a:t>
+            </a:r>
+            <a:r>
+              <a:rPr lang="en-US" smtClean="0"/>
+              <a:t>cách để cải thiện độ lớn độ phi tuyến của hàm Boolean như: </a:t>
+            </a:r>
+            <a:r>
+              <a:rPr lang="en-US" b="1" i="1" smtClean="0"/>
+              <a:t>kết nối</a:t>
+            </a:r>
+            <a:r>
+              <a:rPr lang="en-US" i="1" smtClean="0"/>
+              <a:t>, </a:t>
+            </a:r>
+            <a:r>
+              <a:rPr lang="en-US" b="1" i="1" smtClean="0"/>
+              <a:t>phân chia</a:t>
+            </a:r>
+            <a:r>
+              <a:rPr lang="en-US" i="1" smtClean="0"/>
+              <a:t>, </a:t>
+            </a:r>
+            <a:r>
+              <a:rPr lang="en-US" b="1" i="1" smtClean="0"/>
+              <a:t>điều chỉnh</a:t>
+            </a:r>
+            <a:r>
+              <a:rPr lang="en-US" i="1" smtClean="0"/>
+              <a:t> </a:t>
+            </a:r>
+            <a:r>
+              <a:rPr lang="en-US" smtClean="0"/>
+              <a:t>các </a:t>
+            </a:r>
+            <a:r>
+              <a:rPr lang="en-US" smtClean="0"/>
+              <a:t>dãy.</a:t>
+            </a:r>
+            <a:endParaRPr lang="en-US" smtClean="0"/>
+          </a:p>
+          <a:p>
+            <a:pPr lvl="1"/>
+            <a:endParaRPr lang="en-US"/>
+          </a:p>
+        </p:txBody>
+      </p:sp>
+      <p:sp>
+        <p:nvSpPr>
+          <p:cNvPr id="4" name="Date Placeholder 3"/>
+          <p:cNvSpPr>
+            <a:spLocks noGrp="1"/>
+          </p:cNvSpPr>
+          <p:nvPr>
+            <p:ph type="dt" sz="half" idx="10"/>
+          </p:nvPr>
+        </p:nvSpPr>
+        <p:spPr/>
+        <p:txBody>
+          <a:bodyPr/>
+          <a:lstStyle/>
+          <a:p>
+            <a:fld id="{7C294124-47EA-4536-AD0A-FC4FCEA2FD23}" type="datetime1">
+              <a:rPr lang="vi-VN" smtClean="0"/>
+              <a:pPr/>
+              <a:t>10/06/2011</a:t>
+            </a:fld>
+            <a:endParaRPr lang="en-US"/>
+          </a:p>
+        </p:txBody>
+      </p:sp>
+      <p:sp>
+        <p:nvSpPr>
+          <p:cNvPr id="5" name="Footer Placeholder 4"/>
+          <p:cNvSpPr>
+            <a:spLocks noGrp="1"/>
+          </p:cNvSpPr>
+          <p:nvPr>
+            <p:ph type="ftr" sz="quarter" idx="11"/>
+          </p:nvPr>
+        </p:nvSpPr>
+        <p:spPr/>
+        <p:txBody>
+          <a:bodyPr/>
+          <a:lstStyle/>
+          <a:p>
+            <a:r>
+              <a:rPr lang="en-US" smtClean="0"/>
+              <a:t>Khảo sát mã dòng và ứng dụng</a:t>
+            </a:r>
+            <a:endParaRPr lang="en-US"/>
+          </a:p>
+        </p:txBody>
+      </p:sp>
+      <p:sp>
+        <p:nvSpPr>
+          <p:cNvPr id="6" name="Slide Number Placeholder 5"/>
+          <p:cNvSpPr>
+            <a:spLocks noGrp="1"/>
+          </p:cNvSpPr>
+          <p:nvPr>
+            <p:ph type="sldNum" sz="quarter" idx="12"/>
+          </p:nvPr>
+        </p:nvSpPr>
+        <p:spPr/>
+        <p:txBody>
+          <a:bodyPr/>
+          <a:lstStyle/>
+          <a:p>
+            <a:fld id="{CA554274-6C47-4D4B-8630-CC803E51C38C}" type="slidenum">
+              <a:rPr lang="en-US" smtClean="0"/>
+              <a:pPr/>
+              <a:t>33</a:t>
+            </a:fld>
+            <a:endParaRPr lang="en-US"/>
+          </a:p>
+        </p:txBody>
+      </p:sp>
+      <p:sp>
+        <p:nvSpPr>
+          <p:cNvPr id="53250" name="Rectangle 2"/>
+          <p:cNvSpPr>
+            <a:spLocks noChangeArrowheads="1"/>
+          </p:cNvSpPr>
+          <p:nvPr/>
+        </p:nvSpPr>
+        <p:spPr bwMode="auto">
+          <a:xfrm>
+            <a:off x="0" y="0"/>
+            <a:ext cx="9144000" cy="457200"/>
+          </a:xfrm>
+          <a:prstGeom prst="rect">
+            <a:avLst/>
+          </a:prstGeom>
+          <a:noFill/>
+          <a:ln w="9525">
+            <a:noFill/>
+            <a:miter lim="800000"/>
+            <a:headEnd/>
+            <a:tailEnd/>
+          </a:ln>
+          <a:effectLst/>
+        </p:spPr>
+        <p:txBody>
+          <a:bodyPr vert="horz" wrap="none" lIns="91440" tIns="45720" rIns="91440" bIns="45720" numCol="1" anchor="ctr" anchorCtr="0" compatLnSpc="1">
+            <a:prstTxWarp prst="textNoShape">
+              <a:avLst/>
+            </a:prstTxWarp>
+            <a:spAutoFit/>
+          </a:bodyPr>
+          <a:lstStyle/>
+          <a:p>
+            <a:endParaRPr lang="en-US"/>
+          </a:p>
+        </p:txBody>
+      </p:sp>
+      <p:graphicFrame>
+        <p:nvGraphicFramePr>
+          <p:cNvPr id="53249" name="Object 1"/>
+          <p:cNvGraphicFramePr>
+            <a:graphicFrameLocks noChangeAspect="1"/>
+          </p:cNvGraphicFramePr>
+          <p:nvPr/>
+        </p:nvGraphicFramePr>
+        <p:xfrm>
+          <a:off x="3403600" y="1219200"/>
+          <a:ext cx="4800600" cy="609600"/>
+        </p:xfrm>
+        <a:graphic>
+          <a:graphicData uri="http://schemas.openxmlformats.org/presentationml/2006/ole">
+            <p:oleObj spid="_x0000_s53249" name="Equation" r:id="rId3" imgW="1803240" imgH="253800" progId="Equation.3">
+              <p:embed/>
+            </p:oleObj>
+          </a:graphicData>
+        </a:graphic>
+      </p:graphicFrame>
+      <p:graphicFrame>
+        <p:nvGraphicFramePr>
+          <p:cNvPr id="53251" name="Object 3"/>
+          <p:cNvGraphicFramePr>
+            <a:graphicFrameLocks noChangeAspect="1"/>
+          </p:cNvGraphicFramePr>
+          <p:nvPr/>
+        </p:nvGraphicFramePr>
+        <p:xfrm>
+          <a:off x="2667000" y="1802364"/>
+          <a:ext cx="1524000" cy="559836"/>
+        </p:xfrm>
+        <a:graphic>
+          <a:graphicData uri="http://schemas.openxmlformats.org/presentationml/2006/ole">
+            <p:oleObj spid="_x0000_s53251" name="Equation" r:id="rId4" imgW="622080" imgH="228600" progId="Equation.3">
+              <p:embed/>
+            </p:oleObj>
+          </a:graphicData>
+        </a:graphic>
+      </p:graphicFrame>
+      <p:graphicFrame>
+        <p:nvGraphicFramePr>
+          <p:cNvPr id="53252" name="Object 4"/>
+          <p:cNvGraphicFramePr>
+            <a:graphicFrameLocks noChangeAspect="1"/>
+          </p:cNvGraphicFramePr>
+          <p:nvPr/>
+        </p:nvGraphicFramePr>
+        <p:xfrm>
+          <a:off x="1905000" y="2260600"/>
+          <a:ext cx="381000" cy="508000"/>
+        </p:xfrm>
+        <a:graphic>
+          <a:graphicData uri="http://schemas.openxmlformats.org/presentationml/2006/ole">
+            <p:oleObj spid="_x0000_s53252" name="Equation" r:id="rId5" imgW="152280" imgH="203040" progId="Equation.3">
+              <p:embed/>
+            </p:oleObj>
+          </a:graphicData>
+        </a:graphic>
+      </p:graphicFrame>
+      <p:graphicFrame>
+        <p:nvGraphicFramePr>
+          <p:cNvPr id="53253" name="Object 5"/>
+          <p:cNvGraphicFramePr>
+            <a:graphicFrameLocks noChangeAspect="1"/>
+          </p:cNvGraphicFramePr>
+          <p:nvPr/>
+        </p:nvGraphicFramePr>
+        <p:xfrm>
+          <a:off x="2743200" y="2209800"/>
+          <a:ext cx="402167" cy="556846"/>
+        </p:xfrm>
+        <a:graphic>
+          <a:graphicData uri="http://schemas.openxmlformats.org/presentationml/2006/ole">
+            <p:oleObj spid="_x0000_s53253" name="Equation" r:id="rId6" imgW="164880" imgH="228600" progId="Equation.3">
+              <p:embed/>
+            </p:oleObj>
+          </a:graphicData>
+        </a:graphic>
+      </p:graphicFrame>
+      <p:graphicFrame>
+        <p:nvGraphicFramePr>
+          <p:cNvPr id="53254" name="Object 6"/>
+          <p:cNvGraphicFramePr>
+            <a:graphicFrameLocks noChangeAspect="1"/>
+          </p:cNvGraphicFramePr>
+          <p:nvPr/>
+        </p:nvGraphicFramePr>
+        <p:xfrm>
+          <a:off x="4648200" y="2209800"/>
+          <a:ext cx="401638" cy="557213"/>
+        </p:xfrm>
+        <a:graphic>
+          <a:graphicData uri="http://schemas.openxmlformats.org/presentationml/2006/ole">
+            <p:oleObj spid="_x0000_s53254" name="Equation" r:id="rId7" imgW="164880" imgH="228600" progId="Equation.3">
+              <p:embed/>
+            </p:oleObj>
+          </a:graphicData>
+        </a:graphic>
+      </p:graphicFrame>
+      <p:sp>
+        <p:nvSpPr>
+          <p:cNvPr id="53256" name="Rectangle 8"/>
+          <p:cNvSpPr>
+            <a:spLocks noChangeArrowheads="1"/>
+          </p:cNvSpPr>
+          <p:nvPr/>
+        </p:nvSpPr>
+        <p:spPr bwMode="auto">
+          <a:xfrm>
+            <a:off x="0" y="0"/>
+            <a:ext cx="9144000" cy="0"/>
+          </a:xfrm>
+          <a:prstGeom prst="rect">
+            <a:avLst/>
+          </a:prstGeom>
+          <a:noFill/>
+          <a:ln w="9525">
+            <a:noFill/>
+            <a:miter lim="800000"/>
+            <a:headEnd/>
+            <a:tailEnd/>
+          </a:ln>
+          <a:effectLst/>
+        </p:spPr>
+        <p:txBody>
+          <a:bodyPr vert="horz" wrap="none" lIns="91440" tIns="45720" rIns="91440" bIns="45720" numCol="1" anchor="ctr" anchorCtr="0" compatLnSpc="1">
+            <a:prstTxWarp prst="textNoShape">
+              <a:avLst/>
+            </a:prstTxWarp>
+            <a:spAutoFit/>
+          </a:bodyPr>
+          <a:lstStyle/>
+          <a:p>
+            <a:endParaRPr lang="en-US"/>
+          </a:p>
+        </p:txBody>
+      </p:sp>
+      <p:graphicFrame>
+        <p:nvGraphicFramePr>
+          <p:cNvPr id="53255" name="Object 7"/>
+          <p:cNvGraphicFramePr>
+            <a:graphicFrameLocks noChangeAspect="1"/>
+          </p:cNvGraphicFramePr>
+          <p:nvPr/>
+        </p:nvGraphicFramePr>
+        <p:xfrm>
+          <a:off x="4190999" y="3810000"/>
+          <a:ext cx="4724401" cy="533400"/>
+        </p:xfrm>
+        <a:graphic>
+          <a:graphicData uri="http://schemas.openxmlformats.org/presentationml/2006/ole">
+            <p:oleObj spid="_x0000_s53255" name="Equation" r:id="rId8" imgW="2235200" imgH="228600" progId="Equation.3">
+              <p:embed/>
+            </p:oleObj>
+          </a:graphicData>
+        </a:graphic>
+      </p:graphicFrame>
+    </p:spTree>
+  </p:cSld>
+  <p:clrMapOvr>
+    <a:masterClrMapping/>
+  </p:clrMapOvr>
+  <p:timing>
+    <p:tnLst>
+      <p:par>
+        <p:cTn id="1" dur="indefinite" restart="never" nodeType="tmRoot"/>
+      </p:par>
+    </p:tnLst>
+  </p:timing>
+</p:sld>
+</file>
+
+<file path=ppt/slides/slide34.xml><?xml version="1.0" encoding="utf-8"?>
+<p:sld xmlns:a="http://schemas.openxmlformats.org/drawingml/2006/main" xmlns:r="http://schemas.openxmlformats.org/officeDocument/2006/relationships" xmlns:p="http://schemas.openxmlformats.org/presentationml/2006/main">
+  <p:cSld>
+    <p:spTree>
+      <p:nvGrpSpPr>
+        <p:cNvPr id="1" name=""/>
+        <p:cNvGrpSpPr/>
+        <p:nvPr/>
+      </p:nvGrpSpPr>
+      <p:grpSpPr>
+        <a:xfrm>
+          <a:off x="0" y="0"/>
+          <a:ext cx="0" cy="0"/>
+          <a:chOff x="0" y="0"/>
+          <a:chExt cx="0" cy="0"/>
+        </a:xfrm>
+      </p:grpSpPr>
+      <p:sp>
+        <p:nvSpPr>
+          <p:cNvPr id="2" name="Title 1"/>
+          <p:cNvSpPr>
+            <a:spLocks noGrp="1"/>
+          </p:cNvSpPr>
+          <p:nvPr>
+            <p:ph type="title"/>
+          </p:nvPr>
+        </p:nvSpPr>
+        <p:spPr/>
+        <p:txBody>
+          <a:bodyPr/>
+          <a:lstStyle/>
+          <a:p>
+            <a:r>
+              <a:rPr lang="en-US" smtClean="0"/>
+              <a:t>Tính phi tuyến</a:t>
+            </a:r>
+            <a:endParaRPr lang="en-US"/>
+          </a:p>
+        </p:txBody>
+      </p:sp>
+      <p:graphicFrame>
+        <p:nvGraphicFramePr>
+          <p:cNvPr id="8" name="Content Placeholder 7"/>
+          <p:cNvGraphicFramePr>
+            <a:graphicFrameLocks noGrp="1"/>
+          </p:cNvGraphicFramePr>
+          <p:nvPr>
+            <p:ph idx="1"/>
+          </p:nvPr>
+        </p:nvGraphicFramePr>
+        <p:xfrm>
+          <a:off x="457200" y="1374149"/>
+          <a:ext cx="8305801" cy="3578851"/>
+        </p:xfrm>
+        <a:graphic>
+          <a:graphicData uri="http://schemas.openxmlformats.org/drawingml/2006/table">
+            <a:tbl>
+              <a:tblPr firstRow="1" bandRow="1">
+                <a:tableStyleId>{5C22544A-7EE6-4342-B048-85BDC9FD1C3A}</a:tableStyleId>
+              </a:tblPr>
+              <a:tblGrid>
+                <a:gridCol w="1186543"/>
+                <a:gridCol w="1186543"/>
+                <a:gridCol w="1186543"/>
+                <a:gridCol w="1186543"/>
+                <a:gridCol w="1186543"/>
+                <a:gridCol w="1186543"/>
+                <a:gridCol w="1186543"/>
+              </a:tblGrid>
+              <a:tr h="967237">
+                <a:tc>
+                  <a:txBody>
+                    <a:bodyPr/>
+                    <a:lstStyle/>
+                    <a:p>
+                      <a:pPr marL="0" marR="0" algn="ctr">
+                        <a:lnSpc>
+                          <a:spcPct val="150000"/>
+                        </a:lnSpc>
+                        <a:spcBef>
+                          <a:spcPts val="0"/>
+                        </a:spcBef>
+                        <a:spcAft>
+                          <a:spcPts val="1000"/>
+                        </a:spcAft>
+                      </a:pPr>
+                      <a:r>
+                        <a:rPr lang="en-US" sz="1800" b="1">
+                          <a:latin typeface="Times New Roman"/>
+                          <a:ea typeface="Calibri"/>
+                          <a:cs typeface="Times New Roman"/>
+                        </a:rPr>
+                        <a:t>Không gian vector</a:t>
+                      </a:r>
+                      <a:endParaRPr lang="en-US" sz="1800">
+                        <a:latin typeface="Times New Roman"/>
+                        <a:ea typeface="Calibri"/>
+                        <a:cs typeface="Times New Roman"/>
+                      </a:endParaRPr>
+                    </a:p>
+                  </a:txBody>
+                  <a:tcPr marL="68580" marR="68580" marT="0" marB="0"/>
+                </a:tc>
+                <a:tc>
+                  <a:txBody>
+                    <a:bodyPr/>
+                    <a:lstStyle/>
+                    <a:p>
+                      <a:pPr marL="0" marR="0" algn="ctr">
+                        <a:lnSpc>
+                          <a:spcPct val="150000"/>
+                        </a:lnSpc>
+                        <a:spcBef>
+                          <a:spcPts val="0"/>
+                        </a:spcBef>
+                        <a:spcAft>
+                          <a:spcPts val="1000"/>
+                        </a:spcAft>
+                      </a:pPr>
+                      <a:r>
+                        <a:rPr lang="en-US" sz="2400" i="1" smtClean="0">
+                          <a:latin typeface="Times New Roman"/>
+                          <a:ea typeface="Calibri"/>
+                          <a:cs typeface="Times New Roman"/>
+                        </a:rPr>
+                        <a:t>GF</a:t>
+                      </a:r>
+                      <a:r>
+                        <a:rPr lang="en-US" sz="2400" smtClean="0">
+                          <a:latin typeface="Times New Roman"/>
+                          <a:ea typeface="Calibri"/>
+                          <a:cs typeface="Times New Roman"/>
+                        </a:rPr>
+                        <a:t>(2)</a:t>
+                      </a:r>
+                      <a:r>
+                        <a:rPr lang="en-US" sz="2400" i="0" baseline="30000" smtClean="0">
+                          <a:latin typeface="Times New Roman"/>
+                          <a:ea typeface="Calibri"/>
+                          <a:cs typeface="Times New Roman"/>
+                        </a:rPr>
+                        <a:t>4</a:t>
+                      </a:r>
+                      <a:endParaRPr lang="en-US" sz="2400" i="0">
+                        <a:latin typeface="Times New Roman"/>
+                        <a:ea typeface="Calibri"/>
+                        <a:cs typeface="Times New Roman"/>
+                      </a:endParaRPr>
+                    </a:p>
+                  </a:txBody>
+                  <a:tcPr marL="68580" marR="68580" marT="0" marB="0"/>
+                </a:tc>
+                <a:tc>
+                  <a:txBody>
+                    <a:bodyPr/>
+                    <a:lstStyle/>
+                    <a:p>
+                      <a:pPr marL="0" marR="0" algn="ctr">
+                        <a:lnSpc>
+                          <a:spcPct val="150000"/>
+                        </a:lnSpc>
+                        <a:spcBef>
+                          <a:spcPts val="0"/>
+                        </a:spcBef>
+                        <a:spcAft>
+                          <a:spcPts val="1000"/>
+                        </a:spcAft>
+                      </a:pPr>
+                      <a:r>
+                        <a:rPr lang="en-US" sz="2400" i="1">
+                          <a:latin typeface="Times New Roman"/>
+                          <a:ea typeface="Calibri"/>
+                          <a:cs typeface="Times New Roman"/>
+                        </a:rPr>
+                        <a:t>GF</a:t>
+                      </a:r>
+                      <a:r>
+                        <a:rPr lang="en-US" sz="2400">
+                          <a:latin typeface="Times New Roman"/>
+                          <a:ea typeface="Calibri"/>
+                          <a:cs typeface="Times New Roman"/>
+                        </a:rPr>
+                        <a:t>(2)</a:t>
+                      </a:r>
+                      <a:r>
+                        <a:rPr lang="en-US" sz="2400" i="0" baseline="30000">
+                          <a:latin typeface="Times New Roman"/>
+                          <a:ea typeface="Calibri"/>
+                          <a:cs typeface="Times New Roman"/>
+                        </a:rPr>
+                        <a:t>6</a:t>
+                      </a:r>
+                      <a:endParaRPr lang="en-US" sz="2400" i="0">
+                        <a:latin typeface="Times New Roman"/>
+                        <a:ea typeface="Calibri"/>
+                        <a:cs typeface="Times New Roman"/>
+                      </a:endParaRPr>
+                    </a:p>
+                  </a:txBody>
+                  <a:tcPr marL="68580" marR="68580" marT="0" marB="0"/>
+                </a:tc>
+                <a:tc>
+                  <a:txBody>
+                    <a:bodyPr/>
+                    <a:lstStyle/>
+                    <a:p>
+                      <a:pPr marL="0" marR="0" algn="ctr">
+                        <a:lnSpc>
+                          <a:spcPct val="150000"/>
+                        </a:lnSpc>
+                        <a:spcBef>
+                          <a:spcPts val="0"/>
+                        </a:spcBef>
+                        <a:spcAft>
+                          <a:spcPts val="1000"/>
+                        </a:spcAft>
+                      </a:pPr>
+                      <a:r>
+                        <a:rPr lang="en-US" sz="2400" i="1">
+                          <a:latin typeface="Times New Roman"/>
+                          <a:ea typeface="Calibri"/>
+                          <a:cs typeface="Times New Roman"/>
+                        </a:rPr>
+                        <a:t>GF</a:t>
+                      </a:r>
+                      <a:r>
+                        <a:rPr lang="en-US" sz="2400">
+                          <a:latin typeface="Times New Roman"/>
+                          <a:ea typeface="Calibri"/>
+                          <a:cs typeface="Times New Roman"/>
+                        </a:rPr>
+                        <a:t>(2)</a:t>
+                      </a:r>
+                      <a:r>
+                        <a:rPr lang="en-US" sz="2400" i="0" baseline="30000">
+                          <a:latin typeface="Times New Roman"/>
+                          <a:ea typeface="Calibri"/>
+                          <a:cs typeface="Times New Roman"/>
+                        </a:rPr>
+                        <a:t>8</a:t>
+                      </a:r>
+                      <a:endParaRPr lang="en-US" sz="2400" i="0">
+                        <a:latin typeface="Times New Roman"/>
+                        <a:ea typeface="Calibri"/>
+                        <a:cs typeface="Times New Roman"/>
+                      </a:endParaRPr>
+                    </a:p>
+                  </a:txBody>
+                  <a:tcPr marL="68580" marR="68580" marT="0" marB="0"/>
+                </a:tc>
+                <a:tc>
+                  <a:txBody>
+                    <a:bodyPr/>
+                    <a:lstStyle/>
+                    <a:p>
+                      <a:pPr marL="0" marR="0" algn="ctr">
+                        <a:lnSpc>
+                          <a:spcPct val="150000"/>
+                        </a:lnSpc>
+                        <a:spcBef>
+                          <a:spcPts val="0"/>
+                        </a:spcBef>
+                        <a:spcAft>
+                          <a:spcPts val="1000"/>
+                        </a:spcAft>
+                      </a:pPr>
+                      <a:r>
+                        <a:rPr lang="en-US" sz="2400" i="1">
+                          <a:latin typeface="Times New Roman"/>
+                          <a:ea typeface="Calibri"/>
+                          <a:cs typeface="Times New Roman"/>
+                        </a:rPr>
+                        <a:t>GF</a:t>
+                      </a:r>
+                      <a:r>
+                        <a:rPr lang="en-US" sz="2400">
+                          <a:latin typeface="Times New Roman"/>
+                          <a:ea typeface="Calibri"/>
+                          <a:cs typeface="Times New Roman"/>
+                        </a:rPr>
+                        <a:t>(2)</a:t>
+                      </a:r>
+                      <a:r>
+                        <a:rPr lang="en-US" sz="2400" i="0" baseline="30000">
+                          <a:latin typeface="Times New Roman"/>
+                          <a:ea typeface="Calibri"/>
+                          <a:cs typeface="Times New Roman"/>
+                        </a:rPr>
+                        <a:t>10</a:t>
+                      </a:r>
+                      <a:endParaRPr lang="en-US" sz="2400" i="0">
+                        <a:latin typeface="Times New Roman"/>
+                        <a:ea typeface="Calibri"/>
+                        <a:cs typeface="Times New Roman"/>
+                      </a:endParaRPr>
+                    </a:p>
+                  </a:txBody>
+                  <a:tcPr marL="68580" marR="68580" marT="0" marB="0"/>
+                </a:tc>
+                <a:tc>
+                  <a:txBody>
+                    <a:bodyPr/>
+                    <a:lstStyle/>
+                    <a:p>
+                      <a:pPr marL="0" marR="0" algn="ctr">
+                        <a:lnSpc>
+                          <a:spcPct val="150000"/>
+                        </a:lnSpc>
+                        <a:spcBef>
+                          <a:spcPts val="0"/>
+                        </a:spcBef>
+                        <a:spcAft>
+                          <a:spcPts val="1000"/>
+                        </a:spcAft>
+                      </a:pPr>
+                      <a:r>
+                        <a:rPr lang="en-US" sz="2400" i="1">
+                          <a:latin typeface="Times New Roman"/>
+                          <a:ea typeface="Calibri"/>
+                          <a:cs typeface="Times New Roman"/>
+                        </a:rPr>
+                        <a:t>GF</a:t>
+                      </a:r>
+                      <a:r>
+                        <a:rPr lang="en-US" sz="2400">
+                          <a:latin typeface="Times New Roman"/>
+                          <a:ea typeface="Calibri"/>
+                          <a:cs typeface="Times New Roman"/>
+                        </a:rPr>
+                        <a:t>(2)</a:t>
+                      </a:r>
+                      <a:r>
+                        <a:rPr lang="en-US" sz="2400" i="0" baseline="30000">
+                          <a:latin typeface="Times New Roman"/>
+                          <a:ea typeface="Calibri"/>
+                          <a:cs typeface="Times New Roman"/>
+                        </a:rPr>
+                        <a:t>12</a:t>
+                      </a:r>
+                      <a:endParaRPr lang="en-US" sz="2400" i="0">
+                        <a:latin typeface="Times New Roman"/>
+                        <a:ea typeface="Calibri"/>
+                        <a:cs typeface="Times New Roman"/>
+                      </a:endParaRPr>
+                    </a:p>
+                  </a:txBody>
+                  <a:tcPr marL="68580" marR="68580" marT="0" marB="0"/>
+                </a:tc>
+                <a:tc>
+                  <a:txBody>
+                    <a:bodyPr/>
+                    <a:lstStyle/>
+                    <a:p>
+                      <a:pPr marL="0" marR="0" algn="ctr">
+                        <a:lnSpc>
+                          <a:spcPct val="150000"/>
+                        </a:lnSpc>
+                        <a:spcBef>
+                          <a:spcPts val="0"/>
+                        </a:spcBef>
+                        <a:spcAft>
+                          <a:spcPts val="1000"/>
+                        </a:spcAft>
+                      </a:pPr>
+                      <a:r>
+                        <a:rPr lang="en-US" sz="2400" i="1">
+                          <a:latin typeface="Times New Roman"/>
+                          <a:ea typeface="Calibri"/>
+                          <a:cs typeface="Times New Roman"/>
+                        </a:rPr>
+                        <a:t>GF</a:t>
+                      </a:r>
+                      <a:r>
+                        <a:rPr lang="en-US" sz="2400">
+                          <a:latin typeface="Times New Roman"/>
+                          <a:ea typeface="Calibri"/>
+                          <a:cs typeface="Times New Roman"/>
+                        </a:rPr>
+                        <a:t>(2)</a:t>
+                      </a:r>
+                      <a:r>
+                        <a:rPr lang="en-US" sz="2400" i="0" baseline="30000">
+                          <a:latin typeface="Times New Roman"/>
+                          <a:ea typeface="Calibri"/>
+                          <a:cs typeface="Times New Roman"/>
+                        </a:rPr>
+                        <a:t>14</a:t>
+                      </a:r>
+                      <a:endParaRPr lang="en-US" sz="2400" i="0">
+                        <a:latin typeface="Times New Roman"/>
+                        <a:ea typeface="Calibri"/>
+                        <a:cs typeface="Times New Roman"/>
+                      </a:endParaRPr>
+                    </a:p>
+                  </a:txBody>
+                  <a:tcPr marL="68580" marR="68580" marT="0" marB="0"/>
+                </a:tc>
+              </a:tr>
+              <a:tr h="603490">
+                <a:tc>
+                  <a:txBody>
+                    <a:bodyPr/>
+                    <a:lstStyle/>
+                    <a:p>
+                      <a:pPr marL="0" marR="0" algn="ctr">
+                        <a:lnSpc>
+                          <a:spcPct val="150000"/>
+                        </a:lnSpc>
+                        <a:spcBef>
+                          <a:spcPts val="0"/>
+                        </a:spcBef>
+                        <a:spcAft>
+                          <a:spcPts val="1000"/>
+                        </a:spcAft>
+                      </a:pPr>
+                      <a:r>
+                        <a:rPr lang="en-US" sz="1800" b="1" i="1">
+                          <a:latin typeface="Times New Roman"/>
+                          <a:ea typeface="Calibri"/>
+                          <a:cs typeface="Times New Roman"/>
+                        </a:rPr>
+                        <a:t>Cực đại</a:t>
+                      </a:r>
+                      <a:endParaRPr lang="en-US" sz="1800">
+                        <a:latin typeface="Times New Roman"/>
+                        <a:ea typeface="Calibri"/>
+                        <a:cs typeface="Times New Roman"/>
+                      </a:endParaRPr>
+                    </a:p>
+                  </a:txBody>
+                  <a:tcPr marL="68580" marR="68580" marT="0" marB="0"/>
+                </a:tc>
+                <a:tc>
+                  <a:txBody>
+                    <a:bodyPr/>
+                    <a:lstStyle/>
+                    <a:p>
+                      <a:pPr marL="0" marR="0" algn="ctr">
+                        <a:lnSpc>
+                          <a:spcPct val="150000"/>
+                        </a:lnSpc>
+                        <a:spcBef>
+                          <a:spcPts val="0"/>
+                        </a:spcBef>
+                        <a:spcAft>
+                          <a:spcPts val="1000"/>
+                        </a:spcAft>
+                      </a:pPr>
+                      <a:r>
+                        <a:rPr lang="en-US" sz="2400">
+                          <a:latin typeface="Times New Roman"/>
+                          <a:ea typeface="Calibri"/>
+                          <a:cs typeface="Times New Roman"/>
+                        </a:rPr>
+                        <a:t>4</a:t>
+                      </a:r>
+                    </a:p>
+                  </a:txBody>
+                  <a:tcPr marL="68580" marR="68580" marT="0" marB="0"/>
+                </a:tc>
+                <a:tc>
+                  <a:txBody>
+                    <a:bodyPr/>
+                    <a:lstStyle/>
+                    <a:p>
+                      <a:pPr marL="0" marR="0" algn="ctr">
+                        <a:lnSpc>
+                          <a:spcPct val="150000"/>
+                        </a:lnSpc>
+                        <a:spcBef>
+                          <a:spcPts val="0"/>
+                        </a:spcBef>
+                        <a:spcAft>
+                          <a:spcPts val="1000"/>
+                        </a:spcAft>
+                      </a:pPr>
+                      <a:r>
+                        <a:rPr lang="en-US" sz="2400">
+                          <a:latin typeface="Times New Roman"/>
+                          <a:ea typeface="Calibri"/>
+                          <a:cs typeface="Times New Roman"/>
+                        </a:rPr>
+                        <a:t>26</a:t>
+                      </a:r>
+                    </a:p>
+                  </a:txBody>
+                  <a:tcPr marL="68580" marR="68580" marT="0" marB="0"/>
+                </a:tc>
+                <a:tc>
+                  <a:txBody>
+                    <a:bodyPr/>
+                    <a:lstStyle/>
+                    <a:p>
+                      <a:pPr marL="0" marR="0" algn="ctr">
+                        <a:lnSpc>
+                          <a:spcPct val="150000"/>
+                        </a:lnSpc>
+                        <a:spcBef>
+                          <a:spcPts val="0"/>
+                        </a:spcBef>
+                        <a:spcAft>
+                          <a:spcPts val="1000"/>
+                        </a:spcAft>
+                      </a:pPr>
+                      <a:r>
+                        <a:rPr lang="en-US" sz="2400">
+                          <a:latin typeface="Times New Roman"/>
+                          <a:ea typeface="Calibri"/>
+                          <a:cs typeface="Times New Roman"/>
+                        </a:rPr>
+                        <a:t>118</a:t>
+                      </a:r>
+                    </a:p>
+                  </a:txBody>
+                  <a:tcPr marL="68580" marR="68580" marT="0" marB="0"/>
+                </a:tc>
+                <a:tc>
+                  <a:txBody>
+                    <a:bodyPr/>
+                    <a:lstStyle/>
+                    <a:p>
+                      <a:pPr marL="0" marR="0" algn="ctr">
+                        <a:lnSpc>
+                          <a:spcPct val="150000"/>
+                        </a:lnSpc>
+                        <a:spcBef>
+                          <a:spcPts val="0"/>
+                        </a:spcBef>
+                        <a:spcAft>
+                          <a:spcPts val="1000"/>
+                        </a:spcAft>
+                      </a:pPr>
+                      <a:r>
+                        <a:rPr lang="en-US" sz="2400">
+                          <a:latin typeface="Times New Roman"/>
+                          <a:ea typeface="Calibri"/>
+                          <a:cs typeface="Times New Roman"/>
+                        </a:rPr>
+                        <a:t>494</a:t>
+                      </a:r>
+                    </a:p>
+                  </a:txBody>
+                  <a:tcPr marL="68580" marR="68580" marT="0" marB="0"/>
+                </a:tc>
+                <a:tc>
+                  <a:txBody>
+                    <a:bodyPr/>
+                    <a:lstStyle/>
+                    <a:p>
+                      <a:pPr marL="0" marR="0" algn="ctr">
+                        <a:lnSpc>
+                          <a:spcPct val="150000"/>
+                        </a:lnSpc>
+                        <a:spcBef>
+                          <a:spcPts val="0"/>
+                        </a:spcBef>
+                        <a:spcAft>
+                          <a:spcPts val="1000"/>
+                        </a:spcAft>
+                      </a:pPr>
+                      <a:r>
+                        <a:rPr lang="en-US" sz="2400">
+                          <a:latin typeface="Times New Roman"/>
+                          <a:ea typeface="Calibri"/>
+                          <a:cs typeface="Times New Roman"/>
+                        </a:rPr>
+                        <a:t>2014</a:t>
+                      </a:r>
+                    </a:p>
+                  </a:txBody>
+                  <a:tcPr marL="68580" marR="68580" marT="0" marB="0"/>
+                </a:tc>
+                <a:tc>
+                  <a:txBody>
+                    <a:bodyPr/>
+                    <a:lstStyle/>
+                    <a:p>
+                      <a:pPr marL="0" marR="0" algn="ctr">
+                        <a:lnSpc>
+                          <a:spcPct val="150000"/>
+                        </a:lnSpc>
+                        <a:spcBef>
+                          <a:spcPts val="0"/>
+                        </a:spcBef>
+                        <a:spcAft>
+                          <a:spcPts val="1000"/>
+                        </a:spcAft>
+                      </a:pPr>
+                      <a:r>
+                        <a:rPr lang="en-US" sz="2400">
+                          <a:latin typeface="Times New Roman"/>
+                          <a:ea typeface="Calibri"/>
+                          <a:cs typeface="Times New Roman"/>
+                        </a:rPr>
+                        <a:t>8126</a:t>
+                      </a:r>
+                    </a:p>
+                  </a:txBody>
+                  <a:tcPr marL="68580" marR="68580" marT="0" marB="0"/>
+                </a:tc>
+              </a:tr>
+              <a:tr h="967237">
+                <a:tc>
+                  <a:txBody>
+                    <a:bodyPr/>
+                    <a:lstStyle/>
+                    <a:p>
+                      <a:pPr marL="0" marR="0" algn="ctr">
+                        <a:lnSpc>
+                          <a:spcPct val="150000"/>
+                        </a:lnSpc>
+                        <a:spcBef>
+                          <a:spcPts val="0"/>
+                        </a:spcBef>
+                        <a:spcAft>
+                          <a:spcPts val="1000"/>
+                        </a:spcAft>
+                      </a:pPr>
+                      <a:r>
+                        <a:rPr lang="en-US" sz="1800" b="1" i="1">
+                          <a:latin typeface="Times New Roman"/>
+                          <a:ea typeface="Calibri"/>
+                          <a:cs typeface="Times New Roman"/>
+                        </a:rPr>
+                        <a:t>Bằng cách điều chỉnh</a:t>
+                      </a:r>
+                      <a:endParaRPr lang="en-US" sz="1800">
+                        <a:latin typeface="Times New Roman"/>
+                        <a:ea typeface="Calibri"/>
+                        <a:cs typeface="Times New Roman"/>
+                      </a:endParaRPr>
+                    </a:p>
+                  </a:txBody>
+                  <a:tcPr marL="68580" marR="68580" marT="0" marB="0"/>
+                </a:tc>
+                <a:tc>
+                  <a:txBody>
+                    <a:bodyPr/>
+                    <a:lstStyle/>
+                    <a:p>
+                      <a:pPr marL="0" marR="0" algn="ctr">
+                        <a:lnSpc>
+                          <a:spcPct val="150000"/>
+                        </a:lnSpc>
+                        <a:spcBef>
+                          <a:spcPts val="0"/>
+                        </a:spcBef>
+                        <a:spcAft>
+                          <a:spcPts val="1000"/>
+                        </a:spcAft>
+                      </a:pPr>
+                      <a:r>
+                        <a:rPr lang="en-US" sz="2400">
+                          <a:latin typeface="Times New Roman"/>
+                          <a:ea typeface="Calibri"/>
+                          <a:cs typeface="Times New Roman"/>
+                        </a:rPr>
+                        <a:t>4</a:t>
+                      </a:r>
+                    </a:p>
+                  </a:txBody>
+                  <a:tcPr marL="68580" marR="68580" marT="0" marB="0"/>
+                </a:tc>
+                <a:tc>
+                  <a:txBody>
+                    <a:bodyPr/>
+                    <a:lstStyle/>
+                    <a:p>
+                      <a:pPr marL="0" marR="0" algn="ctr">
+                        <a:lnSpc>
+                          <a:spcPct val="150000"/>
+                        </a:lnSpc>
+                        <a:spcBef>
+                          <a:spcPts val="0"/>
+                        </a:spcBef>
+                        <a:spcAft>
+                          <a:spcPts val="1000"/>
+                        </a:spcAft>
+                      </a:pPr>
+                      <a:r>
+                        <a:rPr lang="en-US" sz="2400">
+                          <a:latin typeface="Times New Roman"/>
+                          <a:ea typeface="Calibri"/>
+                          <a:cs typeface="Times New Roman"/>
+                        </a:rPr>
+                        <a:t>26</a:t>
+                      </a:r>
+                    </a:p>
+                  </a:txBody>
+                  <a:tcPr marL="68580" marR="68580" marT="0" marB="0"/>
+                </a:tc>
+                <a:tc>
+                  <a:txBody>
+                    <a:bodyPr/>
+                    <a:lstStyle/>
+                    <a:p>
+                      <a:pPr marL="0" marR="0" algn="ctr">
+                        <a:lnSpc>
+                          <a:spcPct val="150000"/>
+                        </a:lnSpc>
+                        <a:spcBef>
+                          <a:spcPts val="0"/>
+                        </a:spcBef>
+                        <a:spcAft>
+                          <a:spcPts val="1000"/>
+                        </a:spcAft>
+                      </a:pPr>
+                      <a:r>
+                        <a:rPr lang="en-US" sz="2400">
+                          <a:latin typeface="Times New Roman"/>
+                          <a:ea typeface="Calibri"/>
+                          <a:cs typeface="Times New Roman"/>
+                        </a:rPr>
+                        <a:t>116</a:t>
+                      </a:r>
+                    </a:p>
+                  </a:txBody>
+                  <a:tcPr marL="68580" marR="68580" marT="0" marB="0"/>
+                </a:tc>
+                <a:tc>
+                  <a:txBody>
+                    <a:bodyPr/>
+                    <a:lstStyle/>
+                    <a:p>
+                      <a:pPr marL="0" marR="0" algn="ctr">
+                        <a:lnSpc>
+                          <a:spcPct val="150000"/>
+                        </a:lnSpc>
+                        <a:spcBef>
+                          <a:spcPts val="0"/>
+                        </a:spcBef>
+                        <a:spcAft>
+                          <a:spcPts val="1000"/>
+                        </a:spcAft>
+                      </a:pPr>
+                      <a:r>
+                        <a:rPr lang="en-US" sz="2400">
+                          <a:latin typeface="Times New Roman"/>
+                          <a:ea typeface="Calibri"/>
+                          <a:cs typeface="Times New Roman"/>
+                        </a:rPr>
+                        <a:t>492</a:t>
+                      </a:r>
+                    </a:p>
+                  </a:txBody>
+                  <a:tcPr marL="68580" marR="68580" marT="0" marB="0"/>
+                </a:tc>
+                <a:tc>
+                  <a:txBody>
+                    <a:bodyPr/>
+                    <a:lstStyle/>
+                    <a:p>
+                      <a:pPr marL="0" marR="0" algn="ctr">
+                        <a:lnSpc>
+                          <a:spcPct val="150000"/>
+                        </a:lnSpc>
+                        <a:spcBef>
+                          <a:spcPts val="0"/>
+                        </a:spcBef>
+                        <a:spcAft>
+                          <a:spcPts val="1000"/>
+                        </a:spcAft>
+                      </a:pPr>
+                      <a:r>
+                        <a:rPr lang="en-US" sz="2400">
+                          <a:latin typeface="Times New Roman"/>
+                          <a:ea typeface="Calibri"/>
+                          <a:cs typeface="Times New Roman"/>
+                        </a:rPr>
+                        <a:t>2010</a:t>
+                      </a:r>
+                    </a:p>
+                  </a:txBody>
+                  <a:tcPr marL="68580" marR="68580" marT="0" marB="0"/>
+                </a:tc>
+                <a:tc>
+                  <a:txBody>
+                    <a:bodyPr/>
+                    <a:lstStyle/>
+                    <a:p>
+                      <a:pPr marL="0" marR="0" algn="ctr">
+                        <a:lnSpc>
+                          <a:spcPct val="150000"/>
+                        </a:lnSpc>
+                        <a:spcBef>
+                          <a:spcPts val="0"/>
+                        </a:spcBef>
+                        <a:spcAft>
+                          <a:spcPts val="1000"/>
+                        </a:spcAft>
+                      </a:pPr>
+                      <a:r>
+                        <a:rPr lang="en-US" sz="2400">
+                          <a:latin typeface="Times New Roman"/>
+                          <a:ea typeface="Calibri"/>
+                          <a:cs typeface="Times New Roman"/>
+                        </a:rPr>
+                        <a:t>8120</a:t>
+                      </a:r>
+                    </a:p>
+                  </a:txBody>
+                  <a:tcPr marL="68580" marR="68580" marT="0" marB="0"/>
+                </a:tc>
+              </a:tr>
+              <a:tr h="623833">
+                <a:tc>
+                  <a:txBody>
+                    <a:bodyPr/>
+                    <a:lstStyle/>
+                    <a:p>
+                      <a:pPr marL="0" marR="0" algn="ctr">
+                        <a:lnSpc>
+                          <a:spcPct val="150000"/>
+                        </a:lnSpc>
+                        <a:spcBef>
+                          <a:spcPts val="0"/>
+                        </a:spcBef>
+                        <a:spcAft>
+                          <a:spcPts val="1000"/>
+                        </a:spcAft>
+                      </a:pPr>
+                      <a:r>
+                        <a:rPr lang="en-US" sz="1800" b="1" i="1">
+                          <a:latin typeface="Times New Roman"/>
+                          <a:ea typeface="Calibri"/>
+                          <a:cs typeface="Times New Roman"/>
+                        </a:rPr>
+                        <a:t>Bằng cách kết nối</a:t>
+                      </a:r>
+                      <a:endParaRPr lang="en-US" sz="1800">
+                        <a:latin typeface="Times New Roman"/>
+                        <a:ea typeface="Calibri"/>
+                        <a:cs typeface="Times New Roman"/>
+                      </a:endParaRPr>
+                    </a:p>
+                  </a:txBody>
+                  <a:tcPr marL="68580" marR="68580" marT="0" marB="0"/>
+                </a:tc>
+                <a:tc>
+                  <a:txBody>
+                    <a:bodyPr/>
+                    <a:lstStyle/>
+                    <a:p>
+                      <a:pPr marL="0" marR="0" algn="ctr">
+                        <a:lnSpc>
+                          <a:spcPct val="150000"/>
+                        </a:lnSpc>
+                        <a:spcBef>
+                          <a:spcPts val="0"/>
+                        </a:spcBef>
+                        <a:spcAft>
+                          <a:spcPts val="1000"/>
+                        </a:spcAft>
+                      </a:pPr>
+                      <a:r>
+                        <a:rPr lang="en-US" sz="2400">
+                          <a:latin typeface="Times New Roman"/>
+                          <a:ea typeface="Calibri"/>
+                          <a:cs typeface="Times New Roman"/>
+                        </a:rPr>
+                        <a:t>4</a:t>
+                      </a:r>
+                    </a:p>
+                  </a:txBody>
+                  <a:tcPr marL="68580" marR="68580" marT="0" marB="0"/>
+                </a:tc>
+                <a:tc>
+                  <a:txBody>
+                    <a:bodyPr/>
+                    <a:lstStyle/>
+                    <a:p>
+                      <a:pPr marL="0" marR="0" algn="ctr">
+                        <a:lnSpc>
+                          <a:spcPct val="150000"/>
+                        </a:lnSpc>
+                        <a:spcBef>
+                          <a:spcPts val="0"/>
+                        </a:spcBef>
+                        <a:spcAft>
+                          <a:spcPts val="1000"/>
+                        </a:spcAft>
+                      </a:pPr>
+                      <a:r>
+                        <a:rPr lang="en-US" sz="2400">
+                          <a:latin typeface="Times New Roman"/>
+                          <a:ea typeface="Calibri"/>
+                          <a:cs typeface="Times New Roman"/>
+                        </a:rPr>
+                        <a:t>24</a:t>
+                      </a:r>
+                    </a:p>
+                  </a:txBody>
+                  <a:tcPr marL="68580" marR="68580" marT="0" marB="0"/>
+                </a:tc>
+                <a:tc>
+                  <a:txBody>
+                    <a:bodyPr/>
+                    <a:lstStyle/>
+                    <a:p>
+                      <a:pPr marL="0" marR="0" algn="ctr">
+                        <a:lnSpc>
+                          <a:spcPct val="150000"/>
+                        </a:lnSpc>
+                        <a:spcBef>
+                          <a:spcPts val="0"/>
+                        </a:spcBef>
+                        <a:spcAft>
+                          <a:spcPts val="1000"/>
+                        </a:spcAft>
+                      </a:pPr>
+                      <a:r>
+                        <a:rPr lang="en-US" sz="2400">
+                          <a:latin typeface="Times New Roman"/>
+                          <a:ea typeface="Calibri"/>
+                          <a:cs typeface="Times New Roman"/>
+                        </a:rPr>
+                        <a:t>112</a:t>
+                      </a:r>
+                    </a:p>
+                  </a:txBody>
+                  <a:tcPr marL="68580" marR="68580" marT="0" marB="0"/>
+                </a:tc>
+                <a:tc>
+                  <a:txBody>
+                    <a:bodyPr/>
+                    <a:lstStyle/>
+                    <a:p>
+                      <a:pPr marL="0" marR="0" algn="ctr">
+                        <a:lnSpc>
+                          <a:spcPct val="150000"/>
+                        </a:lnSpc>
+                        <a:spcBef>
+                          <a:spcPts val="0"/>
+                        </a:spcBef>
+                        <a:spcAft>
+                          <a:spcPts val="1000"/>
+                        </a:spcAft>
+                      </a:pPr>
+                      <a:r>
+                        <a:rPr lang="en-US" sz="2400">
+                          <a:latin typeface="Times New Roman"/>
+                          <a:ea typeface="Calibri"/>
+                          <a:cs typeface="Times New Roman"/>
+                        </a:rPr>
+                        <a:t>480</a:t>
+                      </a:r>
+                    </a:p>
+                  </a:txBody>
+                  <a:tcPr marL="68580" marR="68580" marT="0" marB="0"/>
+                </a:tc>
+                <a:tc>
+                  <a:txBody>
+                    <a:bodyPr/>
+                    <a:lstStyle/>
+                    <a:p>
+                      <a:pPr marL="0" marR="0" algn="ctr">
+                        <a:lnSpc>
+                          <a:spcPct val="150000"/>
+                        </a:lnSpc>
+                        <a:spcBef>
+                          <a:spcPts val="0"/>
+                        </a:spcBef>
+                        <a:spcAft>
+                          <a:spcPts val="1000"/>
+                        </a:spcAft>
+                      </a:pPr>
+                      <a:r>
+                        <a:rPr lang="en-US" sz="2400">
+                          <a:latin typeface="Times New Roman"/>
+                          <a:ea typeface="Calibri"/>
+                          <a:cs typeface="Times New Roman"/>
+                        </a:rPr>
+                        <a:t>1984</a:t>
+                      </a:r>
+                    </a:p>
+                  </a:txBody>
+                  <a:tcPr marL="68580" marR="68580" marT="0" marB="0"/>
+                </a:tc>
+                <a:tc>
+                  <a:txBody>
+                    <a:bodyPr/>
+                    <a:lstStyle/>
+                    <a:p>
+                      <a:pPr marL="0" marR="0" algn="ctr">
+                        <a:lnSpc>
+                          <a:spcPct val="150000"/>
+                        </a:lnSpc>
+                        <a:spcBef>
+                          <a:spcPts val="0"/>
+                        </a:spcBef>
+                        <a:spcAft>
+                          <a:spcPts val="1000"/>
+                        </a:spcAft>
+                      </a:pPr>
+                      <a:r>
+                        <a:rPr lang="en-US" sz="2400">
+                          <a:latin typeface="Times New Roman"/>
+                          <a:ea typeface="Calibri"/>
+                          <a:cs typeface="Times New Roman"/>
+                        </a:rPr>
+                        <a:t>8064</a:t>
+                      </a:r>
+                    </a:p>
+                  </a:txBody>
+                  <a:tcPr marL="68580" marR="68580" marT="0" marB="0"/>
+                </a:tc>
+              </a:tr>
+            </a:tbl>
+          </a:graphicData>
+        </a:graphic>
+      </p:graphicFrame>
+      <p:sp>
+        <p:nvSpPr>
+          <p:cNvPr id="4" name="Date Placeholder 3"/>
+          <p:cNvSpPr>
+            <a:spLocks noGrp="1"/>
+          </p:cNvSpPr>
+          <p:nvPr>
+            <p:ph type="dt" sz="half" idx="10"/>
+          </p:nvPr>
+        </p:nvSpPr>
+        <p:spPr/>
+        <p:txBody>
+          <a:bodyPr/>
+          <a:lstStyle/>
+          <a:p>
+            <a:fld id="{7C294124-47EA-4536-AD0A-FC4FCEA2FD23}" type="datetime1">
+              <a:rPr lang="vi-VN" smtClean="0"/>
+              <a:pPr/>
+              <a:t>10/06/2011</a:t>
+            </a:fld>
+            <a:endParaRPr lang="en-US"/>
+          </a:p>
+        </p:txBody>
+      </p:sp>
+      <p:sp>
+        <p:nvSpPr>
+          <p:cNvPr id="5" name="Footer Placeholder 4"/>
+          <p:cNvSpPr>
+            <a:spLocks noGrp="1"/>
+          </p:cNvSpPr>
+          <p:nvPr>
+            <p:ph type="ftr" sz="quarter" idx="11"/>
+          </p:nvPr>
+        </p:nvSpPr>
+        <p:spPr/>
+        <p:txBody>
+          <a:bodyPr/>
+          <a:lstStyle/>
+          <a:p>
+            <a:r>
+              <a:rPr lang="en-US" smtClean="0"/>
+              <a:t>Khảo sát mã dòng và ứng dụng</a:t>
+            </a:r>
+            <a:endParaRPr lang="en-US"/>
+          </a:p>
+        </p:txBody>
+      </p:sp>
+      <p:sp>
+        <p:nvSpPr>
+          <p:cNvPr id="6" name="Slide Number Placeholder 5"/>
+          <p:cNvSpPr>
+            <a:spLocks noGrp="1"/>
+          </p:cNvSpPr>
+          <p:nvPr>
+            <p:ph type="sldNum" sz="quarter" idx="12"/>
+          </p:nvPr>
+        </p:nvSpPr>
+        <p:spPr/>
+        <p:txBody>
+          <a:bodyPr/>
+          <a:lstStyle/>
+          <a:p>
+            <a:fld id="{CA554274-6C47-4D4B-8630-CC803E51C38C}" type="slidenum">
+              <a:rPr lang="en-US" smtClean="0"/>
+              <a:pPr/>
+              <a:t>34</a:t>
+            </a:fld>
+            <a:endParaRPr lang="en-US"/>
+          </a:p>
+        </p:txBody>
+      </p:sp>
+      <p:sp>
+        <p:nvSpPr>
+          <p:cNvPr id="9" name="Rectangle 8"/>
+          <p:cNvSpPr/>
+          <p:nvPr/>
+        </p:nvSpPr>
+        <p:spPr>
+          <a:xfrm>
+            <a:off x="1219200" y="5029200"/>
+            <a:ext cx="7010400" cy="461665"/>
+          </a:xfrm>
+          <a:prstGeom prst="rect">
+            <a:avLst/>
+          </a:prstGeom>
+        </p:spPr>
+        <p:txBody>
+          <a:bodyPr wrap="square">
+            <a:spAutoFit/>
+          </a:bodyPr>
+          <a:lstStyle/>
+          <a:p>
+            <a:r>
+              <a:rPr lang="en-US" sz="2400" b="1" smtClean="0"/>
+              <a:t>Bảng các </a:t>
+            </a:r>
+            <a:r>
+              <a:rPr lang="en-US" sz="2400" b="1" smtClean="0"/>
+              <a:t>độ phi tuyến của các hàm cân bằng.</a:t>
+            </a:r>
+            <a:endParaRPr lang="en-US" sz="2400"/>
+          </a:p>
+        </p:txBody>
+      </p:sp>
+    </p:spTree>
+  </p:cSld>
+  <p:clrMapOvr>
+    <a:masterClrMapping/>
+  </p:clrMapOvr>
+  <p:timing>
+    <p:tnLst>
+      <p:par>
+        <p:cTn id="1" dur="indefinite" restart="never" nodeType="tmRoot"/>
+      </p:par>
+    </p:tnLst>
+  </p:timing>
+</p:sld>
+</file>
+
+<file path=ppt/slides/slide35.xml><?xml version="1.0" encoding="utf-8"?>
+<p:sld xmlns:a="http://schemas.openxmlformats.org/drawingml/2006/main" xmlns:r="http://schemas.openxmlformats.org/officeDocument/2006/relationships" xmlns:p="http://schemas.openxmlformats.org/presentationml/2006/main">
+  <p:cSld>
+    <p:spTree>
+      <p:nvGrpSpPr>
+        <p:cNvPr id="1" name=""/>
+        <p:cNvGrpSpPr/>
+        <p:nvPr/>
+      </p:nvGrpSpPr>
+      <p:grpSpPr>
+        <a:xfrm>
+          <a:off x="0" y="0"/>
+          <a:ext cx="0" cy="0"/>
+          <a:chOff x="0" y="0"/>
+          <a:chExt cx="0" cy="0"/>
+        </a:xfrm>
+      </p:grpSpPr>
+      <p:sp>
+        <p:nvSpPr>
+          <p:cNvPr id="2" name="Title 1"/>
+          <p:cNvSpPr>
+            <a:spLocks noGrp="1"/>
+          </p:cNvSpPr>
+          <p:nvPr>
+            <p:ph type="title"/>
+          </p:nvPr>
+        </p:nvSpPr>
+        <p:spPr/>
+        <p:txBody>
+          <a:bodyPr/>
+          <a:lstStyle/>
+          <a:p>
+            <a:r>
+              <a:rPr lang="en-US" smtClean="0"/>
+              <a:t>Tính phi tuyến</a:t>
+            </a:r>
+            <a:endParaRPr lang="en-US"/>
+          </a:p>
+        </p:txBody>
+      </p:sp>
+      <p:sp>
+        <p:nvSpPr>
+          <p:cNvPr id="3" name="Content Placeholder 2"/>
+          <p:cNvSpPr>
+            <a:spLocks noGrp="1"/>
+          </p:cNvSpPr>
+          <p:nvPr>
+            <p:ph idx="1"/>
+          </p:nvPr>
+        </p:nvSpPr>
+        <p:spPr/>
+        <p:txBody>
+          <a:bodyPr/>
+          <a:lstStyle/>
+          <a:p>
+            <a:r>
+              <a:rPr lang="en-US" b="1" smtClean="0"/>
+              <a:t>Độ phi tuyến của S-box:</a:t>
+            </a:r>
+            <a:r>
+              <a:rPr lang="en-US" smtClean="0"/>
+              <a:t> là </a:t>
+            </a:r>
+            <a:r>
+              <a:rPr lang="en-US" b="1" smtClean="0"/>
+              <a:t>độ phi tuyến nhỏ nhất</a:t>
+            </a:r>
+            <a:r>
+              <a:rPr lang="en-US" smtClean="0"/>
+              <a:t> trong số các độ phi tuyến của các tổ hợp tuyến tính khác không của các </a:t>
+            </a:r>
+            <a:r>
+              <a:rPr lang="en-US" b="1" smtClean="0">
+                <a:solidFill>
+                  <a:srgbClr val="0000FF"/>
+                </a:solidFill>
+              </a:rPr>
+              <a:t>hàm thành </a:t>
+            </a:r>
+            <a:r>
+              <a:rPr lang="en-US" b="1" smtClean="0">
+                <a:solidFill>
+                  <a:srgbClr val="0000FF"/>
+                </a:solidFill>
+              </a:rPr>
+              <a:t>phần </a:t>
+            </a:r>
+            <a:r>
+              <a:rPr lang="en-US" b="1" smtClean="0">
+                <a:solidFill>
+                  <a:srgbClr val="0000FF"/>
+                </a:solidFill>
+              </a:rPr>
+              <a:t>S-box</a:t>
+            </a:r>
+            <a:r>
+              <a:rPr lang="en-US" smtClean="0"/>
+              <a:t>:</a:t>
+            </a:r>
+          </a:p>
+          <a:p>
+            <a:endParaRPr lang="en-US" smtClean="0"/>
+          </a:p>
+          <a:p>
+            <a:endParaRPr lang="en-US" smtClean="0"/>
+          </a:p>
+          <a:p>
+            <a:r>
+              <a:rPr lang="en-US" smtClean="0"/>
+              <a:t>Trong đó:</a:t>
+            </a:r>
+          </a:p>
+          <a:p>
+            <a:pPr lvl="1"/>
+            <a:r>
+              <a:rPr lang="en-US" smtClean="0"/>
+              <a:t>Các     với </a:t>
+            </a:r>
+            <a:r>
+              <a:rPr lang="en-US" i="1" smtClean="0"/>
+              <a:t>j</a:t>
+            </a:r>
+            <a:r>
+              <a:rPr lang="en-US" smtClean="0"/>
+              <a:t> </a:t>
+            </a:r>
+            <a:r>
+              <a:rPr lang="en-US" smtClean="0"/>
+              <a:t>= 0, 1, </a:t>
+            </a:r>
+            <a:r>
+              <a:rPr lang="en-US" smtClean="0"/>
+              <a:t>…, </a:t>
+            </a:r>
+            <a:r>
+              <a:rPr lang="en-US" i="1" smtClean="0"/>
+              <a:t>m</a:t>
+            </a:r>
+            <a:r>
+              <a:rPr lang="en-US" i="1" smtClean="0"/>
+              <a:t>,</a:t>
+            </a:r>
+            <a:r>
+              <a:rPr lang="en-US" smtClean="0"/>
+              <a:t> </a:t>
+            </a:r>
+            <a:r>
+              <a:rPr lang="en-US" smtClean="0"/>
+              <a:t>ánh </a:t>
+            </a:r>
+            <a:r>
+              <a:rPr lang="en-US" smtClean="0"/>
+              <a:t>xạ </a:t>
+            </a:r>
+            <a:r>
+              <a:rPr lang="en-US" smtClean="0"/>
+              <a:t>từ </a:t>
+            </a:r>
+            <a:r>
+              <a:rPr lang="en-US" i="1" smtClean="0"/>
+              <a:t>GF</a:t>
+            </a:r>
+            <a:r>
+              <a:rPr lang="en-US" smtClean="0"/>
+              <a:t>(2)</a:t>
+            </a:r>
+            <a:r>
+              <a:rPr lang="en-US" i="1" baseline="30000" smtClean="0"/>
+              <a:t>n</a:t>
+            </a:r>
+            <a:r>
+              <a:rPr lang="en-US" smtClean="0"/>
+              <a:t> sang </a:t>
+            </a:r>
+            <a:r>
+              <a:rPr lang="en-US" i="1" smtClean="0"/>
+              <a:t>GF</a:t>
+            </a:r>
+            <a:r>
+              <a:rPr lang="en-US" smtClean="0"/>
+              <a:t>(2), xác định bit thứ </a:t>
+            </a:r>
+            <a:r>
+              <a:rPr lang="en-US" i="1" smtClean="0"/>
+              <a:t>j</a:t>
+            </a:r>
+            <a:r>
+              <a:rPr lang="en-US" smtClean="0"/>
+              <a:t> của đầu ra S-box.</a:t>
+            </a:r>
+          </a:p>
+          <a:p>
+            <a:pPr lvl="1"/>
+            <a:r>
+              <a:rPr lang="en-US" smtClean="0"/>
+              <a:t>                        là             S-box.</a:t>
+            </a:r>
+            <a:endParaRPr lang="en-US" smtClean="0"/>
+          </a:p>
+        </p:txBody>
+      </p:sp>
+      <p:sp>
+        <p:nvSpPr>
+          <p:cNvPr id="4" name="Date Placeholder 3"/>
+          <p:cNvSpPr>
+            <a:spLocks noGrp="1"/>
+          </p:cNvSpPr>
+          <p:nvPr>
+            <p:ph type="dt" sz="half" idx="10"/>
+          </p:nvPr>
+        </p:nvSpPr>
+        <p:spPr/>
+        <p:txBody>
+          <a:bodyPr/>
+          <a:lstStyle/>
+          <a:p>
+            <a:fld id="{7C294124-47EA-4536-AD0A-FC4FCEA2FD23}" type="datetime1">
+              <a:rPr lang="vi-VN" smtClean="0"/>
+              <a:pPr/>
+              <a:t>10/06/2011</a:t>
+            </a:fld>
+            <a:endParaRPr lang="en-US"/>
+          </a:p>
+        </p:txBody>
+      </p:sp>
+      <p:sp>
+        <p:nvSpPr>
+          <p:cNvPr id="5" name="Footer Placeholder 4"/>
+          <p:cNvSpPr>
+            <a:spLocks noGrp="1"/>
+          </p:cNvSpPr>
+          <p:nvPr>
+            <p:ph type="ftr" sz="quarter" idx="11"/>
+          </p:nvPr>
+        </p:nvSpPr>
+        <p:spPr/>
+        <p:txBody>
+          <a:bodyPr/>
+          <a:lstStyle/>
+          <a:p>
+            <a:r>
+              <a:rPr lang="en-US" smtClean="0"/>
+              <a:t>Khảo sát mã dòng và ứng dụng</a:t>
+            </a:r>
+            <a:endParaRPr lang="en-US"/>
+          </a:p>
+        </p:txBody>
+      </p:sp>
+      <p:sp>
+        <p:nvSpPr>
+          <p:cNvPr id="6" name="Slide Number Placeholder 5"/>
+          <p:cNvSpPr>
+            <a:spLocks noGrp="1"/>
+          </p:cNvSpPr>
+          <p:nvPr>
+            <p:ph type="sldNum" sz="quarter" idx="12"/>
+          </p:nvPr>
+        </p:nvSpPr>
+        <p:spPr/>
+        <p:txBody>
+          <a:bodyPr/>
+          <a:lstStyle/>
+          <a:p>
+            <a:fld id="{CA554274-6C47-4D4B-8630-CC803E51C38C}" type="slidenum">
+              <a:rPr lang="en-US" smtClean="0"/>
+              <a:pPr/>
+              <a:t>35</a:t>
+            </a:fld>
+            <a:endParaRPr lang="en-US"/>
+          </a:p>
+        </p:txBody>
+      </p:sp>
+      <p:sp>
+        <p:nvSpPr>
+          <p:cNvPr id="54274" name="Rectangle 2"/>
+          <p:cNvSpPr>
+            <a:spLocks noChangeArrowheads="1"/>
+          </p:cNvSpPr>
+          <p:nvPr/>
+        </p:nvSpPr>
+        <p:spPr bwMode="auto">
+          <a:xfrm>
+            <a:off x="0" y="0"/>
+            <a:ext cx="9144000" cy="0"/>
+          </a:xfrm>
+          <a:prstGeom prst="rect">
+            <a:avLst/>
+          </a:prstGeom>
+          <a:noFill/>
+          <a:ln w="9525">
+            <a:noFill/>
+            <a:miter lim="800000"/>
+            <a:headEnd/>
+            <a:tailEnd/>
+          </a:ln>
+          <a:effectLst/>
+        </p:spPr>
+        <p:txBody>
+          <a:bodyPr vert="horz" wrap="none" lIns="91440" tIns="45720" rIns="91440" bIns="45720" numCol="1" anchor="ctr" anchorCtr="0" compatLnSpc="1">
+            <a:prstTxWarp prst="textNoShape">
+              <a:avLst/>
+            </a:prstTxWarp>
+            <a:spAutoFit/>
+          </a:bodyPr>
+          <a:lstStyle/>
+          <a:p>
+            <a:endParaRPr lang="en-US"/>
+          </a:p>
+        </p:txBody>
+      </p:sp>
+      <p:graphicFrame>
+        <p:nvGraphicFramePr>
+          <p:cNvPr id="54273" name="Object 1"/>
+          <p:cNvGraphicFramePr>
+            <a:graphicFrameLocks noChangeAspect="1"/>
+          </p:cNvGraphicFramePr>
+          <p:nvPr/>
+        </p:nvGraphicFramePr>
+        <p:xfrm>
+          <a:off x="860425" y="3276600"/>
+          <a:ext cx="7580313" cy="990600"/>
+        </p:xfrm>
+        <a:graphic>
+          <a:graphicData uri="http://schemas.openxmlformats.org/presentationml/2006/ole">
+            <p:oleObj spid="_x0000_s54273" name="Equation" r:id="rId3" imgW="3429000" imgH="444240" progId="Equation.3">
+              <p:embed/>
+            </p:oleObj>
+          </a:graphicData>
+        </a:graphic>
+      </p:graphicFrame>
+      <p:graphicFrame>
+        <p:nvGraphicFramePr>
+          <p:cNvPr id="54275" name="Object 3"/>
+          <p:cNvGraphicFramePr>
+            <a:graphicFrameLocks noChangeAspect="1"/>
+          </p:cNvGraphicFramePr>
+          <p:nvPr/>
+        </p:nvGraphicFramePr>
+        <p:xfrm>
+          <a:off x="1816100" y="4800600"/>
+          <a:ext cx="449179" cy="609600"/>
+        </p:xfrm>
+        <a:graphic>
+          <a:graphicData uri="http://schemas.openxmlformats.org/presentationml/2006/ole">
+            <p:oleObj spid="_x0000_s54275" name="Equation" r:id="rId4" imgW="177480" imgH="241200" progId="Equation.3">
+              <p:embed/>
+            </p:oleObj>
+          </a:graphicData>
+        </a:graphic>
+      </p:graphicFrame>
+      <p:sp>
+        <p:nvSpPr>
+          <p:cNvPr id="54277" name="Rectangle 5"/>
+          <p:cNvSpPr>
+            <a:spLocks noChangeArrowheads="1"/>
+          </p:cNvSpPr>
+          <p:nvPr/>
+        </p:nvSpPr>
+        <p:spPr bwMode="auto">
+          <a:xfrm>
+            <a:off x="0" y="0"/>
+            <a:ext cx="9144000" cy="457200"/>
+          </a:xfrm>
+          <a:prstGeom prst="rect">
+            <a:avLst/>
+          </a:prstGeom>
+          <a:noFill/>
+          <a:ln w="9525">
+            <a:noFill/>
+            <a:miter lim="800000"/>
+            <a:headEnd/>
+            <a:tailEnd/>
+          </a:ln>
+          <a:effectLst/>
+        </p:spPr>
+        <p:txBody>
+          <a:bodyPr vert="horz" wrap="none" lIns="91440" tIns="45720" rIns="91440" bIns="45720" numCol="1" anchor="ctr" anchorCtr="0" compatLnSpc="1">
+            <a:prstTxWarp prst="textNoShape">
+              <a:avLst/>
+            </a:prstTxWarp>
+            <a:spAutoFit/>
+          </a:bodyPr>
+          <a:lstStyle/>
+          <a:p>
+            <a:endParaRPr lang="en-US"/>
+          </a:p>
+        </p:txBody>
+      </p:sp>
+      <p:graphicFrame>
+        <p:nvGraphicFramePr>
+          <p:cNvPr id="54276" name="Object 4"/>
+          <p:cNvGraphicFramePr>
+            <a:graphicFrameLocks noChangeAspect="1"/>
+          </p:cNvGraphicFramePr>
+          <p:nvPr/>
+        </p:nvGraphicFramePr>
+        <p:xfrm>
+          <a:off x="1152525" y="5715000"/>
+          <a:ext cx="2200275" cy="533400"/>
+        </p:xfrm>
+        <a:graphic>
+          <a:graphicData uri="http://schemas.openxmlformats.org/presentationml/2006/ole">
+            <p:oleObj spid="_x0000_s54276" name="Equation" r:id="rId5" imgW="939800" imgH="228600" progId="Equation.3">
+              <p:embed/>
+            </p:oleObj>
+          </a:graphicData>
+        </a:graphic>
+      </p:graphicFrame>
+      <p:sp>
+        <p:nvSpPr>
+          <p:cNvPr id="54279" name="Rectangle 7"/>
+          <p:cNvSpPr>
+            <a:spLocks noChangeArrowheads="1"/>
+          </p:cNvSpPr>
+          <p:nvPr/>
+        </p:nvSpPr>
+        <p:spPr bwMode="auto">
+          <a:xfrm>
+            <a:off x="0" y="0"/>
+            <a:ext cx="9144000" cy="457200"/>
+          </a:xfrm>
+          <a:prstGeom prst="rect">
+            <a:avLst/>
+          </a:prstGeom>
+          <a:noFill/>
+          <a:ln w="9525">
+            <a:noFill/>
+            <a:miter lim="800000"/>
+            <a:headEnd/>
+            <a:tailEnd/>
+          </a:ln>
+          <a:effectLst/>
+        </p:spPr>
+        <p:txBody>
+          <a:bodyPr vert="horz" wrap="none" lIns="91440" tIns="45720" rIns="91440" bIns="45720" numCol="1" anchor="ctr" anchorCtr="0" compatLnSpc="1">
+            <a:prstTxWarp prst="textNoShape">
+              <a:avLst/>
+            </a:prstTxWarp>
+            <a:spAutoFit/>
+          </a:bodyPr>
+          <a:lstStyle/>
+          <a:p>
+            <a:endParaRPr lang="en-US"/>
+          </a:p>
+        </p:txBody>
+      </p:sp>
+      <p:graphicFrame>
+        <p:nvGraphicFramePr>
+          <p:cNvPr id="54278" name="Object 6"/>
+          <p:cNvGraphicFramePr>
+            <a:graphicFrameLocks noChangeAspect="1"/>
+          </p:cNvGraphicFramePr>
+          <p:nvPr/>
+        </p:nvGraphicFramePr>
+        <p:xfrm>
+          <a:off x="3733800" y="5791200"/>
+          <a:ext cx="1143000" cy="381000"/>
+        </p:xfrm>
+        <a:graphic>
+          <a:graphicData uri="http://schemas.openxmlformats.org/presentationml/2006/ole">
+            <p:oleObj spid="_x0000_s54278" name="Equation" r:id="rId6" imgW="380835" imgH="139639" progId="Equation.3">
+              <p:embed/>
+            </p:oleObj>
+          </a:graphicData>
+        </a:graphic>
+      </p:graphicFrame>
+    </p:spTree>
+  </p:cSld>
+  <p:clrMapOvr>
+    <a:masterClrMapping/>
+  </p:clrMapOvr>
+  <p:timing>
+    <p:tnLst>
+      <p:par>
+        <p:cTn id="1" dur="indefinite" restart="never" nodeType="tmRoot"/>
+      </p:par>
+    </p:tnLst>
+  </p:timing>
+</p:sld>
+</file>
+
+<file path=ppt/slides/slide36.xml><?xml version="1.0" encoding="utf-8"?>
+<p:sld xmlns:a="http://schemas.openxmlformats.org/drawingml/2006/main" xmlns:r="http://schemas.openxmlformats.org/officeDocument/2006/relationships" xmlns:p="http://schemas.openxmlformats.org/presentationml/2006/main">
+  <p:cSld>
+    <p:spTree>
+      <p:nvGrpSpPr>
+        <p:cNvPr id="1" name=""/>
+        <p:cNvGrpSpPr/>
+        <p:nvPr/>
+      </p:nvGrpSpPr>
+      <p:grpSpPr>
+        <a:xfrm>
+          <a:off x="0" y="0"/>
+          <a:ext cx="0" cy="0"/>
+          <a:chOff x="0" y="0"/>
+          <a:chExt cx="0" cy="0"/>
+        </a:xfrm>
+      </p:grpSpPr>
+      <p:sp>
+        <p:nvSpPr>
+          <p:cNvPr id="2" name="Title 1"/>
+          <p:cNvSpPr>
+            <a:spLocks noGrp="1"/>
+          </p:cNvSpPr>
+          <p:nvPr>
+            <p:ph type="title"/>
+          </p:nvPr>
+        </p:nvSpPr>
+        <p:spPr/>
+        <p:txBody>
+          <a:bodyPr/>
+          <a:lstStyle/>
+          <a:p>
+            <a:r>
+              <a:rPr lang="en-US" smtClean="0"/>
+              <a:t>Tính phi tuyến</a:t>
+            </a:r>
+            <a:endParaRPr lang="en-US"/>
+          </a:p>
+        </p:txBody>
+      </p:sp>
+      <p:sp>
+        <p:nvSpPr>
+          <p:cNvPr id="3" name="Content Placeholder 2"/>
+          <p:cNvSpPr>
+            <a:spLocks noGrp="1"/>
+          </p:cNvSpPr>
+          <p:nvPr>
+            <p:ph idx="1"/>
+          </p:nvPr>
+        </p:nvSpPr>
+        <p:spPr/>
+        <p:txBody>
+          <a:bodyPr/>
+          <a:lstStyle/>
+          <a:p>
+            <a:r>
+              <a:rPr lang="en-US" b="1" smtClean="0"/>
+              <a:t>Đ</a:t>
+            </a:r>
+            <a:r>
+              <a:rPr lang="en-US" b="1" smtClean="0"/>
+              <a:t>ộ </a:t>
+            </a:r>
+            <a:r>
+              <a:rPr lang="en-US" b="1" smtClean="0"/>
+              <a:t>phi tuyến càng lớn</a:t>
+            </a:r>
+            <a:r>
+              <a:rPr lang="en-US" smtClean="0"/>
+              <a:t> thì độ an toàn </a:t>
+            </a:r>
+            <a:r>
+              <a:rPr lang="en-US" smtClean="0"/>
+              <a:t>của </a:t>
+            </a:r>
+            <a:r>
+              <a:rPr lang="en-US" smtClean="0"/>
+              <a:t>S-box </a:t>
+            </a:r>
+            <a:r>
+              <a:rPr lang="en-US" smtClean="0"/>
+              <a:t>càng cao để </a:t>
+            </a:r>
+            <a:r>
+              <a:rPr lang="en-US" b="1" smtClean="0"/>
+              <a:t>chống lại các tấn công thám mã tuyến tính</a:t>
+            </a:r>
+            <a:r>
+              <a:rPr lang="en-US" smtClean="0"/>
+              <a:t> (Linear Cryptanalysis).</a:t>
+            </a:r>
+            <a:endParaRPr lang="en-US"/>
+          </a:p>
+        </p:txBody>
+      </p:sp>
+      <p:sp>
+        <p:nvSpPr>
+          <p:cNvPr id="4" name="Date Placeholder 3"/>
+          <p:cNvSpPr>
+            <a:spLocks noGrp="1"/>
+          </p:cNvSpPr>
+          <p:nvPr>
+            <p:ph type="dt" sz="half" idx="10"/>
+          </p:nvPr>
+        </p:nvSpPr>
+        <p:spPr/>
+        <p:txBody>
+          <a:bodyPr/>
+          <a:lstStyle/>
+          <a:p>
+            <a:fld id="{7C294124-47EA-4536-AD0A-FC4FCEA2FD23}" type="datetime1">
+              <a:rPr lang="vi-VN" smtClean="0"/>
+              <a:pPr/>
+              <a:t>10/06/2011</a:t>
+            </a:fld>
+            <a:endParaRPr lang="en-US"/>
+          </a:p>
+        </p:txBody>
+      </p:sp>
+      <p:sp>
+        <p:nvSpPr>
+          <p:cNvPr id="5" name="Footer Placeholder 4"/>
+          <p:cNvSpPr>
+            <a:spLocks noGrp="1"/>
+          </p:cNvSpPr>
+          <p:nvPr>
+            <p:ph type="ftr" sz="quarter" idx="11"/>
+          </p:nvPr>
+        </p:nvSpPr>
+        <p:spPr/>
+        <p:txBody>
+          <a:bodyPr/>
+          <a:lstStyle/>
+          <a:p>
+            <a:r>
+              <a:rPr lang="en-US" smtClean="0"/>
+              <a:t>Khảo sát mã dòng và ứng dụng</a:t>
+            </a:r>
+            <a:endParaRPr lang="en-US"/>
+          </a:p>
+        </p:txBody>
+      </p:sp>
+      <p:sp>
+        <p:nvSpPr>
+          <p:cNvPr id="6" name="Slide Number Placeholder 5"/>
+          <p:cNvSpPr>
+            <a:spLocks noGrp="1"/>
+          </p:cNvSpPr>
+          <p:nvPr>
+            <p:ph type="sldNum" sz="quarter" idx="12"/>
+          </p:nvPr>
+        </p:nvSpPr>
+        <p:spPr/>
+        <p:txBody>
+          <a:bodyPr/>
+          <a:lstStyle/>
+          <a:p>
+            <a:fld id="{CA554274-6C47-4D4B-8630-CC803E51C38C}" type="slidenum">
+              <a:rPr lang="en-US" smtClean="0"/>
+              <a:pPr/>
+              <a:t>36</a:t>
+            </a:fld>
+            <a:endParaRPr lang="en-US"/>
+          </a:p>
+        </p:txBody>
+      </p:sp>
+    </p:spTree>
+  </p:cSld>
+  <p:clrMapOvr>
+    <a:masterClrMapping/>
+  </p:clrMapOvr>
+  <p:timing>
+    <p:tnLst>
+      <p:par>
+        <p:cTn id="1" dur="indefinite" restart="never" nodeType="tmRoot"/>
+      </p:par>
+    </p:tnLst>
+  </p:timing>
+</p:sld>
+</file>
+
+<file path=ppt/slides/slide37.xml><?xml version="1.0" encoding="utf-8"?>
+<p:sld xmlns:a="http://schemas.openxmlformats.org/drawingml/2006/main" xmlns:r="http://schemas.openxmlformats.org/officeDocument/2006/relationships" xmlns:p="http://schemas.openxmlformats.org/presentationml/2006/main">
+  <p:cSld>
+    <p:spTree>
+      <p:nvGrpSpPr>
+        <p:cNvPr id="1" name=""/>
+        <p:cNvGrpSpPr/>
+        <p:nvPr/>
+      </p:nvGrpSpPr>
+      <p:grpSpPr>
+        <a:xfrm>
+          <a:off x="0" y="0"/>
+          <a:ext cx="0" cy="0"/>
+          <a:chOff x="0" y="0"/>
+          <a:chExt cx="0" cy="0"/>
+        </a:xfrm>
+      </p:grpSpPr>
+      <p:sp>
+        <p:nvSpPr>
+          <p:cNvPr id="2" name="Title 1"/>
+          <p:cNvSpPr>
+            <a:spLocks noGrp="1"/>
+          </p:cNvSpPr>
+          <p:nvPr>
+            <p:ph type="title"/>
+          </p:nvPr>
+        </p:nvSpPr>
+        <p:spPr/>
+        <p:txBody>
+          <a:bodyPr/>
+          <a:lstStyle/>
+          <a:p>
+            <a:r>
+              <a:rPr lang="en-US" smtClean="0"/>
+              <a:t>Tiêu chuẩn SAC</a:t>
+            </a:r>
+            <a:endParaRPr lang="en-US"/>
+          </a:p>
+        </p:txBody>
+      </p:sp>
+      <p:sp>
+        <p:nvSpPr>
+          <p:cNvPr id="3" name="Content Placeholder 2"/>
+          <p:cNvSpPr>
+            <a:spLocks noGrp="1"/>
+          </p:cNvSpPr>
+          <p:nvPr>
+            <p:ph idx="1"/>
+          </p:nvPr>
+        </p:nvSpPr>
+        <p:spPr/>
+        <p:txBody>
+          <a:bodyPr/>
+          <a:lstStyle/>
+          <a:p>
+            <a:endParaRPr lang="en-US"/>
+          </a:p>
+        </p:txBody>
+      </p:sp>
+      <p:sp>
+        <p:nvSpPr>
+          <p:cNvPr id="4" name="Date Placeholder 3"/>
+          <p:cNvSpPr>
+            <a:spLocks noGrp="1"/>
+          </p:cNvSpPr>
+          <p:nvPr>
+            <p:ph type="dt" sz="half" idx="10"/>
+          </p:nvPr>
+        </p:nvSpPr>
+        <p:spPr/>
+        <p:txBody>
+          <a:bodyPr/>
+          <a:lstStyle/>
+          <a:p>
+            <a:fld id="{7C294124-47EA-4536-AD0A-FC4FCEA2FD23}" type="datetime1">
+              <a:rPr lang="vi-VN" smtClean="0"/>
+              <a:pPr/>
+              <a:t>10/06/2011</a:t>
+            </a:fld>
+            <a:endParaRPr lang="en-US"/>
+          </a:p>
+        </p:txBody>
+      </p:sp>
+      <p:sp>
+        <p:nvSpPr>
+          <p:cNvPr id="5" name="Footer Placeholder 4"/>
+          <p:cNvSpPr>
+            <a:spLocks noGrp="1"/>
+          </p:cNvSpPr>
+          <p:nvPr>
+            <p:ph type="ftr" sz="quarter" idx="11"/>
+          </p:nvPr>
+        </p:nvSpPr>
+        <p:spPr/>
+        <p:txBody>
+          <a:bodyPr/>
+          <a:lstStyle/>
+          <a:p>
+            <a:r>
+              <a:rPr lang="en-US" smtClean="0"/>
+              <a:t>Khảo sát mã dòng và ứng dụng</a:t>
+            </a:r>
+            <a:endParaRPr lang="en-US"/>
+          </a:p>
+        </p:txBody>
+      </p:sp>
+      <p:sp>
+        <p:nvSpPr>
+          <p:cNvPr id="6" name="Slide Number Placeholder 5"/>
+          <p:cNvSpPr>
+            <a:spLocks noGrp="1"/>
+          </p:cNvSpPr>
+          <p:nvPr>
+            <p:ph type="sldNum" sz="quarter" idx="12"/>
+          </p:nvPr>
+        </p:nvSpPr>
+        <p:spPr/>
+        <p:txBody>
+          <a:bodyPr/>
+          <a:lstStyle/>
+          <a:p>
+            <a:fld id="{CA554274-6C47-4D4B-8630-CC803E51C38C}" type="slidenum">
+              <a:rPr lang="en-US" smtClean="0"/>
+              <a:pPr/>
+              <a:t>37</a:t>
             </a:fld>
             <a:endParaRPr lang="en-US"/>
           </a:p>

--- a/7.Slide/KLTN_Slide.pptx
+++ b/7.Slide/KLTN_Slide.pptx
@@ -5,7 +5,7 @@
     <p:sldMasterId id="2147483648" r:id="rId1"/>
   </p:sldMasterIdLst>
   <p:notesMasterIdLst>
-    <p:notesMasterId r:id="rId39"/>
+    <p:notesMasterId r:id="rId40"/>
   </p:notesMasterIdLst>
   <p:sldIdLst>
     <p:sldId id="256" r:id="rId2"/>
@@ -45,6 +45,7 @@
     <p:sldId id="290" r:id="rId36"/>
     <p:sldId id="292" r:id="rId37"/>
     <p:sldId id="291" r:id="rId38"/>
+    <p:sldId id="293" r:id="rId39"/>
   </p:sldIdLst>
   <p:sldSz cx="9144000" cy="6858000" type="screen4x3"/>
   <p:notesSz cx="6858000" cy="9144000"/>
@@ -24598,7 +24599,7 @@
             <a:fld id="{2BDD72D6-FB86-4EE7-8DB4-32999EA3F4EF}" type="datetimeFigureOut">
               <a:rPr lang="en-US" smtClean="0"/>
               <a:pPr/>
-              <a:t>6/10/2011</a:t>
+              <a:t>6/11/2011</a:t>
             </a:fld>
             <a:endParaRPr lang="en-US"/>
           </a:p>
@@ -26636,7 +26637,7 @@
             <a:fld id="{93FFFB8C-1563-4C6D-94A0-D93144880F94}" type="datetime1">
               <a:rPr lang="vi-VN" smtClean="0"/>
               <a:pPr/>
-              <a:t>10/06/2011</a:t>
+              <a:t>11/06/2011</a:t>
             </a:fld>
             <a:endParaRPr lang="en-US"/>
           </a:p>
@@ -26824,7 +26825,7 @@
             <a:fld id="{7C294124-47EA-4536-AD0A-FC4FCEA2FD23}" type="datetime1">
               <a:rPr lang="vi-VN" smtClean="0"/>
               <a:pPr/>
-              <a:t>10/06/2011</a:t>
+              <a:t>11/06/2011</a:t>
             </a:fld>
             <a:endParaRPr lang="en-US"/>
           </a:p>
@@ -27110,7 +27111,7 @@
             <a:fld id="{B4C9DFBF-0CBD-44B4-A331-21516CA3A1A8}" type="datetime1">
               <a:rPr lang="vi-VN" smtClean="0"/>
               <a:pPr/>
-              <a:t>10/06/2011</a:t>
+              <a:t>11/06/2011</a:t>
             </a:fld>
             <a:endParaRPr lang="en-US"/>
           </a:p>
@@ -28111,7 +28112,7 @@
             <a:fld id="{7C294124-47EA-4536-AD0A-FC4FCEA2FD23}" type="datetime1">
               <a:rPr lang="vi-VN" smtClean="0"/>
               <a:pPr/>
-              <a:t>10/06/2011</a:t>
+              <a:t>11/06/2011</a:t>
             </a:fld>
             <a:endParaRPr lang="en-US"/>
           </a:p>
@@ -28752,7 +28753,7 @@
             <a:fld id="{7C294124-47EA-4536-AD0A-FC4FCEA2FD23}" type="datetime1">
               <a:rPr lang="vi-VN" smtClean="0"/>
               <a:pPr/>
-              <a:t>10/06/2011</a:t>
+              <a:t>11/06/2011</a:t>
             </a:fld>
             <a:endParaRPr lang="en-US"/>
           </a:p>
@@ -29724,7 +29725,7 @@
             <a:fld id="{7C294124-47EA-4536-AD0A-FC4FCEA2FD23}" type="datetime1">
               <a:rPr lang="vi-VN" smtClean="0"/>
               <a:pPr/>
-              <a:t>10/06/2011</a:t>
+              <a:t>11/06/2011</a:t>
             </a:fld>
             <a:endParaRPr lang="en-US"/>
           </a:p>
@@ -29878,7 +29879,7 @@
             <a:fld id="{7C294124-47EA-4536-AD0A-FC4FCEA2FD23}" type="datetime1">
               <a:rPr lang="vi-VN" smtClean="0"/>
               <a:pPr/>
-              <a:t>10/06/2011</a:t>
+              <a:t>11/06/2011</a:t>
             </a:fld>
             <a:endParaRPr lang="en-US"/>
           </a:p>
@@ -30711,7 +30712,7 @@
             <a:fld id="{7C294124-47EA-4536-AD0A-FC4FCEA2FD23}" type="datetime1">
               <a:rPr lang="vi-VN" smtClean="0"/>
               <a:pPr/>
-              <a:t>10/06/2011</a:t>
+              <a:t>11/06/2011</a:t>
             </a:fld>
             <a:endParaRPr lang="en-US"/>
           </a:p>
@@ -31164,7 +31165,7 @@
             <a:fld id="{7C294124-47EA-4536-AD0A-FC4FCEA2FD23}" type="datetime1">
               <a:rPr lang="vi-VN" smtClean="0"/>
               <a:pPr/>
-              <a:t>10/06/2011</a:t>
+              <a:t>11/06/2011</a:t>
             </a:fld>
             <a:endParaRPr lang="en-US"/>
           </a:p>
@@ -31413,7 +31414,7 @@
             <a:fld id="{7C294124-47EA-4536-AD0A-FC4FCEA2FD23}" type="datetime1">
               <a:rPr lang="vi-VN" smtClean="0"/>
               <a:pPr/>
-              <a:t>10/06/2011</a:t>
+              <a:t>11/06/2011</a:t>
             </a:fld>
             <a:endParaRPr lang="en-US"/>
           </a:p>
@@ -31594,7 +31595,7 @@
             <a:fld id="{7C294124-47EA-4536-AD0A-FC4FCEA2FD23}" type="datetime1">
               <a:rPr lang="vi-VN" smtClean="0"/>
               <a:pPr/>
-              <a:t>10/06/2011</a:t>
+              <a:t>11/06/2011</a:t>
             </a:fld>
             <a:endParaRPr lang="en-US"/>
           </a:p>
@@ -32109,7 +32110,7 @@
             <a:fld id="{7C294124-47EA-4536-AD0A-FC4FCEA2FD23}" type="datetime1">
               <a:rPr lang="vi-VN" smtClean="0"/>
               <a:pPr/>
-              <a:t>10/06/2011</a:t>
+              <a:t>11/06/2011</a:t>
             </a:fld>
             <a:endParaRPr lang="en-US"/>
           </a:p>
@@ -32654,7 +32655,7 @@
             <a:fld id="{7C294124-47EA-4536-AD0A-FC4FCEA2FD23}" type="datetime1">
               <a:rPr lang="vi-VN" smtClean="0"/>
               <a:pPr/>
-              <a:t>10/06/2011</a:t>
+              <a:t>11/06/2011</a:t>
             </a:fld>
             <a:endParaRPr lang="en-US"/>
           </a:p>
@@ -32780,7 +32781,7 @@
             <a:fld id="{EFCF43EA-617C-4A42-A116-D2CF70214380}" type="datetime1">
               <a:rPr lang="vi-VN" smtClean="0"/>
               <a:pPr/>
-              <a:t>10/06/2011</a:t>
+              <a:t>11/06/2011</a:t>
             </a:fld>
             <a:endParaRPr lang="en-US"/>
           </a:p>
@@ -32996,7 +32997,7 @@
             <a:fld id="{7C294124-47EA-4536-AD0A-FC4FCEA2FD23}" type="datetime1">
               <a:rPr lang="vi-VN" smtClean="0"/>
               <a:pPr/>
-              <a:t>10/06/2011</a:t>
+              <a:t>11/06/2011</a:t>
             </a:fld>
             <a:endParaRPr lang="en-US"/>
           </a:p>
@@ -33262,7 +33263,7 @@
             <a:fld id="{7C294124-47EA-4536-AD0A-FC4FCEA2FD23}" type="datetime1">
               <a:rPr lang="vi-VN" smtClean="0"/>
               <a:pPr/>
-              <a:t>10/06/2011</a:t>
+              <a:t>11/06/2011</a:t>
             </a:fld>
             <a:endParaRPr lang="en-US"/>
           </a:p>
@@ -33741,7 +33742,7 @@
             <a:fld id="{7C294124-47EA-4536-AD0A-FC4FCEA2FD23}" type="datetime1">
               <a:rPr lang="vi-VN" smtClean="0"/>
               <a:pPr/>
-              <a:t>10/06/2011</a:t>
+              <a:t>11/06/2011</a:t>
             </a:fld>
             <a:endParaRPr lang="en-US"/>
           </a:p>
@@ -33957,7 +33958,7 @@
             <a:fld id="{7C294124-47EA-4536-AD0A-FC4FCEA2FD23}" type="datetime1">
               <a:rPr lang="vi-VN" smtClean="0"/>
               <a:pPr/>
-              <a:t>10/06/2011</a:t>
+              <a:t>11/06/2011</a:t>
             </a:fld>
             <a:endParaRPr lang="en-US"/>
           </a:p>
@@ -34083,7 +34084,7 @@
             <a:fld id="{EFCF43EA-617C-4A42-A116-D2CF70214380}" type="datetime1">
               <a:rPr lang="vi-VN" smtClean="0"/>
               <a:pPr/>
-              <a:t>10/06/2011</a:t>
+              <a:t>11/06/2011</a:t>
             </a:fld>
             <a:endParaRPr lang="en-US"/>
           </a:p>
@@ -34225,7 +34226,7 @@
             <a:fld id="{EFCF43EA-617C-4A42-A116-D2CF70214380}" type="datetime1">
               <a:rPr lang="vi-VN" smtClean="0"/>
               <a:pPr/>
-              <a:t>10/06/2011</a:t>
+              <a:t>11/06/2011</a:t>
             </a:fld>
             <a:endParaRPr lang="en-US"/>
           </a:p>
@@ -34367,7 +34368,7 @@
             <a:fld id="{EFCF43EA-617C-4A42-A116-D2CF70214380}" type="datetime1">
               <a:rPr lang="vi-VN" smtClean="0"/>
               <a:pPr/>
-              <a:t>10/06/2011</a:t>
+              <a:t>11/06/2011</a:t>
             </a:fld>
             <a:endParaRPr lang="en-US"/>
           </a:p>
@@ -34664,7 +34665,7 @@
             <a:fld id="{7C294124-47EA-4536-AD0A-FC4FCEA2FD23}" type="datetime1">
               <a:rPr lang="vi-VN" smtClean="0"/>
               <a:pPr/>
-              <a:t>10/06/2011</a:t>
+              <a:t>11/06/2011</a:t>
             </a:fld>
             <a:endParaRPr lang="en-US"/>
           </a:p>
@@ -34945,7 +34946,7 @@
             <a:fld id="{7C294124-47EA-4536-AD0A-FC4FCEA2FD23}" type="datetime1">
               <a:rPr lang="vi-VN" smtClean="0"/>
               <a:pPr/>
-              <a:t>10/06/2011</a:t>
+              <a:t>11/06/2011</a:t>
             </a:fld>
             <a:endParaRPr lang="en-US"/>
           </a:p>
@@ -35344,7 +35345,7 @@
             <a:fld id="{7C294124-47EA-4536-AD0A-FC4FCEA2FD23}" type="datetime1">
               <a:rPr lang="vi-VN" smtClean="0"/>
               <a:pPr/>
-              <a:t>10/06/2011</a:t>
+              <a:t>11/06/2011</a:t>
             </a:fld>
             <a:endParaRPr lang="en-US"/>
           </a:p>
@@ -35470,7 +35471,7 @@
             <a:fld id="{EFCF43EA-617C-4A42-A116-D2CF70214380}" type="datetime1">
               <a:rPr lang="vi-VN" smtClean="0"/>
               <a:pPr/>
-              <a:t>10/06/2011</a:t>
+              <a:t>11/06/2011</a:t>
             </a:fld>
             <a:endParaRPr lang="en-US"/>
           </a:p>
@@ -35683,7 +35684,7 @@
             <a:fld id="{7C294124-47EA-4536-AD0A-FC4FCEA2FD23}" type="datetime1">
               <a:rPr lang="vi-VN" smtClean="0"/>
               <a:pPr/>
-              <a:t>10/06/2011</a:t>
+              <a:t>11/06/2011</a:t>
             </a:fld>
             <a:endParaRPr lang="en-US"/>
           </a:p>
@@ -36129,7 +36130,7 @@
             <a:fld id="{7C294124-47EA-4536-AD0A-FC4FCEA2FD23}" type="datetime1">
               <a:rPr lang="vi-VN" smtClean="0"/>
               <a:pPr/>
-              <a:t>10/06/2011</a:t>
+              <a:t>11/06/2011</a:t>
             </a:fld>
             <a:endParaRPr lang="en-US"/>
           </a:p>
@@ -36451,7 +36452,7 @@
             <a:fld id="{7C294124-47EA-4536-AD0A-FC4FCEA2FD23}" type="datetime1">
               <a:rPr lang="vi-VN" smtClean="0"/>
               <a:pPr/>
-              <a:t>10/06/2011</a:t>
+              <a:t>11/06/2011</a:t>
             </a:fld>
             <a:endParaRPr lang="en-US"/>
           </a:p>
@@ -36703,11 +36704,7 @@
             <a:pPr lvl="1"/>
             <a:r>
               <a:rPr lang="en-US" smtClean="0"/>
-              <a:t>Trong </a:t>
-            </a:r>
-            <a:r>
-              <a:rPr lang="en-US" smtClean="0"/>
-              <a:t>đó:                 là </a:t>
+              <a:t>Trong đó:                 là </a:t>
             </a:r>
             <a:r>
               <a:rPr lang="en-US" b="1" i="1" smtClean="0"/>
@@ -36752,7 +36749,6 @@
               <a:rPr lang="en-US" smtClean="0"/>
               <a:t>Khoảng cách Hamming giữa hai hàm là khoảng cách Hamming giữa hai truth table của chúng.</a:t>
             </a:r>
-            <a:endParaRPr lang="en-US" smtClean="0"/>
           </a:p>
           <a:p>
             <a:pPr lvl="1"/>
@@ -36760,17 +36756,12 @@
               <a:rPr lang="en-US" smtClean="0"/>
               <a:t>Hàm Affine có dạng </a:t>
             </a:r>
-            <a:endParaRPr lang="en-US" smtClean="0"/>
           </a:p>
           <a:p>
             <a:pPr lvl="1"/>
             <a:r>
               <a:rPr lang="en-US" smtClean="0"/>
-              <a:t>Các </a:t>
-            </a:r>
-            <a:r>
-              <a:rPr lang="en-US" smtClean="0"/>
-              <a:t>cách để cải thiện độ lớn độ phi tuyến của hàm Boolean như: </a:t>
+              <a:t>Các cách để cải thiện độ lớn độ phi tuyến của hàm Boolean như: </a:t>
             </a:r>
             <a:r>
               <a:rPr lang="en-US" b="1" i="1" smtClean="0"/>
@@ -36798,13 +36789,8 @@
             </a:r>
             <a:r>
               <a:rPr lang="en-US" smtClean="0"/>
-              <a:t>các </a:t>
-            </a:r>
-            <a:r>
-              <a:rPr lang="en-US" smtClean="0"/>
-              <a:t>dãy.</a:t>
-            </a:r>
-            <a:endParaRPr lang="en-US" smtClean="0"/>
+              <a:t>các dãy.</a:t>
+            </a:r>
           </a:p>
           <a:p>
             <a:pPr lvl="1"/>
@@ -36830,7 +36816,7 @@
             <a:fld id="{7C294124-47EA-4536-AD0A-FC4FCEA2FD23}" type="datetime1">
               <a:rPr lang="vi-VN" smtClean="0"/>
               <a:pPr/>
-              <a:t>10/06/2011</a:t>
+              <a:t>11/06/2011</a:t>
             </a:fld>
             <a:endParaRPr lang="en-US"/>
           </a:p>
@@ -37146,7 +37132,7 @@
         </p:nvGraphicFramePr>
         <p:xfrm>
           <a:off x="457200" y="1374149"/>
-          <a:ext cx="8305801" cy="3578851"/>
+          <a:ext cx="8305801" cy="3628127"/>
         </p:xfrm>
         <a:graphic>
           <a:graphicData uri="http://schemas.openxmlformats.org/drawingml/2006/table">
@@ -38123,7 +38109,7 @@
             <a:fld id="{7C294124-47EA-4536-AD0A-FC4FCEA2FD23}" type="datetime1">
               <a:rPr lang="vi-VN" smtClean="0"/>
               <a:pPr/>
-              <a:t>10/06/2011</a:t>
+              <a:t>11/06/2011</a:t>
             </a:fld>
             <a:endParaRPr lang="en-US"/>
           </a:p>
@@ -38199,11 +38185,7 @@
           <a:p>
             <a:r>
               <a:rPr lang="en-US" sz="2400" b="1" smtClean="0"/>
-              <a:t>Bảng các </a:t>
-            </a:r>
-            <a:r>
-              <a:rPr lang="en-US" sz="2400" b="1" smtClean="0"/>
-              <a:t>độ phi tuyến của các hàm cân bằng.</a:t>
+              <a:t>Bảng các độ phi tuyến của các hàm cân bằng.</a:t>
             </a:r>
             <a:endParaRPr lang="en-US" sz="2400"/>
           </a:p>
@@ -38301,23 +38283,7 @@
                   <a:srgbClr val="0000FF"/>
                 </a:solidFill>
               </a:rPr>
-              <a:t>hàm thành </a:t>
-            </a:r>
-            <a:r>
-              <a:rPr lang="en-US" b="1" smtClean="0">
-                <a:solidFill>
-                  <a:srgbClr val="0000FF"/>
-                </a:solidFill>
-              </a:rPr>
-              <a:t>phần </a:t>
-            </a:r>
-            <a:r>
-              <a:rPr lang="en-US" b="1" smtClean="0">
-                <a:solidFill>
-                  <a:srgbClr val="0000FF"/>
-                </a:solidFill>
-              </a:rPr>
-              <a:t>S-box</a:t>
+              <a:t>hàm thành phần S-box</a:t>
             </a:r>
             <a:r>
               <a:rPr lang="en-US" smtClean="0"/>
@@ -38348,39 +38314,15 @@
             </a:r>
             <a:r>
               <a:rPr lang="en-US" smtClean="0"/>
-              <a:t> </a:t>
+              <a:t> = 0, 1, …, </a:t>
+            </a:r>
+            <a:r>
+              <a:rPr lang="en-US" i="1" smtClean="0"/>
+              <a:t>m,</a:t>
             </a:r>
             <a:r>
               <a:rPr lang="en-US" smtClean="0"/>
-              <a:t>= 0, 1, </a:t>
-            </a:r>
-            <a:r>
-              <a:rPr lang="en-US" smtClean="0"/>
-              <a:t>…, </a:t>
-            </a:r>
-            <a:r>
-              <a:rPr lang="en-US" i="1" smtClean="0"/>
-              <a:t>m</a:t>
-            </a:r>
-            <a:r>
-              <a:rPr lang="en-US" i="1" smtClean="0"/>
-              <a:t>,</a:t>
-            </a:r>
-            <a:r>
-              <a:rPr lang="en-US" smtClean="0"/>
-              <a:t> </a:t>
-            </a:r>
-            <a:r>
-              <a:rPr lang="en-US" smtClean="0"/>
-              <a:t>ánh </a:t>
-            </a:r>
-            <a:r>
-              <a:rPr lang="en-US" smtClean="0"/>
-              <a:t>xạ </a:t>
-            </a:r>
-            <a:r>
-              <a:rPr lang="en-US" smtClean="0"/>
-              <a:t>từ </a:t>
+              <a:t> ánh xạ từ </a:t>
             </a:r>
             <a:r>
               <a:rPr lang="en-US" i="1" smtClean="0"/>
@@ -38421,7 +38363,6 @@
               <a:rPr lang="en-US" smtClean="0"/>
               <a:t>                        là             S-box.</a:t>
             </a:r>
-            <a:endParaRPr lang="en-US" smtClean="0"/>
           </a:p>
         </p:txBody>
       </p:sp>
@@ -38443,7 +38384,7 @@
             <a:fld id="{7C294124-47EA-4536-AD0A-FC4FCEA2FD23}" type="datetime1">
               <a:rPr lang="vi-VN" smtClean="0"/>
               <a:pPr/>
-              <a:t>10/06/2011</a:t>
+              <a:t>11/06/2011</a:t>
             </a:fld>
             <a:endParaRPr lang="en-US"/>
           </a:p>
@@ -38762,39 +38703,81 @@
           <a:p>
             <a:r>
               <a:rPr lang="en-US" b="1" smtClean="0"/>
-              <a:t>Đ</a:t>
-            </a:r>
-            <a:r>
-              <a:rPr lang="en-US" b="1" smtClean="0"/>
-              <a:t>ộ </a:t>
-            </a:r>
-            <a:r>
-              <a:rPr lang="en-US" b="1" smtClean="0"/>
-              <a:t>phi tuyến càng lớn</a:t>
+              <a:t>Độ phi tuyến càng lớn</a:t>
             </a:r>
             <a:r>
               <a:rPr lang="en-US" smtClean="0"/>
-              <a:t> thì độ an toàn </a:t>
-            </a:r>
-            <a:r>
-              <a:rPr lang="en-US" smtClean="0"/>
-              <a:t>của </a:t>
-            </a:r>
-            <a:r>
-              <a:rPr lang="en-US" smtClean="0"/>
-              <a:t>S-box </a:t>
-            </a:r>
-            <a:r>
-              <a:rPr lang="en-US" smtClean="0"/>
-              <a:t>càng cao để </a:t>
-            </a:r>
-            <a:r>
-              <a:rPr lang="en-US" b="1" smtClean="0"/>
+              <a:t> thì S-box càng an toàn để </a:t>
+            </a:r>
+            <a:r>
+              <a:rPr lang="en-US" b="1" i="1" smtClean="0">
+                <a:solidFill>
+                  <a:srgbClr val="FF0000"/>
+                </a:solidFill>
+              </a:rPr>
               <a:t>chống lại các tấn công thám mã tuyến tính</a:t>
             </a:r>
             <a:r>
               <a:rPr lang="en-US" smtClean="0"/>
               <a:t> (Linear Cryptanalysis).</a:t>
+            </a:r>
+          </a:p>
+          <a:p>
+            <a:r>
+              <a:rPr lang="en-US" smtClean="0"/>
+              <a:t>Nếu </a:t>
+            </a:r>
+            <a:r>
+              <a:rPr lang="en-US" b="1" smtClean="0"/>
+              <a:t>các </a:t>
+            </a:r>
+            <a:r>
+              <a:rPr lang="en-US" b="1" smtClean="0"/>
+              <a:t>hàm thành phần S-box</a:t>
+            </a:r>
+            <a:r>
+              <a:rPr lang="en-US" smtClean="0"/>
+              <a:t> </a:t>
+            </a:r>
+            <a:r>
+              <a:rPr lang="en-US" b="1" smtClean="0">
+                <a:solidFill>
+                  <a:srgbClr val="0000FF"/>
+                </a:solidFill>
+              </a:rPr>
+              <a:t>cân </a:t>
+            </a:r>
+            <a:r>
+              <a:rPr lang="en-US" b="1" smtClean="0">
+                <a:solidFill>
+                  <a:srgbClr val="0000FF"/>
+                </a:solidFill>
+              </a:rPr>
+              <a:t>bằng</a:t>
+            </a:r>
+            <a:r>
+              <a:rPr lang="en-US" smtClean="0"/>
+              <a:t> kéo theo </a:t>
+            </a:r>
+            <a:r>
+              <a:rPr lang="en-US" smtClean="0"/>
+              <a:t>dòng </a:t>
+            </a:r>
+            <a:r>
+              <a:rPr lang="en-US" smtClean="0"/>
+              <a:t>khóa do ZUC tạo ra có sự </a:t>
+            </a:r>
+            <a:r>
+              <a:rPr lang="en-US" b="1" i="1" smtClean="0">
+                <a:solidFill>
+                  <a:srgbClr val="FF0000"/>
+                </a:solidFill>
+              </a:rPr>
+              <a:t>ngẫu nhiên tốt hơn</a:t>
+            </a:r>
+            <a:r>
+              <a:rPr lang="en-US" smtClean="0"/>
+              <a:t>.</a:t>
             </a:r>
             <a:endParaRPr lang="en-US"/>
           </a:p>
@@ -38818,7 +38801,7 @@
             <a:fld id="{7C294124-47EA-4536-AD0A-FC4FCEA2FD23}" type="datetime1">
               <a:rPr lang="vi-VN" smtClean="0"/>
               <a:pPr/>
-              <a:t>10/06/2011</a:t>
+              <a:t>11/06/2011</a:t>
             </a:fld>
             <a:endParaRPr lang="en-US"/>
           </a:p>
@@ -38941,6 +38924,62 @@
           <a:bodyPr/>
           <a:lstStyle/>
           <a:p>
+            <a:r>
+              <a:rPr lang="en-US" b="1" smtClean="0"/>
+              <a:t>Định nghĩa:</a:t>
+            </a:r>
+            <a:r>
+              <a:rPr lang="en-US" smtClean="0"/>
+              <a:t> Hàm                                        thỏa SAC khi và chỉ khi:</a:t>
+            </a:r>
+          </a:p>
+          <a:p>
+            <a:endParaRPr lang="en-US" smtClean="0"/>
+          </a:p>
+          <a:p>
+            <a:pPr lvl="1"/>
+            <a:endParaRPr lang="en-US" smtClean="0"/>
+          </a:p>
+          <a:p>
+            <a:pPr lvl="1"/>
+            <a:r>
+              <a:rPr lang="en-US" smtClean="0"/>
+              <a:t>Với                   .</a:t>
+            </a:r>
+          </a:p>
+          <a:p>
+            <a:r>
+              <a:rPr lang="en-US" b="1" smtClean="0"/>
+              <a:t>S-box</a:t>
+            </a:r>
+            <a:r>
+              <a:rPr lang="en-US" smtClean="0"/>
+              <a:t> an toàn hơn nếu từng </a:t>
+            </a:r>
+            <a:r>
+              <a:rPr lang="en-US" b="1" smtClean="0">
+                <a:solidFill>
+                  <a:srgbClr val="0000FF"/>
+                </a:solidFill>
+              </a:rPr>
+              <a:t>hàm thành phần</a:t>
+            </a:r>
+            <a:r>
+              <a:rPr lang="en-US" smtClean="0"/>
+              <a:t> đạt hay “gần đạt” tiêu chuẩn SAC, tức là </a:t>
+            </a:r>
+            <a:r>
+              <a:rPr lang="en-US" b="1" i="1" smtClean="0">
+                <a:solidFill>
+                  <a:srgbClr val="FF0000"/>
+                </a:solidFill>
+              </a:rPr>
+              <a:t>nếu 1 bit đầu vào của S-box bị thay đổi thì mỗi bit đầu ra sẽ bị thay đổi với xác suất xấp xỉ ½</a:t>
+            </a:r>
+            <a:r>
+              <a:rPr lang="en-US" smtClean="0"/>
+              <a:t>.</a:t>
+            </a:r>
             <a:endParaRPr lang="en-US"/>
           </a:p>
         </p:txBody>
@@ -38963,7 +39002,7 @@
             <a:fld id="{7C294124-47EA-4536-AD0A-FC4FCEA2FD23}" type="datetime1">
               <a:rPr lang="vi-VN" smtClean="0"/>
               <a:pPr/>
-              <a:t>10/06/2011</a:t>
+              <a:t>11/06/2011</a:t>
             </a:fld>
             <a:endParaRPr lang="en-US"/>
           </a:p>
@@ -39016,6 +39055,142 @@
           </a:p>
         </p:txBody>
       </p:sp>
+      <p:sp>
+        <p:nvSpPr>
+          <p:cNvPr id="56322" name="Rectangle 2"/>
+          <p:cNvSpPr>
+            <a:spLocks noChangeArrowheads="1"/>
+          </p:cNvSpPr>
+          <p:nvPr/>
+        </p:nvSpPr>
+        <p:spPr bwMode="auto">
+          <a:xfrm>
+            <a:off x="0" y="0"/>
+            <a:ext cx="9144000" cy="457200"/>
+          </a:xfrm>
+          <a:prstGeom prst="rect">
+            <a:avLst/>
+          </a:prstGeom>
+          <a:noFill/>
+          <a:ln w="9525">
+            <a:noFill/>
+            <a:miter lim="800000"/>
+            <a:headEnd/>
+            <a:tailEnd/>
+          </a:ln>
+          <a:effectLst/>
+        </p:spPr>
+        <p:txBody>
+          <a:bodyPr vert="horz" wrap="none" lIns="91440" tIns="45720" rIns="91440" bIns="45720" numCol="1" anchor="ctr" anchorCtr="0" compatLnSpc="1">
+            <a:prstTxWarp prst="textNoShape">
+              <a:avLst/>
+            </a:prstTxWarp>
+            <a:spAutoFit/>
+          </a:bodyPr>
+          <a:lstStyle/>
+          <a:p>
+            <a:endParaRPr lang="en-US"/>
+          </a:p>
+        </p:txBody>
+      </p:sp>
+      <p:graphicFrame>
+        <p:nvGraphicFramePr>
+          <p:cNvPr id="56321" name="Object 1"/>
+          <p:cNvGraphicFramePr>
+            <a:graphicFrameLocks noChangeAspect="1"/>
+          </p:cNvGraphicFramePr>
+          <p:nvPr/>
+        </p:nvGraphicFramePr>
+        <p:xfrm>
+          <a:off x="3962400" y="1241425"/>
+          <a:ext cx="3886200" cy="587375"/>
+        </p:xfrm>
+        <a:graphic>
+          <a:graphicData uri="http://schemas.openxmlformats.org/presentationml/2006/ole">
+            <p:oleObj spid="_x0000_s56321" name="Equation" r:id="rId3" imgW="1511280" imgH="228600" progId="Equation.3">
+              <p:embed/>
+            </p:oleObj>
+          </a:graphicData>
+        </a:graphic>
+      </p:graphicFrame>
+      <p:sp>
+        <p:nvSpPr>
+          <p:cNvPr id="56324" name="Rectangle 4"/>
+          <p:cNvSpPr>
+            <a:spLocks noChangeArrowheads="1"/>
+          </p:cNvSpPr>
+          <p:nvPr/>
+        </p:nvSpPr>
+        <p:spPr bwMode="auto">
+          <a:xfrm>
+            <a:off x="0" y="0"/>
+            <a:ext cx="9144000" cy="457200"/>
+          </a:xfrm>
+          <a:prstGeom prst="rect">
+            <a:avLst/>
+          </a:prstGeom>
+          <a:noFill/>
+          <a:ln w="9525">
+            <a:noFill/>
+            <a:miter lim="800000"/>
+            <a:headEnd/>
+            <a:tailEnd/>
+          </a:ln>
+          <a:effectLst/>
+        </p:spPr>
+        <p:txBody>
+          <a:bodyPr vert="horz" wrap="none" lIns="91440" tIns="45720" rIns="91440" bIns="45720" numCol="1" anchor="ctr" anchorCtr="0" compatLnSpc="1">
+            <a:prstTxWarp prst="textNoShape">
+              <a:avLst/>
+            </a:prstTxWarp>
+            <a:spAutoFit/>
+          </a:bodyPr>
+          <a:lstStyle/>
+          <a:p>
+            <a:endParaRPr lang="en-US"/>
+          </a:p>
+        </p:txBody>
+      </p:sp>
+      <p:graphicFrame>
+        <p:nvGraphicFramePr>
+          <p:cNvPr id="56323" name="Object 3"/>
+          <p:cNvGraphicFramePr>
+            <a:graphicFrameLocks noChangeAspect="1"/>
+          </p:cNvGraphicFramePr>
+          <p:nvPr/>
+        </p:nvGraphicFramePr>
+        <p:xfrm>
+          <a:off x="1611313" y="2286000"/>
+          <a:ext cx="6057900" cy="931863"/>
+        </p:xfrm>
+        <a:graphic>
+          <a:graphicData uri="http://schemas.openxmlformats.org/presentationml/2006/ole">
+            <p:oleObj spid="_x0000_s56323" name="Equation" r:id="rId4" imgW="2565360" imgH="393480" progId="Equation.3">
+              <p:embed/>
+            </p:oleObj>
+          </a:graphicData>
+        </a:graphic>
+      </p:graphicFrame>
+      <p:graphicFrame>
+        <p:nvGraphicFramePr>
+          <p:cNvPr id="56325" name="Object 5"/>
+          <p:cNvGraphicFramePr>
+            <a:graphicFrameLocks noChangeAspect="1"/>
+          </p:cNvGraphicFramePr>
+          <p:nvPr/>
+        </p:nvGraphicFramePr>
+        <p:xfrm>
+          <a:off x="1828801" y="3304004"/>
+          <a:ext cx="1676399" cy="505996"/>
+        </p:xfrm>
+        <a:graphic>
+          <a:graphicData uri="http://schemas.openxmlformats.org/presentationml/2006/ole">
+            <p:oleObj spid="_x0000_s56325" name="Equation" r:id="rId5" imgW="672840" imgH="203040" progId="Equation.3">
+              <p:embed/>
+            </p:oleObj>
+          </a:graphicData>
+        </a:graphic>
+      </p:graphicFrame>
     </p:spTree>
   </p:cSld>
   <p:clrMapOvr>
@@ -39028,6 +39203,144 @@
       </p:par>
     </p:tnLst>
   </p:timing>
+</p:sld>
+</file>
+
+<file path=ppt/slides/slide38.xml><?xml version="1.0" encoding="utf-8"?>
+<p:sld xmlns:a="http://schemas.openxmlformats.org/drawingml/2006/main" xmlns:r="http://schemas.openxmlformats.org/officeDocument/2006/relationships" xmlns:p="http://schemas.openxmlformats.org/presentationml/2006/main">
+  <p:cSld>
+    <p:spTree>
+      <p:nvGrpSpPr>
+        <p:cNvPr id="1" name=""/>
+        <p:cNvGrpSpPr/>
+        <p:nvPr/>
+      </p:nvGrpSpPr>
+      <p:grpSpPr>
+        <a:xfrm>
+          <a:off x="0" y="0"/>
+          <a:ext cx="0" cy="0"/>
+          <a:chOff x="0" y="0"/>
+          <a:chExt cx="0" cy="0"/>
+        </a:xfrm>
+      </p:grpSpPr>
+      <p:sp>
+        <p:nvSpPr>
+          <p:cNvPr id="2" name="Title 1"/>
+          <p:cNvSpPr>
+            <a:spLocks noGrp="1"/>
+          </p:cNvSpPr>
+          <p:nvPr>
+            <p:ph type="title"/>
+          </p:nvPr>
+        </p:nvSpPr>
+        <p:spPr/>
+        <p:txBody>
+          <a:bodyPr/>
+          <a:lstStyle/>
+          <a:p>
+            <a:r>
+              <a:rPr lang="en-US" smtClean="0"/>
+              <a:t>Tính đồng nhất sai phân</a:t>
+            </a:r>
+            <a:endParaRPr lang="en-US"/>
+          </a:p>
+        </p:txBody>
+      </p:sp>
+      <p:sp>
+        <p:nvSpPr>
+          <p:cNvPr id="3" name="Content Placeholder 2"/>
+          <p:cNvSpPr>
+            <a:spLocks noGrp="1"/>
+          </p:cNvSpPr>
+          <p:nvPr>
+            <p:ph idx="1"/>
+          </p:nvPr>
+        </p:nvSpPr>
+        <p:spPr/>
+        <p:txBody>
+          <a:bodyPr/>
+          <a:lstStyle/>
+          <a:p>
+            <a:endParaRPr lang="en-US"/>
+          </a:p>
+        </p:txBody>
+      </p:sp>
+      <p:sp>
+        <p:nvSpPr>
+          <p:cNvPr id="4" name="Date Placeholder 3"/>
+          <p:cNvSpPr>
+            <a:spLocks noGrp="1"/>
+          </p:cNvSpPr>
+          <p:nvPr>
+            <p:ph type="dt" sz="half" idx="10"/>
+          </p:nvPr>
+        </p:nvSpPr>
+        <p:spPr/>
+        <p:txBody>
+          <a:bodyPr/>
+          <a:lstStyle/>
+          <a:p>
+            <a:fld id="{7C294124-47EA-4536-AD0A-FC4FCEA2FD23}" type="datetime1">
+              <a:rPr lang="vi-VN" smtClean="0"/>
+              <a:pPr/>
+              <a:t>11/06/2011</a:t>
+            </a:fld>
+            <a:endParaRPr lang="en-US"/>
+          </a:p>
+        </p:txBody>
+      </p:sp>
+      <p:sp>
+        <p:nvSpPr>
+          <p:cNvPr id="5" name="Footer Placeholder 4"/>
+          <p:cNvSpPr>
+            <a:spLocks noGrp="1"/>
+          </p:cNvSpPr>
+          <p:nvPr>
+            <p:ph type="ftr" sz="quarter" idx="11"/>
+          </p:nvPr>
+        </p:nvSpPr>
+        <p:spPr/>
+        <p:txBody>
+          <a:bodyPr/>
+          <a:lstStyle/>
+          <a:p>
+            <a:r>
+              <a:rPr lang="en-US" smtClean="0"/>
+              <a:t>Khảo sát mã dòng và ứng dụng</a:t>
+            </a:r>
+            <a:endParaRPr lang="en-US"/>
+          </a:p>
+        </p:txBody>
+      </p:sp>
+      <p:sp>
+        <p:nvSpPr>
+          <p:cNvPr id="6" name="Slide Number Placeholder 5"/>
+          <p:cNvSpPr>
+            <a:spLocks noGrp="1"/>
+          </p:cNvSpPr>
+          <p:nvPr>
+            <p:ph type="sldNum" sz="quarter" idx="12"/>
+          </p:nvPr>
+        </p:nvSpPr>
+        <p:spPr/>
+        <p:txBody>
+          <a:bodyPr/>
+          <a:lstStyle/>
+          <a:p>
+            <a:fld id="{CA554274-6C47-4D4B-8630-CC803E51C38C}" type="slidenum">
+              <a:rPr lang="en-US" smtClean="0"/>
+              <a:pPr/>
+              <a:t>38</a:t>
+            </a:fld>
+            <a:endParaRPr lang="en-US"/>
+          </a:p>
+        </p:txBody>
+      </p:sp>
+    </p:spTree>
+  </p:cSld>
+  <p:clrMapOvr>
+    <a:masterClrMapping/>
+  </p:clrMapOvr>
 </p:sld>
 </file>
 
@@ -39139,7 +39452,7 @@
             <a:fld id="{7C294124-47EA-4536-AD0A-FC4FCEA2FD23}" type="datetime1">
               <a:rPr lang="vi-VN" smtClean="0"/>
               <a:pPr/>
-              <a:t>10/06/2011</a:t>
+              <a:t>11/06/2011</a:t>
             </a:fld>
             <a:endParaRPr lang="en-US"/>
           </a:p>
@@ -39495,7 +39808,7 @@
             <a:fld id="{7C294124-47EA-4536-AD0A-FC4FCEA2FD23}" type="datetime1">
               <a:rPr lang="vi-VN" smtClean="0"/>
               <a:pPr/>
-              <a:t>10/06/2011</a:t>
+              <a:t>11/06/2011</a:t>
             </a:fld>
             <a:endParaRPr lang="en-US"/>
           </a:p>
@@ -39727,7 +40040,7 @@
             <a:fld id="{7C294124-47EA-4536-AD0A-FC4FCEA2FD23}" type="datetime1">
               <a:rPr lang="vi-VN" smtClean="0"/>
               <a:pPr/>
-              <a:t>10/06/2011</a:t>
+              <a:t>11/06/2011</a:t>
             </a:fld>
             <a:endParaRPr lang="en-US"/>
           </a:p>
@@ -39954,7 +40267,7 @@
             <a:fld id="{7C294124-47EA-4536-AD0A-FC4FCEA2FD23}" type="datetime1">
               <a:rPr lang="vi-VN" smtClean="0"/>
               <a:pPr/>
-              <a:t>10/06/2011</a:t>
+              <a:t>11/06/2011</a:t>
             </a:fld>
             <a:endParaRPr lang="en-US"/>
           </a:p>
@@ -40116,7 +40429,7 @@
             <a:fld id="{7C294124-47EA-4536-AD0A-FC4FCEA2FD23}" type="datetime1">
               <a:rPr lang="vi-VN" smtClean="0"/>
               <a:pPr/>
-              <a:t>10/06/2011</a:t>
+              <a:t>11/06/2011</a:t>
             </a:fld>
             <a:endParaRPr lang="en-US"/>
           </a:p>
@@ -40242,7 +40555,7 @@
             <a:fld id="{EFCF43EA-617C-4A42-A116-D2CF70214380}" type="datetime1">
               <a:rPr lang="vi-VN" smtClean="0"/>
               <a:pPr/>
-              <a:t>10/06/2011</a:t>
+              <a:t>11/06/2011</a:t>
             </a:fld>
             <a:endParaRPr lang="en-US"/>
           </a:p>

--- a/7.Slide/KLTN_Slide.pptx
+++ b/7.Slide/KLTN_Slide.pptx
@@ -5,7 +5,7 @@
     <p:sldMasterId id="2147483648" r:id="rId1"/>
   </p:sldMasterIdLst>
   <p:notesMasterIdLst>
-    <p:notesMasterId r:id="rId40"/>
+    <p:notesMasterId r:id="rId46"/>
   </p:notesMasterIdLst>
   <p:sldIdLst>
     <p:sldId id="256" r:id="rId2"/>
@@ -46,6 +46,12 @@
     <p:sldId id="292" r:id="rId37"/>
     <p:sldId id="291" r:id="rId38"/>
     <p:sldId id="293" r:id="rId39"/>
+    <p:sldId id="294" r:id="rId40"/>
+    <p:sldId id="295" r:id="rId41"/>
+    <p:sldId id="296" r:id="rId42"/>
+    <p:sldId id="297" r:id="rId43"/>
+    <p:sldId id="298" r:id="rId44"/>
+    <p:sldId id="299" r:id="rId45"/>
   </p:sldIdLst>
   <p:sldSz cx="9144000" cy="6858000" type="screen4x3"/>
   <p:notesSz cx="6858000" cy="9144000"/>
@@ -25351,6 +25357,169 @@
 </p:notes>
 </file>
 
+<file path=ppt/notesSlides/notesSlide14.xml><?xml version="1.0" encoding="utf-8"?>
+<p:notes xmlns:a="http://schemas.openxmlformats.org/drawingml/2006/main" xmlns:r="http://schemas.openxmlformats.org/officeDocument/2006/relationships" xmlns:p="http://schemas.openxmlformats.org/presentationml/2006/main">
+  <p:cSld>
+    <p:spTree>
+      <p:nvGrpSpPr>
+        <p:cNvPr id="1" name=""/>
+        <p:cNvGrpSpPr/>
+        <p:nvPr/>
+      </p:nvGrpSpPr>
+      <p:grpSpPr>
+        <a:xfrm>
+          <a:off x="0" y="0"/>
+          <a:ext cx="0" cy="0"/>
+          <a:chOff x="0" y="0"/>
+          <a:chExt cx="0" cy="0"/>
+        </a:xfrm>
+      </p:grpSpPr>
+      <p:sp>
+        <p:nvSpPr>
+          <p:cNvPr id="2" name="Slide Image Placeholder 1"/>
+          <p:cNvSpPr>
+            <a:spLocks noGrp="1" noRot="1" noChangeAspect="1"/>
+          </p:cNvSpPr>
+          <p:nvPr>
+            <p:ph type="sldImg"/>
+          </p:nvPr>
+        </p:nvSpPr>
+        <p:spPr/>
+      </p:sp>
+      <p:sp>
+        <p:nvSpPr>
+          <p:cNvPr id="3" name="Notes Placeholder 2"/>
+          <p:cNvSpPr>
+            <a:spLocks noGrp="1"/>
+          </p:cNvSpPr>
+          <p:nvPr>
+            <p:ph type="body" idx="1"/>
+          </p:nvPr>
+        </p:nvSpPr>
+        <p:spPr/>
+        <p:txBody>
+          <a:bodyPr>
+            <a:normAutofit/>
+          </a:bodyPr>
+          <a:lstStyle/>
+          <a:p>
+            <a:r>
+              <a:rPr lang="en-US" smtClean="0"/>
+              <a:t>- </a:t>
+            </a:r>
+            <a:r>
+              <a:rPr lang="en-US" sz="1200" kern="1200" smtClean="0">
+                <a:solidFill>
+                  <a:schemeClr val="tx1"/>
+                </a:solidFill>
+                <a:latin typeface="+mn-lt"/>
+                <a:ea typeface="+mn-ea"/>
+                <a:cs typeface="+mn-cs"/>
+              </a:rPr>
+              <a:t>Không tồn tại APN S-box có </a:t>
+            </a:r>
+            <a:r>
+              <a:rPr lang="en-US" sz="1200" i="1" kern="1200" smtClean="0">
+                <a:solidFill>
+                  <a:schemeClr val="tx1"/>
+                </a:solidFill>
+                <a:latin typeface="+mn-lt"/>
+                <a:ea typeface="+mn-ea"/>
+                <a:cs typeface="+mn-cs"/>
+              </a:rPr>
+              <a:t>n</a:t>
+            </a:r>
+            <a:r>
+              <a:rPr lang="en-US" sz="1200" kern="1200" smtClean="0">
+                <a:solidFill>
+                  <a:schemeClr val="tx1"/>
+                </a:solidFill>
+                <a:latin typeface="+mn-lt"/>
+                <a:ea typeface="+mn-ea"/>
+                <a:cs typeface="+mn-cs"/>
+              </a:rPr>
+              <a:t> bit đầu vào và </a:t>
+            </a:r>
+            <a:r>
+              <a:rPr lang="en-US" sz="1200" i="1" kern="1200" smtClean="0">
+                <a:solidFill>
+                  <a:schemeClr val="tx1"/>
+                </a:solidFill>
+                <a:latin typeface="+mn-lt"/>
+                <a:ea typeface="+mn-ea"/>
+                <a:cs typeface="+mn-cs"/>
+              </a:rPr>
+              <a:t>n</a:t>
+            </a:r>
+            <a:r>
+              <a:rPr lang="en-US" sz="1200" kern="1200" smtClean="0">
+                <a:solidFill>
+                  <a:schemeClr val="tx1"/>
+                </a:solidFill>
+                <a:latin typeface="+mn-lt"/>
+                <a:ea typeface="+mn-ea"/>
+                <a:cs typeface="+mn-cs"/>
+              </a:rPr>
+              <a:t> bit đầu ra với </a:t>
+            </a:r>
+            <a:r>
+              <a:rPr lang="en-US" sz="1200" i="1" kern="1200" smtClean="0">
+                <a:solidFill>
+                  <a:schemeClr val="tx1"/>
+                </a:solidFill>
+                <a:latin typeface="+mn-lt"/>
+                <a:ea typeface="+mn-ea"/>
+                <a:cs typeface="+mn-cs"/>
+              </a:rPr>
+              <a:t>n</a:t>
+            </a:r>
+            <a:r>
+              <a:rPr lang="en-US" sz="1200" kern="1200" smtClean="0">
+                <a:solidFill>
+                  <a:schemeClr val="tx1"/>
+                </a:solidFill>
+                <a:latin typeface="+mn-lt"/>
+                <a:ea typeface="+mn-ea"/>
+                <a:cs typeface="+mn-cs"/>
+              </a:rPr>
+              <a:t>  chẵn.</a:t>
+            </a:r>
+            <a:endParaRPr lang="en-US"/>
+          </a:p>
+        </p:txBody>
+      </p:sp>
+      <p:sp>
+        <p:nvSpPr>
+          <p:cNvPr id="4" name="Slide Number Placeholder 3"/>
+          <p:cNvSpPr>
+            <a:spLocks noGrp="1"/>
+          </p:cNvSpPr>
+          <p:nvPr>
+            <p:ph type="sldNum" sz="quarter" idx="10"/>
+          </p:nvPr>
+        </p:nvSpPr>
+        <p:spPr/>
+        <p:txBody>
+          <a:bodyPr/>
+          <a:lstStyle/>
+          <a:p>
+            <a:fld id="{50E5F01C-8DF4-43A8-A134-55941FC7DD96}" type="slidenum">
+              <a:rPr lang="en-US" smtClean="0"/>
+              <a:pPr/>
+              <a:t>39</a:t>
+            </a:fld>
+            <a:endParaRPr lang="en-US"/>
+          </a:p>
+        </p:txBody>
+      </p:sp>
+    </p:spTree>
+  </p:cSld>
+  <p:clrMapOvr>
+    <a:masterClrMapping/>
+  </p:clrMapOvr>
+</p:notes>
+</file>
+
 <file path=ppt/notesSlides/notesSlide2.xml><?xml version="1.0" encoding="utf-8"?>
 <p:notes xmlns:a="http://schemas.openxmlformats.org/drawingml/2006/main" xmlns:r="http://schemas.openxmlformats.org/officeDocument/2006/relationships" xmlns:p="http://schemas.openxmlformats.org/presentationml/2006/main">
   <p:cSld>
@@ -27990,10 +28159,10 @@
           <a:lstStyle/>
           <a:p>
             <a:r>
-              <a:rPr lang="en-US" smtClean="0"/>
+              <a:rPr lang="en-US" b="1" smtClean="0"/>
               <a:t>Khái niệm mã dòng</a:t>
             </a:r>
-            <a:endParaRPr lang="en-US"/>
+            <a:endParaRPr lang="en-US" b="1"/>
           </a:p>
         </p:txBody>
       </p:sp>
@@ -28659,10 +28828,10 @@
           <a:lstStyle/>
           <a:p>
             <a:r>
-              <a:rPr lang="en-US" smtClean="0"/>
+              <a:rPr lang="en-US" b="1" smtClean="0"/>
               <a:t>Khái niệm mã dòng</a:t>
             </a:r>
-            <a:endParaRPr lang="en-US"/>
+            <a:endParaRPr lang="en-US" b="1"/>
           </a:p>
         </p:txBody>
       </p:sp>
@@ -29614,10 +29783,10 @@
           <a:lstStyle/>
           <a:p>
             <a:r>
-              <a:rPr lang="en-US" smtClean="0"/>
+              <a:rPr lang="en-US" b="1" smtClean="0"/>
               <a:t>Khái niệm mã dòng</a:t>
             </a:r>
-            <a:endParaRPr lang="en-US"/>
+            <a:endParaRPr lang="en-US" b="1"/>
           </a:p>
         </p:txBody>
       </p:sp>
@@ -29826,10 +29995,10 @@
           <a:lstStyle/>
           <a:p>
             <a:r>
-              <a:rPr lang="en-US" smtClean="0"/>
+              <a:rPr lang="en-US" b="1" smtClean="0"/>
               <a:t>Phân loại</a:t>
             </a:r>
-            <a:endParaRPr lang="en-US"/>
+            <a:endParaRPr lang="en-US" b="1"/>
           </a:p>
         </p:txBody>
       </p:sp>
@@ -30658,10 +30827,10 @@
           <a:lstStyle/>
           <a:p>
             <a:r>
-              <a:rPr lang="en-US" smtClean="0"/>
+              <a:rPr lang="en-US" b="1" smtClean="0"/>
               <a:t>Điểm khác so với mã khối</a:t>
             </a:r>
-            <a:endParaRPr lang="en-US"/>
+            <a:endParaRPr lang="en-US" b="1"/>
           </a:p>
         </p:txBody>
       </p:sp>
@@ -31027,10 +31196,10 @@
           <a:lstStyle/>
           <a:p>
             <a:r>
-              <a:rPr lang="en-US" smtClean="0"/>
+              <a:rPr lang="en-US" b="1" smtClean="0"/>
               <a:t>Các loại bộ sinh</a:t>
             </a:r>
-            <a:endParaRPr lang="en-US"/>
+            <a:endParaRPr lang="en-US" b="1"/>
           </a:p>
         </p:txBody>
       </p:sp>
@@ -31324,10 +31493,10 @@
           <a:lstStyle/>
           <a:p>
             <a:r>
-              <a:rPr lang="en-US" smtClean="0"/>
+              <a:rPr lang="en-US" b="1" smtClean="0"/>
               <a:t>Các loại bộ sinh</a:t>
             </a:r>
-            <a:endParaRPr lang="en-US"/>
+            <a:endParaRPr lang="en-US" b="1"/>
           </a:p>
         </p:txBody>
       </p:sp>
@@ -31515,10 +31684,10 @@
           <a:lstStyle/>
           <a:p>
             <a:r>
-              <a:rPr lang="en-US" smtClean="0"/>
+              <a:rPr lang="en-US" b="1" smtClean="0"/>
               <a:t>LFSR</a:t>
             </a:r>
-            <a:endParaRPr lang="en-US"/>
+            <a:endParaRPr lang="en-US" b="1"/>
           </a:p>
         </p:txBody>
       </p:sp>
@@ -31942,10 +32111,10 @@
           <a:lstStyle/>
           <a:p>
             <a:r>
-              <a:rPr lang="en-US" smtClean="0"/>
+              <a:rPr lang="en-US" b="1" smtClean="0"/>
               <a:t>LFSR</a:t>
             </a:r>
-            <a:endParaRPr lang="en-US"/>
+            <a:endParaRPr lang="en-US" b="1"/>
           </a:p>
         </p:txBody>
       </p:sp>
@@ -32367,14 +32536,14 @@
           <a:lstStyle/>
           <a:p>
             <a:r>
-              <a:rPr lang="en-US" smtClean="0"/>
+              <a:rPr lang="en-US" b="1" smtClean="0"/>
               <a:t>Thuật toán </a:t>
             </a:r>
             <a:r>
-              <a:rPr lang="fr-FR" smtClean="0"/>
+              <a:rPr lang="fr-FR" b="1" smtClean="0"/>
               <a:t>Berlekamp-Massey</a:t>
             </a:r>
-            <a:endParaRPr lang="en-US"/>
+            <a:endParaRPr lang="en-US" b="1"/>
           </a:p>
         </p:txBody>
       </p:sp>
@@ -32756,10 +32925,10 @@
           <a:lstStyle/>
           <a:p>
             <a:r>
-              <a:rPr lang="en-US" smtClean="0"/>
+              <a:rPr lang="en-US" b="1" smtClean="0"/>
               <a:t>Nội dung</a:t>
             </a:r>
-            <a:endParaRPr lang="en-US"/>
+            <a:endParaRPr lang="en-US" b="1"/>
           </a:p>
         </p:txBody>
       </p:sp>
@@ -32898,14 +33067,14 @@
           <a:lstStyle/>
           <a:p>
             <a:r>
-              <a:rPr lang="en-US" smtClean="0"/>
+              <a:rPr lang="en-US" b="1" smtClean="0"/>
               <a:t>Thuật toán </a:t>
             </a:r>
             <a:r>
-              <a:rPr lang="fr-FR" smtClean="0"/>
+              <a:rPr lang="fr-FR" b="1" smtClean="0"/>
               <a:t>Berlekamp-Massey</a:t>
             </a:r>
-            <a:endParaRPr lang="en-US"/>
+            <a:endParaRPr lang="en-US" b="1"/>
           </a:p>
         </p:txBody>
       </p:sp>
@@ -33098,14 +33267,14 @@
           <a:lstStyle/>
           <a:p>
             <a:r>
-              <a:rPr lang="en-US" smtClean="0"/>
+              <a:rPr lang="en-US" b="1" smtClean="0"/>
               <a:t>Thuật toán </a:t>
             </a:r>
             <a:r>
-              <a:rPr lang="fr-FR" smtClean="0"/>
+              <a:rPr lang="fr-FR" b="1" smtClean="0"/>
               <a:t>Berlekamp-Massey</a:t>
             </a:r>
-            <a:endParaRPr lang="en-US"/>
+            <a:endParaRPr lang="en-US" b="1"/>
           </a:p>
         </p:txBody>
       </p:sp>
@@ -33843,10 +34012,10 @@
           <a:lstStyle/>
           <a:p>
             <a:r>
-              <a:rPr lang="en-US" smtClean="0"/>
+              <a:rPr lang="en-US" b="1" smtClean="0"/>
               <a:t>Tính an toàn của mô hình mã dòng</a:t>
             </a:r>
-            <a:endParaRPr lang="en-US"/>
+            <a:endParaRPr lang="en-US" b="1"/>
           </a:p>
         </p:txBody>
       </p:sp>
@@ -34059,10 +34228,10 @@
           <a:lstStyle/>
           <a:p>
             <a:r>
-              <a:rPr lang="en-US" smtClean="0"/>
+              <a:rPr lang="en-US" b="1" smtClean="0"/>
               <a:t>Nội dung</a:t>
             </a:r>
-            <a:endParaRPr lang="en-US"/>
+            <a:endParaRPr lang="en-US" b="1"/>
           </a:p>
         </p:txBody>
       </p:sp>
@@ -34201,10 +34370,10 @@
           <a:lstStyle/>
           <a:p>
             <a:r>
-              <a:rPr lang="en-US" smtClean="0"/>
+              <a:rPr lang="en-US" b="1" smtClean="0"/>
               <a:t>Nội dung</a:t>
             </a:r>
-            <a:endParaRPr lang="en-US"/>
+            <a:endParaRPr lang="en-US" b="1"/>
           </a:p>
         </p:txBody>
       </p:sp>
@@ -34343,10 +34512,10 @@
           <a:lstStyle/>
           <a:p>
             <a:r>
-              <a:rPr lang="en-US" smtClean="0"/>
+              <a:rPr lang="en-US" b="1" smtClean="0"/>
               <a:t>Nội dung</a:t>
             </a:r>
-            <a:endParaRPr lang="en-US"/>
+            <a:endParaRPr lang="en-US" b="1"/>
           </a:p>
         </p:txBody>
       </p:sp>
@@ -34486,9 +34655,13 @@
           <a:p>
             <a:r>
               <a:rPr lang="en-US" smtClean="0"/>
-              <a:t>Chọn đa thức hồi quy của lớp LFSR</a:t>
-            </a:r>
-            <a:endParaRPr lang="en-US"/>
+              <a:t>Chọn đa thức hồi quy của lớp </a:t>
+            </a:r>
+            <a:r>
+              <a:rPr lang="en-US" b="1" smtClean="0"/>
+              <a:t>LFSR</a:t>
+            </a:r>
+            <a:endParaRPr lang="en-US" b="1"/>
           </a:p>
         </p:txBody>
       </p:sp>
@@ -34767,9 +34940,13 @@
           <a:p>
             <a:r>
               <a:rPr lang="en-US" smtClean="0"/>
-              <a:t>Chọn đa thức hồi quy của lớp LFSR</a:t>
-            </a:r>
-            <a:endParaRPr lang="en-US"/>
+              <a:t>Chọn đa thức hồi quy của lớp </a:t>
+            </a:r>
+            <a:r>
+              <a:rPr lang="en-US" b="1" smtClean="0"/>
+              <a:t>LFSR</a:t>
+            </a:r>
+            <a:endParaRPr lang="en-US" b="1"/>
           </a:p>
         </p:txBody>
       </p:sp>
@@ -35146,9 +35323,13 @@
           <a:p>
             <a:r>
               <a:rPr lang="en-US" smtClean="0"/>
-              <a:t>Chọn đa thức hồi quy của lớp LFSR</a:t>
-            </a:r>
-            <a:endParaRPr lang="en-US"/>
+              <a:t>Chọn đa thức hồi quy của lớp </a:t>
+            </a:r>
+            <a:r>
+              <a:rPr lang="en-US" b="1" smtClean="0"/>
+              <a:t>LFSR</a:t>
+            </a:r>
+            <a:endParaRPr lang="en-US" b="1"/>
           </a:p>
         </p:txBody>
       </p:sp>
@@ -35446,10 +35627,10 @@
           <a:lstStyle/>
           <a:p>
             <a:r>
-              <a:rPr lang="en-US" smtClean="0"/>
+              <a:rPr lang="en-US" b="1" smtClean="0"/>
               <a:t>Nội dung</a:t>
             </a:r>
-            <a:endParaRPr lang="en-US"/>
+            <a:endParaRPr lang="en-US" b="1"/>
           </a:p>
         </p:txBody>
       </p:sp>
@@ -35588,10 +35769,10 @@
           <a:lstStyle/>
           <a:p>
             <a:r>
-              <a:rPr lang="en-US" smtClean="0"/>
+              <a:rPr lang="en-US" b="1" smtClean="0"/>
               <a:t>Tiêu chuẩn thiết kế lớp BR</a:t>
             </a:r>
-            <a:endParaRPr lang="en-US"/>
+            <a:endParaRPr lang="en-US" b="1"/>
           </a:p>
         </p:txBody>
       </p:sp>
@@ -36017,7 +36198,7 @@
           <a:lstStyle/>
           <a:p>
             <a:r>
-              <a:rPr lang="en-US" smtClean="0"/>
+              <a:rPr lang="en-US" b="1" smtClean="0"/>
               <a:t>Tính an toàn của hàm phi tuyến </a:t>
             </a:r>
             <a:r>
@@ -36231,10 +36412,10 @@
           <a:lstStyle/>
           <a:p>
             <a:r>
-              <a:rPr lang="en-US" smtClean="0"/>
+              <a:rPr lang="en-US" b="1" smtClean="0"/>
               <a:t>Tính phi tuyến</a:t>
             </a:r>
-            <a:endParaRPr lang="en-US"/>
+            <a:endParaRPr lang="en-US" b="1"/>
           </a:p>
         </p:txBody>
       </p:sp>
@@ -36669,10 +36850,10 @@
           <a:lstStyle/>
           <a:p>
             <a:r>
-              <a:rPr lang="en-US" smtClean="0"/>
+              <a:rPr lang="en-US" b="1" smtClean="0"/>
               <a:t>Tính phi tuyến</a:t>
             </a:r>
-            <a:endParaRPr lang="en-US"/>
+            <a:endParaRPr lang="en-US" b="1"/>
           </a:p>
         </p:txBody>
       </p:sp>
@@ -37113,10 +37294,10 @@
           <a:lstStyle/>
           <a:p>
             <a:r>
-              <a:rPr lang="en-US" smtClean="0"/>
+              <a:rPr lang="en-US" b="1" smtClean="0"/>
               <a:t>Tính phi tuyến</a:t>
             </a:r>
-            <a:endParaRPr lang="en-US"/>
+            <a:endParaRPr lang="en-US" b="1"/>
           </a:p>
         </p:txBody>
       </p:sp>
@@ -38239,10 +38420,10 @@
           <a:lstStyle/>
           <a:p>
             <a:r>
-              <a:rPr lang="en-US" smtClean="0"/>
+              <a:rPr lang="en-US" b="1" smtClean="0"/>
               <a:t>Tính phi tuyến</a:t>
             </a:r>
-            <a:endParaRPr lang="en-US"/>
+            <a:endParaRPr lang="en-US" b="1"/>
           </a:p>
         </p:txBody>
       </p:sp>
@@ -38679,10 +38860,10 @@
           <a:lstStyle/>
           <a:p>
             <a:r>
-              <a:rPr lang="en-US" smtClean="0"/>
+              <a:rPr lang="en-US" b="1" smtClean="0"/>
               <a:t>Tính phi tuyến</a:t>
             </a:r>
-            <a:endParaRPr lang="en-US"/>
+            <a:endParaRPr lang="en-US" b="1"/>
           </a:p>
         </p:txBody>
       </p:sp>
@@ -38729,11 +38910,7 @@
             </a:r>
             <a:r>
               <a:rPr lang="en-US" b="1" smtClean="0"/>
-              <a:t>các </a:t>
-            </a:r>
-            <a:r>
-              <a:rPr lang="en-US" b="1" smtClean="0"/>
-              <a:t>hàm thành phần S-box</a:t>
+              <a:t>các hàm thành phần S-box</a:t>
             </a:r>
             <a:r>
               <a:rPr lang="en-US" smtClean="0"/>
@@ -38745,27 +38922,11 @@
                   <a:srgbClr val="0000FF"/>
                 </a:solidFill>
               </a:rPr>
-              <a:t>cân </a:t>
-            </a:r>
-            <a:r>
-              <a:rPr lang="en-US" b="1" smtClean="0">
-                <a:solidFill>
-                  <a:srgbClr val="0000FF"/>
-                </a:solidFill>
-              </a:rPr>
-              <a:t>bằng</a:t>
+              <a:t>cân bằng</a:t>
             </a:r>
             <a:r>
               <a:rPr lang="en-US" smtClean="0"/>
-              <a:t> kéo theo </a:t>
-            </a:r>
-            <a:r>
-              <a:rPr lang="en-US" smtClean="0"/>
-              <a:t>dòng </a:t>
-            </a:r>
-            <a:r>
-              <a:rPr lang="en-US" smtClean="0"/>
-              <a:t>khóa do ZUC tạo ra có sự </a:t>
+              <a:t> kéo theo dòng khóa do ZUC tạo ra có sự </a:t>
             </a:r>
             <a:r>
               <a:rPr lang="en-US" b="1" i="1" smtClean="0">
@@ -38902,10 +39063,10 @@
           <a:lstStyle/>
           <a:p>
             <a:r>
-              <a:rPr lang="en-US" smtClean="0"/>
+              <a:rPr lang="en-US" b="1" smtClean="0"/>
               <a:t>Tiêu chuẩn SAC</a:t>
             </a:r>
-            <a:endParaRPr lang="en-US"/>
+            <a:endParaRPr lang="en-US" b="1"/>
           </a:p>
         </p:txBody>
       </p:sp>
@@ -39239,10 +39400,10 @@
           <a:lstStyle/>
           <a:p>
             <a:r>
-              <a:rPr lang="en-US" smtClean="0"/>
+              <a:rPr lang="en-US" b="1" smtClean="0"/>
               <a:t>Tính đồng nhất sai phân</a:t>
             </a:r>
-            <a:endParaRPr lang="en-US"/>
+            <a:endParaRPr lang="en-US" b="1"/>
           </a:p>
         </p:txBody>
       </p:sp>
@@ -39261,6 +39422,123 @@
           <a:bodyPr/>
           <a:lstStyle/>
           <a:p>
+            <a:r>
+              <a:rPr lang="en-US" b="1" smtClean="0"/>
+              <a:t>Định nghĩa:</a:t>
+            </a:r>
+            <a:r>
+              <a:rPr lang="en-US" smtClean="0"/>
+              <a:t> </a:t>
+            </a:r>
+            <a:r>
+              <a:rPr lang="en-US" smtClean="0"/>
+              <a:t>Cho G</a:t>
+            </a:r>
+            <a:r>
+              <a:rPr lang="en-US" baseline="-25000" smtClean="0"/>
+              <a:t>1</a:t>
+            </a:r>
+            <a:r>
+              <a:rPr lang="en-US" smtClean="0"/>
+              <a:t> và G</a:t>
+            </a:r>
+            <a:r>
+              <a:rPr lang="en-US" baseline="-25000" smtClean="0"/>
+              <a:t>2</a:t>
+            </a:r>
+            <a:r>
+              <a:rPr lang="en-US" smtClean="0"/>
+              <a:t> là các nhóm Abel hữu hạn. </a:t>
+            </a:r>
+            <a:r>
+              <a:rPr lang="en-US" smtClean="0"/>
+              <a:t>Ánh </a:t>
+            </a:r>
+            <a:r>
+              <a:rPr lang="en-US" smtClean="0"/>
+              <a:t>xạ                </a:t>
+            </a:r>
+            <a:r>
+              <a:rPr lang="en-US" smtClean="0"/>
+              <a:t>được gọi là </a:t>
+            </a:r>
+            <a:r>
+              <a:rPr lang="en-US" b="1" i="1" smtClean="0">
+                <a:solidFill>
+                  <a:srgbClr val="FF0000"/>
+                </a:solidFill>
+              </a:rPr>
+              <a:t>đồng nhất sai phân</a:t>
+            </a:r>
+            <a:r>
+              <a:rPr lang="en-US" smtClean="0"/>
+              <a:t> (differential uniformity</a:t>
+            </a:r>
+            <a:r>
+              <a:rPr lang="en-US" smtClean="0"/>
+              <a:t>) </a:t>
+            </a:r>
+            <a:r>
+              <a:rPr lang="en-US" smtClean="0"/>
+              <a:t>mức     nếu: </a:t>
+            </a:r>
+          </a:p>
+          <a:p>
+            <a:endParaRPr lang="en-US" smtClean="0"/>
+          </a:p>
+          <a:p>
+            <a:pPr>
+              <a:buNone/>
+            </a:pPr>
+            <a:r>
+              <a:rPr lang="en-US" smtClean="0"/>
+              <a:t>	</a:t>
+            </a:r>
+          </a:p>
+          <a:p>
+            <a:pPr>
+              <a:buNone/>
+            </a:pPr>
+            <a:r>
+              <a:rPr lang="en-US" smtClean="0"/>
+              <a:t>	</a:t>
+            </a:r>
+            <a:r>
+              <a:rPr lang="en-US" smtClean="0"/>
+              <a:t>ở </a:t>
+            </a:r>
+            <a:r>
+              <a:rPr lang="en-US" smtClean="0"/>
+              <a:t>đây  </a:t>
+            </a:r>
+            <a:r>
+              <a:rPr lang="en-US" smtClean="0"/>
+              <a:t>  được </a:t>
+            </a:r>
+            <a:r>
+              <a:rPr lang="en-US" smtClean="0"/>
+              <a:t>gọi là </a:t>
+            </a:r>
+            <a:r>
+              <a:rPr lang="en-US" b="1" smtClean="0">
+                <a:solidFill>
+                  <a:srgbClr val="0000FF"/>
+                </a:solidFill>
+              </a:rPr>
+              <a:t>mức đồng nhất sai phân</a:t>
+            </a:r>
+            <a:r>
+              <a:rPr lang="en-US" smtClean="0"/>
+              <a:t> </a:t>
+            </a:r>
+            <a:r>
+              <a:rPr lang="en-US" smtClean="0"/>
+              <a:t>của </a:t>
+            </a:r>
+            <a:r>
+              <a:rPr lang="en-US" smtClean="0"/>
+              <a:t>  .</a:t>
+            </a:r>
             <a:endParaRPr lang="en-US"/>
           </a:p>
         </p:txBody>
@@ -39336,11 +39614,670 @@
           </a:p>
         </p:txBody>
       </p:sp>
+      <p:sp>
+        <p:nvSpPr>
+          <p:cNvPr id="58370" name="Rectangle 2"/>
+          <p:cNvSpPr>
+            <a:spLocks noChangeArrowheads="1"/>
+          </p:cNvSpPr>
+          <p:nvPr/>
+        </p:nvSpPr>
+        <p:spPr bwMode="auto">
+          <a:xfrm>
+            <a:off x="0" y="0"/>
+            <a:ext cx="9144000" cy="457200"/>
+          </a:xfrm>
+          <a:prstGeom prst="rect">
+            <a:avLst/>
+          </a:prstGeom>
+          <a:noFill/>
+          <a:ln w="9525">
+            <a:noFill/>
+            <a:miter lim="800000"/>
+            <a:headEnd/>
+            <a:tailEnd/>
+          </a:ln>
+          <a:effectLst/>
+        </p:spPr>
+        <p:txBody>
+          <a:bodyPr vert="horz" wrap="none" lIns="91440" tIns="45720" rIns="91440" bIns="45720" numCol="1" anchor="ctr" anchorCtr="0" compatLnSpc="1">
+            <a:prstTxWarp prst="textNoShape">
+              <a:avLst/>
+            </a:prstTxWarp>
+            <a:spAutoFit/>
+          </a:bodyPr>
+          <a:lstStyle/>
+          <a:p>
+            <a:endParaRPr lang="en-US"/>
+          </a:p>
+        </p:txBody>
+      </p:sp>
+      <p:graphicFrame>
+        <p:nvGraphicFramePr>
+          <p:cNvPr id="58369" name="Object 1"/>
+          <p:cNvGraphicFramePr>
+            <a:graphicFrameLocks noChangeAspect="1"/>
+          </p:cNvGraphicFramePr>
+          <p:nvPr/>
+        </p:nvGraphicFramePr>
+        <p:xfrm>
+          <a:off x="3773488" y="1828800"/>
+          <a:ext cx="1590675" cy="457200"/>
+        </p:xfrm>
+        <a:graphic>
+          <a:graphicData uri="http://schemas.openxmlformats.org/presentationml/2006/ole">
+            <p:oleObj spid="_x0000_s58369" name="Equation" r:id="rId3" imgW="761760" imgH="215640" progId="Equation.3">
+              <p:embed/>
+            </p:oleObj>
+          </a:graphicData>
+        </a:graphic>
+      </p:graphicFrame>
+      <p:sp>
+        <p:nvSpPr>
+          <p:cNvPr id="58372" name="Rectangle 4"/>
+          <p:cNvSpPr>
+            <a:spLocks noChangeArrowheads="1"/>
+          </p:cNvSpPr>
+          <p:nvPr/>
+        </p:nvSpPr>
+        <p:spPr bwMode="auto">
+          <a:xfrm>
+            <a:off x="0" y="0"/>
+            <a:ext cx="9144000" cy="457200"/>
+          </a:xfrm>
+          <a:prstGeom prst="rect">
+            <a:avLst/>
+          </a:prstGeom>
+          <a:noFill/>
+          <a:ln w="9525">
+            <a:noFill/>
+            <a:miter lim="800000"/>
+            <a:headEnd/>
+            <a:tailEnd/>
+          </a:ln>
+          <a:effectLst/>
+        </p:spPr>
+        <p:txBody>
+          <a:bodyPr vert="horz" wrap="none" lIns="91440" tIns="45720" rIns="91440" bIns="45720" numCol="1" anchor="ctr" anchorCtr="0" compatLnSpc="1">
+            <a:prstTxWarp prst="textNoShape">
+              <a:avLst/>
+            </a:prstTxWarp>
+            <a:spAutoFit/>
+          </a:bodyPr>
+          <a:lstStyle/>
+          <a:p>
+            <a:endParaRPr lang="en-US"/>
+          </a:p>
+        </p:txBody>
+      </p:sp>
+      <p:graphicFrame>
+        <p:nvGraphicFramePr>
+          <p:cNvPr id="58371" name="Object 3"/>
+          <p:cNvGraphicFramePr>
+            <a:graphicFrameLocks noChangeAspect="1"/>
+          </p:cNvGraphicFramePr>
+          <p:nvPr/>
+        </p:nvGraphicFramePr>
+        <p:xfrm>
+          <a:off x="8153400" y="2286000"/>
+          <a:ext cx="548640" cy="457200"/>
+        </p:xfrm>
+        <a:graphic>
+          <a:graphicData uri="http://schemas.openxmlformats.org/presentationml/2006/ole">
+            <p:oleObj spid="_x0000_s58371" name="Equation" r:id="rId4" imgW="139579" imgH="177646" progId="Equation.3">
+              <p:embed/>
+            </p:oleObj>
+          </a:graphicData>
+        </a:graphic>
+      </p:graphicFrame>
+      <p:sp>
+        <p:nvSpPr>
+          <p:cNvPr id="58374" name="Rectangle 6"/>
+          <p:cNvSpPr>
+            <a:spLocks noChangeArrowheads="1"/>
+          </p:cNvSpPr>
+          <p:nvPr/>
+        </p:nvSpPr>
+        <p:spPr bwMode="auto">
+          <a:xfrm>
+            <a:off x="0" y="0"/>
+            <a:ext cx="9144000" cy="457200"/>
+          </a:xfrm>
+          <a:prstGeom prst="rect">
+            <a:avLst/>
+          </a:prstGeom>
+          <a:noFill/>
+          <a:ln w="9525">
+            <a:noFill/>
+            <a:miter lim="800000"/>
+            <a:headEnd/>
+            <a:tailEnd/>
+          </a:ln>
+          <a:effectLst/>
+        </p:spPr>
+        <p:txBody>
+          <a:bodyPr vert="horz" wrap="none" lIns="91440" tIns="45720" rIns="91440" bIns="45720" numCol="1" anchor="ctr" anchorCtr="0" compatLnSpc="1">
+            <a:prstTxWarp prst="textNoShape">
+              <a:avLst/>
+            </a:prstTxWarp>
+            <a:spAutoFit/>
+          </a:bodyPr>
+          <a:lstStyle/>
+          <a:p>
+            <a:endParaRPr lang="en-US"/>
+          </a:p>
+        </p:txBody>
+      </p:sp>
+      <p:graphicFrame>
+        <p:nvGraphicFramePr>
+          <p:cNvPr id="58373" name="Object 5"/>
+          <p:cNvGraphicFramePr>
+            <a:graphicFrameLocks noChangeAspect="1"/>
+          </p:cNvGraphicFramePr>
+          <p:nvPr/>
+        </p:nvGraphicFramePr>
+        <p:xfrm>
+          <a:off x="733778" y="3429000"/>
+          <a:ext cx="7724422" cy="533400"/>
+        </p:xfrm>
+        <a:graphic>
+          <a:graphicData uri="http://schemas.openxmlformats.org/presentationml/2006/ole">
+            <p:oleObj spid="_x0000_s58373" name="Equation" r:id="rId5" imgW="3721100" imgH="254000" progId="Equation.3">
+              <p:embed/>
+            </p:oleObj>
+          </a:graphicData>
+        </a:graphic>
+      </p:graphicFrame>
+      <p:graphicFrame>
+        <p:nvGraphicFramePr>
+          <p:cNvPr id="58375" name="Object 7"/>
+          <p:cNvGraphicFramePr>
+            <a:graphicFrameLocks noChangeAspect="1"/>
+          </p:cNvGraphicFramePr>
+          <p:nvPr/>
+        </p:nvGraphicFramePr>
+        <p:xfrm>
+          <a:off x="1905000" y="4368800"/>
+          <a:ext cx="518160" cy="431800"/>
+        </p:xfrm>
+        <a:graphic>
+          <a:graphicData uri="http://schemas.openxmlformats.org/presentationml/2006/ole">
+            <p:oleObj spid="_x0000_s58375" name="Equation" r:id="rId6" imgW="139579" imgH="177646" progId="Equation.3">
+              <p:embed/>
+            </p:oleObj>
+          </a:graphicData>
+        </a:graphic>
+      </p:graphicFrame>
+      <p:graphicFrame>
+        <p:nvGraphicFramePr>
+          <p:cNvPr id="58376" name="Object 8"/>
+          <p:cNvGraphicFramePr>
+            <a:graphicFrameLocks noChangeAspect="1"/>
+          </p:cNvGraphicFramePr>
+          <p:nvPr/>
+        </p:nvGraphicFramePr>
+        <p:xfrm>
+          <a:off x="2492829" y="4876800"/>
+          <a:ext cx="555171" cy="431800"/>
+        </p:xfrm>
+        <a:graphic>
+          <a:graphicData uri="http://schemas.openxmlformats.org/presentationml/2006/ole">
+            <p:oleObj spid="_x0000_s58376" name="Equation" r:id="rId7" imgW="152280" imgH="203040" progId="Equation.3">
+              <p:embed/>
+            </p:oleObj>
+          </a:graphicData>
+        </a:graphic>
+      </p:graphicFrame>
     </p:spTree>
   </p:cSld>
   <p:clrMapOvr>
     <a:masterClrMapping/>
   </p:clrMapOvr>
+  <p:timing>
+    <p:tnLst>
+      <p:par>
+        <p:cTn id="1" dur="indefinite" restart="never" nodeType="tmRoot"/>
+      </p:par>
+    </p:tnLst>
+  </p:timing>
+</p:sld>
+</file>
+
+<file path=ppt/slides/slide39.xml><?xml version="1.0" encoding="utf-8"?>
+<p:sld xmlns:a="http://schemas.openxmlformats.org/drawingml/2006/main" xmlns:r="http://schemas.openxmlformats.org/officeDocument/2006/relationships" xmlns:p="http://schemas.openxmlformats.org/presentationml/2006/main">
+  <p:cSld>
+    <p:spTree>
+      <p:nvGrpSpPr>
+        <p:cNvPr id="1" name=""/>
+        <p:cNvGrpSpPr/>
+        <p:nvPr/>
+      </p:nvGrpSpPr>
+      <p:grpSpPr>
+        <a:xfrm>
+          <a:off x="0" y="0"/>
+          <a:ext cx="0" cy="0"/>
+          <a:chOff x="0" y="0"/>
+          <a:chExt cx="0" cy="0"/>
+        </a:xfrm>
+      </p:grpSpPr>
+      <p:sp>
+        <p:nvSpPr>
+          <p:cNvPr id="2" name="Title 1"/>
+          <p:cNvSpPr>
+            <a:spLocks noGrp="1"/>
+          </p:cNvSpPr>
+          <p:nvPr>
+            <p:ph type="title"/>
+          </p:nvPr>
+        </p:nvSpPr>
+        <p:spPr/>
+        <p:txBody>
+          <a:bodyPr/>
+          <a:lstStyle/>
+          <a:p>
+            <a:r>
+              <a:rPr lang="en-US" b="1" smtClean="0"/>
+              <a:t>Tính đồng nhất sai phân</a:t>
+            </a:r>
+            <a:endParaRPr lang="en-US" b="1"/>
+          </a:p>
+        </p:txBody>
+      </p:sp>
+      <p:sp>
+        <p:nvSpPr>
+          <p:cNvPr id="3" name="Content Placeholder 2"/>
+          <p:cNvSpPr>
+            <a:spLocks noGrp="1"/>
+          </p:cNvSpPr>
+          <p:nvPr>
+            <p:ph idx="1"/>
+          </p:nvPr>
+        </p:nvSpPr>
+        <p:spPr/>
+        <p:txBody>
+          <a:bodyPr/>
+          <a:lstStyle/>
+          <a:p>
+            <a:r>
+              <a:rPr lang="en-US" b="1" smtClean="0"/>
+              <a:t>Mức đồng nhất sai phân</a:t>
+            </a:r>
+            <a:r>
+              <a:rPr lang="en-US" smtClean="0"/>
+              <a:t> </a:t>
+            </a:r>
+            <a:r>
+              <a:rPr lang="en-US" b="1" i="1" smtClean="0">
+                <a:solidFill>
+                  <a:srgbClr val="FF0000"/>
+                </a:solidFill>
+              </a:rPr>
+              <a:t>càng </a:t>
+            </a:r>
+            <a:r>
+              <a:rPr lang="en-US" b="1" i="1" smtClean="0">
+                <a:solidFill>
+                  <a:srgbClr val="FF0000"/>
+                </a:solidFill>
+              </a:rPr>
+              <a:t>nhỏ</a:t>
+            </a:r>
+            <a:r>
+              <a:rPr lang="en-US" smtClean="0"/>
+              <a:t> thì ánh </a:t>
+            </a:r>
+            <a:r>
+              <a:rPr lang="en-US" smtClean="0"/>
+              <a:t>xạ </a:t>
+            </a:r>
+            <a:r>
+              <a:rPr lang="en-US" smtClean="0"/>
+              <a:t>   càng </a:t>
+            </a:r>
+            <a:r>
+              <a:rPr lang="en-US" smtClean="0"/>
+              <a:t>an toàn đối với </a:t>
+            </a:r>
+            <a:r>
+              <a:rPr lang="en-US" b="1" smtClean="0"/>
+              <a:t>tấn công mật mã sai phân</a:t>
+            </a:r>
+            <a:r>
+              <a:rPr lang="en-US" smtClean="0"/>
+              <a:t> và </a:t>
+            </a:r>
+            <a:r>
+              <a:rPr lang="en-US" b="1" smtClean="0"/>
+              <a:t>tấn công mật mã </a:t>
+            </a:r>
+            <a:r>
+              <a:rPr lang="en-US" b="1" smtClean="0"/>
+              <a:t>tuyến </a:t>
+            </a:r>
+            <a:r>
+              <a:rPr lang="en-US" b="1" smtClean="0"/>
+              <a:t>tính</a:t>
+            </a:r>
+            <a:r>
+              <a:rPr lang="en-US" smtClean="0"/>
+              <a:t>.</a:t>
+            </a:r>
+          </a:p>
+          <a:p>
+            <a:r>
+              <a:rPr lang="en-US" smtClean="0"/>
+              <a:t>Mức </a:t>
+            </a:r>
+            <a:r>
+              <a:rPr lang="en-US" smtClean="0"/>
+              <a:t>đồng nhất </a:t>
+            </a:r>
+            <a:r>
+              <a:rPr lang="en-US" smtClean="0"/>
+              <a:t>sai </a:t>
+            </a:r>
+            <a:r>
+              <a:rPr lang="en-US" smtClean="0"/>
+              <a:t>phân của           S-box </a:t>
+            </a:r>
+            <a:r>
+              <a:rPr lang="en-US" smtClean="0"/>
+              <a:t>bị </a:t>
+            </a:r>
+            <a:r>
+              <a:rPr lang="en-US" smtClean="0"/>
+              <a:t>chặn </a:t>
+            </a:r>
+            <a:r>
+              <a:rPr lang="en-US" smtClean="0"/>
+              <a:t>dưới bởi                  .</a:t>
+            </a:r>
+          </a:p>
+          <a:p>
+            <a:pPr lvl="1"/>
+            <a:r>
+              <a:rPr lang="en-US" smtClean="0"/>
+              <a:t>S-box đạt mức đồng nhất sai phân        được gọi là </a:t>
+            </a:r>
+            <a:r>
+              <a:rPr lang="en-US" b="1" smtClean="0"/>
+              <a:t>Almost Perfect Nonlinear</a:t>
+            </a:r>
+            <a:r>
+              <a:rPr lang="en-US" smtClean="0"/>
+              <a:t> (</a:t>
+            </a:r>
+            <a:r>
+              <a:rPr lang="en-US" smtClean="0"/>
+              <a:t>APN</a:t>
+            </a:r>
+            <a:r>
+              <a:rPr lang="en-US" smtClean="0"/>
+              <a:t>).</a:t>
+            </a:r>
+          </a:p>
+          <a:p>
+            <a:r>
+              <a:rPr lang="en-US" smtClean="0"/>
+              <a:t>        S-box có </a:t>
+            </a:r>
+            <a:r>
+              <a:rPr lang="en-US" smtClean="0"/>
+              <a:t>mức đồng nhất sai phân tối thiểu (lý tưởng</a:t>
+            </a:r>
+            <a:r>
+              <a:rPr lang="en-US" smtClean="0"/>
+              <a:t>) </a:t>
+            </a:r>
+            <a:r>
+              <a:rPr lang="en-US" smtClean="0"/>
+              <a:t>là </a:t>
+            </a:r>
+            <a:endParaRPr lang="en-US"/>
+          </a:p>
+        </p:txBody>
+      </p:sp>
+      <p:sp>
+        <p:nvSpPr>
+          <p:cNvPr id="4" name="Date Placeholder 3"/>
+          <p:cNvSpPr>
+            <a:spLocks noGrp="1"/>
+          </p:cNvSpPr>
+          <p:nvPr>
+            <p:ph type="dt" sz="half" idx="10"/>
+          </p:nvPr>
+        </p:nvSpPr>
+        <p:spPr/>
+        <p:txBody>
+          <a:bodyPr/>
+          <a:lstStyle/>
+          <a:p>
+            <a:fld id="{7C294124-47EA-4536-AD0A-FC4FCEA2FD23}" type="datetime1">
+              <a:rPr lang="vi-VN" smtClean="0"/>
+              <a:pPr/>
+              <a:t>11/06/2011</a:t>
+            </a:fld>
+            <a:endParaRPr lang="en-US"/>
+          </a:p>
+        </p:txBody>
+      </p:sp>
+      <p:sp>
+        <p:nvSpPr>
+          <p:cNvPr id="5" name="Footer Placeholder 4"/>
+          <p:cNvSpPr>
+            <a:spLocks noGrp="1"/>
+          </p:cNvSpPr>
+          <p:nvPr>
+            <p:ph type="ftr" sz="quarter" idx="11"/>
+          </p:nvPr>
+        </p:nvSpPr>
+        <p:spPr/>
+        <p:txBody>
+          <a:bodyPr/>
+          <a:lstStyle/>
+          <a:p>
+            <a:r>
+              <a:rPr lang="en-US" smtClean="0"/>
+              <a:t>Khảo sát mã dòng và ứng dụng</a:t>
+            </a:r>
+            <a:endParaRPr lang="en-US"/>
+          </a:p>
+        </p:txBody>
+      </p:sp>
+      <p:sp>
+        <p:nvSpPr>
+          <p:cNvPr id="6" name="Slide Number Placeholder 5"/>
+          <p:cNvSpPr>
+            <a:spLocks noGrp="1"/>
+          </p:cNvSpPr>
+          <p:nvPr>
+            <p:ph type="sldNum" sz="quarter" idx="12"/>
+          </p:nvPr>
+        </p:nvSpPr>
+        <p:spPr/>
+        <p:txBody>
+          <a:bodyPr/>
+          <a:lstStyle/>
+          <a:p>
+            <a:fld id="{CA554274-6C47-4D4B-8630-CC803E51C38C}" type="slidenum">
+              <a:rPr lang="en-US" smtClean="0"/>
+              <a:pPr/>
+              <a:t>39</a:t>
+            </a:fld>
+            <a:endParaRPr lang="en-US"/>
+          </a:p>
+        </p:txBody>
+      </p:sp>
+      <p:graphicFrame>
+        <p:nvGraphicFramePr>
+          <p:cNvPr id="59395" name="Object 3"/>
+          <p:cNvGraphicFramePr>
+            <a:graphicFrameLocks noChangeAspect="1"/>
+          </p:cNvGraphicFramePr>
+          <p:nvPr/>
+        </p:nvGraphicFramePr>
+        <p:xfrm>
+          <a:off x="1295400" y="1828800"/>
+          <a:ext cx="555625" cy="431800"/>
+        </p:xfrm>
+        <a:graphic>
+          <a:graphicData uri="http://schemas.openxmlformats.org/presentationml/2006/ole">
+            <p:oleObj spid="_x0000_s59395" name="Equation" r:id="rId4" imgW="152280" imgH="203040" progId="Equation.3">
+              <p:embed/>
+            </p:oleObj>
+          </a:graphicData>
+        </a:graphic>
+      </p:graphicFrame>
+      <p:graphicFrame>
+        <p:nvGraphicFramePr>
+          <p:cNvPr id="59396" name="Object 4"/>
+          <p:cNvGraphicFramePr>
+            <a:graphicFrameLocks noChangeAspect="1"/>
+          </p:cNvGraphicFramePr>
+          <p:nvPr/>
+        </p:nvGraphicFramePr>
+        <p:xfrm>
+          <a:off x="5715000" y="2895600"/>
+          <a:ext cx="1143000" cy="381000"/>
+        </p:xfrm>
+        <a:graphic>
+          <a:graphicData uri="http://schemas.openxmlformats.org/presentationml/2006/ole">
+            <p:oleObj spid="_x0000_s59396" name="Equation" r:id="rId5" imgW="380835" imgH="139639" progId="Equation.3">
+              <p:embed/>
+            </p:oleObj>
+          </a:graphicData>
+        </a:graphic>
+      </p:graphicFrame>
+      <p:sp>
+        <p:nvSpPr>
+          <p:cNvPr id="59398" name="Rectangle 6"/>
+          <p:cNvSpPr>
+            <a:spLocks noChangeArrowheads="1"/>
+          </p:cNvSpPr>
+          <p:nvPr/>
+        </p:nvSpPr>
+        <p:spPr bwMode="auto">
+          <a:xfrm>
+            <a:off x="0" y="0"/>
+            <a:ext cx="9144000" cy="457200"/>
+          </a:xfrm>
+          <a:prstGeom prst="rect">
+            <a:avLst/>
+          </a:prstGeom>
+          <a:noFill/>
+          <a:ln w="9525">
+            <a:noFill/>
+            <a:miter lim="800000"/>
+            <a:headEnd/>
+            <a:tailEnd/>
+          </a:ln>
+          <a:effectLst/>
+        </p:spPr>
+        <p:txBody>
+          <a:bodyPr vert="horz" wrap="none" lIns="91440" tIns="45720" rIns="91440" bIns="45720" numCol="1" anchor="ctr" anchorCtr="0" compatLnSpc="1">
+            <a:prstTxWarp prst="textNoShape">
+              <a:avLst/>
+            </a:prstTxWarp>
+            <a:spAutoFit/>
+          </a:bodyPr>
+          <a:lstStyle/>
+          <a:p>
+            <a:endParaRPr lang="en-US"/>
+          </a:p>
+        </p:txBody>
+      </p:sp>
+      <p:graphicFrame>
+        <p:nvGraphicFramePr>
+          <p:cNvPr id="59397" name="Object 5"/>
+          <p:cNvGraphicFramePr>
+            <a:graphicFrameLocks noChangeAspect="1"/>
+          </p:cNvGraphicFramePr>
+          <p:nvPr/>
+        </p:nvGraphicFramePr>
+        <p:xfrm>
+          <a:off x="3367088" y="3200400"/>
+          <a:ext cx="1814512" cy="533400"/>
+        </p:xfrm>
+        <a:graphic>
+          <a:graphicData uri="http://schemas.openxmlformats.org/presentationml/2006/ole">
+            <p:oleObj spid="_x0000_s59397" name="Equation" r:id="rId6" imgW="774360" imgH="228600" progId="Equation.3">
+              <p:embed/>
+            </p:oleObj>
+          </a:graphicData>
+        </a:graphic>
+      </p:graphicFrame>
+      <p:graphicFrame>
+        <p:nvGraphicFramePr>
+          <p:cNvPr id="59399" name="Object 7"/>
+          <p:cNvGraphicFramePr>
+            <a:graphicFrameLocks noChangeAspect="1"/>
+          </p:cNvGraphicFramePr>
+          <p:nvPr/>
+        </p:nvGraphicFramePr>
+        <p:xfrm>
+          <a:off x="6324600" y="3712029"/>
+          <a:ext cx="685800" cy="555171"/>
+        </p:xfrm>
+        <a:graphic>
+          <a:graphicData uri="http://schemas.openxmlformats.org/presentationml/2006/ole">
+            <p:oleObj spid="_x0000_s59399" name="Equation" r:id="rId7" imgW="266400" imgH="215640" progId="Equation.3">
+              <p:embed/>
+            </p:oleObj>
+          </a:graphicData>
+        </a:graphic>
+      </p:graphicFrame>
+      <p:graphicFrame>
+        <p:nvGraphicFramePr>
+          <p:cNvPr id="59400" name="Object 8"/>
+          <p:cNvGraphicFramePr>
+            <a:graphicFrameLocks noChangeAspect="1"/>
+          </p:cNvGraphicFramePr>
+          <p:nvPr/>
+        </p:nvGraphicFramePr>
+        <p:xfrm>
+          <a:off x="914400" y="4670425"/>
+          <a:ext cx="793750" cy="504825"/>
+        </p:xfrm>
+        <a:graphic>
+          <a:graphicData uri="http://schemas.openxmlformats.org/presentationml/2006/ole">
+            <p:oleObj spid="_x0000_s59400" name="Equation" r:id="rId8" imgW="304560" imgH="177480" progId="Equation.3">
+              <p:embed/>
+            </p:oleObj>
+          </a:graphicData>
+        </a:graphic>
+      </p:graphicFrame>
+      <p:graphicFrame>
+        <p:nvGraphicFramePr>
+          <p:cNvPr id="59401" name="Object 9"/>
+          <p:cNvGraphicFramePr>
+            <a:graphicFrameLocks noChangeAspect="1"/>
+          </p:cNvGraphicFramePr>
+          <p:nvPr/>
+        </p:nvGraphicFramePr>
+        <p:xfrm>
+          <a:off x="3965575" y="5105400"/>
+          <a:ext cx="1749425" cy="493712"/>
+        </p:xfrm>
+        <a:graphic>
+          <a:graphicData uri="http://schemas.openxmlformats.org/presentationml/2006/ole">
+            <p:oleObj spid="_x0000_s59401" name="Equation" r:id="rId9" imgW="698400" imgH="203040" progId="Equation.3">
+              <p:embed/>
+            </p:oleObj>
+          </a:graphicData>
+        </a:graphic>
+      </p:graphicFrame>
+    </p:spTree>
+  </p:cSld>
+  <p:clrMapOvr>
+    <a:masterClrMapping/>
+  </p:clrMapOvr>
+  <p:timing>
+    <p:tnLst>
+      <p:par>
+        <p:cTn id="1" dur="indefinite" restart="never" nodeType="tmRoot"/>
+      </p:par>
+    </p:tnLst>
+  </p:timing>
 </p:sld>
 </file>
 
@@ -39377,10 +40314,10 @@
           <a:lstStyle/>
           <a:p>
             <a:r>
-              <a:rPr lang="en-US" sz="4400" smtClean="0"/>
+              <a:rPr lang="en-US" sz="4400" b="1" smtClean="0"/>
               <a:t>Giới thiệu và mục tiêu đề tài</a:t>
             </a:r>
-            <a:endParaRPr lang="en-US"/>
+            <a:endParaRPr lang="en-US" b="1"/>
           </a:p>
         </p:txBody>
       </p:sp>
@@ -39553,6 +40490,6423 @@
 </p:sld>
 </file>
 
+<file path=ppt/slides/slide40.xml><?xml version="1.0" encoding="utf-8"?>
+<p:sld xmlns:a="http://schemas.openxmlformats.org/drawingml/2006/main" xmlns:r="http://schemas.openxmlformats.org/officeDocument/2006/relationships" xmlns:p="http://schemas.openxmlformats.org/presentationml/2006/main">
+  <p:cSld>
+    <p:spTree>
+      <p:nvGrpSpPr>
+        <p:cNvPr id="1" name=""/>
+        <p:cNvGrpSpPr/>
+        <p:nvPr/>
+      </p:nvGrpSpPr>
+      <p:grpSpPr>
+        <a:xfrm>
+          <a:off x="0" y="0"/>
+          <a:ext cx="0" cy="0"/>
+          <a:chOff x="0" y="0"/>
+          <a:chExt cx="0" cy="0"/>
+        </a:xfrm>
+      </p:grpSpPr>
+      <p:sp>
+        <p:nvSpPr>
+          <p:cNvPr id="2" name="Title 1"/>
+          <p:cNvSpPr>
+            <a:spLocks noGrp="1"/>
+          </p:cNvSpPr>
+          <p:nvPr>
+            <p:ph type="title"/>
+          </p:nvPr>
+        </p:nvSpPr>
+        <p:spPr/>
+        <p:txBody>
+          <a:bodyPr/>
+          <a:lstStyle/>
+          <a:p>
+            <a:r>
+              <a:rPr lang="en-US" b="1" smtClean="0"/>
+              <a:t>Kết quả thực nghiệm </a:t>
+            </a:r>
+            <a:r>
+              <a:rPr lang="en-US" b="1" i="1" smtClean="0"/>
+              <a:t>F</a:t>
+            </a:r>
+            <a:endParaRPr lang="en-US" b="1" i="1"/>
+          </a:p>
+        </p:txBody>
+      </p:sp>
+      <p:sp>
+        <p:nvSpPr>
+          <p:cNvPr id="3" name="Content Placeholder 2"/>
+          <p:cNvSpPr>
+            <a:spLocks noGrp="1"/>
+          </p:cNvSpPr>
+          <p:nvPr>
+            <p:ph idx="1"/>
+          </p:nvPr>
+        </p:nvSpPr>
+        <p:spPr/>
+        <p:txBody>
+          <a:bodyPr/>
+          <a:lstStyle/>
+          <a:p>
+            <a:r>
+              <a:rPr lang="en-US" smtClean="0"/>
+              <a:t>S-box </a:t>
+            </a:r>
+            <a:r>
+              <a:rPr lang="en-US" b="1" smtClean="0"/>
+              <a:t>S</a:t>
+            </a:r>
+            <a:r>
+              <a:rPr lang="en-US" b="1" baseline="-25000" smtClean="0"/>
+              <a:t>0</a:t>
+            </a:r>
+            <a:r>
+              <a:rPr lang="en-US" smtClean="0"/>
+              <a:t>:</a:t>
+            </a:r>
+          </a:p>
+          <a:p>
+            <a:pPr lvl="1"/>
+            <a:r>
+              <a:rPr lang="en-US" smtClean="0"/>
+              <a:t>Độ phi tuyến: </a:t>
+            </a:r>
+            <a:r>
+              <a:rPr lang="en-US" b="1" smtClean="0">
+                <a:solidFill>
+                  <a:srgbClr val="FF0000"/>
+                </a:solidFill>
+              </a:rPr>
+              <a:t>96</a:t>
+            </a:r>
+          </a:p>
+          <a:p>
+            <a:pPr lvl="1"/>
+            <a:r>
+              <a:rPr lang="en-US" smtClean="0"/>
+              <a:t>Mức đồng nhất sai phân: </a:t>
+            </a:r>
+            <a:r>
+              <a:rPr lang="en-US" b="1" smtClean="0">
+                <a:solidFill>
+                  <a:srgbClr val="FF0000"/>
+                </a:solidFill>
+              </a:rPr>
+              <a:t>8</a:t>
+            </a:r>
+          </a:p>
+          <a:p>
+            <a:pPr lvl="1"/>
+            <a:r>
+              <a:rPr lang="en-US" smtClean="0"/>
+              <a:t>Tất cả các hàm thành phần đều cân bằng.</a:t>
+            </a:r>
+          </a:p>
+          <a:p>
+            <a:r>
+              <a:rPr lang="en-US" smtClean="0"/>
+              <a:t>S-box </a:t>
+            </a:r>
+            <a:r>
+              <a:rPr lang="en-US" b="1" smtClean="0"/>
+              <a:t>S</a:t>
+            </a:r>
+            <a:r>
+              <a:rPr lang="en-US" b="1" baseline="-25000" smtClean="0"/>
+              <a:t>1</a:t>
+            </a:r>
+            <a:r>
+              <a:rPr lang="en-US" smtClean="0"/>
+              <a:t>:</a:t>
+            </a:r>
+          </a:p>
+          <a:p>
+            <a:pPr lvl="1"/>
+            <a:r>
+              <a:rPr lang="en-US" smtClean="0"/>
+              <a:t>Độ phi tuyến: </a:t>
+            </a:r>
+            <a:r>
+              <a:rPr lang="en-US" b="1" smtClean="0">
+                <a:solidFill>
+                  <a:srgbClr val="FF0000"/>
+                </a:solidFill>
+              </a:rPr>
+              <a:t>112</a:t>
+            </a:r>
+          </a:p>
+          <a:p>
+            <a:pPr lvl="1"/>
+            <a:r>
+              <a:rPr lang="en-US" smtClean="0"/>
+              <a:t>Mức đồng nhất sai phân: </a:t>
+            </a:r>
+            <a:r>
+              <a:rPr lang="en-US" b="1" smtClean="0">
+                <a:solidFill>
+                  <a:srgbClr val="FF0000"/>
+                </a:solidFill>
+              </a:rPr>
+              <a:t>4</a:t>
+            </a:r>
+          </a:p>
+          <a:p>
+            <a:pPr lvl="1"/>
+            <a:r>
+              <a:rPr lang="en-US" smtClean="0"/>
+              <a:t>Tất cả các hàm thành phần đều cân </a:t>
+            </a:r>
+            <a:r>
+              <a:rPr lang="en-US" smtClean="0"/>
+              <a:t>bằng</a:t>
+            </a:r>
+            <a:r>
+              <a:rPr lang="en-US" smtClean="0"/>
+              <a:t>.</a:t>
+            </a:r>
+            <a:endParaRPr lang="en-US" smtClean="0"/>
+          </a:p>
+        </p:txBody>
+      </p:sp>
+      <p:sp>
+        <p:nvSpPr>
+          <p:cNvPr id="4" name="Date Placeholder 3"/>
+          <p:cNvSpPr>
+            <a:spLocks noGrp="1"/>
+          </p:cNvSpPr>
+          <p:nvPr>
+            <p:ph type="dt" sz="half" idx="10"/>
+          </p:nvPr>
+        </p:nvSpPr>
+        <p:spPr/>
+        <p:txBody>
+          <a:bodyPr/>
+          <a:lstStyle/>
+          <a:p>
+            <a:fld id="{7C294124-47EA-4536-AD0A-FC4FCEA2FD23}" type="datetime1">
+              <a:rPr lang="vi-VN" smtClean="0"/>
+              <a:pPr/>
+              <a:t>11/06/2011</a:t>
+            </a:fld>
+            <a:endParaRPr lang="en-US"/>
+          </a:p>
+        </p:txBody>
+      </p:sp>
+      <p:sp>
+        <p:nvSpPr>
+          <p:cNvPr id="5" name="Footer Placeholder 4"/>
+          <p:cNvSpPr>
+            <a:spLocks noGrp="1"/>
+          </p:cNvSpPr>
+          <p:nvPr>
+            <p:ph type="ftr" sz="quarter" idx="11"/>
+          </p:nvPr>
+        </p:nvSpPr>
+        <p:spPr/>
+        <p:txBody>
+          <a:bodyPr/>
+          <a:lstStyle/>
+          <a:p>
+            <a:r>
+              <a:rPr lang="en-US" smtClean="0"/>
+              <a:t>Khảo sát mã dòng và ứng dụng</a:t>
+            </a:r>
+            <a:endParaRPr lang="en-US"/>
+          </a:p>
+        </p:txBody>
+      </p:sp>
+      <p:sp>
+        <p:nvSpPr>
+          <p:cNvPr id="6" name="Slide Number Placeholder 5"/>
+          <p:cNvSpPr>
+            <a:spLocks noGrp="1"/>
+          </p:cNvSpPr>
+          <p:nvPr>
+            <p:ph type="sldNum" sz="quarter" idx="12"/>
+          </p:nvPr>
+        </p:nvSpPr>
+        <p:spPr/>
+        <p:txBody>
+          <a:bodyPr/>
+          <a:lstStyle/>
+          <a:p>
+            <a:fld id="{CA554274-6C47-4D4B-8630-CC803E51C38C}" type="slidenum">
+              <a:rPr lang="en-US" smtClean="0"/>
+              <a:pPr/>
+              <a:t>40</a:t>
+            </a:fld>
+            <a:endParaRPr lang="en-US"/>
+          </a:p>
+        </p:txBody>
+      </p:sp>
+    </p:spTree>
+  </p:cSld>
+  <p:clrMapOvr>
+    <a:masterClrMapping/>
+  </p:clrMapOvr>
+  <p:timing>
+    <p:tnLst>
+      <p:par>
+        <p:cTn id="1" dur="indefinite" restart="never" nodeType="tmRoot"/>
+      </p:par>
+    </p:tnLst>
+  </p:timing>
+</p:sld>
+</file>
+
+<file path=ppt/slides/slide41.xml><?xml version="1.0" encoding="utf-8"?>
+<p:sld xmlns:a="http://schemas.openxmlformats.org/drawingml/2006/main" xmlns:r="http://schemas.openxmlformats.org/officeDocument/2006/relationships" xmlns:p="http://schemas.openxmlformats.org/presentationml/2006/main">
+  <p:cSld>
+    <p:spTree>
+      <p:nvGrpSpPr>
+        <p:cNvPr id="1" name=""/>
+        <p:cNvGrpSpPr/>
+        <p:nvPr/>
+      </p:nvGrpSpPr>
+      <p:grpSpPr>
+        <a:xfrm>
+          <a:off x="0" y="0"/>
+          <a:ext cx="0" cy="0"/>
+          <a:chOff x="0" y="0"/>
+          <a:chExt cx="0" cy="0"/>
+        </a:xfrm>
+      </p:grpSpPr>
+      <p:sp>
+        <p:nvSpPr>
+          <p:cNvPr id="2" name="Title 1"/>
+          <p:cNvSpPr>
+            <a:spLocks noGrp="1"/>
+          </p:cNvSpPr>
+          <p:nvPr>
+            <p:ph type="title"/>
+          </p:nvPr>
+        </p:nvSpPr>
+        <p:spPr/>
+        <p:txBody>
+          <a:bodyPr/>
+          <a:lstStyle/>
+          <a:p>
+            <a:r>
+              <a:rPr lang="en-US" b="1" smtClean="0"/>
+              <a:t>Kiểm tra S</a:t>
+            </a:r>
+            <a:r>
+              <a:rPr lang="en-US" b="1" baseline="-25000" smtClean="0"/>
+              <a:t>0</a:t>
+            </a:r>
+            <a:r>
+              <a:rPr lang="en-US" b="1" smtClean="0"/>
+              <a:t> thỏa SAC</a:t>
+            </a:r>
+            <a:endParaRPr lang="en-US" b="1"/>
+          </a:p>
+        </p:txBody>
+      </p:sp>
+      <p:graphicFrame>
+        <p:nvGraphicFramePr>
+          <p:cNvPr id="8" name="Content Placeholder 7"/>
+          <p:cNvGraphicFramePr>
+            <a:graphicFrameLocks noGrp="1"/>
+          </p:cNvGraphicFramePr>
+          <p:nvPr>
+            <p:ph idx="1"/>
+          </p:nvPr>
+        </p:nvGraphicFramePr>
+        <p:xfrm>
+          <a:off x="152397" y="1219200"/>
+          <a:ext cx="8763003" cy="4876801"/>
+        </p:xfrm>
+        <a:graphic>
+          <a:graphicData uri="http://schemas.openxmlformats.org/drawingml/2006/table">
+            <a:tbl>
+              <a:tblPr firstRow="1" bandRow="1">
+                <a:tableStyleId>{5C22544A-7EE6-4342-B048-85BDC9FD1C3A}</a:tableStyleId>
+              </a:tblPr>
+              <a:tblGrid>
+                <a:gridCol w="973667"/>
+                <a:gridCol w="973667"/>
+                <a:gridCol w="973667"/>
+                <a:gridCol w="973667"/>
+                <a:gridCol w="973667"/>
+                <a:gridCol w="973667"/>
+                <a:gridCol w="973667"/>
+                <a:gridCol w="973667"/>
+                <a:gridCol w="973667"/>
+              </a:tblGrid>
+              <a:tr h="611785">
+                <a:tc>
+                  <a:txBody>
+                    <a:bodyPr/>
+                    <a:lstStyle/>
+                    <a:p>
+                      <a:pPr marL="0" marR="0" algn="ctr">
+                        <a:lnSpc>
+                          <a:spcPct val="150000"/>
+                        </a:lnSpc>
+                        <a:spcBef>
+                          <a:spcPts val="0"/>
+                        </a:spcBef>
+                        <a:spcAft>
+                          <a:spcPts val="1000"/>
+                        </a:spcAft>
+                      </a:pPr>
+                      <a:endParaRPr lang="en-US" sz="2400">
+                        <a:latin typeface="Times New Roman"/>
+                        <a:ea typeface="Calibri"/>
+                        <a:cs typeface="Times New Roman"/>
+                      </a:endParaRPr>
+                    </a:p>
+                  </a:txBody>
+                  <a:tcPr marL="68580" marR="68580" marT="0" marB="0"/>
+                </a:tc>
+                <a:tc>
+                  <a:txBody>
+                    <a:bodyPr/>
+                    <a:lstStyle/>
+                    <a:p>
+                      <a:pPr marL="0" marR="0" algn="ctr">
+                        <a:lnSpc>
+                          <a:spcPct val="150000"/>
+                        </a:lnSpc>
+                        <a:spcBef>
+                          <a:spcPts val="0"/>
+                        </a:spcBef>
+                        <a:spcAft>
+                          <a:spcPts val="1000"/>
+                        </a:spcAft>
+                      </a:pPr>
+                      <a:r>
+                        <a:rPr lang="en-US" sz="2400" b="1" i="1">
+                          <a:latin typeface="Times New Roman"/>
+                          <a:ea typeface="Calibri"/>
+                          <a:cs typeface="Times New Roman"/>
+                        </a:rPr>
+                        <a:t>f</a:t>
+                      </a:r>
+                      <a:r>
+                        <a:rPr lang="en-US" sz="2400" b="1" i="1" baseline="-25000">
+                          <a:latin typeface="Times New Roman"/>
+                          <a:ea typeface="Calibri"/>
+                          <a:cs typeface="Times New Roman"/>
+                        </a:rPr>
+                        <a:t>0</a:t>
+                      </a:r>
+                      <a:endParaRPr lang="en-US" sz="2400">
+                        <a:latin typeface="Times New Roman"/>
+                        <a:ea typeface="Calibri"/>
+                        <a:cs typeface="Times New Roman"/>
+                      </a:endParaRPr>
+                    </a:p>
+                  </a:txBody>
+                  <a:tcPr marL="68580" marR="68580" marT="0" marB="0"/>
+                </a:tc>
+                <a:tc>
+                  <a:txBody>
+                    <a:bodyPr/>
+                    <a:lstStyle/>
+                    <a:p>
+                      <a:pPr marL="0" marR="0" algn="ctr">
+                        <a:lnSpc>
+                          <a:spcPct val="150000"/>
+                        </a:lnSpc>
+                        <a:spcBef>
+                          <a:spcPts val="0"/>
+                        </a:spcBef>
+                        <a:spcAft>
+                          <a:spcPts val="1000"/>
+                        </a:spcAft>
+                      </a:pPr>
+                      <a:r>
+                        <a:rPr lang="en-US" sz="2400" b="1" i="1">
+                          <a:latin typeface="Times New Roman"/>
+                          <a:ea typeface="Calibri"/>
+                          <a:cs typeface="Times New Roman"/>
+                        </a:rPr>
+                        <a:t>f</a:t>
+                      </a:r>
+                      <a:r>
+                        <a:rPr lang="en-US" sz="2400" b="1" i="1" baseline="-25000">
+                          <a:latin typeface="Times New Roman"/>
+                          <a:ea typeface="Calibri"/>
+                          <a:cs typeface="Times New Roman"/>
+                        </a:rPr>
+                        <a:t>1</a:t>
+                      </a:r>
+                      <a:endParaRPr lang="en-US" sz="2400">
+                        <a:latin typeface="Times New Roman"/>
+                        <a:ea typeface="Calibri"/>
+                        <a:cs typeface="Times New Roman"/>
+                      </a:endParaRPr>
+                    </a:p>
+                  </a:txBody>
+                  <a:tcPr marL="68580" marR="68580" marT="0" marB="0"/>
+                </a:tc>
+                <a:tc>
+                  <a:txBody>
+                    <a:bodyPr/>
+                    <a:lstStyle/>
+                    <a:p>
+                      <a:pPr marL="0" marR="0" algn="ctr">
+                        <a:lnSpc>
+                          <a:spcPct val="150000"/>
+                        </a:lnSpc>
+                        <a:spcBef>
+                          <a:spcPts val="0"/>
+                        </a:spcBef>
+                        <a:spcAft>
+                          <a:spcPts val="1000"/>
+                        </a:spcAft>
+                      </a:pPr>
+                      <a:r>
+                        <a:rPr lang="en-US" sz="2400" b="1" i="1">
+                          <a:latin typeface="Times New Roman"/>
+                          <a:ea typeface="Calibri"/>
+                          <a:cs typeface="Times New Roman"/>
+                        </a:rPr>
+                        <a:t>f</a:t>
+                      </a:r>
+                      <a:r>
+                        <a:rPr lang="en-US" sz="2400" b="1" i="1" baseline="-25000">
+                          <a:latin typeface="Times New Roman"/>
+                          <a:ea typeface="Calibri"/>
+                          <a:cs typeface="Times New Roman"/>
+                        </a:rPr>
+                        <a:t>2</a:t>
+                      </a:r>
+                      <a:endParaRPr lang="en-US" sz="2400">
+                        <a:latin typeface="Times New Roman"/>
+                        <a:ea typeface="Calibri"/>
+                        <a:cs typeface="Times New Roman"/>
+                      </a:endParaRPr>
+                    </a:p>
+                  </a:txBody>
+                  <a:tcPr marL="68580" marR="68580" marT="0" marB="0"/>
+                </a:tc>
+                <a:tc>
+                  <a:txBody>
+                    <a:bodyPr/>
+                    <a:lstStyle/>
+                    <a:p>
+                      <a:pPr marL="0" marR="0" algn="ctr">
+                        <a:lnSpc>
+                          <a:spcPct val="150000"/>
+                        </a:lnSpc>
+                        <a:spcBef>
+                          <a:spcPts val="0"/>
+                        </a:spcBef>
+                        <a:spcAft>
+                          <a:spcPts val="1000"/>
+                        </a:spcAft>
+                      </a:pPr>
+                      <a:r>
+                        <a:rPr lang="en-US" sz="2400" b="1" i="1">
+                          <a:latin typeface="Times New Roman"/>
+                          <a:ea typeface="Calibri"/>
+                          <a:cs typeface="Times New Roman"/>
+                        </a:rPr>
+                        <a:t>f</a:t>
+                      </a:r>
+                      <a:r>
+                        <a:rPr lang="en-US" sz="2400" b="1" i="1" baseline="-25000">
+                          <a:latin typeface="Times New Roman"/>
+                          <a:ea typeface="Calibri"/>
+                          <a:cs typeface="Times New Roman"/>
+                        </a:rPr>
+                        <a:t>3</a:t>
+                      </a:r>
+                      <a:endParaRPr lang="en-US" sz="2400">
+                        <a:latin typeface="Times New Roman"/>
+                        <a:ea typeface="Calibri"/>
+                        <a:cs typeface="Times New Roman"/>
+                      </a:endParaRPr>
+                    </a:p>
+                  </a:txBody>
+                  <a:tcPr marL="68580" marR="68580" marT="0" marB="0"/>
+                </a:tc>
+                <a:tc>
+                  <a:txBody>
+                    <a:bodyPr/>
+                    <a:lstStyle/>
+                    <a:p>
+                      <a:pPr marL="0" marR="0" algn="ctr">
+                        <a:lnSpc>
+                          <a:spcPct val="150000"/>
+                        </a:lnSpc>
+                        <a:spcBef>
+                          <a:spcPts val="0"/>
+                        </a:spcBef>
+                        <a:spcAft>
+                          <a:spcPts val="1000"/>
+                        </a:spcAft>
+                      </a:pPr>
+                      <a:r>
+                        <a:rPr lang="en-US" sz="2400" b="1" i="1">
+                          <a:latin typeface="Times New Roman"/>
+                          <a:ea typeface="Calibri"/>
+                          <a:cs typeface="Times New Roman"/>
+                        </a:rPr>
+                        <a:t>f</a:t>
+                      </a:r>
+                      <a:r>
+                        <a:rPr lang="en-US" sz="2400" b="1" i="1" baseline="-25000">
+                          <a:latin typeface="Times New Roman"/>
+                          <a:ea typeface="Calibri"/>
+                          <a:cs typeface="Times New Roman"/>
+                        </a:rPr>
+                        <a:t>4</a:t>
+                      </a:r>
+                      <a:endParaRPr lang="en-US" sz="2400">
+                        <a:latin typeface="Times New Roman"/>
+                        <a:ea typeface="Calibri"/>
+                        <a:cs typeface="Times New Roman"/>
+                      </a:endParaRPr>
+                    </a:p>
+                  </a:txBody>
+                  <a:tcPr marL="68580" marR="68580" marT="0" marB="0"/>
+                </a:tc>
+                <a:tc>
+                  <a:txBody>
+                    <a:bodyPr/>
+                    <a:lstStyle/>
+                    <a:p>
+                      <a:pPr marL="0" marR="0" algn="ctr">
+                        <a:lnSpc>
+                          <a:spcPct val="150000"/>
+                        </a:lnSpc>
+                        <a:spcBef>
+                          <a:spcPts val="0"/>
+                        </a:spcBef>
+                        <a:spcAft>
+                          <a:spcPts val="1000"/>
+                        </a:spcAft>
+                      </a:pPr>
+                      <a:r>
+                        <a:rPr lang="en-US" sz="2400" b="1" i="1">
+                          <a:latin typeface="Times New Roman"/>
+                          <a:ea typeface="Calibri"/>
+                          <a:cs typeface="Times New Roman"/>
+                        </a:rPr>
+                        <a:t>f</a:t>
+                      </a:r>
+                      <a:r>
+                        <a:rPr lang="en-US" sz="2400" b="1" i="1" baseline="-25000">
+                          <a:latin typeface="Times New Roman"/>
+                          <a:ea typeface="Calibri"/>
+                          <a:cs typeface="Times New Roman"/>
+                        </a:rPr>
+                        <a:t>5</a:t>
+                      </a:r>
+                      <a:endParaRPr lang="en-US" sz="2400">
+                        <a:latin typeface="Times New Roman"/>
+                        <a:ea typeface="Calibri"/>
+                        <a:cs typeface="Times New Roman"/>
+                      </a:endParaRPr>
+                    </a:p>
+                  </a:txBody>
+                  <a:tcPr marL="68580" marR="68580" marT="0" marB="0"/>
+                </a:tc>
+                <a:tc>
+                  <a:txBody>
+                    <a:bodyPr/>
+                    <a:lstStyle/>
+                    <a:p>
+                      <a:pPr marL="0" marR="0" algn="ctr">
+                        <a:lnSpc>
+                          <a:spcPct val="150000"/>
+                        </a:lnSpc>
+                        <a:spcBef>
+                          <a:spcPts val="0"/>
+                        </a:spcBef>
+                        <a:spcAft>
+                          <a:spcPts val="1000"/>
+                        </a:spcAft>
+                      </a:pPr>
+                      <a:r>
+                        <a:rPr lang="en-US" sz="2400" b="1" i="1">
+                          <a:latin typeface="Times New Roman"/>
+                          <a:ea typeface="Calibri"/>
+                          <a:cs typeface="Times New Roman"/>
+                        </a:rPr>
+                        <a:t>f</a:t>
+                      </a:r>
+                      <a:r>
+                        <a:rPr lang="en-US" sz="2400" b="1" i="1" baseline="-25000">
+                          <a:latin typeface="Times New Roman"/>
+                          <a:ea typeface="Calibri"/>
+                          <a:cs typeface="Times New Roman"/>
+                        </a:rPr>
+                        <a:t>6</a:t>
+                      </a:r>
+                      <a:endParaRPr lang="en-US" sz="2400">
+                        <a:latin typeface="Times New Roman"/>
+                        <a:ea typeface="Calibri"/>
+                        <a:cs typeface="Times New Roman"/>
+                      </a:endParaRPr>
+                    </a:p>
+                  </a:txBody>
+                  <a:tcPr marL="68580" marR="68580" marT="0" marB="0"/>
+                </a:tc>
+                <a:tc>
+                  <a:txBody>
+                    <a:bodyPr/>
+                    <a:lstStyle/>
+                    <a:p>
+                      <a:pPr marL="0" marR="0" algn="ctr">
+                        <a:lnSpc>
+                          <a:spcPct val="150000"/>
+                        </a:lnSpc>
+                        <a:spcBef>
+                          <a:spcPts val="0"/>
+                        </a:spcBef>
+                        <a:spcAft>
+                          <a:spcPts val="1000"/>
+                        </a:spcAft>
+                      </a:pPr>
+                      <a:r>
+                        <a:rPr lang="en-US" sz="2400" b="1" i="1">
+                          <a:latin typeface="Times New Roman"/>
+                          <a:ea typeface="Calibri"/>
+                          <a:cs typeface="Times New Roman"/>
+                        </a:rPr>
+                        <a:t>f</a:t>
+                      </a:r>
+                      <a:r>
+                        <a:rPr lang="en-US" sz="2400" b="1" i="1" baseline="-25000">
+                          <a:latin typeface="Times New Roman"/>
+                          <a:ea typeface="Calibri"/>
+                          <a:cs typeface="Times New Roman"/>
+                        </a:rPr>
+                        <a:t>7</a:t>
+                      </a:r>
+                      <a:endParaRPr lang="en-US" sz="2400">
+                        <a:latin typeface="Times New Roman"/>
+                        <a:ea typeface="Calibri"/>
+                        <a:cs typeface="Times New Roman"/>
+                      </a:endParaRPr>
+                    </a:p>
+                  </a:txBody>
+                  <a:tcPr marL="68580" marR="68580" marT="0" marB="0"/>
+                </a:tc>
+              </a:tr>
+              <a:tr h="533127">
+                <a:tc>
+                  <a:txBody>
+                    <a:bodyPr/>
+                    <a:lstStyle/>
+                    <a:p>
+                      <a:pPr marL="0" marR="0" algn="ctr">
+                        <a:lnSpc>
+                          <a:spcPct val="150000"/>
+                        </a:lnSpc>
+                        <a:spcBef>
+                          <a:spcPts val="0"/>
+                        </a:spcBef>
+                        <a:spcAft>
+                          <a:spcPts val="1000"/>
+                        </a:spcAft>
+                      </a:pPr>
+                      <a:r>
+                        <a:rPr lang="en-US" sz="2400" b="1">
+                          <a:latin typeface="Times New Roman"/>
+                          <a:ea typeface="Calibri"/>
+                          <a:cs typeface="Times New Roman"/>
+                        </a:rPr>
+                        <a:t>bit 0</a:t>
+                      </a:r>
+                      <a:endParaRPr lang="en-US" sz="2400">
+                        <a:latin typeface="Times New Roman"/>
+                        <a:ea typeface="Calibri"/>
+                        <a:cs typeface="Times New Roman"/>
+                      </a:endParaRPr>
+                    </a:p>
+                  </a:txBody>
+                  <a:tcPr marL="68580" marR="68580" marT="0" marB="0"/>
+                </a:tc>
+                <a:tc>
+                  <a:txBody>
+                    <a:bodyPr/>
+                    <a:lstStyle/>
+                    <a:p>
+                      <a:pPr marL="0" marR="0" algn="ctr">
+                        <a:lnSpc>
+                          <a:spcPct val="150000"/>
+                        </a:lnSpc>
+                        <a:spcBef>
+                          <a:spcPts val="0"/>
+                        </a:spcBef>
+                        <a:spcAft>
+                          <a:spcPts val="1000"/>
+                        </a:spcAft>
+                      </a:pPr>
+                      <a:r>
+                        <a:rPr lang="en-US" sz="2400">
+                          <a:latin typeface="Times New Roman"/>
+                          <a:ea typeface="Calibri"/>
+                          <a:cs typeface="Times New Roman"/>
+                        </a:rPr>
+                        <a:t>96</a:t>
+                      </a:r>
+                    </a:p>
+                  </a:txBody>
+                  <a:tcPr marL="68580" marR="68580" marT="0" marB="0"/>
+                </a:tc>
+                <a:tc>
+                  <a:txBody>
+                    <a:bodyPr/>
+                    <a:lstStyle/>
+                    <a:p>
+                      <a:pPr marL="0" marR="0" algn="ctr">
+                        <a:lnSpc>
+                          <a:spcPct val="150000"/>
+                        </a:lnSpc>
+                        <a:spcBef>
+                          <a:spcPts val="0"/>
+                        </a:spcBef>
+                        <a:spcAft>
+                          <a:spcPts val="1000"/>
+                        </a:spcAft>
+                      </a:pPr>
+                      <a:r>
+                        <a:rPr lang="en-US" sz="2400">
+                          <a:latin typeface="Times New Roman"/>
+                          <a:ea typeface="Calibri"/>
+                          <a:cs typeface="Times New Roman"/>
+                        </a:rPr>
+                        <a:t>116</a:t>
+                      </a:r>
+                    </a:p>
+                  </a:txBody>
+                  <a:tcPr marL="68580" marR="68580" marT="0" marB="0"/>
+                </a:tc>
+                <a:tc>
+                  <a:txBody>
+                    <a:bodyPr/>
+                    <a:lstStyle/>
+                    <a:p>
+                      <a:pPr marL="0" marR="0" algn="ctr">
+                        <a:lnSpc>
+                          <a:spcPct val="150000"/>
+                        </a:lnSpc>
+                        <a:spcBef>
+                          <a:spcPts val="0"/>
+                        </a:spcBef>
+                        <a:spcAft>
+                          <a:spcPts val="1000"/>
+                        </a:spcAft>
+                      </a:pPr>
+                      <a:r>
+                        <a:rPr lang="en-US" sz="2400">
+                          <a:latin typeface="Times New Roman"/>
+                          <a:ea typeface="Calibri"/>
+                          <a:cs typeface="Times New Roman"/>
+                        </a:rPr>
+                        <a:t>136</a:t>
+                      </a:r>
+                    </a:p>
+                  </a:txBody>
+                  <a:tcPr marL="68580" marR="68580" marT="0" marB="0"/>
+                </a:tc>
+                <a:tc>
+                  <a:txBody>
+                    <a:bodyPr/>
+                    <a:lstStyle/>
+                    <a:p>
+                      <a:pPr marL="0" marR="0" algn="ctr">
+                        <a:lnSpc>
+                          <a:spcPct val="150000"/>
+                        </a:lnSpc>
+                        <a:spcBef>
+                          <a:spcPts val="0"/>
+                        </a:spcBef>
+                        <a:spcAft>
+                          <a:spcPts val="1000"/>
+                        </a:spcAft>
+                      </a:pPr>
+                      <a:r>
+                        <a:rPr lang="en-US" sz="2400">
+                          <a:latin typeface="Times New Roman"/>
+                          <a:ea typeface="Calibri"/>
+                          <a:cs typeface="Times New Roman"/>
+                        </a:rPr>
+                        <a:t>132</a:t>
+                      </a:r>
+                    </a:p>
+                  </a:txBody>
+                  <a:tcPr marL="68580" marR="68580" marT="0" marB="0"/>
+                </a:tc>
+                <a:tc>
+                  <a:txBody>
+                    <a:bodyPr/>
+                    <a:lstStyle/>
+                    <a:p>
+                      <a:pPr marL="0" marR="0" algn="ctr">
+                        <a:lnSpc>
+                          <a:spcPct val="150000"/>
+                        </a:lnSpc>
+                        <a:spcBef>
+                          <a:spcPts val="0"/>
+                        </a:spcBef>
+                        <a:spcAft>
+                          <a:spcPts val="1000"/>
+                        </a:spcAft>
+                      </a:pPr>
+                      <a:r>
+                        <a:rPr lang="en-US" sz="2400">
+                          <a:latin typeface="Times New Roman"/>
+                          <a:ea typeface="Calibri"/>
+                          <a:cs typeface="Times New Roman"/>
+                        </a:rPr>
+                        <a:t>104</a:t>
+                      </a:r>
+                    </a:p>
+                  </a:txBody>
+                  <a:tcPr marL="68580" marR="68580" marT="0" marB="0"/>
+                </a:tc>
+                <a:tc>
+                  <a:txBody>
+                    <a:bodyPr/>
+                    <a:lstStyle/>
+                    <a:p>
+                      <a:pPr marL="0" marR="0" algn="ctr">
+                        <a:lnSpc>
+                          <a:spcPct val="150000"/>
+                        </a:lnSpc>
+                        <a:spcBef>
+                          <a:spcPts val="0"/>
+                        </a:spcBef>
+                        <a:spcAft>
+                          <a:spcPts val="1000"/>
+                        </a:spcAft>
+                      </a:pPr>
+                      <a:r>
+                        <a:rPr lang="en-US" sz="2400">
+                          <a:latin typeface="Times New Roman"/>
+                          <a:ea typeface="Calibri"/>
+                          <a:cs typeface="Times New Roman"/>
+                        </a:rPr>
+                        <a:t>128</a:t>
+                      </a:r>
+                    </a:p>
+                  </a:txBody>
+                  <a:tcPr marL="68580" marR="68580" marT="0" marB="0"/>
+                </a:tc>
+                <a:tc>
+                  <a:txBody>
+                    <a:bodyPr/>
+                    <a:lstStyle/>
+                    <a:p>
+                      <a:pPr marL="0" marR="0" algn="ctr">
+                        <a:lnSpc>
+                          <a:spcPct val="150000"/>
+                        </a:lnSpc>
+                        <a:spcBef>
+                          <a:spcPts val="0"/>
+                        </a:spcBef>
+                        <a:spcAft>
+                          <a:spcPts val="1000"/>
+                        </a:spcAft>
+                      </a:pPr>
+                      <a:r>
+                        <a:rPr lang="en-US" sz="2400">
+                          <a:latin typeface="Times New Roman"/>
+                          <a:ea typeface="Calibri"/>
+                          <a:cs typeface="Times New Roman"/>
+                        </a:rPr>
+                        <a:t>120</a:t>
+                      </a:r>
+                    </a:p>
+                  </a:txBody>
+                  <a:tcPr marL="68580" marR="68580" marT="0" marB="0"/>
+                </a:tc>
+                <a:tc>
+                  <a:txBody>
+                    <a:bodyPr/>
+                    <a:lstStyle/>
+                    <a:p>
+                      <a:pPr marL="0" marR="0" algn="ctr">
+                        <a:lnSpc>
+                          <a:spcPct val="150000"/>
+                        </a:lnSpc>
+                        <a:spcBef>
+                          <a:spcPts val="0"/>
+                        </a:spcBef>
+                        <a:spcAft>
+                          <a:spcPts val="1000"/>
+                        </a:spcAft>
+                      </a:pPr>
+                      <a:r>
+                        <a:rPr lang="en-US" sz="2400">
+                          <a:latin typeface="Times New Roman"/>
+                          <a:ea typeface="Calibri"/>
+                          <a:cs typeface="Times New Roman"/>
+                        </a:rPr>
+                        <a:t>120</a:t>
+                      </a:r>
+                    </a:p>
+                  </a:txBody>
+                  <a:tcPr marL="68580" marR="68580" marT="0" marB="0"/>
+                </a:tc>
+              </a:tr>
+              <a:tr h="533127">
+                <a:tc>
+                  <a:txBody>
+                    <a:bodyPr/>
+                    <a:lstStyle/>
+                    <a:p>
+                      <a:pPr marL="0" marR="0" algn="ctr">
+                        <a:lnSpc>
+                          <a:spcPct val="150000"/>
+                        </a:lnSpc>
+                        <a:spcBef>
+                          <a:spcPts val="0"/>
+                        </a:spcBef>
+                        <a:spcAft>
+                          <a:spcPts val="1000"/>
+                        </a:spcAft>
+                      </a:pPr>
+                      <a:r>
+                        <a:rPr lang="en-US" sz="2400" b="1">
+                          <a:latin typeface="Times New Roman"/>
+                          <a:ea typeface="Calibri"/>
+                          <a:cs typeface="Times New Roman"/>
+                        </a:rPr>
+                        <a:t>bit 1</a:t>
+                      </a:r>
+                      <a:endParaRPr lang="en-US" sz="2400">
+                        <a:latin typeface="Times New Roman"/>
+                        <a:ea typeface="Calibri"/>
+                        <a:cs typeface="Times New Roman"/>
+                      </a:endParaRPr>
+                    </a:p>
+                  </a:txBody>
+                  <a:tcPr marL="68580" marR="68580" marT="0" marB="0"/>
+                </a:tc>
+                <a:tc>
+                  <a:txBody>
+                    <a:bodyPr/>
+                    <a:lstStyle/>
+                    <a:p>
+                      <a:pPr marL="0" marR="0" algn="ctr">
+                        <a:lnSpc>
+                          <a:spcPct val="150000"/>
+                        </a:lnSpc>
+                        <a:spcBef>
+                          <a:spcPts val="0"/>
+                        </a:spcBef>
+                        <a:spcAft>
+                          <a:spcPts val="1000"/>
+                        </a:spcAft>
+                      </a:pPr>
+                      <a:r>
+                        <a:rPr lang="en-US" sz="2400">
+                          <a:latin typeface="Times New Roman"/>
+                          <a:ea typeface="Calibri"/>
+                          <a:cs typeface="Times New Roman"/>
+                        </a:rPr>
+                        <a:t>128</a:t>
+                      </a:r>
+                    </a:p>
+                  </a:txBody>
+                  <a:tcPr marL="68580" marR="68580" marT="0" marB="0"/>
+                </a:tc>
+                <a:tc>
+                  <a:txBody>
+                    <a:bodyPr/>
+                    <a:lstStyle/>
+                    <a:p>
+                      <a:pPr marL="0" marR="0" algn="ctr">
+                        <a:lnSpc>
+                          <a:spcPct val="150000"/>
+                        </a:lnSpc>
+                        <a:spcBef>
+                          <a:spcPts val="0"/>
+                        </a:spcBef>
+                        <a:spcAft>
+                          <a:spcPts val="1000"/>
+                        </a:spcAft>
+                      </a:pPr>
+                      <a:r>
+                        <a:rPr lang="en-US" sz="2400">
+                          <a:latin typeface="Times New Roman"/>
+                          <a:ea typeface="Calibri"/>
+                          <a:cs typeface="Times New Roman"/>
+                        </a:rPr>
+                        <a:t>88</a:t>
+                      </a:r>
+                    </a:p>
+                  </a:txBody>
+                  <a:tcPr marL="68580" marR="68580" marT="0" marB="0"/>
+                </a:tc>
+                <a:tc>
+                  <a:txBody>
+                    <a:bodyPr/>
+                    <a:lstStyle/>
+                    <a:p>
+                      <a:pPr marL="0" marR="0" algn="ctr">
+                        <a:lnSpc>
+                          <a:spcPct val="150000"/>
+                        </a:lnSpc>
+                        <a:spcBef>
+                          <a:spcPts val="0"/>
+                        </a:spcBef>
+                        <a:spcAft>
+                          <a:spcPts val="1000"/>
+                        </a:spcAft>
+                      </a:pPr>
+                      <a:r>
+                        <a:rPr lang="en-US" sz="2400">
+                          <a:latin typeface="Times New Roman"/>
+                          <a:ea typeface="Calibri"/>
+                          <a:cs typeface="Times New Roman"/>
+                        </a:rPr>
+                        <a:t>124</a:t>
+                      </a:r>
+                    </a:p>
+                  </a:txBody>
+                  <a:tcPr marL="68580" marR="68580" marT="0" marB="0"/>
+                </a:tc>
+                <a:tc>
+                  <a:txBody>
+                    <a:bodyPr/>
+                    <a:lstStyle/>
+                    <a:p>
+                      <a:pPr marL="0" marR="0" algn="ctr">
+                        <a:lnSpc>
+                          <a:spcPct val="150000"/>
+                        </a:lnSpc>
+                        <a:spcBef>
+                          <a:spcPts val="0"/>
+                        </a:spcBef>
+                        <a:spcAft>
+                          <a:spcPts val="1000"/>
+                        </a:spcAft>
+                      </a:pPr>
+                      <a:r>
+                        <a:rPr lang="en-US" sz="2400">
+                          <a:latin typeface="Times New Roman"/>
+                          <a:ea typeface="Calibri"/>
+                          <a:cs typeface="Times New Roman"/>
+                        </a:rPr>
+                        <a:t>144</a:t>
+                      </a:r>
+                    </a:p>
+                  </a:txBody>
+                  <a:tcPr marL="68580" marR="68580" marT="0" marB="0"/>
+                </a:tc>
+                <a:tc>
+                  <a:txBody>
+                    <a:bodyPr/>
+                    <a:lstStyle/>
+                    <a:p>
+                      <a:pPr marL="0" marR="0" algn="ctr">
+                        <a:lnSpc>
+                          <a:spcPct val="150000"/>
+                        </a:lnSpc>
+                        <a:spcBef>
+                          <a:spcPts val="0"/>
+                        </a:spcBef>
+                        <a:spcAft>
+                          <a:spcPts val="1000"/>
+                        </a:spcAft>
+                      </a:pPr>
+                      <a:r>
+                        <a:rPr lang="en-US" sz="2400">
+                          <a:latin typeface="Times New Roman"/>
+                          <a:ea typeface="Calibri"/>
+                          <a:cs typeface="Times New Roman"/>
+                        </a:rPr>
+                        <a:t>116</a:t>
+                      </a:r>
+                    </a:p>
+                  </a:txBody>
+                  <a:tcPr marL="68580" marR="68580" marT="0" marB="0"/>
+                </a:tc>
+                <a:tc>
+                  <a:txBody>
+                    <a:bodyPr/>
+                    <a:lstStyle/>
+                    <a:p>
+                      <a:pPr marL="0" marR="0" algn="ctr">
+                        <a:lnSpc>
+                          <a:spcPct val="150000"/>
+                        </a:lnSpc>
+                        <a:spcBef>
+                          <a:spcPts val="0"/>
+                        </a:spcBef>
+                        <a:spcAft>
+                          <a:spcPts val="1000"/>
+                        </a:spcAft>
+                      </a:pPr>
+                      <a:r>
+                        <a:rPr lang="en-US" sz="2400">
+                          <a:latin typeface="Times New Roman"/>
+                          <a:ea typeface="Calibri"/>
+                          <a:cs typeface="Times New Roman"/>
+                        </a:rPr>
+                        <a:t>96</a:t>
+                      </a:r>
+                    </a:p>
+                  </a:txBody>
+                  <a:tcPr marL="68580" marR="68580" marT="0" marB="0"/>
+                </a:tc>
+                <a:tc>
+                  <a:txBody>
+                    <a:bodyPr/>
+                    <a:lstStyle/>
+                    <a:p>
+                      <a:pPr marL="0" marR="0" algn="ctr">
+                        <a:lnSpc>
+                          <a:spcPct val="150000"/>
+                        </a:lnSpc>
+                        <a:spcBef>
+                          <a:spcPts val="0"/>
+                        </a:spcBef>
+                        <a:spcAft>
+                          <a:spcPts val="1000"/>
+                        </a:spcAft>
+                      </a:pPr>
+                      <a:r>
+                        <a:rPr lang="en-US" sz="2400">
+                          <a:latin typeface="Times New Roman"/>
+                          <a:ea typeface="Calibri"/>
+                          <a:cs typeface="Times New Roman"/>
+                        </a:rPr>
+                        <a:t>128</a:t>
+                      </a:r>
+                    </a:p>
+                  </a:txBody>
+                  <a:tcPr marL="68580" marR="68580" marT="0" marB="0"/>
+                </a:tc>
+                <a:tc>
+                  <a:txBody>
+                    <a:bodyPr/>
+                    <a:lstStyle/>
+                    <a:p>
+                      <a:pPr marL="0" marR="0" algn="ctr">
+                        <a:lnSpc>
+                          <a:spcPct val="150000"/>
+                        </a:lnSpc>
+                        <a:spcBef>
+                          <a:spcPts val="0"/>
+                        </a:spcBef>
+                        <a:spcAft>
+                          <a:spcPts val="1000"/>
+                        </a:spcAft>
+                      </a:pPr>
+                      <a:r>
+                        <a:rPr lang="en-US" sz="2400">
+                          <a:latin typeface="Times New Roman"/>
+                          <a:ea typeface="Calibri"/>
+                          <a:cs typeface="Times New Roman"/>
+                        </a:rPr>
+                        <a:t>120</a:t>
+                      </a:r>
+                    </a:p>
+                  </a:txBody>
+                  <a:tcPr marL="68580" marR="68580" marT="0" marB="0"/>
+                </a:tc>
+              </a:tr>
+              <a:tr h="533127">
+                <a:tc>
+                  <a:txBody>
+                    <a:bodyPr/>
+                    <a:lstStyle/>
+                    <a:p>
+                      <a:pPr marL="0" marR="0" algn="ctr">
+                        <a:lnSpc>
+                          <a:spcPct val="150000"/>
+                        </a:lnSpc>
+                        <a:spcBef>
+                          <a:spcPts val="0"/>
+                        </a:spcBef>
+                        <a:spcAft>
+                          <a:spcPts val="1000"/>
+                        </a:spcAft>
+                      </a:pPr>
+                      <a:r>
+                        <a:rPr lang="en-US" sz="2400" b="1">
+                          <a:latin typeface="Times New Roman"/>
+                          <a:ea typeface="Calibri"/>
+                          <a:cs typeface="Times New Roman"/>
+                        </a:rPr>
+                        <a:t>bit 2</a:t>
+                      </a:r>
+                      <a:endParaRPr lang="en-US" sz="2400">
+                        <a:latin typeface="Times New Roman"/>
+                        <a:ea typeface="Calibri"/>
+                        <a:cs typeface="Times New Roman"/>
+                      </a:endParaRPr>
+                    </a:p>
+                  </a:txBody>
+                  <a:tcPr marL="68580" marR="68580" marT="0" marB="0"/>
+                </a:tc>
+                <a:tc>
+                  <a:txBody>
+                    <a:bodyPr/>
+                    <a:lstStyle/>
+                    <a:p>
+                      <a:pPr marL="0" marR="0" algn="ctr">
+                        <a:lnSpc>
+                          <a:spcPct val="150000"/>
+                        </a:lnSpc>
+                        <a:spcBef>
+                          <a:spcPts val="0"/>
+                        </a:spcBef>
+                        <a:spcAft>
+                          <a:spcPts val="1000"/>
+                        </a:spcAft>
+                      </a:pPr>
+                      <a:r>
+                        <a:rPr lang="en-US" sz="2400">
+                          <a:latin typeface="Times New Roman"/>
+                          <a:ea typeface="Calibri"/>
+                          <a:cs typeface="Times New Roman"/>
+                        </a:rPr>
+                        <a:t>120</a:t>
+                      </a:r>
+                    </a:p>
+                  </a:txBody>
+                  <a:tcPr marL="68580" marR="68580" marT="0" marB="0"/>
+                </a:tc>
+                <a:tc>
+                  <a:txBody>
+                    <a:bodyPr/>
+                    <a:lstStyle/>
+                    <a:p>
+                      <a:pPr marL="0" marR="0" algn="ctr">
+                        <a:lnSpc>
+                          <a:spcPct val="150000"/>
+                        </a:lnSpc>
+                        <a:spcBef>
+                          <a:spcPts val="0"/>
+                        </a:spcBef>
+                        <a:spcAft>
+                          <a:spcPts val="1000"/>
+                        </a:spcAft>
+                      </a:pPr>
+                      <a:r>
+                        <a:rPr lang="en-US" sz="2400">
+                          <a:latin typeface="Times New Roman"/>
+                          <a:ea typeface="Calibri"/>
+                          <a:cs typeface="Times New Roman"/>
+                        </a:rPr>
+                        <a:t>120</a:t>
+                      </a:r>
+                    </a:p>
+                  </a:txBody>
+                  <a:tcPr marL="68580" marR="68580" marT="0" marB="0"/>
+                </a:tc>
+                <a:tc>
+                  <a:txBody>
+                    <a:bodyPr/>
+                    <a:lstStyle/>
+                    <a:p>
+                      <a:pPr marL="0" marR="0" algn="ctr">
+                        <a:lnSpc>
+                          <a:spcPct val="150000"/>
+                        </a:lnSpc>
+                        <a:spcBef>
+                          <a:spcPts val="0"/>
+                        </a:spcBef>
+                        <a:spcAft>
+                          <a:spcPts val="1000"/>
+                        </a:spcAft>
+                      </a:pPr>
+                      <a:r>
+                        <a:rPr lang="en-US" sz="2400">
+                          <a:latin typeface="Times New Roman"/>
+                          <a:ea typeface="Calibri"/>
+                          <a:cs typeface="Times New Roman"/>
+                        </a:rPr>
+                        <a:t>128</a:t>
+                      </a:r>
+                    </a:p>
+                  </a:txBody>
+                  <a:tcPr marL="68580" marR="68580" marT="0" marB="0"/>
+                </a:tc>
+                <a:tc>
+                  <a:txBody>
+                    <a:bodyPr/>
+                    <a:lstStyle/>
+                    <a:p>
+                      <a:pPr marL="0" marR="0" algn="ctr">
+                        <a:lnSpc>
+                          <a:spcPct val="150000"/>
+                        </a:lnSpc>
+                        <a:spcBef>
+                          <a:spcPts val="0"/>
+                        </a:spcBef>
+                        <a:spcAft>
+                          <a:spcPts val="1000"/>
+                        </a:spcAft>
+                      </a:pPr>
+                      <a:r>
+                        <a:rPr lang="en-US" sz="2400">
+                          <a:latin typeface="Times New Roman"/>
+                          <a:ea typeface="Calibri"/>
+                          <a:cs typeface="Times New Roman"/>
+                        </a:rPr>
+                        <a:t>128</a:t>
+                      </a:r>
+                    </a:p>
+                  </a:txBody>
+                  <a:tcPr marL="68580" marR="68580" marT="0" marB="0"/>
+                </a:tc>
+                <a:tc>
+                  <a:txBody>
+                    <a:bodyPr/>
+                    <a:lstStyle/>
+                    <a:p>
+                      <a:pPr marL="0" marR="0" algn="ctr">
+                        <a:lnSpc>
+                          <a:spcPct val="150000"/>
+                        </a:lnSpc>
+                        <a:spcBef>
+                          <a:spcPts val="0"/>
+                        </a:spcBef>
+                        <a:spcAft>
+                          <a:spcPts val="1000"/>
+                        </a:spcAft>
+                      </a:pPr>
+                      <a:r>
+                        <a:rPr lang="en-US" sz="2400">
+                          <a:latin typeface="Times New Roman"/>
+                          <a:ea typeface="Calibri"/>
+                          <a:cs typeface="Times New Roman"/>
+                        </a:rPr>
+                        <a:t>140</a:t>
+                      </a:r>
+                    </a:p>
+                  </a:txBody>
+                  <a:tcPr marL="68580" marR="68580" marT="0" marB="0"/>
+                </a:tc>
+                <a:tc>
+                  <a:txBody>
+                    <a:bodyPr/>
+                    <a:lstStyle/>
+                    <a:p>
+                      <a:pPr marL="0" marR="0" algn="ctr">
+                        <a:lnSpc>
+                          <a:spcPct val="150000"/>
+                        </a:lnSpc>
+                        <a:spcBef>
+                          <a:spcPts val="0"/>
+                        </a:spcBef>
+                        <a:spcAft>
+                          <a:spcPts val="1000"/>
+                        </a:spcAft>
+                      </a:pPr>
+                      <a:r>
+                        <a:rPr lang="en-US" sz="2400">
+                          <a:latin typeface="Times New Roman"/>
+                          <a:ea typeface="Calibri"/>
+                          <a:cs typeface="Times New Roman"/>
+                        </a:rPr>
+                        <a:t>120</a:t>
+                      </a:r>
+                    </a:p>
+                  </a:txBody>
+                  <a:tcPr marL="68580" marR="68580" marT="0" marB="0"/>
+                </a:tc>
+                <a:tc>
+                  <a:txBody>
+                    <a:bodyPr/>
+                    <a:lstStyle/>
+                    <a:p>
+                      <a:pPr marL="0" marR="0" algn="ctr">
+                        <a:lnSpc>
+                          <a:spcPct val="150000"/>
+                        </a:lnSpc>
+                        <a:spcBef>
+                          <a:spcPts val="0"/>
+                        </a:spcBef>
+                        <a:spcAft>
+                          <a:spcPts val="1000"/>
+                        </a:spcAft>
+                      </a:pPr>
+                      <a:r>
+                        <a:rPr lang="en-US" sz="2400">
+                          <a:latin typeface="Times New Roman"/>
+                          <a:ea typeface="Calibri"/>
+                          <a:cs typeface="Times New Roman"/>
+                        </a:rPr>
+                        <a:t>96</a:t>
+                      </a:r>
+                    </a:p>
+                  </a:txBody>
+                  <a:tcPr marL="68580" marR="68580" marT="0" marB="0"/>
+                </a:tc>
+                <a:tc>
+                  <a:txBody>
+                    <a:bodyPr/>
+                    <a:lstStyle/>
+                    <a:p>
+                      <a:pPr marL="0" marR="0" algn="ctr">
+                        <a:lnSpc>
+                          <a:spcPct val="150000"/>
+                        </a:lnSpc>
+                        <a:spcBef>
+                          <a:spcPts val="0"/>
+                        </a:spcBef>
+                        <a:spcAft>
+                          <a:spcPts val="1000"/>
+                        </a:spcAft>
+                      </a:pPr>
+                      <a:r>
+                        <a:rPr lang="en-US" sz="2400">
+                          <a:latin typeface="Times New Roman"/>
+                          <a:ea typeface="Calibri"/>
+                          <a:cs typeface="Times New Roman"/>
+                        </a:rPr>
+                        <a:t>160</a:t>
+                      </a:r>
+                    </a:p>
+                  </a:txBody>
+                  <a:tcPr marL="68580" marR="68580" marT="0" marB="0"/>
+                </a:tc>
+              </a:tr>
+              <a:tr h="533127">
+                <a:tc>
+                  <a:txBody>
+                    <a:bodyPr/>
+                    <a:lstStyle/>
+                    <a:p>
+                      <a:pPr marL="0" marR="0" algn="ctr">
+                        <a:lnSpc>
+                          <a:spcPct val="150000"/>
+                        </a:lnSpc>
+                        <a:spcBef>
+                          <a:spcPts val="0"/>
+                        </a:spcBef>
+                        <a:spcAft>
+                          <a:spcPts val="1000"/>
+                        </a:spcAft>
+                      </a:pPr>
+                      <a:r>
+                        <a:rPr lang="en-US" sz="2400" b="1">
+                          <a:latin typeface="Times New Roman"/>
+                          <a:ea typeface="Calibri"/>
+                          <a:cs typeface="Times New Roman"/>
+                        </a:rPr>
+                        <a:t>bit 3</a:t>
+                      </a:r>
+                      <a:endParaRPr lang="en-US" sz="2400">
+                        <a:latin typeface="Times New Roman"/>
+                        <a:ea typeface="Calibri"/>
+                        <a:cs typeface="Times New Roman"/>
+                      </a:endParaRPr>
+                    </a:p>
+                  </a:txBody>
+                  <a:tcPr marL="68580" marR="68580" marT="0" marB="0"/>
+                </a:tc>
+                <a:tc>
+                  <a:txBody>
+                    <a:bodyPr/>
+                    <a:lstStyle/>
+                    <a:p>
+                      <a:pPr marL="0" marR="0" algn="ctr">
+                        <a:lnSpc>
+                          <a:spcPct val="150000"/>
+                        </a:lnSpc>
+                        <a:spcBef>
+                          <a:spcPts val="0"/>
+                        </a:spcBef>
+                        <a:spcAft>
+                          <a:spcPts val="1000"/>
+                        </a:spcAft>
+                      </a:pPr>
+                      <a:r>
+                        <a:rPr lang="en-US" sz="2400">
+                          <a:latin typeface="Times New Roman"/>
+                          <a:ea typeface="Calibri"/>
+                          <a:cs typeface="Times New Roman"/>
+                        </a:rPr>
+                        <a:t>136</a:t>
+                      </a:r>
+                    </a:p>
+                  </a:txBody>
+                  <a:tcPr marL="68580" marR="68580" marT="0" marB="0"/>
+                </a:tc>
+                <a:tc>
+                  <a:txBody>
+                    <a:bodyPr/>
+                    <a:lstStyle/>
+                    <a:p>
+                      <a:pPr marL="0" marR="0" algn="ctr">
+                        <a:lnSpc>
+                          <a:spcPct val="150000"/>
+                        </a:lnSpc>
+                        <a:spcBef>
+                          <a:spcPts val="0"/>
+                        </a:spcBef>
+                        <a:spcAft>
+                          <a:spcPts val="1000"/>
+                        </a:spcAft>
+                      </a:pPr>
+                      <a:r>
+                        <a:rPr lang="en-US" sz="2400">
+                          <a:latin typeface="Times New Roman"/>
+                          <a:ea typeface="Calibri"/>
+                          <a:cs typeface="Times New Roman"/>
+                        </a:rPr>
+                        <a:t>124</a:t>
+                      </a:r>
+                    </a:p>
+                  </a:txBody>
+                  <a:tcPr marL="68580" marR="68580" marT="0" marB="0"/>
+                </a:tc>
+                <a:tc>
+                  <a:txBody>
+                    <a:bodyPr/>
+                    <a:lstStyle/>
+                    <a:p>
+                      <a:pPr marL="0" marR="0" algn="ctr">
+                        <a:lnSpc>
+                          <a:spcPct val="150000"/>
+                        </a:lnSpc>
+                        <a:spcBef>
+                          <a:spcPts val="0"/>
+                        </a:spcBef>
+                        <a:spcAft>
+                          <a:spcPts val="1000"/>
+                        </a:spcAft>
+                      </a:pPr>
+                      <a:r>
+                        <a:rPr lang="en-US" sz="2400">
+                          <a:latin typeface="Times New Roman"/>
+                          <a:ea typeface="Calibri"/>
+                          <a:cs typeface="Times New Roman"/>
+                        </a:rPr>
+                        <a:t>136</a:t>
+                      </a:r>
+                    </a:p>
+                  </a:txBody>
+                  <a:tcPr marL="68580" marR="68580" marT="0" marB="0"/>
+                </a:tc>
+                <a:tc>
+                  <a:txBody>
+                    <a:bodyPr/>
+                    <a:lstStyle/>
+                    <a:p>
+                      <a:pPr marL="0" marR="0" algn="ctr">
+                        <a:lnSpc>
+                          <a:spcPct val="150000"/>
+                        </a:lnSpc>
+                        <a:spcBef>
+                          <a:spcPts val="0"/>
+                        </a:spcBef>
+                        <a:spcAft>
+                          <a:spcPts val="1000"/>
+                        </a:spcAft>
+                      </a:pPr>
+                      <a:r>
+                        <a:rPr lang="en-US" sz="2400">
+                          <a:latin typeface="Times New Roman"/>
+                          <a:ea typeface="Calibri"/>
+                          <a:cs typeface="Times New Roman"/>
+                        </a:rPr>
+                        <a:t>132</a:t>
+                      </a:r>
+                    </a:p>
+                  </a:txBody>
+                  <a:tcPr marL="68580" marR="68580" marT="0" marB="0"/>
+                </a:tc>
+                <a:tc>
+                  <a:txBody>
+                    <a:bodyPr/>
+                    <a:lstStyle/>
+                    <a:p>
+                      <a:pPr marL="0" marR="0" algn="ctr">
+                        <a:lnSpc>
+                          <a:spcPct val="150000"/>
+                        </a:lnSpc>
+                        <a:spcBef>
+                          <a:spcPts val="0"/>
+                        </a:spcBef>
+                        <a:spcAft>
+                          <a:spcPts val="1000"/>
+                        </a:spcAft>
+                      </a:pPr>
+                      <a:r>
+                        <a:rPr lang="en-US" sz="2400">
+                          <a:latin typeface="Times New Roman"/>
+                          <a:ea typeface="Calibri"/>
+                          <a:cs typeface="Times New Roman"/>
+                        </a:rPr>
+                        <a:t>112</a:t>
+                      </a:r>
+                    </a:p>
+                  </a:txBody>
+                  <a:tcPr marL="68580" marR="68580" marT="0" marB="0"/>
+                </a:tc>
+                <a:tc>
+                  <a:txBody>
+                    <a:bodyPr/>
+                    <a:lstStyle/>
+                    <a:p>
+                      <a:pPr marL="0" marR="0" algn="ctr">
+                        <a:lnSpc>
+                          <a:spcPct val="150000"/>
+                        </a:lnSpc>
+                        <a:spcBef>
+                          <a:spcPts val="0"/>
+                        </a:spcBef>
+                        <a:spcAft>
+                          <a:spcPts val="1000"/>
+                        </a:spcAft>
+                      </a:pPr>
+                      <a:r>
+                        <a:rPr lang="en-US" sz="2400">
+                          <a:latin typeface="Times New Roman"/>
+                          <a:ea typeface="Calibri"/>
+                          <a:cs typeface="Times New Roman"/>
+                        </a:rPr>
+                        <a:t>128</a:t>
+                      </a:r>
+                    </a:p>
+                  </a:txBody>
+                  <a:tcPr marL="68580" marR="68580" marT="0" marB="0"/>
+                </a:tc>
+                <a:tc>
+                  <a:txBody>
+                    <a:bodyPr/>
+                    <a:lstStyle/>
+                    <a:p>
+                      <a:pPr marL="0" marR="0" algn="ctr">
+                        <a:lnSpc>
+                          <a:spcPct val="150000"/>
+                        </a:lnSpc>
+                        <a:spcBef>
+                          <a:spcPts val="0"/>
+                        </a:spcBef>
+                        <a:spcAft>
+                          <a:spcPts val="1000"/>
+                        </a:spcAft>
+                      </a:pPr>
+                      <a:r>
+                        <a:rPr lang="en-US" sz="2400">
+                          <a:latin typeface="Times New Roman"/>
+                          <a:ea typeface="Calibri"/>
+                          <a:cs typeface="Times New Roman"/>
+                        </a:rPr>
+                        <a:t>128</a:t>
+                      </a:r>
+                    </a:p>
+                  </a:txBody>
+                  <a:tcPr marL="68580" marR="68580" marT="0" marB="0"/>
+                </a:tc>
+                <a:tc>
+                  <a:txBody>
+                    <a:bodyPr/>
+                    <a:lstStyle/>
+                    <a:p>
+                      <a:pPr marL="0" marR="0" algn="ctr">
+                        <a:lnSpc>
+                          <a:spcPct val="150000"/>
+                        </a:lnSpc>
+                        <a:spcBef>
+                          <a:spcPts val="0"/>
+                        </a:spcBef>
+                        <a:spcAft>
+                          <a:spcPts val="1000"/>
+                        </a:spcAft>
+                      </a:pPr>
+                      <a:r>
+                        <a:rPr lang="en-US" sz="2400">
+                          <a:latin typeface="Times New Roman"/>
+                          <a:ea typeface="Calibri"/>
+                          <a:cs typeface="Times New Roman"/>
+                        </a:rPr>
+                        <a:t>128</a:t>
+                      </a:r>
+                    </a:p>
+                  </a:txBody>
+                  <a:tcPr marL="68580" marR="68580" marT="0" marB="0"/>
+                </a:tc>
+              </a:tr>
+              <a:tr h="533127">
+                <a:tc>
+                  <a:txBody>
+                    <a:bodyPr/>
+                    <a:lstStyle/>
+                    <a:p>
+                      <a:pPr marL="0" marR="0" algn="ctr">
+                        <a:lnSpc>
+                          <a:spcPct val="150000"/>
+                        </a:lnSpc>
+                        <a:spcBef>
+                          <a:spcPts val="0"/>
+                        </a:spcBef>
+                        <a:spcAft>
+                          <a:spcPts val="1000"/>
+                        </a:spcAft>
+                      </a:pPr>
+                      <a:r>
+                        <a:rPr lang="en-US" sz="2400" b="1">
+                          <a:latin typeface="Times New Roman"/>
+                          <a:ea typeface="Calibri"/>
+                          <a:cs typeface="Times New Roman"/>
+                        </a:rPr>
+                        <a:t>bit 4</a:t>
+                      </a:r>
+                      <a:endParaRPr lang="en-US" sz="2400">
+                        <a:latin typeface="Times New Roman"/>
+                        <a:ea typeface="Calibri"/>
+                        <a:cs typeface="Times New Roman"/>
+                      </a:endParaRPr>
+                    </a:p>
+                  </a:txBody>
+                  <a:tcPr marL="68580" marR="68580" marT="0" marB="0"/>
+                </a:tc>
+                <a:tc>
+                  <a:txBody>
+                    <a:bodyPr/>
+                    <a:lstStyle/>
+                    <a:p>
+                      <a:pPr marL="0" marR="0" algn="ctr">
+                        <a:lnSpc>
+                          <a:spcPct val="150000"/>
+                        </a:lnSpc>
+                        <a:spcBef>
+                          <a:spcPts val="0"/>
+                        </a:spcBef>
+                        <a:spcAft>
+                          <a:spcPts val="1000"/>
+                        </a:spcAft>
+                      </a:pPr>
+                      <a:r>
+                        <a:rPr lang="en-US" sz="2400">
+                          <a:latin typeface="Times New Roman"/>
+                          <a:ea typeface="Calibri"/>
+                          <a:cs typeface="Times New Roman"/>
+                        </a:rPr>
+                        <a:t>128</a:t>
+                      </a:r>
+                    </a:p>
+                  </a:txBody>
+                  <a:tcPr marL="68580" marR="68580" marT="0" marB="0"/>
+                </a:tc>
+                <a:tc>
+                  <a:txBody>
+                    <a:bodyPr/>
+                    <a:lstStyle/>
+                    <a:p>
+                      <a:pPr marL="0" marR="0" algn="ctr">
+                        <a:lnSpc>
+                          <a:spcPct val="150000"/>
+                        </a:lnSpc>
+                        <a:spcBef>
+                          <a:spcPts val="0"/>
+                        </a:spcBef>
+                        <a:spcAft>
+                          <a:spcPts val="1000"/>
+                        </a:spcAft>
+                      </a:pPr>
+                      <a:r>
+                        <a:rPr lang="en-US" sz="2400">
+                          <a:latin typeface="Times New Roman"/>
+                          <a:ea typeface="Calibri"/>
+                          <a:cs typeface="Times New Roman"/>
+                        </a:rPr>
+                        <a:t>112</a:t>
+                      </a:r>
+                    </a:p>
+                  </a:txBody>
+                  <a:tcPr marL="68580" marR="68580" marT="0" marB="0"/>
+                </a:tc>
+                <a:tc>
+                  <a:txBody>
+                    <a:bodyPr/>
+                    <a:lstStyle/>
+                    <a:p>
+                      <a:pPr marL="0" marR="0" algn="ctr">
+                        <a:lnSpc>
+                          <a:spcPct val="150000"/>
+                        </a:lnSpc>
+                        <a:spcBef>
+                          <a:spcPts val="0"/>
+                        </a:spcBef>
+                        <a:spcAft>
+                          <a:spcPts val="1000"/>
+                        </a:spcAft>
+                      </a:pPr>
+                      <a:r>
+                        <a:rPr lang="en-US" sz="2400">
+                          <a:latin typeface="Times New Roman"/>
+                          <a:ea typeface="Calibri"/>
+                          <a:cs typeface="Times New Roman"/>
+                        </a:rPr>
+                        <a:t>144</a:t>
+                      </a:r>
+                    </a:p>
+                  </a:txBody>
+                  <a:tcPr marL="68580" marR="68580" marT="0" marB="0"/>
+                </a:tc>
+                <a:tc>
+                  <a:txBody>
+                    <a:bodyPr/>
+                    <a:lstStyle/>
+                    <a:p>
+                      <a:pPr marL="0" marR="0" algn="ctr">
+                        <a:lnSpc>
+                          <a:spcPct val="150000"/>
+                        </a:lnSpc>
+                        <a:spcBef>
+                          <a:spcPts val="0"/>
+                        </a:spcBef>
+                        <a:spcAft>
+                          <a:spcPts val="1000"/>
+                        </a:spcAft>
+                      </a:pPr>
+                      <a:r>
+                        <a:rPr lang="en-US" sz="2400">
+                          <a:latin typeface="Times New Roman"/>
+                          <a:ea typeface="Calibri"/>
+                          <a:cs typeface="Times New Roman"/>
+                        </a:rPr>
+                        <a:t>144</a:t>
+                      </a:r>
+                    </a:p>
+                  </a:txBody>
+                  <a:tcPr marL="68580" marR="68580" marT="0" marB="0"/>
+                </a:tc>
+                <a:tc>
+                  <a:txBody>
+                    <a:bodyPr/>
+                    <a:lstStyle/>
+                    <a:p>
+                      <a:pPr marL="0" marR="0" algn="ctr">
+                        <a:lnSpc>
+                          <a:spcPct val="150000"/>
+                        </a:lnSpc>
+                        <a:spcBef>
+                          <a:spcPts val="0"/>
+                        </a:spcBef>
+                        <a:spcAft>
+                          <a:spcPts val="1000"/>
+                        </a:spcAft>
+                      </a:pPr>
+                      <a:r>
+                        <a:rPr lang="en-US" sz="2400">
+                          <a:latin typeface="Times New Roman"/>
+                          <a:ea typeface="Calibri"/>
+                          <a:cs typeface="Times New Roman"/>
+                        </a:rPr>
+                        <a:t>112</a:t>
+                      </a:r>
+                    </a:p>
+                  </a:txBody>
+                  <a:tcPr marL="68580" marR="68580" marT="0" marB="0"/>
+                </a:tc>
+                <a:tc>
+                  <a:txBody>
+                    <a:bodyPr/>
+                    <a:lstStyle/>
+                    <a:p>
+                      <a:pPr marL="0" marR="0" algn="ctr">
+                        <a:lnSpc>
+                          <a:spcPct val="150000"/>
+                        </a:lnSpc>
+                        <a:spcBef>
+                          <a:spcPts val="0"/>
+                        </a:spcBef>
+                        <a:spcAft>
+                          <a:spcPts val="1000"/>
+                        </a:spcAft>
+                      </a:pPr>
+                      <a:r>
+                        <a:rPr lang="en-US" sz="2400">
+                          <a:latin typeface="Times New Roman"/>
+                          <a:ea typeface="Calibri"/>
+                          <a:cs typeface="Times New Roman"/>
+                        </a:rPr>
+                        <a:t>128</a:t>
+                      </a:r>
+                    </a:p>
+                  </a:txBody>
+                  <a:tcPr marL="68580" marR="68580" marT="0" marB="0"/>
+                </a:tc>
+                <a:tc>
+                  <a:txBody>
+                    <a:bodyPr/>
+                    <a:lstStyle/>
+                    <a:p>
+                      <a:pPr marL="0" marR="0" algn="ctr">
+                        <a:lnSpc>
+                          <a:spcPct val="150000"/>
+                        </a:lnSpc>
+                        <a:spcBef>
+                          <a:spcPts val="0"/>
+                        </a:spcBef>
+                        <a:spcAft>
+                          <a:spcPts val="1000"/>
+                        </a:spcAft>
+                      </a:pPr>
+                      <a:r>
+                        <a:rPr lang="en-US" sz="2400">
+                          <a:latin typeface="Times New Roman"/>
+                          <a:ea typeface="Calibri"/>
+                          <a:cs typeface="Times New Roman"/>
+                        </a:rPr>
+                        <a:t>128</a:t>
+                      </a:r>
+                    </a:p>
+                  </a:txBody>
+                  <a:tcPr marL="68580" marR="68580" marT="0" marB="0"/>
+                </a:tc>
+                <a:tc>
+                  <a:txBody>
+                    <a:bodyPr/>
+                    <a:lstStyle/>
+                    <a:p>
+                      <a:pPr marL="0" marR="0" algn="ctr">
+                        <a:lnSpc>
+                          <a:spcPct val="150000"/>
+                        </a:lnSpc>
+                        <a:spcBef>
+                          <a:spcPts val="0"/>
+                        </a:spcBef>
+                        <a:spcAft>
+                          <a:spcPts val="1000"/>
+                        </a:spcAft>
+                      </a:pPr>
+                      <a:r>
+                        <a:rPr lang="en-US" sz="2400">
+                          <a:latin typeface="Times New Roman"/>
+                          <a:ea typeface="Calibri"/>
+                          <a:cs typeface="Times New Roman"/>
+                        </a:rPr>
+                        <a:t>128</a:t>
+                      </a:r>
+                    </a:p>
+                  </a:txBody>
+                  <a:tcPr marL="68580" marR="68580" marT="0" marB="0"/>
+                </a:tc>
+              </a:tr>
+              <a:tr h="533127">
+                <a:tc>
+                  <a:txBody>
+                    <a:bodyPr/>
+                    <a:lstStyle/>
+                    <a:p>
+                      <a:pPr marL="0" marR="0" algn="ctr">
+                        <a:lnSpc>
+                          <a:spcPct val="150000"/>
+                        </a:lnSpc>
+                        <a:spcBef>
+                          <a:spcPts val="0"/>
+                        </a:spcBef>
+                        <a:spcAft>
+                          <a:spcPts val="1000"/>
+                        </a:spcAft>
+                      </a:pPr>
+                      <a:r>
+                        <a:rPr lang="en-US" sz="2400" b="1">
+                          <a:latin typeface="Times New Roman"/>
+                          <a:ea typeface="Calibri"/>
+                          <a:cs typeface="Times New Roman"/>
+                        </a:rPr>
+                        <a:t>bit 5</a:t>
+                      </a:r>
+                      <a:endParaRPr lang="en-US" sz="2400">
+                        <a:latin typeface="Times New Roman"/>
+                        <a:ea typeface="Calibri"/>
+                        <a:cs typeface="Times New Roman"/>
+                      </a:endParaRPr>
+                    </a:p>
+                  </a:txBody>
+                  <a:tcPr marL="68580" marR="68580" marT="0" marB="0"/>
+                </a:tc>
+                <a:tc>
+                  <a:txBody>
+                    <a:bodyPr/>
+                    <a:lstStyle/>
+                    <a:p>
+                      <a:pPr marL="0" marR="0" algn="ctr">
+                        <a:lnSpc>
+                          <a:spcPct val="150000"/>
+                        </a:lnSpc>
+                        <a:spcBef>
+                          <a:spcPts val="0"/>
+                        </a:spcBef>
+                        <a:spcAft>
+                          <a:spcPts val="1000"/>
+                        </a:spcAft>
+                      </a:pPr>
+                      <a:r>
+                        <a:rPr lang="en-US" sz="2400">
+                          <a:latin typeface="Times New Roman"/>
+                          <a:ea typeface="Calibri"/>
+                          <a:cs typeface="Times New Roman"/>
+                        </a:rPr>
+                        <a:t>128</a:t>
+                      </a:r>
+                    </a:p>
+                  </a:txBody>
+                  <a:tcPr marL="68580" marR="68580" marT="0" marB="0"/>
+                </a:tc>
+                <a:tc>
+                  <a:txBody>
+                    <a:bodyPr/>
+                    <a:lstStyle/>
+                    <a:p>
+                      <a:pPr marL="0" marR="0" algn="ctr">
+                        <a:lnSpc>
+                          <a:spcPct val="150000"/>
+                        </a:lnSpc>
+                        <a:spcBef>
+                          <a:spcPts val="0"/>
+                        </a:spcBef>
+                        <a:spcAft>
+                          <a:spcPts val="1000"/>
+                        </a:spcAft>
+                      </a:pPr>
+                      <a:r>
+                        <a:rPr lang="en-US" sz="2400">
+                          <a:latin typeface="Times New Roman"/>
+                          <a:ea typeface="Calibri"/>
+                          <a:cs typeface="Times New Roman"/>
+                        </a:rPr>
+                        <a:t>160</a:t>
+                      </a:r>
+                    </a:p>
+                  </a:txBody>
+                  <a:tcPr marL="68580" marR="68580" marT="0" marB="0"/>
+                </a:tc>
+                <a:tc>
+                  <a:txBody>
+                    <a:bodyPr/>
+                    <a:lstStyle/>
+                    <a:p>
+                      <a:pPr marL="0" marR="0" algn="ctr">
+                        <a:lnSpc>
+                          <a:spcPct val="150000"/>
+                        </a:lnSpc>
+                        <a:spcBef>
+                          <a:spcPts val="0"/>
+                        </a:spcBef>
+                        <a:spcAft>
+                          <a:spcPts val="1000"/>
+                        </a:spcAft>
+                      </a:pPr>
+                      <a:r>
+                        <a:rPr lang="en-US" sz="2400">
+                          <a:latin typeface="Times New Roman"/>
+                          <a:ea typeface="Calibri"/>
+                          <a:cs typeface="Times New Roman"/>
+                        </a:rPr>
+                        <a:t>144</a:t>
+                      </a:r>
+                    </a:p>
+                  </a:txBody>
+                  <a:tcPr marL="68580" marR="68580" marT="0" marB="0"/>
+                </a:tc>
+                <a:tc>
+                  <a:txBody>
+                    <a:bodyPr/>
+                    <a:lstStyle/>
+                    <a:p>
+                      <a:pPr marL="0" marR="0" algn="ctr">
+                        <a:lnSpc>
+                          <a:spcPct val="150000"/>
+                        </a:lnSpc>
+                        <a:spcBef>
+                          <a:spcPts val="0"/>
+                        </a:spcBef>
+                        <a:spcAft>
+                          <a:spcPts val="1000"/>
+                        </a:spcAft>
+                      </a:pPr>
+                      <a:r>
+                        <a:rPr lang="en-US" sz="2400">
+                          <a:latin typeface="Times New Roman"/>
+                          <a:ea typeface="Calibri"/>
+                          <a:cs typeface="Times New Roman"/>
+                        </a:rPr>
+                        <a:t>112</a:t>
+                      </a:r>
+                    </a:p>
+                  </a:txBody>
+                  <a:tcPr marL="68580" marR="68580" marT="0" marB="0"/>
+                </a:tc>
+                <a:tc>
+                  <a:txBody>
+                    <a:bodyPr/>
+                    <a:lstStyle/>
+                    <a:p>
+                      <a:pPr marL="0" marR="0" algn="ctr">
+                        <a:lnSpc>
+                          <a:spcPct val="150000"/>
+                        </a:lnSpc>
+                        <a:spcBef>
+                          <a:spcPts val="0"/>
+                        </a:spcBef>
+                        <a:spcAft>
+                          <a:spcPts val="1000"/>
+                        </a:spcAft>
+                      </a:pPr>
+                      <a:r>
+                        <a:rPr lang="en-US" sz="2400">
+                          <a:latin typeface="Times New Roman"/>
+                          <a:ea typeface="Calibri"/>
+                          <a:cs typeface="Times New Roman"/>
+                        </a:rPr>
+                        <a:t>144</a:t>
+                      </a:r>
+                    </a:p>
+                  </a:txBody>
+                  <a:tcPr marL="68580" marR="68580" marT="0" marB="0"/>
+                </a:tc>
+                <a:tc>
+                  <a:txBody>
+                    <a:bodyPr/>
+                    <a:lstStyle/>
+                    <a:p>
+                      <a:pPr marL="0" marR="0" algn="ctr">
+                        <a:lnSpc>
+                          <a:spcPct val="150000"/>
+                        </a:lnSpc>
+                        <a:spcBef>
+                          <a:spcPts val="0"/>
+                        </a:spcBef>
+                        <a:spcAft>
+                          <a:spcPts val="1000"/>
+                        </a:spcAft>
+                      </a:pPr>
+                      <a:r>
+                        <a:rPr lang="en-US" sz="2400">
+                          <a:latin typeface="Times New Roman"/>
+                          <a:ea typeface="Calibri"/>
+                          <a:cs typeface="Times New Roman"/>
+                        </a:rPr>
+                        <a:t>128</a:t>
+                      </a:r>
+                    </a:p>
+                  </a:txBody>
+                  <a:tcPr marL="68580" marR="68580" marT="0" marB="0"/>
+                </a:tc>
+                <a:tc>
+                  <a:txBody>
+                    <a:bodyPr/>
+                    <a:lstStyle/>
+                    <a:p>
+                      <a:pPr marL="0" marR="0" algn="ctr">
+                        <a:lnSpc>
+                          <a:spcPct val="150000"/>
+                        </a:lnSpc>
+                        <a:spcBef>
+                          <a:spcPts val="0"/>
+                        </a:spcBef>
+                        <a:spcAft>
+                          <a:spcPts val="1000"/>
+                        </a:spcAft>
+                      </a:pPr>
+                      <a:r>
+                        <a:rPr lang="en-US" sz="2400">
+                          <a:latin typeface="Times New Roman"/>
+                          <a:ea typeface="Calibri"/>
+                          <a:cs typeface="Times New Roman"/>
+                        </a:rPr>
+                        <a:t>128</a:t>
+                      </a:r>
+                    </a:p>
+                  </a:txBody>
+                  <a:tcPr marL="68580" marR="68580" marT="0" marB="0"/>
+                </a:tc>
+                <a:tc>
+                  <a:txBody>
+                    <a:bodyPr/>
+                    <a:lstStyle/>
+                    <a:p>
+                      <a:pPr marL="0" marR="0" algn="ctr">
+                        <a:lnSpc>
+                          <a:spcPct val="150000"/>
+                        </a:lnSpc>
+                        <a:spcBef>
+                          <a:spcPts val="0"/>
+                        </a:spcBef>
+                        <a:spcAft>
+                          <a:spcPts val="1000"/>
+                        </a:spcAft>
+                      </a:pPr>
+                      <a:r>
+                        <a:rPr lang="en-US" sz="2400">
+                          <a:latin typeface="Times New Roman"/>
+                          <a:ea typeface="Calibri"/>
+                          <a:cs typeface="Times New Roman"/>
+                        </a:rPr>
+                        <a:t>128</a:t>
+                      </a:r>
+                    </a:p>
+                  </a:txBody>
+                  <a:tcPr marL="68580" marR="68580" marT="0" marB="0"/>
+                </a:tc>
+              </a:tr>
+              <a:tr h="533127">
+                <a:tc>
+                  <a:txBody>
+                    <a:bodyPr/>
+                    <a:lstStyle/>
+                    <a:p>
+                      <a:pPr marL="0" marR="0" algn="ctr">
+                        <a:lnSpc>
+                          <a:spcPct val="150000"/>
+                        </a:lnSpc>
+                        <a:spcBef>
+                          <a:spcPts val="0"/>
+                        </a:spcBef>
+                        <a:spcAft>
+                          <a:spcPts val="1000"/>
+                        </a:spcAft>
+                      </a:pPr>
+                      <a:r>
+                        <a:rPr lang="en-US" sz="2400" b="1">
+                          <a:latin typeface="Times New Roman"/>
+                          <a:ea typeface="Calibri"/>
+                          <a:cs typeface="Times New Roman"/>
+                        </a:rPr>
+                        <a:t>bit 6</a:t>
+                      </a:r>
+                      <a:endParaRPr lang="en-US" sz="2400">
+                        <a:latin typeface="Times New Roman"/>
+                        <a:ea typeface="Calibri"/>
+                        <a:cs typeface="Times New Roman"/>
+                      </a:endParaRPr>
+                    </a:p>
+                  </a:txBody>
+                  <a:tcPr marL="68580" marR="68580" marT="0" marB="0"/>
+                </a:tc>
+                <a:tc>
+                  <a:txBody>
+                    <a:bodyPr/>
+                    <a:lstStyle/>
+                    <a:p>
+                      <a:pPr marL="0" marR="0" algn="ctr">
+                        <a:lnSpc>
+                          <a:spcPct val="150000"/>
+                        </a:lnSpc>
+                        <a:spcBef>
+                          <a:spcPts val="0"/>
+                        </a:spcBef>
+                        <a:spcAft>
+                          <a:spcPts val="1000"/>
+                        </a:spcAft>
+                      </a:pPr>
+                      <a:r>
+                        <a:rPr lang="en-US" sz="2400">
+                          <a:latin typeface="Times New Roman"/>
+                          <a:ea typeface="Calibri"/>
+                          <a:cs typeface="Times New Roman"/>
+                        </a:rPr>
+                        <a:t>128</a:t>
+                      </a:r>
+                    </a:p>
+                  </a:txBody>
+                  <a:tcPr marL="68580" marR="68580" marT="0" marB="0"/>
+                </a:tc>
+                <a:tc>
+                  <a:txBody>
+                    <a:bodyPr/>
+                    <a:lstStyle/>
+                    <a:p>
+                      <a:pPr marL="0" marR="0" algn="ctr">
+                        <a:lnSpc>
+                          <a:spcPct val="150000"/>
+                        </a:lnSpc>
+                        <a:spcBef>
+                          <a:spcPts val="0"/>
+                        </a:spcBef>
+                        <a:spcAft>
+                          <a:spcPts val="1000"/>
+                        </a:spcAft>
+                      </a:pPr>
+                      <a:r>
+                        <a:rPr lang="en-US" sz="2400">
+                          <a:latin typeface="Times New Roman"/>
+                          <a:ea typeface="Calibri"/>
+                          <a:cs typeface="Times New Roman"/>
+                        </a:rPr>
+                        <a:t>112</a:t>
+                      </a:r>
+                    </a:p>
+                  </a:txBody>
+                  <a:tcPr marL="68580" marR="68580" marT="0" marB="0"/>
+                </a:tc>
+                <a:tc>
+                  <a:txBody>
+                    <a:bodyPr/>
+                    <a:lstStyle/>
+                    <a:p>
+                      <a:pPr marL="0" marR="0" algn="ctr">
+                        <a:lnSpc>
+                          <a:spcPct val="150000"/>
+                        </a:lnSpc>
+                        <a:spcBef>
+                          <a:spcPts val="0"/>
+                        </a:spcBef>
+                        <a:spcAft>
+                          <a:spcPts val="1000"/>
+                        </a:spcAft>
+                      </a:pPr>
+                      <a:r>
+                        <a:rPr lang="en-US" sz="2400">
+                          <a:latin typeface="Times New Roman"/>
+                          <a:ea typeface="Calibri"/>
+                          <a:cs typeface="Times New Roman"/>
+                        </a:rPr>
+                        <a:t>128</a:t>
+                      </a:r>
+                    </a:p>
+                  </a:txBody>
+                  <a:tcPr marL="68580" marR="68580" marT="0" marB="0"/>
+                </a:tc>
+                <a:tc>
+                  <a:txBody>
+                    <a:bodyPr/>
+                    <a:lstStyle/>
+                    <a:p>
+                      <a:pPr marL="0" marR="0" algn="ctr">
+                        <a:lnSpc>
+                          <a:spcPct val="150000"/>
+                        </a:lnSpc>
+                        <a:spcBef>
+                          <a:spcPts val="0"/>
+                        </a:spcBef>
+                        <a:spcAft>
+                          <a:spcPts val="1000"/>
+                        </a:spcAft>
+                      </a:pPr>
+                      <a:r>
+                        <a:rPr lang="en-US" sz="2400">
+                          <a:latin typeface="Times New Roman"/>
+                          <a:ea typeface="Calibri"/>
+                          <a:cs typeface="Times New Roman"/>
+                        </a:rPr>
+                        <a:t>128</a:t>
+                      </a:r>
+                    </a:p>
+                  </a:txBody>
+                  <a:tcPr marL="68580" marR="68580" marT="0" marB="0"/>
+                </a:tc>
+                <a:tc>
+                  <a:txBody>
+                    <a:bodyPr/>
+                    <a:lstStyle/>
+                    <a:p>
+                      <a:pPr marL="0" marR="0" algn="ctr">
+                        <a:lnSpc>
+                          <a:spcPct val="150000"/>
+                        </a:lnSpc>
+                        <a:spcBef>
+                          <a:spcPts val="0"/>
+                        </a:spcBef>
+                        <a:spcAft>
+                          <a:spcPts val="1000"/>
+                        </a:spcAft>
+                      </a:pPr>
+                      <a:r>
+                        <a:rPr lang="en-US" sz="2400">
+                          <a:latin typeface="Times New Roman"/>
+                          <a:ea typeface="Calibri"/>
+                          <a:cs typeface="Times New Roman"/>
+                        </a:rPr>
+                        <a:t>112</a:t>
+                      </a:r>
+                    </a:p>
+                  </a:txBody>
+                  <a:tcPr marL="68580" marR="68580" marT="0" marB="0"/>
+                </a:tc>
+                <a:tc>
+                  <a:txBody>
+                    <a:bodyPr/>
+                    <a:lstStyle/>
+                    <a:p>
+                      <a:pPr marL="0" marR="0" algn="ctr">
+                        <a:lnSpc>
+                          <a:spcPct val="150000"/>
+                        </a:lnSpc>
+                        <a:spcBef>
+                          <a:spcPts val="0"/>
+                        </a:spcBef>
+                        <a:spcAft>
+                          <a:spcPts val="1000"/>
+                        </a:spcAft>
+                      </a:pPr>
+                      <a:r>
+                        <a:rPr lang="en-US" sz="2400">
+                          <a:latin typeface="Times New Roman"/>
+                          <a:ea typeface="Calibri"/>
+                          <a:cs typeface="Times New Roman"/>
+                        </a:rPr>
+                        <a:t>128</a:t>
+                      </a:r>
+                    </a:p>
+                  </a:txBody>
+                  <a:tcPr marL="68580" marR="68580" marT="0" marB="0"/>
+                </a:tc>
+                <a:tc>
+                  <a:txBody>
+                    <a:bodyPr/>
+                    <a:lstStyle/>
+                    <a:p>
+                      <a:pPr marL="0" marR="0" algn="ctr">
+                        <a:lnSpc>
+                          <a:spcPct val="150000"/>
+                        </a:lnSpc>
+                        <a:spcBef>
+                          <a:spcPts val="0"/>
+                        </a:spcBef>
+                        <a:spcAft>
+                          <a:spcPts val="1000"/>
+                        </a:spcAft>
+                      </a:pPr>
+                      <a:r>
+                        <a:rPr lang="en-US" sz="2400">
+                          <a:latin typeface="Times New Roman"/>
+                          <a:ea typeface="Calibri"/>
+                          <a:cs typeface="Times New Roman"/>
+                        </a:rPr>
+                        <a:t>128</a:t>
+                      </a:r>
+                    </a:p>
+                  </a:txBody>
+                  <a:tcPr marL="68580" marR="68580" marT="0" marB="0"/>
+                </a:tc>
+                <a:tc>
+                  <a:txBody>
+                    <a:bodyPr/>
+                    <a:lstStyle/>
+                    <a:p>
+                      <a:pPr marL="0" marR="0" algn="ctr">
+                        <a:lnSpc>
+                          <a:spcPct val="150000"/>
+                        </a:lnSpc>
+                        <a:spcBef>
+                          <a:spcPts val="0"/>
+                        </a:spcBef>
+                        <a:spcAft>
+                          <a:spcPts val="1000"/>
+                        </a:spcAft>
+                      </a:pPr>
+                      <a:r>
+                        <a:rPr lang="en-US" sz="2400">
+                          <a:latin typeface="Times New Roman"/>
+                          <a:ea typeface="Calibri"/>
+                          <a:cs typeface="Times New Roman"/>
+                        </a:rPr>
+                        <a:t>128</a:t>
+                      </a:r>
+                    </a:p>
+                  </a:txBody>
+                  <a:tcPr marL="68580" marR="68580" marT="0" marB="0"/>
+                </a:tc>
+              </a:tr>
+              <a:tr h="533127">
+                <a:tc>
+                  <a:txBody>
+                    <a:bodyPr/>
+                    <a:lstStyle/>
+                    <a:p>
+                      <a:pPr marL="0" marR="0" algn="ctr">
+                        <a:lnSpc>
+                          <a:spcPct val="150000"/>
+                        </a:lnSpc>
+                        <a:spcBef>
+                          <a:spcPts val="0"/>
+                        </a:spcBef>
+                        <a:spcAft>
+                          <a:spcPts val="1000"/>
+                        </a:spcAft>
+                      </a:pPr>
+                      <a:r>
+                        <a:rPr lang="en-US" sz="2400" b="1">
+                          <a:latin typeface="Times New Roman"/>
+                          <a:ea typeface="Calibri"/>
+                          <a:cs typeface="Times New Roman"/>
+                        </a:rPr>
+                        <a:t>bit 7</a:t>
+                      </a:r>
+                      <a:endParaRPr lang="en-US" sz="2400">
+                        <a:latin typeface="Times New Roman"/>
+                        <a:ea typeface="Calibri"/>
+                        <a:cs typeface="Times New Roman"/>
+                      </a:endParaRPr>
+                    </a:p>
+                  </a:txBody>
+                  <a:tcPr marL="68580" marR="68580" marT="0" marB="0"/>
+                </a:tc>
+                <a:tc>
+                  <a:txBody>
+                    <a:bodyPr/>
+                    <a:lstStyle/>
+                    <a:p>
+                      <a:pPr marL="0" marR="0" algn="ctr">
+                        <a:lnSpc>
+                          <a:spcPct val="150000"/>
+                        </a:lnSpc>
+                        <a:spcBef>
+                          <a:spcPts val="0"/>
+                        </a:spcBef>
+                        <a:spcAft>
+                          <a:spcPts val="1000"/>
+                        </a:spcAft>
+                      </a:pPr>
+                      <a:r>
+                        <a:rPr lang="en-US" sz="2400">
+                          <a:latin typeface="Times New Roman"/>
+                          <a:ea typeface="Calibri"/>
+                          <a:cs typeface="Times New Roman"/>
+                        </a:rPr>
+                        <a:t>128</a:t>
+                      </a:r>
+                    </a:p>
+                  </a:txBody>
+                  <a:tcPr marL="68580" marR="68580" marT="0" marB="0"/>
+                </a:tc>
+                <a:tc>
+                  <a:txBody>
+                    <a:bodyPr/>
+                    <a:lstStyle/>
+                    <a:p>
+                      <a:pPr marL="0" marR="0" algn="ctr">
+                        <a:lnSpc>
+                          <a:spcPct val="150000"/>
+                        </a:lnSpc>
+                        <a:spcBef>
+                          <a:spcPts val="0"/>
+                        </a:spcBef>
+                        <a:spcAft>
+                          <a:spcPts val="1000"/>
+                        </a:spcAft>
+                      </a:pPr>
+                      <a:r>
+                        <a:rPr lang="en-US" sz="2400">
+                          <a:latin typeface="Times New Roman"/>
+                          <a:ea typeface="Calibri"/>
+                          <a:cs typeface="Times New Roman"/>
+                        </a:rPr>
+                        <a:t>128</a:t>
+                      </a:r>
+                    </a:p>
+                  </a:txBody>
+                  <a:tcPr marL="68580" marR="68580" marT="0" marB="0"/>
+                </a:tc>
+                <a:tc>
+                  <a:txBody>
+                    <a:bodyPr/>
+                    <a:lstStyle/>
+                    <a:p>
+                      <a:pPr marL="0" marR="0" algn="ctr">
+                        <a:lnSpc>
+                          <a:spcPct val="150000"/>
+                        </a:lnSpc>
+                        <a:spcBef>
+                          <a:spcPts val="0"/>
+                        </a:spcBef>
+                        <a:spcAft>
+                          <a:spcPts val="1000"/>
+                        </a:spcAft>
+                      </a:pPr>
+                      <a:r>
+                        <a:rPr lang="en-US" sz="2400">
+                          <a:latin typeface="Times New Roman"/>
+                          <a:ea typeface="Calibri"/>
+                          <a:cs typeface="Times New Roman"/>
+                        </a:rPr>
+                        <a:t>144</a:t>
+                      </a:r>
+                    </a:p>
+                  </a:txBody>
+                  <a:tcPr marL="68580" marR="68580" marT="0" marB="0"/>
+                </a:tc>
+                <a:tc>
+                  <a:txBody>
+                    <a:bodyPr/>
+                    <a:lstStyle/>
+                    <a:p>
+                      <a:pPr marL="0" marR="0" algn="ctr">
+                        <a:lnSpc>
+                          <a:spcPct val="150000"/>
+                        </a:lnSpc>
+                        <a:spcBef>
+                          <a:spcPts val="0"/>
+                        </a:spcBef>
+                        <a:spcAft>
+                          <a:spcPts val="1000"/>
+                        </a:spcAft>
+                      </a:pPr>
+                      <a:r>
+                        <a:rPr lang="en-US" sz="2400">
+                          <a:latin typeface="Times New Roman"/>
+                          <a:ea typeface="Calibri"/>
+                          <a:cs typeface="Times New Roman"/>
+                        </a:rPr>
+                        <a:t>160</a:t>
+                      </a:r>
+                    </a:p>
+                  </a:txBody>
+                  <a:tcPr marL="68580" marR="68580" marT="0" marB="0"/>
+                </a:tc>
+                <a:tc>
+                  <a:txBody>
+                    <a:bodyPr/>
+                    <a:lstStyle/>
+                    <a:p>
+                      <a:pPr marL="0" marR="0" algn="ctr">
+                        <a:lnSpc>
+                          <a:spcPct val="150000"/>
+                        </a:lnSpc>
+                        <a:spcBef>
+                          <a:spcPts val="0"/>
+                        </a:spcBef>
+                        <a:spcAft>
+                          <a:spcPts val="1000"/>
+                        </a:spcAft>
+                      </a:pPr>
+                      <a:r>
+                        <a:rPr lang="en-US" sz="2400">
+                          <a:latin typeface="Times New Roman"/>
+                          <a:ea typeface="Calibri"/>
+                          <a:cs typeface="Times New Roman"/>
+                        </a:rPr>
+                        <a:t>144</a:t>
+                      </a:r>
+                    </a:p>
+                  </a:txBody>
+                  <a:tcPr marL="68580" marR="68580" marT="0" marB="0"/>
+                </a:tc>
+                <a:tc>
+                  <a:txBody>
+                    <a:bodyPr/>
+                    <a:lstStyle/>
+                    <a:p>
+                      <a:pPr marL="0" marR="0" algn="ctr">
+                        <a:lnSpc>
+                          <a:spcPct val="150000"/>
+                        </a:lnSpc>
+                        <a:spcBef>
+                          <a:spcPts val="0"/>
+                        </a:spcBef>
+                        <a:spcAft>
+                          <a:spcPts val="1000"/>
+                        </a:spcAft>
+                      </a:pPr>
+                      <a:r>
+                        <a:rPr lang="en-US" sz="2400">
+                          <a:latin typeface="Times New Roman"/>
+                          <a:ea typeface="Calibri"/>
+                          <a:cs typeface="Times New Roman"/>
+                        </a:rPr>
+                        <a:t>128</a:t>
+                      </a:r>
+                    </a:p>
+                  </a:txBody>
+                  <a:tcPr marL="68580" marR="68580" marT="0" marB="0"/>
+                </a:tc>
+                <a:tc>
+                  <a:txBody>
+                    <a:bodyPr/>
+                    <a:lstStyle/>
+                    <a:p>
+                      <a:pPr marL="0" marR="0" algn="ctr">
+                        <a:lnSpc>
+                          <a:spcPct val="150000"/>
+                        </a:lnSpc>
+                        <a:spcBef>
+                          <a:spcPts val="0"/>
+                        </a:spcBef>
+                        <a:spcAft>
+                          <a:spcPts val="1000"/>
+                        </a:spcAft>
+                      </a:pPr>
+                      <a:r>
+                        <a:rPr lang="en-US" sz="2400">
+                          <a:latin typeface="Times New Roman"/>
+                          <a:ea typeface="Calibri"/>
+                          <a:cs typeface="Times New Roman"/>
+                        </a:rPr>
+                        <a:t>128</a:t>
+                      </a:r>
+                    </a:p>
+                  </a:txBody>
+                  <a:tcPr marL="68580" marR="68580" marT="0" marB="0"/>
+                </a:tc>
+                <a:tc>
+                  <a:txBody>
+                    <a:bodyPr/>
+                    <a:lstStyle/>
+                    <a:p>
+                      <a:pPr marL="0" marR="0" algn="ctr">
+                        <a:lnSpc>
+                          <a:spcPct val="150000"/>
+                        </a:lnSpc>
+                        <a:spcBef>
+                          <a:spcPts val="0"/>
+                        </a:spcBef>
+                        <a:spcAft>
+                          <a:spcPts val="1000"/>
+                        </a:spcAft>
+                      </a:pPr>
+                      <a:r>
+                        <a:rPr lang="en-US" sz="2400">
+                          <a:latin typeface="Times New Roman"/>
+                          <a:ea typeface="Calibri"/>
+                          <a:cs typeface="Times New Roman"/>
+                        </a:rPr>
+                        <a:t>128</a:t>
+                      </a:r>
+                    </a:p>
+                  </a:txBody>
+                  <a:tcPr marL="68580" marR="68580" marT="0" marB="0"/>
+                </a:tc>
+              </a:tr>
+            </a:tbl>
+          </a:graphicData>
+        </a:graphic>
+      </p:graphicFrame>
+      <p:sp>
+        <p:nvSpPr>
+          <p:cNvPr id="4" name="Date Placeholder 3"/>
+          <p:cNvSpPr>
+            <a:spLocks noGrp="1"/>
+          </p:cNvSpPr>
+          <p:nvPr>
+            <p:ph type="dt" sz="half" idx="10"/>
+          </p:nvPr>
+        </p:nvSpPr>
+        <p:spPr/>
+        <p:txBody>
+          <a:bodyPr/>
+          <a:lstStyle/>
+          <a:p>
+            <a:fld id="{7C294124-47EA-4536-AD0A-FC4FCEA2FD23}" type="datetime1">
+              <a:rPr lang="vi-VN" smtClean="0"/>
+              <a:pPr/>
+              <a:t>11/06/2011</a:t>
+            </a:fld>
+            <a:endParaRPr lang="en-US"/>
+          </a:p>
+        </p:txBody>
+      </p:sp>
+      <p:sp>
+        <p:nvSpPr>
+          <p:cNvPr id="5" name="Footer Placeholder 4"/>
+          <p:cNvSpPr>
+            <a:spLocks noGrp="1"/>
+          </p:cNvSpPr>
+          <p:nvPr>
+            <p:ph type="ftr" sz="quarter" idx="11"/>
+          </p:nvPr>
+        </p:nvSpPr>
+        <p:spPr/>
+        <p:txBody>
+          <a:bodyPr/>
+          <a:lstStyle/>
+          <a:p>
+            <a:r>
+              <a:rPr lang="en-US" smtClean="0"/>
+              <a:t>Khảo sát mã dòng và ứng dụng</a:t>
+            </a:r>
+            <a:endParaRPr lang="en-US"/>
+          </a:p>
+        </p:txBody>
+      </p:sp>
+      <p:sp>
+        <p:nvSpPr>
+          <p:cNvPr id="6" name="Slide Number Placeholder 5"/>
+          <p:cNvSpPr>
+            <a:spLocks noGrp="1"/>
+          </p:cNvSpPr>
+          <p:nvPr>
+            <p:ph type="sldNum" sz="quarter" idx="12"/>
+          </p:nvPr>
+        </p:nvSpPr>
+        <p:spPr/>
+        <p:txBody>
+          <a:bodyPr/>
+          <a:lstStyle/>
+          <a:p>
+            <a:fld id="{CA554274-6C47-4D4B-8630-CC803E51C38C}" type="slidenum">
+              <a:rPr lang="en-US" smtClean="0"/>
+              <a:pPr/>
+              <a:t>41</a:t>
+            </a:fld>
+            <a:endParaRPr lang="en-US"/>
+          </a:p>
+        </p:txBody>
+      </p:sp>
+    </p:spTree>
+  </p:cSld>
+  <p:clrMapOvr>
+    <a:masterClrMapping/>
+  </p:clrMapOvr>
+  <p:timing>
+    <p:tnLst>
+      <p:par>
+        <p:cTn id="1" dur="indefinite" restart="never" nodeType="tmRoot"/>
+      </p:par>
+    </p:tnLst>
+  </p:timing>
+</p:sld>
+</file>
+
+<file path=ppt/slides/slide42.xml><?xml version="1.0" encoding="utf-8"?>
+<p:sld xmlns:a="http://schemas.openxmlformats.org/drawingml/2006/main" xmlns:r="http://schemas.openxmlformats.org/officeDocument/2006/relationships" xmlns:p="http://schemas.openxmlformats.org/presentationml/2006/main">
+  <p:cSld>
+    <p:spTree>
+      <p:nvGrpSpPr>
+        <p:cNvPr id="1" name=""/>
+        <p:cNvGrpSpPr/>
+        <p:nvPr/>
+      </p:nvGrpSpPr>
+      <p:grpSpPr>
+        <a:xfrm>
+          <a:off x="0" y="0"/>
+          <a:ext cx="0" cy="0"/>
+          <a:chOff x="0" y="0"/>
+          <a:chExt cx="0" cy="0"/>
+        </a:xfrm>
+      </p:grpSpPr>
+      <p:sp>
+        <p:nvSpPr>
+          <p:cNvPr id="2" name="Title 1"/>
+          <p:cNvSpPr>
+            <a:spLocks noGrp="1"/>
+          </p:cNvSpPr>
+          <p:nvPr>
+            <p:ph type="title"/>
+          </p:nvPr>
+        </p:nvSpPr>
+        <p:spPr/>
+        <p:txBody>
+          <a:bodyPr/>
+          <a:lstStyle/>
+          <a:p>
+            <a:r>
+              <a:rPr lang="en-US" b="1" smtClean="0"/>
+              <a:t>Kiểm tra S</a:t>
+            </a:r>
+            <a:r>
+              <a:rPr lang="en-US" b="1" baseline="-25000" smtClean="0"/>
+              <a:t>1</a:t>
+            </a:r>
+            <a:r>
+              <a:rPr lang="en-US" b="1" smtClean="0"/>
+              <a:t> thỏa SAC</a:t>
+            </a:r>
+            <a:endParaRPr lang="en-US" b="1"/>
+          </a:p>
+        </p:txBody>
+      </p:sp>
+      <p:graphicFrame>
+        <p:nvGraphicFramePr>
+          <p:cNvPr id="8" name="Content Placeholder 7"/>
+          <p:cNvGraphicFramePr>
+            <a:graphicFrameLocks noGrp="1"/>
+          </p:cNvGraphicFramePr>
+          <p:nvPr>
+            <p:ph idx="1"/>
+          </p:nvPr>
+        </p:nvGraphicFramePr>
+        <p:xfrm>
+          <a:off x="152397" y="1219200"/>
+          <a:ext cx="8763003" cy="4876801"/>
+        </p:xfrm>
+        <a:graphic>
+          <a:graphicData uri="http://schemas.openxmlformats.org/drawingml/2006/table">
+            <a:tbl>
+              <a:tblPr firstRow="1" bandRow="1">
+                <a:tableStyleId>{5C22544A-7EE6-4342-B048-85BDC9FD1C3A}</a:tableStyleId>
+              </a:tblPr>
+              <a:tblGrid>
+                <a:gridCol w="973667"/>
+                <a:gridCol w="973667"/>
+                <a:gridCol w="973667"/>
+                <a:gridCol w="973667"/>
+                <a:gridCol w="973667"/>
+                <a:gridCol w="973667"/>
+                <a:gridCol w="973667"/>
+                <a:gridCol w="973667"/>
+                <a:gridCol w="973667"/>
+              </a:tblGrid>
+              <a:tr h="611785">
+                <a:tc>
+                  <a:txBody>
+                    <a:bodyPr/>
+                    <a:lstStyle/>
+                    <a:p>
+                      <a:pPr marL="0" marR="0" algn="ctr">
+                        <a:lnSpc>
+                          <a:spcPct val="150000"/>
+                        </a:lnSpc>
+                        <a:spcBef>
+                          <a:spcPts val="0"/>
+                        </a:spcBef>
+                        <a:spcAft>
+                          <a:spcPts val="1000"/>
+                        </a:spcAft>
+                      </a:pPr>
+                      <a:endParaRPr lang="en-US" sz="2400">
+                        <a:latin typeface="Times New Roman"/>
+                        <a:ea typeface="Calibri"/>
+                        <a:cs typeface="Times New Roman"/>
+                      </a:endParaRPr>
+                    </a:p>
+                  </a:txBody>
+                  <a:tcPr marL="68580" marR="68580" marT="0" marB="0"/>
+                </a:tc>
+                <a:tc>
+                  <a:txBody>
+                    <a:bodyPr/>
+                    <a:lstStyle/>
+                    <a:p>
+                      <a:pPr marL="0" marR="0" algn="ctr">
+                        <a:lnSpc>
+                          <a:spcPct val="150000"/>
+                        </a:lnSpc>
+                        <a:spcBef>
+                          <a:spcPts val="0"/>
+                        </a:spcBef>
+                        <a:spcAft>
+                          <a:spcPts val="1000"/>
+                        </a:spcAft>
+                      </a:pPr>
+                      <a:r>
+                        <a:rPr lang="en-US" sz="2400" b="1" i="1">
+                          <a:latin typeface="Times New Roman"/>
+                          <a:ea typeface="Calibri"/>
+                          <a:cs typeface="Times New Roman"/>
+                        </a:rPr>
+                        <a:t>f</a:t>
+                      </a:r>
+                      <a:r>
+                        <a:rPr lang="en-US" sz="2400" b="1" i="1" baseline="-25000">
+                          <a:latin typeface="Times New Roman"/>
+                          <a:ea typeface="Calibri"/>
+                          <a:cs typeface="Times New Roman"/>
+                        </a:rPr>
+                        <a:t>0</a:t>
+                      </a:r>
+                      <a:endParaRPr lang="en-US" sz="2400">
+                        <a:latin typeface="Times New Roman"/>
+                        <a:ea typeface="Calibri"/>
+                        <a:cs typeface="Times New Roman"/>
+                      </a:endParaRPr>
+                    </a:p>
+                  </a:txBody>
+                  <a:tcPr marL="68580" marR="68580" marT="0" marB="0"/>
+                </a:tc>
+                <a:tc>
+                  <a:txBody>
+                    <a:bodyPr/>
+                    <a:lstStyle/>
+                    <a:p>
+                      <a:pPr marL="0" marR="0" algn="ctr">
+                        <a:lnSpc>
+                          <a:spcPct val="150000"/>
+                        </a:lnSpc>
+                        <a:spcBef>
+                          <a:spcPts val="0"/>
+                        </a:spcBef>
+                        <a:spcAft>
+                          <a:spcPts val="1000"/>
+                        </a:spcAft>
+                      </a:pPr>
+                      <a:r>
+                        <a:rPr lang="en-US" sz="2400" b="1" i="1">
+                          <a:latin typeface="Times New Roman"/>
+                          <a:ea typeface="Calibri"/>
+                          <a:cs typeface="Times New Roman"/>
+                        </a:rPr>
+                        <a:t>f</a:t>
+                      </a:r>
+                      <a:r>
+                        <a:rPr lang="en-US" sz="2400" b="1" i="1" baseline="-25000">
+                          <a:latin typeface="Times New Roman"/>
+                          <a:ea typeface="Calibri"/>
+                          <a:cs typeface="Times New Roman"/>
+                        </a:rPr>
+                        <a:t>1</a:t>
+                      </a:r>
+                      <a:endParaRPr lang="en-US" sz="2400">
+                        <a:latin typeface="Times New Roman"/>
+                        <a:ea typeface="Calibri"/>
+                        <a:cs typeface="Times New Roman"/>
+                      </a:endParaRPr>
+                    </a:p>
+                  </a:txBody>
+                  <a:tcPr marL="68580" marR="68580" marT="0" marB="0"/>
+                </a:tc>
+                <a:tc>
+                  <a:txBody>
+                    <a:bodyPr/>
+                    <a:lstStyle/>
+                    <a:p>
+                      <a:pPr marL="0" marR="0" algn="ctr">
+                        <a:lnSpc>
+                          <a:spcPct val="150000"/>
+                        </a:lnSpc>
+                        <a:spcBef>
+                          <a:spcPts val="0"/>
+                        </a:spcBef>
+                        <a:spcAft>
+                          <a:spcPts val="1000"/>
+                        </a:spcAft>
+                      </a:pPr>
+                      <a:r>
+                        <a:rPr lang="en-US" sz="2400" b="1" i="1">
+                          <a:latin typeface="Times New Roman"/>
+                          <a:ea typeface="Calibri"/>
+                          <a:cs typeface="Times New Roman"/>
+                        </a:rPr>
+                        <a:t>f</a:t>
+                      </a:r>
+                      <a:r>
+                        <a:rPr lang="en-US" sz="2400" b="1" i="1" baseline="-25000">
+                          <a:latin typeface="Times New Roman"/>
+                          <a:ea typeface="Calibri"/>
+                          <a:cs typeface="Times New Roman"/>
+                        </a:rPr>
+                        <a:t>2</a:t>
+                      </a:r>
+                      <a:endParaRPr lang="en-US" sz="2400">
+                        <a:latin typeface="Times New Roman"/>
+                        <a:ea typeface="Calibri"/>
+                        <a:cs typeface="Times New Roman"/>
+                      </a:endParaRPr>
+                    </a:p>
+                  </a:txBody>
+                  <a:tcPr marL="68580" marR="68580" marT="0" marB="0"/>
+                </a:tc>
+                <a:tc>
+                  <a:txBody>
+                    <a:bodyPr/>
+                    <a:lstStyle/>
+                    <a:p>
+                      <a:pPr marL="0" marR="0" algn="ctr">
+                        <a:lnSpc>
+                          <a:spcPct val="150000"/>
+                        </a:lnSpc>
+                        <a:spcBef>
+                          <a:spcPts val="0"/>
+                        </a:spcBef>
+                        <a:spcAft>
+                          <a:spcPts val="1000"/>
+                        </a:spcAft>
+                      </a:pPr>
+                      <a:r>
+                        <a:rPr lang="en-US" sz="2400" b="1" i="1">
+                          <a:latin typeface="Times New Roman"/>
+                          <a:ea typeface="Calibri"/>
+                          <a:cs typeface="Times New Roman"/>
+                        </a:rPr>
+                        <a:t>f</a:t>
+                      </a:r>
+                      <a:r>
+                        <a:rPr lang="en-US" sz="2400" b="1" i="1" baseline="-25000">
+                          <a:latin typeface="Times New Roman"/>
+                          <a:ea typeface="Calibri"/>
+                          <a:cs typeface="Times New Roman"/>
+                        </a:rPr>
+                        <a:t>3</a:t>
+                      </a:r>
+                      <a:endParaRPr lang="en-US" sz="2400">
+                        <a:latin typeface="Times New Roman"/>
+                        <a:ea typeface="Calibri"/>
+                        <a:cs typeface="Times New Roman"/>
+                      </a:endParaRPr>
+                    </a:p>
+                  </a:txBody>
+                  <a:tcPr marL="68580" marR="68580" marT="0" marB="0"/>
+                </a:tc>
+                <a:tc>
+                  <a:txBody>
+                    <a:bodyPr/>
+                    <a:lstStyle/>
+                    <a:p>
+                      <a:pPr marL="0" marR="0" algn="ctr">
+                        <a:lnSpc>
+                          <a:spcPct val="150000"/>
+                        </a:lnSpc>
+                        <a:spcBef>
+                          <a:spcPts val="0"/>
+                        </a:spcBef>
+                        <a:spcAft>
+                          <a:spcPts val="1000"/>
+                        </a:spcAft>
+                      </a:pPr>
+                      <a:r>
+                        <a:rPr lang="en-US" sz="2400" b="1" i="1">
+                          <a:latin typeface="Times New Roman"/>
+                          <a:ea typeface="Calibri"/>
+                          <a:cs typeface="Times New Roman"/>
+                        </a:rPr>
+                        <a:t>f</a:t>
+                      </a:r>
+                      <a:r>
+                        <a:rPr lang="en-US" sz="2400" b="1" i="1" baseline="-25000">
+                          <a:latin typeface="Times New Roman"/>
+                          <a:ea typeface="Calibri"/>
+                          <a:cs typeface="Times New Roman"/>
+                        </a:rPr>
+                        <a:t>4</a:t>
+                      </a:r>
+                      <a:endParaRPr lang="en-US" sz="2400">
+                        <a:latin typeface="Times New Roman"/>
+                        <a:ea typeface="Calibri"/>
+                        <a:cs typeface="Times New Roman"/>
+                      </a:endParaRPr>
+                    </a:p>
+                  </a:txBody>
+                  <a:tcPr marL="68580" marR="68580" marT="0" marB="0"/>
+                </a:tc>
+                <a:tc>
+                  <a:txBody>
+                    <a:bodyPr/>
+                    <a:lstStyle/>
+                    <a:p>
+                      <a:pPr marL="0" marR="0" algn="ctr">
+                        <a:lnSpc>
+                          <a:spcPct val="150000"/>
+                        </a:lnSpc>
+                        <a:spcBef>
+                          <a:spcPts val="0"/>
+                        </a:spcBef>
+                        <a:spcAft>
+                          <a:spcPts val="1000"/>
+                        </a:spcAft>
+                      </a:pPr>
+                      <a:r>
+                        <a:rPr lang="en-US" sz="2400" b="1" i="1">
+                          <a:latin typeface="Times New Roman"/>
+                          <a:ea typeface="Calibri"/>
+                          <a:cs typeface="Times New Roman"/>
+                        </a:rPr>
+                        <a:t>f</a:t>
+                      </a:r>
+                      <a:r>
+                        <a:rPr lang="en-US" sz="2400" b="1" i="1" baseline="-25000">
+                          <a:latin typeface="Times New Roman"/>
+                          <a:ea typeface="Calibri"/>
+                          <a:cs typeface="Times New Roman"/>
+                        </a:rPr>
+                        <a:t>5</a:t>
+                      </a:r>
+                      <a:endParaRPr lang="en-US" sz="2400">
+                        <a:latin typeface="Times New Roman"/>
+                        <a:ea typeface="Calibri"/>
+                        <a:cs typeface="Times New Roman"/>
+                      </a:endParaRPr>
+                    </a:p>
+                  </a:txBody>
+                  <a:tcPr marL="68580" marR="68580" marT="0" marB="0"/>
+                </a:tc>
+                <a:tc>
+                  <a:txBody>
+                    <a:bodyPr/>
+                    <a:lstStyle/>
+                    <a:p>
+                      <a:pPr marL="0" marR="0" algn="ctr">
+                        <a:lnSpc>
+                          <a:spcPct val="150000"/>
+                        </a:lnSpc>
+                        <a:spcBef>
+                          <a:spcPts val="0"/>
+                        </a:spcBef>
+                        <a:spcAft>
+                          <a:spcPts val="1000"/>
+                        </a:spcAft>
+                      </a:pPr>
+                      <a:r>
+                        <a:rPr lang="en-US" sz="2400" b="1" i="1">
+                          <a:latin typeface="Times New Roman"/>
+                          <a:ea typeface="Calibri"/>
+                          <a:cs typeface="Times New Roman"/>
+                        </a:rPr>
+                        <a:t>f</a:t>
+                      </a:r>
+                      <a:r>
+                        <a:rPr lang="en-US" sz="2400" b="1" i="1" baseline="-25000">
+                          <a:latin typeface="Times New Roman"/>
+                          <a:ea typeface="Calibri"/>
+                          <a:cs typeface="Times New Roman"/>
+                        </a:rPr>
+                        <a:t>6</a:t>
+                      </a:r>
+                      <a:endParaRPr lang="en-US" sz="2400">
+                        <a:latin typeface="Times New Roman"/>
+                        <a:ea typeface="Calibri"/>
+                        <a:cs typeface="Times New Roman"/>
+                      </a:endParaRPr>
+                    </a:p>
+                  </a:txBody>
+                  <a:tcPr marL="68580" marR="68580" marT="0" marB="0"/>
+                </a:tc>
+                <a:tc>
+                  <a:txBody>
+                    <a:bodyPr/>
+                    <a:lstStyle/>
+                    <a:p>
+                      <a:pPr marL="0" marR="0" algn="ctr">
+                        <a:lnSpc>
+                          <a:spcPct val="150000"/>
+                        </a:lnSpc>
+                        <a:spcBef>
+                          <a:spcPts val="0"/>
+                        </a:spcBef>
+                        <a:spcAft>
+                          <a:spcPts val="1000"/>
+                        </a:spcAft>
+                      </a:pPr>
+                      <a:r>
+                        <a:rPr lang="en-US" sz="2400" b="1" i="1">
+                          <a:latin typeface="Times New Roman"/>
+                          <a:ea typeface="Calibri"/>
+                          <a:cs typeface="Times New Roman"/>
+                        </a:rPr>
+                        <a:t>f</a:t>
+                      </a:r>
+                      <a:r>
+                        <a:rPr lang="en-US" sz="2400" b="1" i="1" baseline="-25000">
+                          <a:latin typeface="Times New Roman"/>
+                          <a:ea typeface="Calibri"/>
+                          <a:cs typeface="Times New Roman"/>
+                        </a:rPr>
+                        <a:t>7</a:t>
+                      </a:r>
+                      <a:endParaRPr lang="en-US" sz="2400">
+                        <a:latin typeface="Times New Roman"/>
+                        <a:ea typeface="Calibri"/>
+                        <a:cs typeface="Times New Roman"/>
+                      </a:endParaRPr>
+                    </a:p>
+                  </a:txBody>
+                  <a:tcPr marL="68580" marR="68580" marT="0" marB="0"/>
+                </a:tc>
+              </a:tr>
+              <a:tr h="533127">
+                <a:tc>
+                  <a:txBody>
+                    <a:bodyPr/>
+                    <a:lstStyle/>
+                    <a:p>
+                      <a:pPr marL="0" marR="0" algn="ctr">
+                        <a:lnSpc>
+                          <a:spcPct val="150000"/>
+                        </a:lnSpc>
+                        <a:spcBef>
+                          <a:spcPts val="0"/>
+                        </a:spcBef>
+                        <a:spcAft>
+                          <a:spcPts val="1000"/>
+                        </a:spcAft>
+                      </a:pPr>
+                      <a:r>
+                        <a:rPr lang="en-US" sz="2400" b="1">
+                          <a:latin typeface="Times New Roman"/>
+                          <a:ea typeface="Calibri"/>
+                          <a:cs typeface="Times New Roman"/>
+                        </a:rPr>
+                        <a:t>bit 0</a:t>
+                      </a:r>
+                      <a:endParaRPr lang="en-US" sz="2400">
+                        <a:latin typeface="Times New Roman"/>
+                        <a:ea typeface="Calibri"/>
+                        <a:cs typeface="Times New Roman"/>
+                      </a:endParaRPr>
+                    </a:p>
+                  </a:txBody>
+                  <a:tcPr marL="68580" marR="68580" marT="0" marB="0"/>
+                </a:tc>
+                <a:tc>
+                  <a:txBody>
+                    <a:bodyPr/>
+                    <a:lstStyle/>
+                    <a:p>
+                      <a:pPr marL="0" marR="0" algn="ctr">
+                        <a:lnSpc>
+                          <a:spcPct val="150000"/>
+                        </a:lnSpc>
+                        <a:spcBef>
+                          <a:spcPts val="0"/>
+                        </a:spcBef>
+                        <a:spcAft>
+                          <a:spcPts val="1000"/>
+                        </a:spcAft>
+                      </a:pPr>
+                      <a:r>
+                        <a:rPr lang="en-US" sz="2400">
+                          <a:latin typeface="Times New Roman"/>
+                          <a:ea typeface="Calibri"/>
+                          <a:cs typeface="Times New Roman"/>
+                        </a:rPr>
+                        <a:t>140</a:t>
+                      </a:r>
+                    </a:p>
+                  </a:txBody>
+                  <a:tcPr marL="68580" marR="68580" marT="0" marB="0"/>
+                </a:tc>
+                <a:tc>
+                  <a:txBody>
+                    <a:bodyPr/>
+                    <a:lstStyle/>
+                    <a:p>
+                      <a:pPr marL="0" marR="0" algn="ctr">
+                        <a:lnSpc>
+                          <a:spcPct val="150000"/>
+                        </a:lnSpc>
+                        <a:spcBef>
+                          <a:spcPts val="0"/>
+                        </a:spcBef>
+                        <a:spcAft>
+                          <a:spcPts val="1000"/>
+                        </a:spcAft>
+                      </a:pPr>
+                      <a:r>
+                        <a:rPr lang="en-US" sz="2400">
+                          <a:latin typeface="Times New Roman"/>
+                          <a:ea typeface="Calibri"/>
+                          <a:cs typeface="Times New Roman"/>
+                        </a:rPr>
+                        <a:t>124</a:t>
+                      </a:r>
+                    </a:p>
+                  </a:txBody>
+                  <a:tcPr marL="68580" marR="68580" marT="0" marB="0"/>
+                </a:tc>
+                <a:tc>
+                  <a:txBody>
+                    <a:bodyPr/>
+                    <a:lstStyle/>
+                    <a:p>
+                      <a:pPr marL="0" marR="0" algn="ctr">
+                        <a:lnSpc>
+                          <a:spcPct val="150000"/>
+                        </a:lnSpc>
+                        <a:spcBef>
+                          <a:spcPts val="0"/>
+                        </a:spcBef>
+                        <a:spcAft>
+                          <a:spcPts val="1000"/>
+                        </a:spcAft>
+                      </a:pPr>
+                      <a:r>
+                        <a:rPr lang="en-US" sz="2400">
+                          <a:latin typeface="Times New Roman"/>
+                          <a:ea typeface="Calibri"/>
+                          <a:cs typeface="Times New Roman"/>
+                        </a:rPr>
+                        <a:t>120</a:t>
+                      </a:r>
+                    </a:p>
+                  </a:txBody>
+                  <a:tcPr marL="68580" marR="68580" marT="0" marB="0"/>
+                </a:tc>
+                <a:tc>
+                  <a:txBody>
+                    <a:bodyPr/>
+                    <a:lstStyle/>
+                    <a:p>
+                      <a:pPr marL="0" marR="0" algn="ctr">
+                        <a:lnSpc>
+                          <a:spcPct val="150000"/>
+                        </a:lnSpc>
+                        <a:spcBef>
+                          <a:spcPts val="0"/>
+                        </a:spcBef>
+                        <a:spcAft>
+                          <a:spcPts val="1000"/>
+                        </a:spcAft>
+                      </a:pPr>
+                      <a:r>
+                        <a:rPr lang="en-US" sz="2400">
+                          <a:latin typeface="Times New Roman"/>
+                          <a:ea typeface="Calibri"/>
+                          <a:cs typeface="Times New Roman"/>
+                        </a:rPr>
+                        <a:t>120</a:t>
+                      </a:r>
+                    </a:p>
+                  </a:txBody>
+                  <a:tcPr marL="68580" marR="68580" marT="0" marB="0"/>
+                </a:tc>
+                <a:tc>
+                  <a:txBody>
+                    <a:bodyPr/>
+                    <a:lstStyle/>
+                    <a:p>
+                      <a:pPr marL="0" marR="0" algn="ctr">
+                        <a:lnSpc>
+                          <a:spcPct val="150000"/>
+                        </a:lnSpc>
+                        <a:spcBef>
+                          <a:spcPts val="0"/>
+                        </a:spcBef>
+                        <a:spcAft>
+                          <a:spcPts val="1000"/>
+                        </a:spcAft>
+                      </a:pPr>
+                      <a:r>
+                        <a:rPr lang="en-US" sz="2400">
+                          <a:latin typeface="Times New Roman"/>
+                          <a:ea typeface="Calibri"/>
+                          <a:cs typeface="Times New Roman"/>
+                        </a:rPr>
+                        <a:t>144</a:t>
+                      </a:r>
+                    </a:p>
+                  </a:txBody>
+                  <a:tcPr marL="68580" marR="68580" marT="0" marB="0"/>
+                </a:tc>
+                <a:tc>
+                  <a:txBody>
+                    <a:bodyPr/>
+                    <a:lstStyle/>
+                    <a:p>
+                      <a:pPr marL="0" marR="0" algn="ctr">
+                        <a:lnSpc>
+                          <a:spcPct val="150000"/>
+                        </a:lnSpc>
+                        <a:spcBef>
+                          <a:spcPts val="0"/>
+                        </a:spcBef>
+                        <a:spcAft>
+                          <a:spcPts val="1000"/>
+                        </a:spcAft>
+                      </a:pPr>
+                      <a:r>
+                        <a:rPr lang="en-US" sz="2400">
+                          <a:latin typeface="Times New Roman"/>
+                          <a:ea typeface="Calibri"/>
+                          <a:cs typeface="Times New Roman"/>
+                        </a:rPr>
+                        <a:t>124</a:t>
+                      </a:r>
+                    </a:p>
+                  </a:txBody>
+                  <a:tcPr marL="68580" marR="68580" marT="0" marB="0"/>
+                </a:tc>
+                <a:tc>
+                  <a:txBody>
+                    <a:bodyPr/>
+                    <a:lstStyle/>
+                    <a:p>
+                      <a:pPr marL="0" marR="0" algn="ctr">
+                        <a:lnSpc>
+                          <a:spcPct val="150000"/>
+                        </a:lnSpc>
+                        <a:spcBef>
+                          <a:spcPts val="0"/>
+                        </a:spcBef>
+                        <a:spcAft>
+                          <a:spcPts val="1000"/>
+                        </a:spcAft>
+                      </a:pPr>
+                      <a:r>
+                        <a:rPr lang="en-US" sz="2400">
+                          <a:latin typeface="Times New Roman"/>
+                          <a:ea typeface="Calibri"/>
+                          <a:cs typeface="Times New Roman"/>
+                        </a:rPr>
+                        <a:t>136</a:t>
+                      </a:r>
+                    </a:p>
+                  </a:txBody>
+                  <a:tcPr marL="68580" marR="68580" marT="0" marB="0"/>
+                </a:tc>
+                <a:tc>
+                  <a:txBody>
+                    <a:bodyPr/>
+                    <a:lstStyle/>
+                    <a:p>
+                      <a:pPr marL="0" marR="0" algn="ctr">
+                        <a:lnSpc>
+                          <a:spcPct val="150000"/>
+                        </a:lnSpc>
+                        <a:spcBef>
+                          <a:spcPts val="0"/>
+                        </a:spcBef>
+                        <a:spcAft>
+                          <a:spcPts val="1000"/>
+                        </a:spcAft>
+                      </a:pPr>
+                      <a:r>
+                        <a:rPr lang="en-US" sz="2400">
+                          <a:latin typeface="Times New Roman"/>
+                          <a:ea typeface="Calibri"/>
+                          <a:cs typeface="Times New Roman"/>
+                        </a:rPr>
+                        <a:t>132</a:t>
+                      </a:r>
+                    </a:p>
+                  </a:txBody>
+                  <a:tcPr marL="68580" marR="68580" marT="0" marB="0"/>
+                </a:tc>
+              </a:tr>
+              <a:tr h="533127">
+                <a:tc>
+                  <a:txBody>
+                    <a:bodyPr/>
+                    <a:lstStyle/>
+                    <a:p>
+                      <a:pPr marL="0" marR="0" algn="ctr">
+                        <a:lnSpc>
+                          <a:spcPct val="150000"/>
+                        </a:lnSpc>
+                        <a:spcBef>
+                          <a:spcPts val="0"/>
+                        </a:spcBef>
+                        <a:spcAft>
+                          <a:spcPts val="1000"/>
+                        </a:spcAft>
+                      </a:pPr>
+                      <a:r>
+                        <a:rPr lang="en-US" sz="2400" b="1">
+                          <a:latin typeface="Times New Roman"/>
+                          <a:ea typeface="Calibri"/>
+                          <a:cs typeface="Times New Roman"/>
+                        </a:rPr>
+                        <a:t>bit 1</a:t>
+                      </a:r>
+                      <a:endParaRPr lang="en-US" sz="2400">
+                        <a:latin typeface="Times New Roman"/>
+                        <a:ea typeface="Calibri"/>
+                        <a:cs typeface="Times New Roman"/>
+                      </a:endParaRPr>
+                    </a:p>
+                  </a:txBody>
+                  <a:tcPr marL="68580" marR="68580" marT="0" marB="0"/>
+                </a:tc>
+                <a:tc>
+                  <a:txBody>
+                    <a:bodyPr/>
+                    <a:lstStyle/>
+                    <a:p>
+                      <a:pPr marL="0" marR="0" algn="ctr">
+                        <a:lnSpc>
+                          <a:spcPct val="150000"/>
+                        </a:lnSpc>
+                        <a:spcBef>
+                          <a:spcPts val="0"/>
+                        </a:spcBef>
+                        <a:spcAft>
+                          <a:spcPts val="1000"/>
+                        </a:spcAft>
+                      </a:pPr>
+                      <a:r>
+                        <a:rPr lang="en-US" sz="2400">
+                          <a:latin typeface="Times New Roman"/>
+                          <a:ea typeface="Calibri"/>
+                          <a:cs typeface="Times New Roman"/>
+                        </a:rPr>
+                        <a:t>120</a:t>
+                      </a:r>
+                    </a:p>
+                  </a:txBody>
+                  <a:tcPr marL="68580" marR="68580" marT="0" marB="0"/>
+                </a:tc>
+                <a:tc>
+                  <a:txBody>
+                    <a:bodyPr/>
+                    <a:lstStyle/>
+                    <a:p>
+                      <a:pPr marL="0" marR="0" algn="ctr">
+                        <a:lnSpc>
+                          <a:spcPct val="150000"/>
+                        </a:lnSpc>
+                        <a:spcBef>
+                          <a:spcPts val="0"/>
+                        </a:spcBef>
+                        <a:spcAft>
+                          <a:spcPts val="1000"/>
+                        </a:spcAft>
+                      </a:pPr>
+                      <a:r>
+                        <a:rPr lang="en-US" sz="2400">
+                          <a:latin typeface="Times New Roman"/>
+                          <a:ea typeface="Calibri"/>
+                          <a:cs typeface="Times New Roman"/>
+                        </a:rPr>
+                        <a:t>120</a:t>
+                      </a:r>
+                    </a:p>
+                  </a:txBody>
+                  <a:tcPr marL="68580" marR="68580" marT="0" marB="0"/>
+                </a:tc>
+                <a:tc>
+                  <a:txBody>
+                    <a:bodyPr/>
+                    <a:lstStyle/>
+                    <a:p>
+                      <a:pPr marL="0" marR="0" algn="ctr">
+                        <a:lnSpc>
+                          <a:spcPct val="150000"/>
+                        </a:lnSpc>
+                        <a:spcBef>
+                          <a:spcPts val="0"/>
+                        </a:spcBef>
+                        <a:spcAft>
+                          <a:spcPts val="1000"/>
+                        </a:spcAft>
+                      </a:pPr>
+                      <a:r>
+                        <a:rPr lang="en-US" sz="2400">
+                          <a:latin typeface="Times New Roman"/>
+                          <a:ea typeface="Calibri"/>
+                          <a:cs typeface="Times New Roman"/>
+                        </a:rPr>
+                        <a:t>136</a:t>
+                      </a:r>
+                    </a:p>
+                  </a:txBody>
+                  <a:tcPr marL="68580" marR="68580" marT="0" marB="0"/>
+                </a:tc>
+                <a:tc>
+                  <a:txBody>
+                    <a:bodyPr/>
+                    <a:lstStyle/>
+                    <a:p>
+                      <a:pPr marL="0" marR="0" algn="ctr">
+                        <a:lnSpc>
+                          <a:spcPct val="150000"/>
+                        </a:lnSpc>
+                        <a:spcBef>
+                          <a:spcPts val="0"/>
+                        </a:spcBef>
+                        <a:spcAft>
+                          <a:spcPts val="1000"/>
+                        </a:spcAft>
+                      </a:pPr>
+                      <a:r>
+                        <a:rPr lang="en-US" sz="2400">
+                          <a:latin typeface="Times New Roman"/>
+                          <a:ea typeface="Calibri"/>
+                          <a:cs typeface="Times New Roman"/>
+                        </a:rPr>
+                        <a:t>132</a:t>
+                      </a:r>
+                    </a:p>
+                  </a:txBody>
+                  <a:tcPr marL="68580" marR="68580" marT="0" marB="0"/>
+                </a:tc>
+                <a:tc>
+                  <a:txBody>
+                    <a:bodyPr/>
+                    <a:lstStyle/>
+                    <a:p>
+                      <a:pPr marL="0" marR="0" algn="ctr">
+                        <a:lnSpc>
+                          <a:spcPct val="150000"/>
+                        </a:lnSpc>
+                        <a:spcBef>
+                          <a:spcPts val="0"/>
+                        </a:spcBef>
+                        <a:spcAft>
+                          <a:spcPts val="1000"/>
+                        </a:spcAft>
+                      </a:pPr>
+                      <a:r>
+                        <a:rPr lang="en-US" sz="2400">
+                          <a:latin typeface="Times New Roman"/>
+                          <a:ea typeface="Calibri"/>
+                          <a:cs typeface="Times New Roman"/>
+                        </a:rPr>
+                        <a:t>136</a:t>
+                      </a:r>
+                    </a:p>
+                  </a:txBody>
+                  <a:tcPr marL="68580" marR="68580" marT="0" marB="0"/>
+                </a:tc>
+                <a:tc>
+                  <a:txBody>
+                    <a:bodyPr/>
+                    <a:lstStyle/>
+                    <a:p>
+                      <a:pPr marL="0" marR="0" algn="ctr">
+                        <a:lnSpc>
+                          <a:spcPct val="150000"/>
+                        </a:lnSpc>
+                        <a:spcBef>
+                          <a:spcPts val="0"/>
+                        </a:spcBef>
+                        <a:spcAft>
+                          <a:spcPts val="1000"/>
+                        </a:spcAft>
+                      </a:pPr>
+                      <a:r>
+                        <a:rPr lang="en-US" sz="2400">
+                          <a:latin typeface="Times New Roman"/>
+                          <a:ea typeface="Calibri"/>
+                          <a:cs typeface="Times New Roman"/>
+                        </a:rPr>
+                        <a:t>124</a:t>
+                      </a:r>
+                    </a:p>
+                  </a:txBody>
+                  <a:tcPr marL="68580" marR="68580" marT="0" marB="0"/>
+                </a:tc>
+                <a:tc>
+                  <a:txBody>
+                    <a:bodyPr/>
+                    <a:lstStyle/>
+                    <a:p>
+                      <a:pPr marL="0" marR="0" algn="ctr">
+                        <a:lnSpc>
+                          <a:spcPct val="150000"/>
+                        </a:lnSpc>
+                        <a:spcBef>
+                          <a:spcPts val="0"/>
+                        </a:spcBef>
+                        <a:spcAft>
+                          <a:spcPts val="1000"/>
+                        </a:spcAft>
+                      </a:pPr>
+                      <a:r>
+                        <a:rPr lang="en-US" sz="2400">
+                          <a:latin typeface="Times New Roman"/>
+                          <a:ea typeface="Calibri"/>
+                          <a:cs typeface="Times New Roman"/>
+                        </a:rPr>
+                        <a:t>140</a:t>
+                      </a:r>
+                    </a:p>
+                  </a:txBody>
+                  <a:tcPr marL="68580" marR="68580" marT="0" marB="0"/>
+                </a:tc>
+                <a:tc>
+                  <a:txBody>
+                    <a:bodyPr/>
+                    <a:lstStyle/>
+                    <a:p>
+                      <a:pPr marL="0" marR="0" algn="ctr">
+                        <a:lnSpc>
+                          <a:spcPct val="150000"/>
+                        </a:lnSpc>
+                        <a:spcBef>
+                          <a:spcPts val="0"/>
+                        </a:spcBef>
+                        <a:spcAft>
+                          <a:spcPts val="1000"/>
+                        </a:spcAft>
+                      </a:pPr>
+                      <a:r>
+                        <a:rPr lang="en-US" sz="2400">
+                          <a:latin typeface="Times New Roman"/>
+                          <a:ea typeface="Calibri"/>
+                          <a:cs typeface="Times New Roman"/>
+                        </a:rPr>
+                        <a:t>136</a:t>
+                      </a:r>
+                    </a:p>
+                  </a:txBody>
+                  <a:tcPr marL="68580" marR="68580" marT="0" marB="0"/>
+                </a:tc>
+              </a:tr>
+              <a:tr h="533127">
+                <a:tc>
+                  <a:txBody>
+                    <a:bodyPr/>
+                    <a:lstStyle/>
+                    <a:p>
+                      <a:pPr marL="0" marR="0" algn="ctr">
+                        <a:lnSpc>
+                          <a:spcPct val="150000"/>
+                        </a:lnSpc>
+                        <a:spcBef>
+                          <a:spcPts val="0"/>
+                        </a:spcBef>
+                        <a:spcAft>
+                          <a:spcPts val="1000"/>
+                        </a:spcAft>
+                      </a:pPr>
+                      <a:r>
+                        <a:rPr lang="en-US" sz="2400" b="1">
+                          <a:latin typeface="Times New Roman"/>
+                          <a:ea typeface="Calibri"/>
+                          <a:cs typeface="Times New Roman"/>
+                        </a:rPr>
+                        <a:t>bit 2</a:t>
+                      </a:r>
+                      <a:endParaRPr lang="en-US" sz="2400">
+                        <a:latin typeface="Times New Roman"/>
+                        <a:ea typeface="Calibri"/>
+                        <a:cs typeface="Times New Roman"/>
+                      </a:endParaRPr>
+                    </a:p>
+                  </a:txBody>
+                  <a:tcPr marL="68580" marR="68580" marT="0" marB="0"/>
+                </a:tc>
+                <a:tc>
+                  <a:txBody>
+                    <a:bodyPr/>
+                    <a:lstStyle/>
+                    <a:p>
+                      <a:pPr marL="0" marR="0" algn="ctr">
+                        <a:lnSpc>
+                          <a:spcPct val="150000"/>
+                        </a:lnSpc>
+                        <a:spcBef>
+                          <a:spcPts val="0"/>
+                        </a:spcBef>
+                        <a:spcAft>
+                          <a:spcPts val="1000"/>
+                        </a:spcAft>
+                      </a:pPr>
+                      <a:r>
+                        <a:rPr lang="en-US" sz="2400">
+                          <a:latin typeface="Times New Roman"/>
+                          <a:ea typeface="Calibri"/>
+                          <a:cs typeface="Times New Roman"/>
+                        </a:rPr>
+                        <a:t>132</a:t>
+                      </a:r>
+                    </a:p>
+                  </a:txBody>
+                  <a:tcPr marL="68580" marR="68580" marT="0" marB="0"/>
+                </a:tc>
+                <a:tc>
+                  <a:txBody>
+                    <a:bodyPr/>
+                    <a:lstStyle/>
+                    <a:p>
+                      <a:pPr marL="0" marR="0" algn="ctr">
+                        <a:lnSpc>
+                          <a:spcPct val="150000"/>
+                        </a:lnSpc>
+                        <a:spcBef>
+                          <a:spcPts val="0"/>
+                        </a:spcBef>
+                        <a:spcAft>
+                          <a:spcPts val="1000"/>
+                        </a:spcAft>
+                      </a:pPr>
+                      <a:r>
+                        <a:rPr lang="en-US" sz="2400">
+                          <a:latin typeface="Times New Roman"/>
+                          <a:ea typeface="Calibri"/>
+                          <a:cs typeface="Times New Roman"/>
+                        </a:rPr>
+                        <a:t>136</a:t>
+                      </a:r>
+                    </a:p>
+                  </a:txBody>
+                  <a:tcPr marL="68580" marR="68580" marT="0" marB="0"/>
+                </a:tc>
+                <a:tc>
+                  <a:txBody>
+                    <a:bodyPr/>
+                    <a:lstStyle/>
+                    <a:p>
+                      <a:pPr marL="0" marR="0" algn="ctr">
+                        <a:lnSpc>
+                          <a:spcPct val="150000"/>
+                        </a:lnSpc>
+                        <a:spcBef>
+                          <a:spcPts val="0"/>
+                        </a:spcBef>
+                        <a:spcAft>
+                          <a:spcPts val="1000"/>
+                        </a:spcAft>
+                      </a:pPr>
+                      <a:r>
+                        <a:rPr lang="en-US" sz="2400">
+                          <a:latin typeface="Times New Roman"/>
+                          <a:ea typeface="Calibri"/>
+                          <a:cs typeface="Times New Roman"/>
+                        </a:rPr>
+                        <a:t>144</a:t>
+                      </a:r>
+                    </a:p>
+                  </a:txBody>
+                  <a:tcPr marL="68580" marR="68580" marT="0" marB="0"/>
+                </a:tc>
+                <a:tc>
+                  <a:txBody>
+                    <a:bodyPr/>
+                    <a:lstStyle/>
+                    <a:p>
+                      <a:pPr marL="0" marR="0" algn="ctr">
+                        <a:lnSpc>
+                          <a:spcPct val="150000"/>
+                        </a:lnSpc>
+                        <a:spcBef>
+                          <a:spcPts val="0"/>
+                        </a:spcBef>
+                        <a:spcAft>
+                          <a:spcPts val="1000"/>
+                        </a:spcAft>
+                      </a:pPr>
+                      <a:r>
+                        <a:rPr lang="en-US" sz="2400">
+                          <a:latin typeface="Times New Roman"/>
+                          <a:ea typeface="Calibri"/>
+                          <a:cs typeface="Times New Roman"/>
+                        </a:rPr>
+                        <a:t>132</a:t>
+                      </a:r>
+                    </a:p>
+                  </a:txBody>
+                  <a:tcPr marL="68580" marR="68580" marT="0" marB="0"/>
+                </a:tc>
+                <a:tc>
+                  <a:txBody>
+                    <a:bodyPr/>
+                    <a:lstStyle/>
+                    <a:p>
+                      <a:pPr marL="0" marR="0" algn="ctr">
+                        <a:lnSpc>
+                          <a:spcPct val="150000"/>
+                        </a:lnSpc>
+                        <a:spcBef>
+                          <a:spcPts val="0"/>
+                        </a:spcBef>
+                        <a:spcAft>
+                          <a:spcPts val="1000"/>
+                        </a:spcAft>
+                      </a:pPr>
+                      <a:r>
+                        <a:rPr lang="en-US" sz="2400">
+                          <a:latin typeface="Times New Roman"/>
+                          <a:ea typeface="Calibri"/>
+                          <a:cs typeface="Times New Roman"/>
+                        </a:rPr>
+                        <a:t>124</a:t>
+                      </a:r>
+                    </a:p>
+                  </a:txBody>
+                  <a:tcPr marL="68580" marR="68580" marT="0" marB="0"/>
+                </a:tc>
+                <a:tc>
+                  <a:txBody>
+                    <a:bodyPr/>
+                    <a:lstStyle/>
+                    <a:p>
+                      <a:pPr marL="0" marR="0" algn="ctr">
+                        <a:lnSpc>
+                          <a:spcPct val="150000"/>
+                        </a:lnSpc>
+                        <a:spcBef>
+                          <a:spcPts val="0"/>
+                        </a:spcBef>
+                        <a:spcAft>
+                          <a:spcPts val="1000"/>
+                        </a:spcAft>
+                      </a:pPr>
+                      <a:r>
+                        <a:rPr lang="en-US" sz="2400">
+                          <a:latin typeface="Times New Roman"/>
+                          <a:ea typeface="Calibri"/>
+                          <a:cs typeface="Times New Roman"/>
+                        </a:rPr>
+                        <a:t>136</a:t>
+                      </a:r>
+                    </a:p>
+                  </a:txBody>
+                  <a:tcPr marL="68580" marR="68580" marT="0" marB="0"/>
+                </a:tc>
+                <a:tc>
+                  <a:txBody>
+                    <a:bodyPr/>
+                    <a:lstStyle/>
+                    <a:p>
+                      <a:pPr marL="0" marR="0" algn="ctr">
+                        <a:lnSpc>
+                          <a:spcPct val="150000"/>
+                        </a:lnSpc>
+                        <a:spcBef>
+                          <a:spcPts val="0"/>
+                        </a:spcBef>
+                        <a:spcAft>
+                          <a:spcPts val="1000"/>
+                        </a:spcAft>
+                      </a:pPr>
+                      <a:r>
+                        <a:rPr lang="en-US" sz="2400">
+                          <a:latin typeface="Times New Roman"/>
+                          <a:ea typeface="Calibri"/>
+                          <a:cs typeface="Times New Roman"/>
+                        </a:rPr>
+                        <a:t>124</a:t>
+                      </a:r>
+                    </a:p>
+                  </a:txBody>
+                  <a:tcPr marL="68580" marR="68580" marT="0" marB="0"/>
+                </a:tc>
+                <a:tc>
+                  <a:txBody>
+                    <a:bodyPr/>
+                    <a:lstStyle/>
+                    <a:p>
+                      <a:pPr marL="0" marR="0" algn="ctr">
+                        <a:lnSpc>
+                          <a:spcPct val="150000"/>
+                        </a:lnSpc>
+                        <a:spcBef>
+                          <a:spcPts val="0"/>
+                        </a:spcBef>
+                        <a:spcAft>
+                          <a:spcPts val="1000"/>
+                        </a:spcAft>
+                      </a:pPr>
+                      <a:r>
+                        <a:rPr lang="en-US" sz="2400">
+                          <a:latin typeface="Times New Roman"/>
+                          <a:ea typeface="Calibri"/>
+                          <a:cs typeface="Times New Roman"/>
+                        </a:rPr>
+                        <a:t>136</a:t>
+                      </a:r>
+                    </a:p>
+                  </a:txBody>
+                  <a:tcPr marL="68580" marR="68580" marT="0" marB="0"/>
+                </a:tc>
+              </a:tr>
+              <a:tr h="533127">
+                <a:tc>
+                  <a:txBody>
+                    <a:bodyPr/>
+                    <a:lstStyle/>
+                    <a:p>
+                      <a:pPr marL="0" marR="0" algn="ctr">
+                        <a:lnSpc>
+                          <a:spcPct val="150000"/>
+                        </a:lnSpc>
+                        <a:spcBef>
+                          <a:spcPts val="0"/>
+                        </a:spcBef>
+                        <a:spcAft>
+                          <a:spcPts val="1000"/>
+                        </a:spcAft>
+                      </a:pPr>
+                      <a:r>
+                        <a:rPr lang="en-US" sz="2400" b="1">
+                          <a:latin typeface="Times New Roman"/>
+                          <a:ea typeface="Calibri"/>
+                          <a:cs typeface="Times New Roman"/>
+                        </a:rPr>
+                        <a:t>bit 3</a:t>
+                      </a:r>
+                      <a:endParaRPr lang="en-US" sz="2400">
+                        <a:latin typeface="Times New Roman"/>
+                        <a:ea typeface="Calibri"/>
+                        <a:cs typeface="Times New Roman"/>
+                      </a:endParaRPr>
+                    </a:p>
+                  </a:txBody>
+                  <a:tcPr marL="68580" marR="68580" marT="0" marB="0"/>
+                </a:tc>
+                <a:tc>
+                  <a:txBody>
+                    <a:bodyPr/>
+                    <a:lstStyle/>
+                    <a:p>
+                      <a:pPr marL="0" marR="0" algn="ctr">
+                        <a:lnSpc>
+                          <a:spcPct val="150000"/>
+                        </a:lnSpc>
+                        <a:spcBef>
+                          <a:spcPts val="0"/>
+                        </a:spcBef>
+                        <a:spcAft>
+                          <a:spcPts val="1000"/>
+                        </a:spcAft>
+                      </a:pPr>
+                      <a:r>
+                        <a:rPr lang="en-US" sz="2400">
+                          <a:latin typeface="Times New Roman"/>
+                          <a:ea typeface="Calibri"/>
+                          <a:cs typeface="Times New Roman"/>
+                        </a:rPr>
+                        <a:t>120</a:t>
+                      </a:r>
+                    </a:p>
+                  </a:txBody>
+                  <a:tcPr marL="68580" marR="68580" marT="0" marB="0"/>
+                </a:tc>
+                <a:tc>
+                  <a:txBody>
+                    <a:bodyPr/>
+                    <a:lstStyle/>
+                    <a:p>
+                      <a:pPr marL="0" marR="0" algn="ctr">
+                        <a:lnSpc>
+                          <a:spcPct val="150000"/>
+                        </a:lnSpc>
+                        <a:spcBef>
+                          <a:spcPts val="0"/>
+                        </a:spcBef>
+                        <a:spcAft>
+                          <a:spcPts val="1000"/>
+                        </a:spcAft>
+                      </a:pPr>
+                      <a:r>
+                        <a:rPr lang="en-US" sz="2400">
+                          <a:latin typeface="Times New Roman"/>
+                          <a:ea typeface="Calibri"/>
+                          <a:cs typeface="Times New Roman"/>
+                        </a:rPr>
+                        <a:t>144</a:t>
+                      </a:r>
+                    </a:p>
+                  </a:txBody>
+                  <a:tcPr marL="68580" marR="68580" marT="0" marB="0"/>
+                </a:tc>
+                <a:tc>
+                  <a:txBody>
+                    <a:bodyPr/>
+                    <a:lstStyle/>
+                    <a:p>
+                      <a:pPr marL="0" marR="0" algn="ctr">
+                        <a:lnSpc>
+                          <a:spcPct val="150000"/>
+                        </a:lnSpc>
+                        <a:spcBef>
+                          <a:spcPts val="0"/>
+                        </a:spcBef>
+                        <a:spcAft>
+                          <a:spcPts val="1000"/>
+                        </a:spcAft>
+                      </a:pPr>
+                      <a:r>
+                        <a:rPr lang="en-US" sz="2400">
+                          <a:latin typeface="Times New Roman"/>
+                          <a:ea typeface="Calibri"/>
+                          <a:cs typeface="Times New Roman"/>
+                        </a:rPr>
+                        <a:t>128</a:t>
+                      </a:r>
+                    </a:p>
+                  </a:txBody>
+                  <a:tcPr marL="68580" marR="68580" marT="0" marB="0"/>
+                </a:tc>
+                <a:tc>
+                  <a:txBody>
+                    <a:bodyPr/>
+                    <a:lstStyle/>
+                    <a:p>
+                      <a:pPr marL="0" marR="0" algn="ctr">
+                        <a:lnSpc>
+                          <a:spcPct val="150000"/>
+                        </a:lnSpc>
+                        <a:spcBef>
+                          <a:spcPts val="0"/>
+                        </a:spcBef>
+                        <a:spcAft>
+                          <a:spcPts val="1000"/>
+                        </a:spcAft>
+                      </a:pPr>
+                      <a:r>
+                        <a:rPr lang="en-US" sz="2400">
+                          <a:latin typeface="Times New Roman"/>
+                          <a:ea typeface="Calibri"/>
+                          <a:cs typeface="Times New Roman"/>
+                        </a:rPr>
+                        <a:t>136</a:t>
+                      </a:r>
+                    </a:p>
+                  </a:txBody>
+                  <a:tcPr marL="68580" marR="68580" marT="0" marB="0"/>
+                </a:tc>
+                <a:tc>
+                  <a:txBody>
+                    <a:bodyPr/>
+                    <a:lstStyle/>
+                    <a:p>
+                      <a:pPr marL="0" marR="0" algn="ctr">
+                        <a:lnSpc>
+                          <a:spcPct val="150000"/>
+                        </a:lnSpc>
+                        <a:spcBef>
+                          <a:spcPts val="0"/>
+                        </a:spcBef>
+                        <a:spcAft>
+                          <a:spcPts val="1000"/>
+                        </a:spcAft>
+                      </a:pPr>
+                      <a:r>
+                        <a:rPr lang="en-US" sz="2400">
+                          <a:latin typeface="Times New Roman"/>
+                          <a:ea typeface="Calibri"/>
+                          <a:cs typeface="Times New Roman"/>
+                        </a:rPr>
+                        <a:t>124</a:t>
+                      </a:r>
+                    </a:p>
+                  </a:txBody>
+                  <a:tcPr marL="68580" marR="68580" marT="0" marB="0"/>
+                </a:tc>
+                <a:tc>
+                  <a:txBody>
+                    <a:bodyPr/>
+                    <a:lstStyle/>
+                    <a:p>
+                      <a:pPr marL="0" marR="0" algn="ctr">
+                        <a:lnSpc>
+                          <a:spcPct val="150000"/>
+                        </a:lnSpc>
+                        <a:spcBef>
+                          <a:spcPts val="0"/>
+                        </a:spcBef>
+                        <a:spcAft>
+                          <a:spcPts val="1000"/>
+                        </a:spcAft>
+                      </a:pPr>
+                      <a:r>
+                        <a:rPr lang="en-US" sz="2400">
+                          <a:latin typeface="Times New Roman"/>
+                          <a:ea typeface="Calibri"/>
+                          <a:cs typeface="Times New Roman"/>
+                        </a:rPr>
+                        <a:t>128</a:t>
+                      </a:r>
+                    </a:p>
+                  </a:txBody>
+                  <a:tcPr marL="68580" marR="68580" marT="0" marB="0"/>
+                </a:tc>
+                <a:tc>
+                  <a:txBody>
+                    <a:bodyPr/>
+                    <a:lstStyle/>
+                    <a:p>
+                      <a:pPr marL="0" marR="0" algn="ctr">
+                        <a:lnSpc>
+                          <a:spcPct val="150000"/>
+                        </a:lnSpc>
+                        <a:spcBef>
+                          <a:spcPts val="0"/>
+                        </a:spcBef>
+                        <a:spcAft>
+                          <a:spcPts val="1000"/>
+                        </a:spcAft>
+                      </a:pPr>
+                      <a:r>
+                        <a:rPr lang="en-US" sz="2400">
+                          <a:latin typeface="Times New Roman"/>
+                          <a:ea typeface="Calibri"/>
+                          <a:cs typeface="Times New Roman"/>
+                        </a:rPr>
+                        <a:t>144</a:t>
+                      </a:r>
+                    </a:p>
+                  </a:txBody>
+                  <a:tcPr marL="68580" marR="68580" marT="0" marB="0"/>
+                </a:tc>
+                <a:tc>
+                  <a:txBody>
+                    <a:bodyPr/>
+                    <a:lstStyle/>
+                    <a:p>
+                      <a:pPr marL="0" marR="0" algn="ctr">
+                        <a:lnSpc>
+                          <a:spcPct val="150000"/>
+                        </a:lnSpc>
+                        <a:spcBef>
+                          <a:spcPts val="0"/>
+                        </a:spcBef>
+                        <a:spcAft>
+                          <a:spcPts val="1000"/>
+                        </a:spcAft>
+                      </a:pPr>
+                      <a:r>
+                        <a:rPr lang="en-US" sz="2400">
+                          <a:latin typeface="Times New Roman"/>
+                          <a:ea typeface="Calibri"/>
+                          <a:cs typeface="Times New Roman"/>
+                        </a:rPr>
+                        <a:t>120</a:t>
+                      </a:r>
+                    </a:p>
+                  </a:txBody>
+                  <a:tcPr marL="68580" marR="68580" marT="0" marB="0"/>
+                </a:tc>
+              </a:tr>
+              <a:tr h="533127">
+                <a:tc>
+                  <a:txBody>
+                    <a:bodyPr/>
+                    <a:lstStyle/>
+                    <a:p>
+                      <a:pPr marL="0" marR="0" algn="ctr">
+                        <a:lnSpc>
+                          <a:spcPct val="150000"/>
+                        </a:lnSpc>
+                        <a:spcBef>
+                          <a:spcPts val="0"/>
+                        </a:spcBef>
+                        <a:spcAft>
+                          <a:spcPts val="1000"/>
+                        </a:spcAft>
+                      </a:pPr>
+                      <a:r>
+                        <a:rPr lang="en-US" sz="2400" b="1">
+                          <a:latin typeface="Times New Roman"/>
+                          <a:ea typeface="Calibri"/>
+                          <a:cs typeface="Times New Roman"/>
+                        </a:rPr>
+                        <a:t>bit 4</a:t>
+                      </a:r>
+                      <a:endParaRPr lang="en-US" sz="2400">
+                        <a:latin typeface="Times New Roman"/>
+                        <a:ea typeface="Calibri"/>
+                        <a:cs typeface="Times New Roman"/>
+                      </a:endParaRPr>
+                    </a:p>
+                  </a:txBody>
+                  <a:tcPr marL="68580" marR="68580" marT="0" marB="0"/>
+                </a:tc>
+                <a:tc>
+                  <a:txBody>
+                    <a:bodyPr/>
+                    <a:lstStyle/>
+                    <a:p>
+                      <a:pPr marL="0" marR="0" algn="ctr">
+                        <a:lnSpc>
+                          <a:spcPct val="150000"/>
+                        </a:lnSpc>
+                        <a:spcBef>
+                          <a:spcPts val="0"/>
+                        </a:spcBef>
+                        <a:spcAft>
+                          <a:spcPts val="1000"/>
+                        </a:spcAft>
+                      </a:pPr>
+                      <a:r>
+                        <a:rPr lang="en-US" sz="2400">
+                          <a:latin typeface="Times New Roman"/>
+                          <a:ea typeface="Calibri"/>
+                          <a:cs typeface="Times New Roman"/>
+                        </a:rPr>
+                        <a:t>140</a:t>
+                      </a:r>
+                    </a:p>
+                  </a:txBody>
+                  <a:tcPr marL="68580" marR="68580" marT="0" marB="0"/>
+                </a:tc>
+                <a:tc>
+                  <a:txBody>
+                    <a:bodyPr/>
+                    <a:lstStyle/>
+                    <a:p>
+                      <a:pPr marL="0" marR="0" algn="ctr">
+                        <a:lnSpc>
+                          <a:spcPct val="150000"/>
+                        </a:lnSpc>
+                        <a:spcBef>
+                          <a:spcPts val="0"/>
+                        </a:spcBef>
+                        <a:spcAft>
+                          <a:spcPts val="1000"/>
+                        </a:spcAft>
+                      </a:pPr>
+                      <a:r>
+                        <a:rPr lang="en-US" sz="2400">
+                          <a:latin typeface="Times New Roman"/>
+                          <a:ea typeface="Calibri"/>
+                          <a:cs typeface="Times New Roman"/>
+                        </a:rPr>
+                        <a:t>128</a:t>
+                      </a:r>
+                    </a:p>
+                  </a:txBody>
+                  <a:tcPr marL="68580" marR="68580" marT="0" marB="0"/>
+                </a:tc>
+                <a:tc>
+                  <a:txBody>
+                    <a:bodyPr/>
+                    <a:lstStyle/>
+                    <a:p>
+                      <a:pPr marL="0" marR="0" algn="ctr">
+                        <a:lnSpc>
+                          <a:spcPct val="150000"/>
+                        </a:lnSpc>
+                        <a:spcBef>
+                          <a:spcPts val="0"/>
+                        </a:spcBef>
+                        <a:spcAft>
+                          <a:spcPts val="1000"/>
+                        </a:spcAft>
+                      </a:pPr>
+                      <a:r>
+                        <a:rPr lang="en-US" sz="2400">
+                          <a:latin typeface="Times New Roman"/>
+                          <a:ea typeface="Calibri"/>
+                          <a:cs typeface="Times New Roman"/>
+                        </a:rPr>
+                        <a:t>140</a:t>
+                      </a:r>
+                    </a:p>
+                  </a:txBody>
+                  <a:tcPr marL="68580" marR="68580" marT="0" marB="0"/>
+                </a:tc>
+                <a:tc>
+                  <a:txBody>
+                    <a:bodyPr/>
+                    <a:lstStyle/>
+                    <a:p>
+                      <a:pPr marL="0" marR="0" algn="ctr">
+                        <a:lnSpc>
+                          <a:spcPct val="150000"/>
+                        </a:lnSpc>
+                        <a:spcBef>
+                          <a:spcPts val="0"/>
+                        </a:spcBef>
+                        <a:spcAft>
+                          <a:spcPts val="1000"/>
+                        </a:spcAft>
+                      </a:pPr>
+                      <a:r>
+                        <a:rPr lang="en-US" sz="2400">
+                          <a:latin typeface="Times New Roman"/>
+                          <a:ea typeface="Calibri"/>
+                          <a:cs typeface="Times New Roman"/>
+                        </a:rPr>
+                        <a:t>128</a:t>
+                      </a:r>
+                    </a:p>
+                  </a:txBody>
+                  <a:tcPr marL="68580" marR="68580" marT="0" marB="0"/>
+                </a:tc>
+                <a:tc>
+                  <a:txBody>
+                    <a:bodyPr/>
+                    <a:lstStyle/>
+                    <a:p>
+                      <a:pPr marL="0" marR="0" algn="ctr">
+                        <a:lnSpc>
+                          <a:spcPct val="150000"/>
+                        </a:lnSpc>
+                        <a:spcBef>
+                          <a:spcPts val="0"/>
+                        </a:spcBef>
+                        <a:spcAft>
+                          <a:spcPts val="1000"/>
+                        </a:spcAft>
+                      </a:pPr>
+                      <a:r>
+                        <a:rPr lang="en-US" sz="2400">
+                          <a:latin typeface="Times New Roman"/>
+                          <a:ea typeface="Calibri"/>
+                          <a:cs typeface="Times New Roman"/>
+                        </a:rPr>
+                        <a:t>132</a:t>
+                      </a:r>
+                    </a:p>
+                  </a:txBody>
+                  <a:tcPr marL="68580" marR="68580" marT="0" marB="0"/>
+                </a:tc>
+                <a:tc>
+                  <a:txBody>
+                    <a:bodyPr/>
+                    <a:lstStyle/>
+                    <a:p>
+                      <a:pPr marL="0" marR="0" algn="ctr">
+                        <a:lnSpc>
+                          <a:spcPct val="150000"/>
+                        </a:lnSpc>
+                        <a:spcBef>
+                          <a:spcPts val="0"/>
+                        </a:spcBef>
+                        <a:spcAft>
+                          <a:spcPts val="1000"/>
+                        </a:spcAft>
+                      </a:pPr>
+                      <a:r>
+                        <a:rPr lang="en-US" sz="2400">
+                          <a:latin typeface="Times New Roman"/>
+                          <a:ea typeface="Calibri"/>
+                          <a:cs typeface="Times New Roman"/>
+                        </a:rPr>
+                        <a:t>136</a:t>
+                      </a:r>
+                    </a:p>
+                  </a:txBody>
+                  <a:tcPr marL="68580" marR="68580" marT="0" marB="0"/>
+                </a:tc>
+                <a:tc>
+                  <a:txBody>
+                    <a:bodyPr/>
+                    <a:lstStyle/>
+                    <a:p>
+                      <a:pPr marL="0" marR="0" algn="ctr">
+                        <a:lnSpc>
+                          <a:spcPct val="150000"/>
+                        </a:lnSpc>
+                        <a:spcBef>
+                          <a:spcPts val="0"/>
+                        </a:spcBef>
+                        <a:spcAft>
+                          <a:spcPts val="1000"/>
+                        </a:spcAft>
+                      </a:pPr>
+                      <a:r>
+                        <a:rPr lang="en-US" sz="2400">
+                          <a:latin typeface="Times New Roman"/>
+                          <a:ea typeface="Calibri"/>
+                          <a:cs typeface="Times New Roman"/>
+                        </a:rPr>
+                        <a:t>136</a:t>
+                      </a:r>
+                    </a:p>
+                  </a:txBody>
+                  <a:tcPr marL="68580" marR="68580" marT="0" marB="0"/>
+                </a:tc>
+                <a:tc>
+                  <a:txBody>
+                    <a:bodyPr/>
+                    <a:lstStyle/>
+                    <a:p>
+                      <a:pPr marL="0" marR="0" algn="ctr">
+                        <a:lnSpc>
+                          <a:spcPct val="150000"/>
+                        </a:lnSpc>
+                        <a:spcBef>
+                          <a:spcPts val="0"/>
+                        </a:spcBef>
+                        <a:spcAft>
+                          <a:spcPts val="1000"/>
+                        </a:spcAft>
+                      </a:pPr>
+                      <a:r>
+                        <a:rPr lang="en-US" sz="2400">
+                          <a:latin typeface="Times New Roman"/>
+                          <a:ea typeface="Calibri"/>
+                          <a:cs typeface="Times New Roman"/>
+                        </a:rPr>
+                        <a:t>144</a:t>
+                      </a:r>
+                    </a:p>
+                  </a:txBody>
+                  <a:tcPr marL="68580" marR="68580" marT="0" marB="0"/>
+                </a:tc>
+              </a:tr>
+              <a:tr h="533127">
+                <a:tc>
+                  <a:txBody>
+                    <a:bodyPr/>
+                    <a:lstStyle/>
+                    <a:p>
+                      <a:pPr marL="0" marR="0" algn="ctr">
+                        <a:lnSpc>
+                          <a:spcPct val="150000"/>
+                        </a:lnSpc>
+                        <a:spcBef>
+                          <a:spcPts val="0"/>
+                        </a:spcBef>
+                        <a:spcAft>
+                          <a:spcPts val="1000"/>
+                        </a:spcAft>
+                      </a:pPr>
+                      <a:r>
+                        <a:rPr lang="en-US" sz="2400" b="1">
+                          <a:latin typeface="Times New Roman"/>
+                          <a:ea typeface="Calibri"/>
+                          <a:cs typeface="Times New Roman"/>
+                        </a:rPr>
+                        <a:t>bit 5</a:t>
+                      </a:r>
+                      <a:endParaRPr lang="en-US" sz="2400">
+                        <a:latin typeface="Times New Roman"/>
+                        <a:ea typeface="Calibri"/>
+                        <a:cs typeface="Times New Roman"/>
+                      </a:endParaRPr>
+                    </a:p>
+                  </a:txBody>
+                  <a:tcPr marL="68580" marR="68580" marT="0" marB="0"/>
+                </a:tc>
+                <a:tc>
+                  <a:txBody>
+                    <a:bodyPr/>
+                    <a:lstStyle/>
+                    <a:p>
+                      <a:pPr marL="0" marR="0" algn="ctr">
+                        <a:lnSpc>
+                          <a:spcPct val="150000"/>
+                        </a:lnSpc>
+                        <a:spcBef>
+                          <a:spcPts val="0"/>
+                        </a:spcBef>
+                        <a:spcAft>
+                          <a:spcPts val="1000"/>
+                        </a:spcAft>
+                      </a:pPr>
+                      <a:r>
+                        <a:rPr lang="en-US" sz="2400">
+                          <a:latin typeface="Times New Roman"/>
+                          <a:ea typeface="Calibri"/>
+                          <a:cs typeface="Times New Roman"/>
+                        </a:rPr>
+                        <a:t>116</a:t>
+                      </a:r>
+                    </a:p>
+                  </a:txBody>
+                  <a:tcPr marL="68580" marR="68580" marT="0" marB="0"/>
+                </a:tc>
+                <a:tc>
+                  <a:txBody>
+                    <a:bodyPr/>
+                    <a:lstStyle/>
+                    <a:p>
+                      <a:pPr marL="0" marR="0" algn="ctr">
+                        <a:lnSpc>
+                          <a:spcPct val="150000"/>
+                        </a:lnSpc>
+                        <a:spcBef>
+                          <a:spcPts val="0"/>
+                        </a:spcBef>
+                        <a:spcAft>
+                          <a:spcPts val="1000"/>
+                        </a:spcAft>
+                      </a:pPr>
+                      <a:r>
+                        <a:rPr lang="en-US" sz="2400">
+                          <a:latin typeface="Times New Roman"/>
+                          <a:ea typeface="Calibri"/>
+                          <a:cs typeface="Times New Roman"/>
+                        </a:rPr>
+                        <a:t>140</a:t>
+                      </a:r>
+                    </a:p>
+                  </a:txBody>
+                  <a:tcPr marL="68580" marR="68580" marT="0" marB="0"/>
+                </a:tc>
+                <a:tc>
+                  <a:txBody>
+                    <a:bodyPr/>
+                    <a:lstStyle/>
+                    <a:p>
+                      <a:pPr marL="0" marR="0" algn="ctr">
+                        <a:lnSpc>
+                          <a:spcPct val="150000"/>
+                        </a:lnSpc>
+                        <a:spcBef>
+                          <a:spcPts val="0"/>
+                        </a:spcBef>
+                        <a:spcAft>
+                          <a:spcPts val="1000"/>
+                        </a:spcAft>
+                      </a:pPr>
+                      <a:r>
+                        <a:rPr lang="en-US" sz="2400">
+                          <a:latin typeface="Times New Roman"/>
+                          <a:ea typeface="Calibri"/>
+                          <a:cs typeface="Times New Roman"/>
+                        </a:rPr>
+                        <a:t>136</a:t>
+                      </a:r>
+                    </a:p>
+                  </a:txBody>
+                  <a:tcPr marL="68580" marR="68580" marT="0" marB="0"/>
+                </a:tc>
+                <a:tc>
+                  <a:txBody>
+                    <a:bodyPr/>
+                    <a:lstStyle/>
+                    <a:p>
+                      <a:pPr marL="0" marR="0" algn="ctr">
+                        <a:lnSpc>
+                          <a:spcPct val="150000"/>
+                        </a:lnSpc>
+                        <a:spcBef>
+                          <a:spcPts val="0"/>
+                        </a:spcBef>
+                        <a:spcAft>
+                          <a:spcPts val="1000"/>
+                        </a:spcAft>
+                      </a:pPr>
+                      <a:r>
+                        <a:rPr lang="en-US" sz="2400">
+                          <a:latin typeface="Times New Roman"/>
+                          <a:ea typeface="Calibri"/>
+                          <a:cs typeface="Times New Roman"/>
+                        </a:rPr>
+                        <a:t>120</a:t>
+                      </a:r>
+                    </a:p>
+                  </a:txBody>
+                  <a:tcPr marL="68580" marR="68580" marT="0" marB="0"/>
+                </a:tc>
+                <a:tc>
+                  <a:txBody>
+                    <a:bodyPr/>
+                    <a:lstStyle/>
+                    <a:p>
+                      <a:pPr marL="0" marR="0" algn="ctr">
+                        <a:lnSpc>
+                          <a:spcPct val="150000"/>
+                        </a:lnSpc>
+                        <a:spcBef>
+                          <a:spcPts val="0"/>
+                        </a:spcBef>
+                        <a:spcAft>
+                          <a:spcPts val="1000"/>
+                        </a:spcAft>
+                      </a:pPr>
+                      <a:r>
+                        <a:rPr lang="en-US" sz="2400">
+                          <a:latin typeface="Times New Roman"/>
+                          <a:ea typeface="Calibri"/>
+                          <a:cs typeface="Times New Roman"/>
+                        </a:rPr>
+                        <a:t>120</a:t>
+                      </a:r>
+                    </a:p>
+                  </a:txBody>
+                  <a:tcPr marL="68580" marR="68580" marT="0" marB="0"/>
+                </a:tc>
+                <a:tc>
+                  <a:txBody>
+                    <a:bodyPr/>
+                    <a:lstStyle/>
+                    <a:p>
+                      <a:pPr marL="0" marR="0" algn="ctr">
+                        <a:lnSpc>
+                          <a:spcPct val="150000"/>
+                        </a:lnSpc>
+                        <a:spcBef>
+                          <a:spcPts val="0"/>
+                        </a:spcBef>
+                        <a:spcAft>
+                          <a:spcPts val="1000"/>
+                        </a:spcAft>
+                      </a:pPr>
+                      <a:r>
+                        <a:rPr lang="en-US" sz="2400">
+                          <a:latin typeface="Times New Roman"/>
+                          <a:ea typeface="Calibri"/>
+                          <a:cs typeface="Times New Roman"/>
+                        </a:rPr>
+                        <a:t>124</a:t>
+                      </a:r>
+                    </a:p>
+                  </a:txBody>
+                  <a:tcPr marL="68580" marR="68580" marT="0" marB="0"/>
+                </a:tc>
+                <a:tc>
+                  <a:txBody>
+                    <a:bodyPr/>
+                    <a:lstStyle/>
+                    <a:p>
+                      <a:pPr marL="0" marR="0" algn="ctr">
+                        <a:lnSpc>
+                          <a:spcPct val="150000"/>
+                        </a:lnSpc>
+                        <a:spcBef>
+                          <a:spcPts val="0"/>
+                        </a:spcBef>
+                        <a:spcAft>
+                          <a:spcPts val="1000"/>
+                        </a:spcAft>
+                      </a:pPr>
+                      <a:r>
+                        <a:rPr lang="en-US" sz="2400">
+                          <a:latin typeface="Times New Roman"/>
+                          <a:ea typeface="Calibri"/>
+                          <a:cs typeface="Times New Roman"/>
+                        </a:rPr>
+                        <a:t>124</a:t>
+                      </a:r>
+                    </a:p>
+                  </a:txBody>
+                  <a:tcPr marL="68580" marR="68580" marT="0" marB="0"/>
+                </a:tc>
+                <a:tc>
+                  <a:txBody>
+                    <a:bodyPr/>
+                    <a:lstStyle/>
+                    <a:p>
+                      <a:pPr marL="0" marR="0" algn="ctr">
+                        <a:lnSpc>
+                          <a:spcPct val="150000"/>
+                        </a:lnSpc>
+                        <a:spcBef>
+                          <a:spcPts val="0"/>
+                        </a:spcBef>
+                        <a:spcAft>
+                          <a:spcPts val="1000"/>
+                        </a:spcAft>
+                      </a:pPr>
+                      <a:r>
+                        <a:rPr lang="en-US" sz="2400">
+                          <a:latin typeface="Times New Roman"/>
+                          <a:ea typeface="Calibri"/>
+                          <a:cs typeface="Times New Roman"/>
+                        </a:rPr>
+                        <a:t>136</a:t>
+                      </a:r>
+                    </a:p>
+                  </a:txBody>
+                  <a:tcPr marL="68580" marR="68580" marT="0" marB="0"/>
+                </a:tc>
+              </a:tr>
+              <a:tr h="533127">
+                <a:tc>
+                  <a:txBody>
+                    <a:bodyPr/>
+                    <a:lstStyle/>
+                    <a:p>
+                      <a:pPr marL="0" marR="0" algn="ctr">
+                        <a:lnSpc>
+                          <a:spcPct val="150000"/>
+                        </a:lnSpc>
+                        <a:spcBef>
+                          <a:spcPts val="0"/>
+                        </a:spcBef>
+                        <a:spcAft>
+                          <a:spcPts val="1000"/>
+                        </a:spcAft>
+                      </a:pPr>
+                      <a:r>
+                        <a:rPr lang="en-US" sz="2400" b="1">
+                          <a:latin typeface="Times New Roman"/>
+                          <a:ea typeface="Calibri"/>
+                          <a:cs typeface="Times New Roman"/>
+                        </a:rPr>
+                        <a:t>bit 6</a:t>
+                      </a:r>
+                      <a:endParaRPr lang="en-US" sz="2400">
+                        <a:latin typeface="Times New Roman"/>
+                        <a:ea typeface="Calibri"/>
+                        <a:cs typeface="Times New Roman"/>
+                      </a:endParaRPr>
+                    </a:p>
+                  </a:txBody>
+                  <a:tcPr marL="68580" marR="68580" marT="0" marB="0"/>
+                </a:tc>
+                <a:tc>
+                  <a:txBody>
+                    <a:bodyPr/>
+                    <a:lstStyle/>
+                    <a:p>
+                      <a:pPr marL="0" marR="0" algn="ctr">
+                        <a:lnSpc>
+                          <a:spcPct val="150000"/>
+                        </a:lnSpc>
+                        <a:spcBef>
+                          <a:spcPts val="0"/>
+                        </a:spcBef>
+                        <a:spcAft>
+                          <a:spcPts val="1000"/>
+                        </a:spcAft>
+                      </a:pPr>
+                      <a:r>
+                        <a:rPr lang="en-US" sz="2400">
+                          <a:latin typeface="Times New Roman"/>
+                          <a:ea typeface="Calibri"/>
+                          <a:cs typeface="Times New Roman"/>
+                        </a:rPr>
+                        <a:t>120</a:t>
+                      </a:r>
+                    </a:p>
+                  </a:txBody>
+                  <a:tcPr marL="68580" marR="68580" marT="0" marB="0"/>
+                </a:tc>
+                <a:tc>
+                  <a:txBody>
+                    <a:bodyPr/>
+                    <a:lstStyle/>
+                    <a:p>
+                      <a:pPr marL="0" marR="0" algn="ctr">
+                        <a:lnSpc>
+                          <a:spcPct val="150000"/>
+                        </a:lnSpc>
+                        <a:spcBef>
+                          <a:spcPts val="0"/>
+                        </a:spcBef>
+                        <a:spcAft>
+                          <a:spcPts val="1000"/>
+                        </a:spcAft>
+                      </a:pPr>
+                      <a:r>
+                        <a:rPr lang="en-US" sz="2400">
+                          <a:latin typeface="Times New Roman"/>
+                          <a:ea typeface="Calibri"/>
+                          <a:cs typeface="Times New Roman"/>
+                        </a:rPr>
+                        <a:t>136</a:t>
+                      </a:r>
+                    </a:p>
+                  </a:txBody>
+                  <a:tcPr marL="68580" marR="68580" marT="0" marB="0"/>
+                </a:tc>
+                <a:tc>
+                  <a:txBody>
+                    <a:bodyPr/>
+                    <a:lstStyle/>
+                    <a:p>
+                      <a:pPr marL="0" marR="0" algn="ctr">
+                        <a:lnSpc>
+                          <a:spcPct val="150000"/>
+                        </a:lnSpc>
+                        <a:spcBef>
+                          <a:spcPts val="0"/>
+                        </a:spcBef>
+                        <a:spcAft>
+                          <a:spcPts val="1000"/>
+                        </a:spcAft>
+                      </a:pPr>
+                      <a:r>
+                        <a:rPr lang="en-US" sz="2400">
+                          <a:latin typeface="Times New Roman"/>
+                          <a:ea typeface="Calibri"/>
+                          <a:cs typeface="Times New Roman"/>
+                        </a:rPr>
+                        <a:t>136</a:t>
+                      </a:r>
+                    </a:p>
+                  </a:txBody>
+                  <a:tcPr marL="68580" marR="68580" marT="0" marB="0"/>
+                </a:tc>
+                <a:tc>
+                  <a:txBody>
+                    <a:bodyPr/>
+                    <a:lstStyle/>
+                    <a:p>
+                      <a:pPr marL="0" marR="0" algn="ctr">
+                        <a:lnSpc>
+                          <a:spcPct val="150000"/>
+                        </a:lnSpc>
+                        <a:spcBef>
+                          <a:spcPts val="0"/>
+                        </a:spcBef>
+                        <a:spcAft>
+                          <a:spcPts val="1000"/>
+                        </a:spcAft>
+                      </a:pPr>
+                      <a:r>
+                        <a:rPr lang="en-US" sz="2400">
+                          <a:latin typeface="Times New Roman"/>
+                          <a:ea typeface="Calibri"/>
+                          <a:cs typeface="Times New Roman"/>
+                        </a:rPr>
+                        <a:t>132</a:t>
+                      </a:r>
+                    </a:p>
+                  </a:txBody>
+                  <a:tcPr marL="68580" marR="68580" marT="0" marB="0"/>
+                </a:tc>
+                <a:tc>
+                  <a:txBody>
+                    <a:bodyPr/>
+                    <a:lstStyle/>
+                    <a:p>
+                      <a:pPr marL="0" marR="0" algn="ctr">
+                        <a:lnSpc>
+                          <a:spcPct val="150000"/>
+                        </a:lnSpc>
+                        <a:spcBef>
+                          <a:spcPts val="0"/>
+                        </a:spcBef>
+                        <a:spcAft>
+                          <a:spcPts val="1000"/>
+                        </a:spcAft>
+                      </a:pPr>
+                      <a:r>
+                        <a:rPr lang="en-US" sz="2400">
+                          <a:latin typeface="Times New Roman"/>
+                          <a:ea typeface="Calibri"/>
+                          <a:cs typeface="Times New Roman"/>
+                        </a:rPr>
+                        <a:t>112</a:t>
+                      </a:r>
+                    </a:p>
+                  </a:txBody>
+                  <a:tcPr marL="68580" marR="68580" marT="0" marB="0"/>
+                </a:tc>
+                <a:tc>
+                  <a:txBody>
+                    <a:bodyPr/>
+                    <a:lstStyle/>
+                    <a:p>
+                      <a:pPr marL="0" marR="0" algn="ctr">
+                        <a:lnSpc>
+                          <a:spcPct val="150000"/>
+                        </a:lnSpc>
+                        <a:spcBef>
+                          <a:spcPts val="0"/>
+                        </a:spcBef>
+                        <a:spcAft>
+                          <a:spcPts val="1000"/>
+                        </a:spcAft>
+                      </a:pPr>
+                      <a:r>
+                        <a:rPr lang="en-US" sz="2400">
+                          <a:latin typeface="Times New Roman"/>
+                          <a:ea typeface="Calibri"/>
+                          <a:cs typeface="Times New Roman"/>
+                        </a:rPr>
+                        <a:t>124</a:t>
+                      </a:r>
+                    </a:p>
+                  </a:txBody>
+                  <a:tcPr marL="68580" marR="68580" marT="0" marB="0"/>
+                </a:tc>
+                <a:tc>
+                  <a:txBody>
+                    <a:bodyPr/>
+                    <a:lstStyle/>
+                    <a:p>
+                      <a:pPr marL="0" marR="0" algn="ctr">
+                        <a:lnSpc>
+                          <a:spcPct val="150000"/>
+                        </a:lnSpc>
+                        <a:spcBef>
+                          <a:spcPts val="0"/>
+                        </a:spcBef>
+                        <a:spcAft>
+                          <a:spcPts val="1000"/>
+                        </a:spcAft>
+                      </a:pPr>
+                      <a:r>
+                        <a:rPr lang="en-US" sz="2400">
+                          <a:latin typeface="Times New Roman"/>
+                          <a:ea typeface="Calibri"/>
+                          <a:cs typeface="Times New Roman"/>
+                        </a:rPr>
+                        <a:t>124</a:t>
+                      </a:r>
+                    </a:p>
+                  </a:txBody>
+                  <a:tcPr marL="68580" marR="68580" marT="0" marB="0"/>
+                </a:tc>
+                <a:tc>
+                  <a:txBody>
+                    <a:bodyPr/>
+                    <a:lstStyle/>
+                    <a:p>
+                      <a:pPr marL="0" marR="0" algn="ctr">
+                        <a:lnSpc>
+                          <a:spcPct val="150000"/>
+                        </a:lnSpc>
+                        <a:spcBef>
+                          <a:spcPts val="0"/>
+                        </a:spcBef>
+                        <a:spcAft>
+                          <a:spcPts val="1000"/>
+                        </a:spcAft>
+                      </a:pPr>
+                      <a:r>
+                        <a:rPr lang="en-US" sz="2400">
+                          <a:latin typeface="Times New Roman"/>
+                          <a:ea typeface="Calibri"/>
+                          <a:cs typeface="Times New Roman"/>
+                        </a:rPr>
+                        <a:t>124</a:t>
+                      </a:r>
+                    </a:p>
+                  </a:txBody>
+                  <a:tcPr marL="68580" marR="68580" marT="0" marB="0"/>
+                </a:tc>
+              </a:tr>
+              <a:tr h="533127">
+                <a:tc>
+                  <a:txBody>
+                    <a:bodyPr/>
+                    <a:lstStyle/>
+                    <a:p>
+                      <a:pPr marL="0" marR="0" algn="ctr">
+                        <a:lnSpc>
+                          <a:spcPct val="150000"/>
+                        </a:lnSpc>
+                        <a:spcBef>
+                          <a:spcPts val="0"/>
+                        </a:spcBef>
+                        <a:spcAft>
+                          <a:spcPts val="1000"/>
+                        </a:spcAft>
+                      </a:pPr>
+                      <a:r>
+                        <a:rPr lang="en-US" sz="2400" b="1">
+                          <a:latin typeface="Times New Roman"/>
+                          <a:ea typeface="Calibri"/>
+                          <a:cs typeface="Times New Roman"/>
+                        </a:rPr>
+                        <a:t>bit 7</a:t>
+                      </a:r>
+                      <a:endParaRPr lang="en-US" sz="2400">
+                        <a:latin typeface="Times New Roman"/>
+                        <a:ea typeface="Calibri"/>
+                        <a:cs typeface="Times New Roman"/>
+                      </a:endParaRPr>
+                    </a:p>
+                  </a:txBody>
+                  <a:tcPr marL="68580" marR="68580" marT="0" marB="0"/>
+                </a:tc>
+                <a:tc>
+                  <a:txBody>
+                    <a:bodyPr/>
+                    <a:lstStyle/>
+                    <a:p>
+                      <a:pPr marL="0" marR="0" algn="ctr">
+                        <a:lnSpc>
+                          <a:spcPct val="150000"/>
+                        </a:lnSpc>
+                        <a:spcBef>
+                          <a:spcPts val="0"/>
+                        </a:spcBef>
+                        <a:spcAft>
+                          <a:spcPts val="1000"/>
+                        </a:spcAft>
+                      </a:pPr>
+                      <a:r>
+                        <a:rPr lang="en-US" sz="2400">
+                          <a:latin typeface="Times New Roman"/>
+                          <a:ea typeface="Calibri"/>
+                          <a:cs typeface="Times New Roman"/>
+                        </a:rPr>
+                        <a:t>132</a:t>
+                      </a:r>
+                    </a:p>
+                  </a:txBody>
+                  <a:tcPr marL="68580" marR="68580" marT="0" marB="0"/>
+                </a:tc>
+                <a:tc>
+                  <a:txBody>
+                    <a:bodyPr/>
+                    <a:lstStyle/>
+                    <a:p>
+                      <a:pPr marL="0" marR="0" algn="ctr">
+                        <a:lnSpc>
+                          <a:spcPct val="150000"/>
+                        </a:lnSpc>
+                        <a:spcBef>
+                          <a:spcPts val="0"/>
+                        </a:spcBef>
+                        <a:spcAft>
+                          <a:spcPts val="1000"/>
+                        </a:spcAft>
+                      </a:pPr>
+                      <a:r>
+                        <a:rPr lang="en-US" sz="2400">
+                          <a:latin typeface="Times New Roman"/>
+                          <a:ea typeface="Calibri"/>
+                          <a:cs typeface="Times New Roman"/>
+                        </a:rPr>
+                        <a:t>136</a:t>
+                      </a:r>
+                    </a:p>
+                  </a:txBody>
+                  <a:tcPr marL="68580" marR="68580" marT="0" marB="0"/>
+                </a:tc>
+                <a:tc>
+                  <a:txBody>
+                    <a:bodyPr/>
+                    <a:lstStyle/>
+                    <a:p>
+                      <a:pPr marL="0" marR="0" algn="ctr">
+                        <a:lnSpc>
+                          <a:spcPct val="150000"/>
+                        </a:lnSpc>
+                        <a:spcBef>
+                          <a:spcPts val="0"/>
+                        </a:spcBef>
+                        <a:spcAft>
+                          <a:spcPts val="1000"/>
+                        </a:spcAft>
+                      </a:pPr>
+                      <a:r>
+                        <a:rPr lang="en-US" sz="2400">
+                          <a:latin typeface="Times New Roman"/>
+                          <a:ea typeface="Calibri"/>
+                          <a:cs typeface="Times New Roman"/>
+                        </a:rPr>
+                        <a:t>124</a:t>
+                      </a:r>
+                    </a:p>
+                  </a:txBody>
+                  <a:tcPr marL="68580" marR="68580" marT="0" marB="0"/>
+                </a:tc>
+                <a:tc>
+                  <a:txBody>
+                    <a:bodyPr/>
+                    <a:lstStyle/>
+                    <a:p>
+                      <a:pPr marL="0" marR="0" algn="ctr">
+                        <a:lnSpc>
+                          <a:spcPct val="150000"/>
+                        </a:lnSpc>
+                        <a:spcBef>
+                          <a:spcPts val="0"/>
+                        </a:spcBef>
+                        <a:spcAft>
+                          <a:spcPts val="1000"/>
+                        </a:spcAft>
+                      </a:pPr>
+                      <a:r>
+                        <a:rPr lang="en-US" sz="2400">
+                          <a:latin typeface="Times New Roman"/>
+                          <a:ea typeface="Calibri"/>
+                          <a:cs typeface="Times New Roman"/>
+                        </a:rPr>
+                        <a:t>128</a:t>
+                      </a:r>
+                    </a:p>
+                  </a:txBody>
+                  <a:tcPr marL="68580" marR="68580" marT="0" marB="0"/>
+                </a:tc>
+                <a:tc>
+                  <a:txBody>
+                    <a:bodyPr/>
+                    <a:lstStyle/>
+                    <a:p>
+                      <a:pPr marL="0" marR="0" algn="ctr">
+                        <a:lnSpc>
+                          <a:spcPct val="150000"/>
+                        </a:lnSpc>
+                        <a:spcBef>
+                          <a:spcPts val="0"/>
+                        </a:spcBef>
+                        <a:spcAft>
+                          <a:spcPts val="1000"/>
+                        </a:spcAft>
+                      </a:pPr>
+                      <a:r>
+                        <a:rPr lang="en-US" sz="2400">
+                          <a:latin typeface="Times New Roman"/>
+                          <a:ea typeface="Calibri"/>
+                          <a:cs typeface="Times New Roman"/>
+                        </a:rPr>
+                        <a:t>124</a:t>
+                      </a:r>
+                    </a:p>
+                  </a:txBody>
+                  <a:tcPr marL="68580" marR="68580" marT="0" marB="0"/>
+                </a:tc>
+                <a:tc>
+                  <a:txBody>
+                    <a:bodyPr/>
+                    <a:lstStyle/>
+                    <a:p>
+                      <a:pPr marL="0" marR="0" algn="ctr">
+                        <a:lnSpc>
+                          <a:spcPct val="150000"/>
+                        </a:lnSpc>
+                        <a:spcBef>
+                          <a:spcPts val="0"/>
+                        </a:spcBef>
+                        <a:spcAft>
+                          <a:spcPts val="1000"/>
+                        </a:spcAft>
+                      </a:pPr>
+                      <a:r>
+                        <a:rPr lang="en-US" sz="2400">
+                          <a:latin typeface="Times New Roman"/>
+                          <a:ea typeface="Calibri"/>
+                          <a:cs typeface="Times New Roman"/>
+                        </a:rPr>
+                        <a:t>132</a:t>
+                      </a:r>
+                    </a:p>
+                  </a:txBody>
+                  <a:tcPr marL="68580" marR="68580" marT="0" marB="0"/>
+                </a:tc>
+                <a:tc>
+                  <a:txBody>
+                    <a:bodyPr/>
+                    <a:lstStyle/>
+                    <a:p>
+                      <a:pPr marL="0" marR="0" algn="ctr">
+                        <a:lnSpc>
+                          <a:spcPct val="150000"/>
+                        </a:lnSpc>
+                        <a:spcBef>
+                          <a:spcPts val="0"/>
+                        </a:spcBef>
+                        <a:spcAft>
+                          <a:spcPts val="1000"/>
+                        </a:spcAft>
+                      </a:pPr>
+                      <a:r>
+                        <a:rPr lang="en-US" sz="2400">
+                          <a:latin typeface="Times New Roman"/>
+                          <a:ea typeface="Calibri"/>
+                          <a:cs typeface="Times New Roman"/>
+                        </a:rPr>
+                        <a:t>132</a:t>
+                      </a:r>
+                    </a:p>
+                  </a:txBody>
+                  <a:tcPr marL="68580" marR="68580" marT="0" marB="0"/>
+                </a:tc>
+                <a:tc>
+                  <a:txBody>
+                    <a:bodyPr/>
+                    <a:lstStyle/>
+                    <a:p>
+                      <a:pPr marL="0" marR="0" algn="ctr">
+                        <a:lnSpc>
+                          <a:spcPct val="150000"/>
+                        </a:lnSpc>
+                        <a:spcBef>
+                          <a:spcPts val="0"/>
+                        </a:spcBef>
+                        <a:spcAft>
+                          <a:spcPts val="1000"/>
+                        </a:spcAft>
+                      </a:pPr>
+                      <a:r>
+                        <a:rPr lang="en-US" sz="2400">
+                          <a:latin typeface="Times New Roman"/>
+                          <a:ea typeface="Calibri"/>
+                          <a:cs typeface="Times New Roman"/>
+                        </a:rPr>
+                        <a:t>136</a:t>
+                      </a:r>
+                    </a:p>
+                  </a:txBody>
+                  <a:tcPr marL="68580" marR="68580" marT="0" marB="0"/>
+                </a:tc>
+              </a:tr>
+            </a:tbl>
+          </a:graphicData>
+        </a:graphic>
+      </p:graphicFrame>
+      <p:sp>
+        <p:nvSpPr>
+          <p:cNvPr id="4" name="Date Placeholder 3"/>
+          <p:cNvSpPr>
+            <a:spLocks noGrp="1"/>
+          </p:cNvSpPr>
+          <p:nvPr>
+            <p:ph type="dt" sz="half" idx="10"/>
+          </p:nvPr>
+        </p:nvSpPr>
+        <p:spPr/>
+        <p:txBody>
+          <a:bodyPr/>
+          <a:lstStyle/>
+          <a:p>
+            <a:fld id="{7C294124-47EA-4536-AD0A-FC4FCEA2FD23}" type="datetime1">
+              <a:rPr lang="vi-VN" smtClean="0"/>
+              <a:pPr/>
+              <a:t>11/06/2011</a:t>
+            </a:fld>
+            <a:endParaRPr lang="en-US"/>
+          </a:p>
+        </p:txBody>
+      </p:sp>
+      <p:sp>
+        <p:nvSpPr>
+          <p:cNvPr id="5" name="Footer Placeholder 4"/>
+          <p:cNvSpPr>
+            <a:spLocks noGrp="1"/>
+          </p:cNvSpPr>
+          <p:nvPr>
+            <p:ph type="ftr" sz="quarter" idx="11"/>
+          </p:nvPr>
+        </p:nvSpPr>
+        <p:spPr/>
+        <p:txBody>
+          <a:bodyPr/>
+          <a:lstStyle/>
+          <a:p>
+            <a:r>
+              <a:rPr lang="en-US" smtClean="0"/>
+              <a:t>Khảo sát mã dòng và ứng dụng</a:t>
+            </a:r>
+            <a:endParaRPr lang="en-US"/>
+          </a:p>
+        </p:txBody>
+      </p:sp>
+      <p:sp>
+        <p:nvSpPr>
+          <p:cNvPr id="6" name="Slide Number Placeholder 5"/>
+          <p:cNvSpPr>
+            <a:spLocks noGrp="1"/>
+          </p:cNvSpPr>
+          <p:nvPr>
+            <p:ph type="sldNum" sz="quarter" idx="12"/>
+          </p:nvPr>
+        </p:nvSpPr>
+        <p:spPr/>
+        <p:txBody>
+          <a:bodyPr/>
+          <a:lstStyle/>
+          <a:p>
+            <a:fld id="{CA554274-6C47-4D4B-8630-CC803E51C38C}" type="slidenum">
+              <a:rPr lang="en-US" smtClean="0"/>
+              <a:pPr/>
+              <a:t>42</a:t>
+            </a:fld>
+            <a:endParaRPr lang="en-US"/>
+          </a:p>
+        </p:txBody>
+      </p:sp>
+    </p:spTree>
+  </p:cSld>
+  <p:clrMapOvr>
+    <a:masterClrMapping/>
+  </p:clrMapOvr>
+  <p:timing>
+    <p:tnLst>
+      <p:par>
+        <p:cTn id="1" dur="indefinite" restart="never" nodeType="tmRoot"/>
+      </p:par>
+    </p:tnLst>
+  </p:timing>
+</p:sld>
+</file>
+
+<file path=ppt/slides/slide43.xml><?xml version="1.0" encoding="utf-8"?>
+<p:sld xmlns:a="http://schemas.openxmlformats.org/drawingml/2006/main" xmlns:r="http://schemas.openxmlformats.org/officeDocument/2006/relationships" xmlns:p="http://schemas.openxmlformats.org/presentationml/2006/main">
+  <p:cSld>
+    <p:spTree>
+      <p:nvGrpSpPr>
+        <p:cNvPr id="1" name=""/>
+        <p:cNvGrpSpPr/>
+        <p:nvPr/>
+      </p:nvGrpSpPr>
+      <p:grpSpPr>
+        <a:xfrm>
+          <a:off x="0" y="0"/>
+          <a:ext cx="0" cy="0"/>
+          <a:chOff x="0" y="0"/>
+          <a:chExt cx="0" cy="0"/>
+        </a:xfrm>
+      </p:grpSpPr>
+      <p:sp>
+        <p:nvSpPr>
+          <p:cNvPr id="2" name="Title 1"/>
+          <p:cNvSpPr>
+            <a:spLocks noGrp="1"/>
+          </p:cNvSpPr>
+          <p:nvPr>
+            <p:ph type="title"/>
+          </p:nvPr>
+        </p:nvSpPr>
+        <p:spPr/>
+        <p:txBody>
+          <a:bodyPr/>
+          <a:lstStyle/>
+          <a:p>
+            <a:r>
+              <a:rPr lang="en-US" b="1" smtClean="0"/>
+              <a:t>So sánh</a:t>
+            </a:r>
+            <a:endParaRPr lang="en-US" b="1"/>
+          </a:p>
+        </p:txBody>
+      </p:sp>
+      <p:graphicFrame>
+        <p:nvGraphicFramePr>
+          <p:cNvPr id="7" name="Content Placeholder 6"/>
+          <p:cNvGraphicFramePr>
+            <a:graphicFrameLocks noGrp="1"/>
+          </p:cNvGraphicFramePr>
+          <p:nvPr>
+            <p:ph idx="1"/>
+          </p:nvPr>
+        </p:nvGraphicFramePr>
+        <p:xfrm>
+          <a:off x="457200" y="1295400"/>
+          <a:ext cx="8229600" cy="4609150"/>
+        </p:xfrm>
+        <a:graphic>
+          <a:graphicData uri="http://schemas.openxmlformats.org/drawingml/2006/table">
+            <a:tbl>
+              <a:tblPr firstRow="1" bandRow="1">
+                <a:tableStyleId>{5C22544A-7EE6-4342-B048-85BDC9FD1C3A}</a:tableStyleId>
+              </a:tblPr>
+              <a:tblGrid>
+                <a:gridCol w="2057400"/>
+                <a:gridCol w="2057400"/>
+                <a:gridCol w="2057400"/>
+                <a:gridCol w="2057400"/>
+              </a:tblGrid>
+              <a:tr h="370840">
+                <a:tc>
+                  <a:txBody>
+                    <a:bodyPr/>
+                    <a:lstStyle/>
+                    <a:p>
+                      <a:pPr marL="0" marR="0" algn="ctr">
+                        <a:lnSpc>
+                          <a:spcPct val="150000"/>
+                        </a:lnSpc>
+                        <a:spcBef>
+                          <a:spcPts val="0"/>
+                        </a:spcBef>
+                        <a:spcAft>
+                          <a:spcPts val="1000"/>
+                        </a:spcAft>
+                      </a:pPr>
+                      <a:r>
+                        <a:rPr lang="en-US" sz="2400" b="1">
+                          <a:latin typeface="Times New Roman"/>
+                          <a:ea typeface="Calibri"/>
+                          <a:cs typeface="Times New Roman"/>
+                        </a:rPr>
+                        <a:t>S-box</a:t>
+                      </a:r>
+                    </a:p>
+                  </a:txBody>
+                  <a:tcPr marL="68580" marR="68580" marT="0" marB="0"/>
+                </a:tc>
+                <a:tc>
+                  <a:txBody>
+                    <a:bodyPr/>
+                    <a:lstStyle/>
+                    <a:p>
+                      <a:pPr marL="0" marR="0" algn="ctr">
+                        <a:lnSpc>
+                          <a:spcPct val="150000"/>
+                        </a:lnSpc>
+                        <a:spcBef>
+                          <a:spcPts val="0"/>
+                        </a:spcBef>
+                        <a:spcAft>
+                          <a:spcPts val="1000"/>
+                        </a:spcAft>
+                      </a:pPr>
+                      <a:r>
+                        <a:rPr lang="en-US" sz="2400" b="1">
+                          <a:latin typeface="Times New Roman"/>
+                          <a:ea typeface="Calibri"/>
+                          <a:cs typeface="Times New Roman"/>
+                        </a:rPr>
+                        <a:t>Độ phi tuyến</a:t>
+                      </a:r>
+                      <a:endParaRPr lang="en-US" sz="2400">
+                        <a:latin typeface="Times New Roman"/>
+                        <a:ea typeface="Calibri"/>
+                        <a:cs typeface="Times New Roman"/>
+                      </a:endParaRPr>
+                    </a:p>
+                  </a:txBody>
+                  <a:tcPr marL="68580" marR="68580" marT="0" marB="0"/>
+                </a:tc>
+                <a:tc>
+                  <a:txBody>
+                    <a:bodyPr/>
+                    <a:lstStyle/>
+                    <a:p>
+                      <a:pPr marL="0" marR="0" algn="ctr">
+                        <a:lnSpc>
+                          <a:spcPct val="150000"/>
+                        </a:lnSpc>
+                        <a:spcBef>
+                          <a:spcPts val="0"/>
+                        </a:spcBef>
+                        <a:spcAft>
+                          <a:spcPts val="1000"/>
+                        </a:spcAft>
+                      </a:pPr>
+                      <a:r>
+                        <a:rPr lang="en-US" sz="2400" b="1">
+                          <a:latin typeface="Times New Roman"/>
+                          <a:ea typeface="Calibri"/>
+                          <a:cs typeface="Times New Roman"/>
+                        </a:rPr>
+                        <a:t>Mức đồng nhất sai phân</a:t>
+                      </a:r>
+                      <a:endParaRPr lang="en-US" sz="2400">
+                        <a:latin typeface="Times New Roman"/>
+                        <a:ea typeface="Calibri"/>
+                        <a:cs typeface="Times New Roman"/>
+                      </a:endParaRPr>
+                    </a:p>
+                  </a:txBody>
+                  <a:tcPr marL="68580" marR="68580" marT="0" marB="0"/>
+                </a:tc>
+                <a:tc>
+                  <a:txBody>
+                    <a:bodyPr/>
+                    <a:lstStyle/>
+                    <a:p>
+                      <a:pPr marL="0" marR="0" algn="ctr">
+                        <a:lnSpc>
+                          <a:spcPct val="150000"/>
+                        </a:lnSpc>
+                        <a:spcBef>
+                          <a:spcPts val="0"/>
+                        </a:spcBef>
+                        <a:spcAft>
+                          <a:spcPts val="1000"/>
+                        </a:spcAft>
+                      </a:pPr>
+                      <a:r>
+                        <a:rPr lang="en-US" sz="2400" b="1">
+                          <a:latin typeface="Times New Roman"/>
+                          <a:ea typeface="Calibri"/>
+                          <a:cs typeface="Times New Roman"/>
+                        </a:rPr>
+                        <a:t>SAC</a:t>
+                      </a:r>
+                      <a:endParaRPr lang="en-US" sz="2400">
+                        <a:latin typeface="Times New Roman"/>
+                        <a:ea typeface="Calibri"/>
+                        <a:cs typeface="Times New Roman"/>
+                      </a:endParaRPr>
+                    </a:p>
+                  </a:txBody>
+                  <a:tcPr marL="68580" marR="68580" marT="0" marB="0"/>
+                </a:tc>
+              </a:tr>
+              <a:tr h="370840">
+                <a:tc>
+                  <a:txBody>
+                    <a:bodyPr/>
+                    <a:lstStyle/>
+                    <a:p>
+                      <a:pPr marL="0" marR="0" algn="ctr">
+                        <a:lnSpc>
+                          <a:spcPct val="150000"/>
+                        </a:lnSpc>
+                        <a:spcBef>
+                          <a:spcPts val="0"/>
+                        </a:spcBef>
+                        <a:spcAft>
+                          <a:spcPts val="1000"/>
+                        </a:spcAft>
+                      </a:pPr>
+                      <a:r>
+                        <a:rPr lang="en-US" sz="2400" b="1">
+                          <a:latin typeface="Times New Roman"/>
+                          <a:ea typeface="Calibri"/>
+                          <a:cs typeface="Times New Roman"/>
+                        </a:rPr>
+                        <a:t>S-box trong AES</a:t>
+                      </a:r>
+                    </a:p>
+                  </a:txBody>
+                  <a:tcPr marL="68580" marR="68580" marT="0" marB="0"/>
+                </a:tc>
+                <a:tc>
+                  <a:txBody>
+                    <a:bodyPr/>
+                    <a:lstStyle/>
+                    <a:p>
+                      <a:pPr marL="0" marR="0" algn="ctr">
+                        <a:lnSpc>
+                          <a:spcPct val="150000"/>
+                        </a:lnSpc>
+                        <a:spcBef>
+                          <a:spcPts val="0"/>
+                        </a:spcBef>
+                        <a:spcAft>
+                          <a:spcPts val="1000"/>
+                        </a:spcAft>
+                      </a:pPr>
+                      <a:r>
+                        <a:rPr lang="en-US" sz="2400">
+                          <a:latin typeface="Times New Roman"/>
+                          <a:ea typeface="Calibri"/>
+                          <a:cs typeface="Times New Roman"/>
+                        </a:rPr>
+                        <a:t>112</a:t>
+                      </a:r>
+                    </a:p>
+                  </a:txBody>
+                  <a:tcPr marL="68580" marR="68580" marT="0" marB="0"/>
+                </a:tc>
+                <a:tc>
+                  <a:txBody>
+                    <a:bodyPr/>
+                    <a:lstStyle/>
+                    <a:p>
+                      <a:pPr marL="0" marR="0" algn="ctr">
+                        <a:lnSpc>
+                          <a:spcPct val="150000"/>
+                        </a:lnSpc>
+                        <a:spcBef>
+                          <a:spcPts val="0"/>
+                        </a:spcBef>
+                        <a:spcAft>
+                          <a:spcPts val="1000"/>
+                        </a:spcAft>
+                      </a:pPr>
+                      <a:r>
+                        <a:rPr lang="en-US" sz="2400">
+                          <a:latin typeface="Times New Roman"/>
+                          <a:ea typeface="Calibri"/>
+                          <a:cs typeface="Times New Roman"/>
+                        </a:rPr>
+                        <a:t>4</a:t>
+                      </a:r>
+                    </a:p>
+                  </a:txBody>
+                  <a:tcPr marL="68580" marR="68580" marT="0" marB="0"/>
+                </a:tc>
+                <a:tc>
+                  <a:txBody>
+                    <a:bodyPr/>
+                    <a:lstStyle/>
+                    <a:p>
+                      <a:pPr marL="0" marR="0" algn="ctr">
+                        <a:lnSpc>
+                          <a:spcPct val="150000"/>
+                        </a:lnSpc>
+                        <a:spcBef>
+                          <a:spcPts val="0"/>
+                        </a:spcBef>
+                        <a:spcAft>
+                          <a:spcPts val="1000"/>
+                        </a:spcAft>
+                      </a:pPr>
+                      <a:r>
+                        <a:rPr lang="en-US" sz="2400">
+                          <a:latin typeface="Times New Roman"/>
+                          <a:ea typeface="Calibri"/>
+                          <a:cs typeface="Times New Roman"/>
+                        </a:rPr>
+                        <a:t>~ 1/2</a:t>
+                      </a:r>
+                    </a:p>
+                  </a:txBody>
+                  <a:tcPr marL="68580" marR="68580" marT="0" marB="0"/>
+                </a:tc>
+              </a:tr>
+              <a:tr h="370840">
+                <a:tc>
+                  <a:txBody>
+                    <a:bodyPr/>
+                    <a:lstStyle/>
+                    <a:p>
+                      <a:pPr marL="0" marR="0" algn="ctr">
+                        <a:lnSpc>
+                          <a:spcPct val="150000"/>
+                        </a:lnSpc>
+                        <a:spcBef>
+                          <a:spcPts val="0"/>
+                        </a:spcBef>
+                        <a:spcAft>
+                          <a:spcPts val="1000"/>
+                        </a:spcAft>
+                      </a:pPr>
+                      <a:r>
+                        <a:rPr lang="en-US" sz="2400" b="1">
+                          <a:latin typeface="Times New Roman"/>
+                          <a:ea typeface="Calibri"/>
+                          <a:cs typeface="Times New Roman"/>
+                        </a:rPr>
+                        <a:t>S-box </a:t>
+                      </a:r>
+                      <a:r>
+                        <a:rPr lang="en-US" sz="2400" b="1" i="1">
+                          <a:latin typeface="Times New Roman"/>
+                          <a:ea typeface="Calibri"/>
+                          <a:cs typeface="Times New Roman"/>
+                        </a:rPr>
+                        <a:t>S</a:t>
+                      </a:r>
+                      <a:r>
+                        <a:rPr lang="en-US" sz="2400" b="1" baseline="-25000">
+                          <a:latin typeface="Times New Roman"/>
+                          <a:ea typeface="Calibri"/>
+                          <a:cs typeface="Times New Roman"/>
+                        </a:rPr>
+                        <a:t>0</a:t>
+                      </a:r>
+                      <a:r>
+                        <a:rPr lang="en-US" sz="2400" b="1">
+                          <a:latin typeface="Times New Roman"/>
+                          <a:ea typeface="Calibri"/>
+                          <a:cs typeface="Times New Roman"/>
+                        </a:rPr>
+                        <a:t> trong </a:t>
+                      </a:r>
+                      <a:r>
+                        <a:rPr lang="en-US" sz="2400" b="1" i="1">
+                          <a:latin typeface="Times New Roman"/>
+                          <a:ea typeface="Calibri"/>
+                          <a:cs typeface="Times New Roman"/>
+                        </a:rPr>
+                        <a:t>F</a:t>
+                      </a:r>
+                      <a:endParaRPr lang="en-US" sz="2400" b="1">
+                        <a:latin typeface="Times New Roman"/>
+                        <a:ea typeface="Calibri"/>
+                        <a:cs typeface="Times New Roman"/>
+                      </a:endParaRPr>
+                    </a:p>
+                  </a:txBody>
+                  <a:tcPr marL="68580" marR="68580" marT="0" marB="0"/>
+                </a:tc>
+                <a:tc>
+                  <a:txBody>
+                    <a:bodyPr/>
+                    <a:lstStyle/>
+                    <a:p>
+                      <a:pPr marL="0" marR="0" algn="ctr">
+                        <a:lnSpc>
+                          <a:spcPct val="150000"/>
+                        </a:lnSpc>
+                        <a:spcBef>
+                          <a:spcPts val="0"/>
+                        </a:spcBef>
+                        <a:spcAft>
+                          <a:spcPts val="1000"/>
+                        </a:spcAft>
+                      </a:pPr>
+                      <a:r>
+                        <a:rPr lang="en-US" sz="2400">
+                          <a:latin typeface="Times New Roman"/>
+                          <a:ea typeface="Calibri"/>
+                          <a:cs typeface="Times New Roman"/>
+                        </a:rPr>
+                        <a:t>96</a:t>
+                      </a:r>
+                    </a:p>
+                  </a:txBody>
+                  <a:tcPr marL="68580" marR="68580" marT="0" marB="0"/>
+                </a:tc>
+                <a:tc>
+                  <a:txBody>
+                    <a:bodyPr/>
+                    <a:lstStyle/>
+                    <a:p>
+                      <a:pPr marL="0" marR="0" algn="ctr">
+                        <a:lnSpc>
+                          <a:spcPct val="150000"/>
+                        </a:lnSpc>
+                        <a:spcBef>
+                          <a:spcPts val="0"/>
+                        </a:spcBef>
+                        <a:spcAft>
+                          <a:spcPts val="1000"/>
+                        </a:spcAft>
+                      </a:pPr>
+                      <a:r>
+                        <a:rPr lang="en-US" sz="2400">
+                          <a:latin typeface="Times New Roman"/>
+                          <a:ea typeface="Calibri"/>
+                          <a:cs typeface="Times New Roman"/>
+                        </a:rPr>
+                        <a:t>8</a:t>
+                      </a:r>
+                    </a:p>
+                  </a:txBody>
+                  <a:tcPr marL="68580" marR="68580" marT="0" marB="0"/>
+                </a:tc>
+                <a:tc>
+                  <a:txBody>
+                    <a:bodyPr/>
+                    <a:lstStyle/>
+                    <a:p>
+                      <a:pPr marL="0" marR="0" algn="ctr">
+                        <a:lnSpc>
+                          <a:spcPct val="150000"/>
+                        </a:lnSpc>
+                        <a:spcBef>
+                          <a:spcPts val="0"/>
+                        </a:spcBef>
+                        <a:spcAft>
+                          <a:spcPts val="1000"/>
+                        </a:spcAft>
+                      </a:pPr>
+                      <a:r>
+                        <a:rPr lang="en-US" sz="2400">
+                          <a:latin typeface="Times New Roman"/>
+                          <a:ea typeface="Calibri"/>
+                          <a:cs typeface="Times New Roman"/>
+                        </a:rPr>
+                        <a:t>~ 1/2</a:t>
+                      </a:r>
+                    </a:p>
+                  </a:txBody>
+                  <a:tcPr marL="68580" marR="68580" marT="0" marB="0"/>
+                </a:tc>
+              </a:tr>
+              <a:tr h="370840">
+                <a:tc>
+                  <a:txBody>
+                    <a:bodyPr/>
+                    <a:lstStyle/>
+                    <a:p>
+                      <a:pPr marL="0" marR="0" algn="ctr">
+                        <a:lnSpc>
+                          <a:spcPct val="150000"/>
+                        </a:lnSpc>
+                        <a:spcBef>
+                          <a:spcPts val="0"/>
+                        </a:spcBef>
+                        <a:spcAft>
+                          <a:spcPts val="1000"/>
+                        </a:spcAft>
+                      </a:pPr>
+                      <a:r>
+                        <a:rPr lang="en-US" sz="2400" b="1">
+                          <a:latin typeface="Times New Roman"/>
+                          <a:ea typeface="Calibri"/>
+                          <a:cs typeface="Times New Roman"/>
+                        </a:rPr>
+                        <a:t>S-box </a:t>
+                      </a:r>
+                      <a:r>
+                        <a:rPr lang="en-US" sz="2400" b="1" i="1">
+                          <a:latin typeface="Times New Roman"/>
+                          <a:ea typeface="Calibri"/>
+                          <a:cs typeface="Times New Roman"/>
+                        </a:rPr>
+                        <a:t>S</a:t>
+                      </a:r>
+                      <a:r>
+                        <a:rPr lang="en-US" sz="2400" b="1" baseline="-25000">
+                          <a:latin typeface="Times New Roman"/>
+                          <a:ea typeface="Calibri"/>
+                          <a:cs typeface="Times New Roman"/>
+                        </a:rPr>
+                        <a:t>1</a:t>
+                      </a:r>
+                      <a:r>
+                        <a:rPr lang="en-US" sz="2400" b="1">
+                          <a:latin typeface="Times New Roman"/>
+                          <a:ea typeface="Calibri"/>
+                          <a:cs typeface="Times New Roman"/>
+                        </a:rPr>
+                        <a:t> trong </a:t>
+                      </a:r>
+                      <a:r>
+                        <a:rPr lang="en-US" sz="2400" b="1" i="1">
+                          <a:latin typeface="Times New Roman"/>
+                          <a:ea typeface="Calibri"/>
+                          <a:cs typeface="Times New Roman"/>
+                        </a:rPr>
+                        <a:t>F</a:t>
+                      </a:r>
+                      <a:endParaRPr lang="en-US" sz="2400" b="1">
+                        <a:latin typeface="Times New Roman"/>
+                        <a:ea typeface="Calibri"/>
+                        <a:cs typeface="Times New Roman"/>
+                      </a:endParaRPr>
+                    </a:p>
+                  </a:txBody>
+                  <a:tcPr marL="68580" marR="68580" marT="0" marB="0"/>
+                </a:tc>
+                <a:tc>
+                  <a:txBody>
+                    <a:bodyPr/>
+                    <a:lstStyle/>
+                    <a:p>
+                      <a:pPr marL="0" marR="0" algn="ctr">
+                        <a:lnSpc>
+                          <a:spcPct val="150000"/>
+                        </a:lnSpc>
+                        <a:spcBef>
+                          <a:spcPts val="0"/>
+                        </a:spcBef>
+                        <a:spcAft>
+                          <a:spcPts val="1000"/>
+                        </a:spcAft>
+                      </a:pPr>
+                      <a:r>
+                        <a:rPr lang="en-US" sz="2400">
+                          <a:latin typeface="Times New Roman"/>
+                          <a:ea typeface="Calibri"/>
+                          <a:cs typeface="Times New Roman"/>
+                        </a:rPr>
+                        <a:t>112</a:t>
+                      </a:r>
+                    </a:p>
+                  </a:txBody>
+                  <a:tcPr marL="68580" marR="68580" marT="0" marB="0"/>
+                </a:tc>
+                <a:tc>
+                  <a:txBody>
+                    <a:bodyPr/>
+                    <a:lstStyle/>
+                    <a:p>
+                      <a:pPr marL="0" marR="0" algn="ctr">
+                        <a:lnSpc>
+                          <a:spcPct val="150000"/>
+                        </a:lnSpc>
+                        <a:spcBef>
+                          <a:spcPts val="0"/>
+                        </a:spcBef>
+                        <a:spcAft>
+                          <a:spcPts val="1000"/>
+                        </a:spcAft>
+                      </a:pPr>
+                      <a:r>
+                        <a:rPr lang="en-US" sz="2400">
+                          <a:latin typeface="Times New Roman"/>
+                          <a:ea typeface="Calibri"/>
+                          <a:cs typeface="Times New Roman"/>
+                        </a:rPr>
+                        <a:t>4</a:t>
+                      </a:r>
+                    </a:p>
+                  </a:txBody>
+                  <a:tcPr marL="68580" marR="68580" marT="0" marB="0"/>
+                </a:tc>
+                <a:tc>
+                  <a:txBody>
+                    <a:bodyPr/>
+                    <a:lstStyle/>
+                    <a:p>
+                      <a:pPr marL="0" marR="0" algn="ctr">
+                        <a:lnSpc>
+                          <a:spcPct val="150000"/>
+                        </a:lnSpc>
+                        <a:spcBef>
+                          <a:spcPts val="0"/>
+                        </a:spcBef>
+                        <a:spcAft>
+                          <a:spcPts val="1000"/>
+                        </a:spcAft>
+                      </a:pPr>
+                      <a:r>
+                        <a:rPr lang="en-US" sz="2400">
+                          <a:latin typeface="Times New Roman"/>
+                          <a:ea typeface="Calibri"/>
+                          <a:cs typeface="Times New Roman"/>
+                        </a:rPr>
+                        <a:t>~ 1/2</a:t>
+                      </a:r>
+                    </a:p>
+                  </a:txBody>
+                  <a:tcPr marL="68580" marR="68580" marT="0" marB="0"/>
+                </a:tc>
+              </a:tr>
+              <a:tr h="370840">
+                <a:tc>
+                  <a:txBody>
+                    <a:bodyPr/>
+                    <a:lstStyle/>
+                    <a:p>
+                      <a:pPr marL="0" marR="0" algn="ctr">
+                        <a:lnSpc>
+                          <a:spcPct val="150000"/>
+                        </a:lnSpc>
+                        <a:spcBef>
+                          <a:spcPts val="0"/>
+                        </a:spcBef>
+                        <a:spcAft>
+                          <a:spcPts val="1000"/>
+                        </a:spcAft>
+                      </a:pPr>
+                      <a:r>
+                        <a:rPr lang="en-US" sz="2400" b="1">
+                          <a:latin typeface="Times New Roman"/>
+                          <a:ea typeface="Calibri"/>
+                          <a:cs typeface="Times New Roman"/>
+                        </a:rPr>
+                        <a:t>Giá trị tối ưu</a:t>
+                      </a:r>
+                    </a:p>
+                  </a:txBody>
+                  <a:tcPr marL="68580" marR="68580" marT="0" marB="0"/>
+                </a:tc>
+                <a:tc>
+                  <a:txBody>
+                    <a:bodyPr/>
+                    <a:lstStyle/>
+                    <a:p>
+                      <a:pPr marL="0" marR="0" algn="ctr">
+                        <a:lnSpc>
+                          <a:spcPct val="150000"/>
+                        </a:lnSpc>
+                        <a:spcBef>
+                          <a:spcPts val="0"/>
+                        </a:spcBef>
+                        <a:spcAft>
+                          <a:spcPts val="1000"/>
+                        </a:spcAft>
+                      </a:pPr>
+                      <a:r>
+                        <a:rPr lang="en-US" sz="2400">
+                          <a:latin typeface="Times New Roman"/>
+                          <a:ea typeface="Calibri"/>
+                          <a:cs typeface="Times New Roman"/>
+                        </a:rPr>
+                        <a:t>118</a:t>
+                      </a:r>
+                    </a:p>
+                  </a:txBody>
+                  <a:tcPr marL="68580" marR="68580" marT="0" marB="0"/>
+                </a:tc>
+                <a:tc>
+                  <a:txBody>
+                    <a:bodyPr/>
+                    <a:lstStyle/>
+                    <a:p>
+                      <a:pPr marL="0" marR="0" algn="ctr">
+                        <a:lnSpc>
+                          <a:spcPct val="150000"/>
+                        </a:lnSpc>
+                        <a:spcBef>
+                          <a:spcPts val="0"/>
+                        </a:spcBef>
+                        <a:spcAft>
+                          <a:spcPts val="1000"/>
+                        </a:spcAft>
+                      </a:pPr>
+                      <a:r>
+                        <a:rPr lang="en-US" sz="2400">
+                          <a:latin typeface="Times New Roman"/>
+                          <a:ea typeface="Calibri"/>
+                          <a:cs typeface="Times New Roman"/>
+                        </a:rPr>
+                        <a:t>4</a:t>
+                      </a:r>
+                    </a:p>
+                  </a:txBody>
+                  <a:tcPr marL="68580" marR="68580" marT="0" marB="0"/>
+                </a:tc>
+                <a:tc>
+                  <a:txBody>
+                    <a:bodyPr/>
+                    <a:lstStyle/>
+                    <a:p>
+                      <a:pPr marL="0" marR="0" algn="ctr">
+                        <a:lnSpc>
+                          <a:spcPct val="150000"/>
+                        </a:lnSpc>
+                        <a:spcBef>
+                          <a:spcPts val="0"/>
+                        </a:spcBef>
+                        <a:spcAft>
+                          <a:spcPts val="1000"/>
+                        </a:spcAft>
+                      </a:pPr>
+                      <a:r>
+                        <a:rPr lang="en-US" sz="2400">
+                          <a:latin typeface="Times New Roman"/>
+                          <a:ea typeface="Calibri"/>
+                          <a:cs typeface="Times New Roman"/>
+                        </a:rPr>
+                        <a:t>   1/2</a:t>
+                      </a:r>
+                    </a:p>
+                  </a:txBody>
+                  <a:tcPr marL="68580" marR="68580" marT="0" marB="0"/>
+                </a:tc>
+              </a:tr>
+            </a:tbl>
+          </a:graphicData>
+        </a:graphic>
+      </p:graphicFrame>
+      <p:sp>
+        <p:nvSpPr>
+          <p:cNvPr id="4" name="Date Placeholder 3"/>
+          <p:cNvSpPr>
+            <a:spLocks noGrp="1"/>
+          </p:cNvSpPr>
+          <p:nvPr>
+            <p:ph type="dt" sz="half" idx="10"/>
+          </p:nvPr>
+        </p:nvSpPr>
+        <p:spPr/>
+        <p:txBody>
+          <a:bodyPr/>
+          <a:lstStyle/>
+          <a:p>
+            <a:fld id="{7C294124-47EA-4536-AD0A-FC4FCEA2FD23}" type="datetime1">
+              <a:rPr lang="vi-VN" smtClean="0"/>
+              <a:pPr/>
+              <a:t>11/06/2011</a:t>
+            </a:fld>
+            <a:endParaRPr lang="en-US"/>
+          </a:p>
+        </p:txBody>
+      </p:sp>
+      <p:sp>
+        <p:nvSpPr>
+          <p:cNvPr id="5" name="Footer Placeholder 4"/>
+          <p:cNvSpPr>
+            <a:spLocks noGrp="1"/>
+          </p:cNvSpPr>
+          <p:nvPr>
+            <p:ph type="ftr" sz="quarter" idx="11"/>
+          </p:nvPr>
+        </p:nvSpPr>
+        <p:spPr/>
+        <p:txBody>
+          <a:bodyPr/>
+          <a:lstStyle/>
+          <a:p>
+            <a:r>
+              <a:rPr lang="en-US" smtClean="0"/>
+              <a:t>Khảo sát mã dòng và ứng dụng</a:t>
+            </a:r>
+            <a:endParaRPr lang="en-US"/>
+          </a:p>
+        </p:txBody>
+      </p:sp>
+      <p:sp>
+        <p:nvSpPr>
+          <p:cNvPr id="6" name="Slide Number Placeholder 5"/>
+          <p:cNvSpPr>
+            <a:spLocks noGrp="1"/>
+          </p:cNvSpPr>
+          <p:nvPr>
+            <p:ph type="sldNum" sz="quarter" idx="12"/>
+          </p:nvPr>
+        </p:nvSpPr>
+        <p:spPr/>
+        <p:txBody>
+          <a:bodyPr/>
+          <a:lstStyle/>
+          <a:p>
+            <a:fld id="{CA554274-6C47-4D4B-8630-CC803E51C38C}" type="slidenum">
+              <a:rPr lang="en-US" smtClean="0"/>
+              <a:pPr/>
+              <a:t>43</a:t>
+            </a:fld>
+            <a:endParaRPr lang="en-US"/>
+          </a:p>
+        </p:txBody>
+      </p:sp>
+    </p:spTree>
+  </p:cSld>
+  <p:clrMapOvr>
+    <a:masterClrMapping/>
+  </p:clrMapOvr>
+  <p:timing>
+    <p:tnLst>
+      <p:par>
+        <p:cTn id="1" dur="indefinite" restart="never" nodeType="tmRoot"/>
+      </p:par>
+    </p:tnLst>
+  </p:timing>
+</p:sld>
+</file>
+
+<file path=ppt/slides/slide44.xml><?xml version="1.0" encoding="utf-8"?>
+<p:sld xmlns:a="http://schemas.openxmlformats.org/drawingml/2006/main" xmlns:r="http://schemas.openxmlformats.org/officeDocument/2006/relationships" xmlns:p="http://schemas.openxmlformats.org/presentationml/2006/main">
+  <p:cSld>
+    <p:spTree>
+      <p:nvGrpSpPr>
+        <p:cNvPr id="1" name=""/>
+        <p:cNvGrpSpPr/>
+        <p:nvPr/>
+      </p:nvGrpSpPr>
+      <p:grpSpPr>
+        <a:xfrm>
+          <a:off x="0" y="0"/>
+          <a:ext cx="0" cy="0"/>
+          <a:chOff x="0" y="0"/>
+          <a:chExt cx="0" cy="0"/>
+        </a:xfrm>
+      </p:grpSpPr>
+      <p:sp>
+        <p:nvSpPr>
+          <p:cNvPr id="2" name="Title 1"/>
+          <p:cNvSpPr>
+            <a:spLocks noGrp="1"/>
+          </p:cNvSpPr>
+          <p:nvPr>
+            <p:ph type="title"/>
+          </p:nvPr>
+        </p:nvSpPr>
+        <p:spPr/>
+        <p:txBody>
+          <a:bodyPr/>
+          <a:lstStyle/>
+          <a:p>
+            <a:r>
+              <a:rPr lang="en-US" b="1" smtClean="0"/>
+              <a:t>Nhận xét tính an toàn của ZUC</a:t>
+            </a:r>
+            <a:endParaRPr lang="en-US" b="1"/>
+          </a:p>
+        </p:txBody>
+      </p:sp>
+      <p:sp>
+        <p:nvSpPr>
+          <p:cNvPr id="3" name="Content Placeholder 2"/>
+          <p:cNvSpPr>
+            <a:spLocks noGrp="1"/>
+          </p:cNvSpPr>
+          <p:nvPr>
+            <p:ph idx="1"/>
+          </p:nvPr>
+        </p:nvSpPr>
+        <p:spPr/>
+        <p:txBody>
+          <a:bodyPr/>
+          <a:lstStyle/>
+          <a:p>
+            <a:endParaRPr lang="en-US"/>
+          </a:p>
+        </p:txBody>
+      </p:sp>
+      <p:sp>
+        <p:nvSpPr>
+          <p:cNvPr id="4" name="Date Placeholder 3"/>
+          <p:cNvSpPr>
+            <a:spLocks noGrp="1"/>
+          </p:cNvSpPr>
+          <p:nvPr>
+            <p:ph type="dt" sz="half" idx="10"/>
+          </p:nvPr>
+        </p:nvSpPr>
+        <p:spPr/>
+        <p:txBody>
+          <a:bodyPr/>
+          <a:lstStyle/>
+          <a:p>
+            <a:fld id="{7C294124-47EA-4536-AD0A-FC4FCEA2FD23}" type="datetime1">
+              <a:rPr lang="vi-VN" smtClean="0"/>
+              <a:pPr/>
+              <a:t>11/06/2011</a:t>
+            </a:fld>
+            <a:endParaRPr lang="en-US"/>
+          </a:p>
+        </p:txBody>
+      </p:sp>
+      <p:sp>
+        <p:nvSpPr>
+          <p:cNvPr id="5" name="Footer Placeholder 4"/>
+          <p:cNvSpPr>
+            <a:spLocks noGrp="1"/>
+          </p:cNvSpPr>
+          <p:nvPr>
+            <p:ph type="ftr" sz="quarter" idx="11"/>
+          </p:nvPr>
+        </p:nvSpPr>
+        <p:spPr/>
+        <p:txBody>
+          <a:bodyPr/>
+          <a:lstStyle/>
+          <a:p>
+            <a:r>
+              <a:rPr lang="en-US" smtClean="0"/>
+              <a:t>Khảo sát mã dòng và ứng dụng</a:t>
+            </a:r>
+            <a:endParaRPr lang="en-US"/>
+          </a:p>
+        </p:txBody>
+      </p:sp>
+      <p:sp>
+        <p:nvSpPr>
+          <p:cNvPr id="6" name="Slide Number Placeholder 5"/>
+          <p:cNvSpPr>
+            <a:spLocks noGrp="1"/>
+          </p:cNvSpPr>
+          <p:nvPr>
+            <p:ph type="sldNum" sz="quarter" idx="12"/>
+          </p:nvPr>
+        </p:nvSpPr>
+        <p:spPr/>
+        <p:txBody>
+          <a:bodyPr/>
+          <a:lstStyle/>
+          <a:p>
+            <a:fld id="{CA554274-6C47-4D4B-8630-CC803E51C38C}" type="slidenum">
+              <a:rPr lang="en-US" smtClean="0"/>
+              <a:pPr/>
+              <a:t>44</a:t>
+            </a:fld>
+            <a:endParaRPr lang="en-US"/>
+          </a:p>
+        </p:txBody>
+      </p:sp>
+    </p:spTree>
+  </p:cSld>
+  <p:clrMapOvr>
+    <a:masterClrMapping/>
+  </p:clrMapOvr>
+  <p:timing>
+    <p:tnLst>
+      <p:par>
+        <p:cTn id="1" dur="indefinite" restart="never" nodeType="tmRoot"/>
+      </p:par>
+    </p:tnLst>
+  </p:timing>
+</p:sld>
+</file>
+
 <file path=ppt/slides/slide5.xml><?xml version="1.0" encoding="utf-8"?>
 <p:sld xmlns:a="http://schemas.openxmlformats.org/drawingml/2006/main" xmlns:r="http://schemas.openxmlformats.org/officeDocument/2006/relationships" xmlns:p="http://schemas.openxmlformats.org/presentationml/2006/main">
   <p:cSld>
@@ -39586,10 +46940,10 @@
           <a:lstStyle/>
           <a:p>
             <a:r>
-              <a:rPr lang="en-US" sz="4400" smtClean="0"/>
+              <a:rPr lang="en-US" sz="4400" b="1" smtClean="0"/>
               <a:t>Giới thiệu và mục tiêu đề tài</a:t>
             </a:r>
-            <a:endParaRPr lang="en-US"/>
+            <a:endParaRPr lang="en-US" b="1"/>
           </a:p>
         </p:txBody>
       </p:sp>
@@ -39909,10 +47263,10 @@
           <a:lstStyle/>
           <a:p>
             <a:r>
-              <a:rPr lang="en-US" sz="4400" smtClean="0"/>
+              <a:rPr lang="en-US" sz="4400" b="1" smtClean="0"/>
               <a:t>Giới thiệu và mục tiêu đề tài</a:t>
             </a:r>
-            <a:endParaRPr lang="en-US"/>
+            <a:endParaRPr lang="en-US" b="1"/>
           </a:p>
         </p:txBody>
       </p:sp>
@@ -40141,10 +47495,10 @@
           <a:lstStyle/>
           <a:p>
             <a:r>
-              <a:rPr lang="en-US" sz="4400" smtClean="0"/>
+              <a:rPr lang="en-US" sz="4400" b="1" smtClean="0"/>
               <a:t>Giới thiệu và mục tiêu đề tài</a:t>
             </a:r>
-            <a:endParaRPr lang="en-US"/>
+            <a:endParaRPr lang="en-US" b="1"/>
           </a:p>
         </p:txBody>
       </p:sp>
@@ -40384,10 +47738,10 @@
           <a:lstStyle/>
           <a:p>
             <a:r>
-              <a:rPr lang="en-US" sz="4400" smtClean="0"/>
+              <a:rPr lang="en-US" sz="4400" b="1" smtClean="0"/>
               <a:t>Giới thiệu và mục tiêu đề tài</a:t>
             </a:r>
-            <a:endParaRPr lang="en-US"/>
+            <a:endParaRPr lang="en-US" b="1"/>
           </a:p>
         </p:txBody>
       </p:sp>
@@ -40530,10 +47884,10 @@
           <a:lstStyle/>
           <a:p>
             <a:r>
-              <a:rPr lang="en-US" smtClean="0"/>
+              <a:rPr lang="en-US" b="1" smtClean="0"/>
               <a:t>Nội dung</a:t>
             </a:r>
-            <a:endParaRPr lang="en-US"/>
+            <a:endParaRPr lang="en-US" b="1"/>
           </a:p>
         </p:txBody>
       </p:sp>
